--- a/New Release of SolrMarc.pptx
+++ b/New Release of SolrMarc.pptx
@@ -5,7 +5,7 @@
     <p:sldMasterId id="2147483648" r:id="rId1"/>
   </p:sldMasterIdLst>
   <p:notesMasterIdLst>
-    <p:notesMasterId r:id="rId9"/>
+    <p:notesMasterId r:id="rId19"/>
   </p:notesMasterIdLst>
   <p:sldIdLst>
     <p:sldId id="256" r:id="rId2"/>
@@ -15,6 +15,16 @@
     <p:sldId id="260" r:id="rId6"/>
     <p:sldId id="261" r:id="rId7"/>
     <p:sldId id="262" r:id="rId8"/>
+    <p:sldId id="263" r:id="rId9"/>
+    <p:sldId id="264" r:id="rId10"/>
+    <p:sldId id="265" r:id="rId11"/>
+    <p:sldId id="266" r:id="rId12"/>
+    <p:sldId id="267" r:id="rId13"/>
+    <p:sldId id="268" r:id="rId14"/>
+    <p:sldId id="269" r:id="rId15"/>
+    <p:sldId id="270" r:id="rId16"/>
+    <p:sldId id="271" r:id="rId17"/>
+    <p:sldId id="272" r:id="rId18"/>
   </p:sldIdLst>
   <p:sldSz cx="9144000" cy="6858000" type="screen4x3"/>
   <p:notesSz cx="6858000" cy="9144000"/>
@@ -198,7 +208,7 @@
           <a:p>
             <a:fld id="{3B0E7819-CD1E-4708-9554-34F22524524B}" type="datetimeFigureOut">
               <a:rPr lang="en-US" smtClean="0"/>
-              <a:t>9/30/2016</a:t>
+              <a:t>10/1/2016</a:t>
             </a:fld>
             <a:endParaRPr lang="en-US"/>
           </a:p>
@@ -566,6 +576,112 @@
 </p:notes>
 </file>
 
+<file path=ppt/notesSlides/notesSlide2.xml><?xml version="1.0" encoding="utf-8"?>
+<p:notes xmlns:a="http://schemas.openxmlformats.org/drawingml/2006/main" xmlns:r="http://schemas.openxmlformats.org/officeDocument/2006/relationships" xmlns:p="http://schemas.openxmlformats.org/presentationml/2006/main">
+  <p:cSld>
+    <p:spTree>
+      <p:nvGrpSpPr>
+        <p:cNvPr id="1" name=""/>
+        <p:cNvGrpSpPr/>
+        <p:nvPr/>
+      </p:nvGrpSpPr>
+      <p:grpSpPr>
+        <a:xfrm>
+          <a:off x="0" y="0"/>
+          <a:ext cx="0" cy="0"/>
+          <a:chOff x="0" y="0"/>
+          <a:chExt cx="0" cy="0"/>
+        </a:xfrm>
+      </p:grpSpPr>
+      <p:sp>
+        <p:nvSpPr>
+          <p:cNvPr id="2" name="Slide Image Placeholder 1"/>
+          <p:cNvSpPr>
+            <a:spLocks noGrp="1" noRot="1" noChangeAspect="1"/>
+          </p:cNvSpPr>
+          <p:nvPr>
+            <p:ph type="sldImg"/>
+          </p:nvPr>
+        </p:nvSpPr>
+        <p:spPr/>
+      </p:sp>
+      <p:sp>
+        <p:nvSpPr>
+          <p:cNvPr id="3" name="Notes Placeholder 2"/>
+          <p:cNvSpPr>
+            <a:spLocks noGrp="1"/>
+          </p:cNvSpPr>
+          <p:nvPr>
+            <p:ph type="body" idx="1"/>
+          </p:nvPr>
+        </p:nvSpPr>
+        <p:spPr/>
+        <p:txBody>
+          <a:bodyPr/>
+          <a:lstStyle/>
+          <a:p>
+            <a:r>
+              <a:rPr lang="en-US" dirty="0" smtClean="0"/>
+              <a:t>If you want to extract publication information from the 260abc subfields, or from the RDA-style 264abc subfields, but only wanted the 264 field if the second indicator is a "1" or a "4" then you can use the following conditional spec.</a:t>
+            </a:r>
+          </a:p>
+          <a:p>
+            <a:endParaRPr lang="en-US" dirty="0" smtClean="0"/>
+          </a:p>
+          <a:p>
+            <a:r>
+              <a:rPr lang="en-US" dirty="0" smtClean="0"/>
+              <a:t>if you wanted to extract "journal titles" from the 245 field, but only if the item was a "journal" that indicates this by an "s" in character 7 of the record leader.</a:t>
+            </a:r>
+          </a:p>
+          <a:p>
+            <a:endParaRPr lang="en-US" dirty="0" smtClean="0"/>
+          </a:p>
+          <a:p>
+            <a:r>
+              <a:rPr lang="en-US" dirty="0" smtClean="0"/>
+              <a:t>If you wanted subject headings that conform to certain subject heading schemes (as indicated by the second indicator and the $2 subfield)</a:t>
+            </a:r>
+            <a:endParaRPr lang="en-US" dirty="0"/>
+          </a:p>
+        </p:txBody>
+      </p:sp>
+      <p:sp>
+        <p:nvSpPr>
+          <p:cNvPr id="4" name="Slide Number Placeholder 3"/>
+          <p:cNvSpPr>
+            <a:spLocks noGrp="1"/>
+          </p:cNvSpPr>
+          <p:nvPr>
+            <p:ph type="sldNum" sz="quarter" idx="10"/>
+          </p:nvPr>
+        </p:nvSpPr>
+        <p:spPr/>
+        <p:txBody>
+          <a:bodyPr/>
+          <a:lstStyle/>
+          <a:p>
+            <a:fld id="{F487A769-375D-466F-B158-8230CF395F70}" type="slidenum">
+              <a:rPr lang="en-US" smtClean="0"/>
+              <a:t>8</a:t>
+            </a:fld>
+            <a:endParaRPr lang="en-US"/>
+          </a:p>
+        </p:txBody>
+      </p:sp>
+    </p:spTree>
+    <p:extLst>
+      <p:ext uri="{BB962C8B-B14F-4D97-AF65-F5344CB8AC3E}">
+        <p14:creationId xmlns:p14="http://schemas.microsoft.com/office/powerpoint/2010/main" val="494523127"/>
+      </p:ext>
+    </p:extLst>
+  </p:cSld>
+  <p:clrMapOvr>
+    <a:masterClrMapping/>
+  </p:clrMapOvr>
+</p:notes>
+</file>
+
 <file path=ppt/slideLayouts/slideLayout1.xml><?xml version="1.0" encoding="utf-8"?>
 <p:sldLayout xmlns:a="http://schemas.openxmlformats.org/drawingml/2006/main" xmlns:r="http://schemas.openxmlformats.org/officeDocument/2006/relationships" xmlns:p="http://schemas.openxmlformats.org/presentationml/2006/main" type="title" preserve="1">
   <p:cSld name="Title Slide">
@@ -747,7 +863,7 @@
           <a:p>
             <a:fld id="{8BE7C030-FF53-4C68-8C27-EC2636F01ABC}" type="datetimeFigureOut">
               <a:rPr lang="en-US" smtClean="0"/>
-              <a:t>9/30/2016</a:t>
+              <a:t>10/1/2016</a:t>
             </a:fld>
             <a:endParaRPr lang="en-US"/>
           </a:p>
@@ -917,7 +1033,7 @@
           <a:p>
             <a:fld id="{8BE7C030-FF53-4C68-8C27-EC2636F01ABC}" type="datetimeFigureOut">
               <a:rPr lang="en-US" smtClean="0"/>
-              <a:t>9/30/2016</a:t>
+              <a:t>10/1/2016</a:t>
             </a:fld>
             <a:endParaRPr lang="en-US"/>
           </a:p>
@@ -1097,7 +1213,7 @@
           <a:p>
             <a:fld id="{8BE7C030-FF53-4C68-8C27-EC2636F01ABC}" type="datetimeFigureOut">
               <a:rPr lang="en-US" smtClean="0"/>
-              <a:t>9/30/2016</a:t>
+              <a:t>10/1/2016</a:t>
             </a:fld>
             <a:endParaRPr lang="en-US"/>
           </a:p>
@@ -1267,7 +1383,7 @@
           <a:p>
             <a:fld id="{8BE7C030-FF53-4C68-8C27-EC2636F01ABC}" type="datetimeFigureOut">
               <a:rPr lang="en-US" smtClean="0"/>
-              <a:t>9/30/2016</a:t>
+              <a:t>10/1/2016</a:t>
             </a:fld>
             <a:endParaRPr lang="en-US"/>
           </a:p>
@@ -1513,7 +1629,7 @@
           <a:p>
             <a:fld id="{8BE7C030-FF53-4C68-8C27-EC2636F01ABC}" type="datetimeFigureOut">
               <a:rPr lang="en-US" smtClean="0"/>
-              <a:t>9/30/2016</a:t>
+              <a:t>10/1/2016</a:t>
             </a:fld>
             <a:endParaRPr lang="en-US"/>
           </a:p>
@@ -1801,7 +1917,7 @@
           <a:p>
             <a:fld id="{8BE7C030-FF53-4C68-8C27-EC2636F01ABC}" type="datetimeFigureOut">
               <a:rPr lang="en-US" smtClean="0"/>
-              <a:t>9/30/2016</a:t>
+              <a:t>10/1/2016</a:t>
             </a:fld>
             <a:endParaRPr lang="en-US"/>
           </a:p>
@@ -2223,7 +2339,7 @@
           <a:p>
             <a:fld id="{8BE7C030-FF53-4C68-8C27-EC2636F01ABC}" type="datetimeFigureOut">
               <a:rPr lang="en-US" smtClean="0"/>
-              <a:t>9/30/2016</a:t>
+              <a:t>10/1/2016</a:t>
             </a:fld>
             <a:endParaRPr lang="en-US"/>
           </a:p>
@@ -2341,7 +2457,7 @@
           <a:p>
             <a:fld id="{8BE7C030-FF53-4C68-8C27-EC2636F01ABC}" type="datetimeFigureOut">
               <a:rPr lang="en-US" smtClean="0"/>
-              <a:t>9/30/2016</a:t>
+              <a:t>10/1/2016</a:t>
             </a:fld>
             <a:endParaRPr lang="en-US"/>
           </a:p>
@@ -2436,7 +2552,7 @@
           <a:p>
             <a:fld id="{8BE7C030-FF53-4C68-8C27-EC2636F01ABC}" type="datetimeFigureOut">
               <a:rPr lang="en-US" smtClean="0"/>
-              <a:t>9/30/2016</a:t>
+              <a:t>10/1/2016</a:t>
             </a:fld>
             <a:endParaRPr lang="en-US"/>
           </a:p>
@@ -2713,7 +2829,7 @@
           <a:p>
             <a:fld id="{8BE7C030-FF53-4C68-8C27-EC2636F01ABC}" type="datetimeFigureOut">
               <a:rPr lang="en-US" smtClean="0"/>
-              <a:t>9/30/2016</a:t>
+              <a:t>10/1/2016</a:t>
             </a:fld>
             <a:endParaRPr lang="en-US"/>
           </a:p>
@@ -2966,7 +3082,7 @@
           <a:p>
             <a:fld id="{8BE7C030-FF53-4C68-8C27-EC2636F01ABC}" type="datetimeFigureOut">
               <a:rPr lang="en-US" smtClean="0"/>
-              <a:t>9/30/2016</a:t>
+              <a:t>10/1/2016</a:t>
             </a:fld>
             <a:endParaRPr lang="en-US"/>
           </a:p>
@@ -3179,7 +3295,7 @@
           <a:p>
             <a:fld id="{8BE7C030-FF53-4C68-8C27-EC2636F01ABC}" type="datetimeFigureOut">
               <a:rPr lang="en-US" smtClean="0"/>
-              <a:t>9/30/2016</a:t>
+              <a:t>10/1/2016</a:t>
             </a:fld>
             <a:endParaRPr lang="en-US"/>
           </a:p>
@@ -3576,11 +3692,7 @@
           <a:p>
             <a:r>
               <a:rPr lang="en-US" dirty="0" smtClean="0"/>
-              <a:t>New Release </a:t>
-            </a:r>
-            <a:r>
-              <a:rPr lang="en-US" dirty="0" smtClean="0"/>
-              <a:t>of</a:t>
+              <a:t>New Release of</a:t>
             </a:r>
             <a:endParaRPr lang="en-US" dirty="0"/>
           </a:p>
@@ -3669,6 +3781,1609 @@
   <p:clrMapOvr>
     <a:masterClrMapping/>
   </p:clrMapOvr>
+  <p:timing>
+    <p:tnLst>
+      <p:par>
+        <p:cTn id="1" dur="indefinite" restart="never" nodeType="tmRoot"/>
+      </p:par>
+    </p:tnLst>
+  </p:timing>
+</p:sld>
+</file>
+
+<file path=ppt/slides/slide10.xml><?xml version="1.0" encoding="utf-8"?>
+<p:sld xmlns:a="http://schemas.openxmlformats.org/drawingml/2006/main" xmlns:r="http://schemas.openxmlformats.org/officeDocument/2006/relationships" xmlns:p="http://schemas.openxmlformats.org/presentationml/2006/main">
+  <p:cSld>
+    <p:spTree>
+      <p:nvGrpSpPr>
+        <p:cNvPr id="1" name=""/>
+        <p:cNvGrpSpPr/>
+        <p:nvPr/>
+      </p:nvGrpSpPr>
+      <p:grpSpPr>
+        <a:xfrm>
+          <a:off x="0" y="0"/>
+          <a:ext cx="0" cy="0"/>
+          <a:chOff x="0" y="0"/>
+          <a:chExt cx="0" cy="0"/>
+        </a:xfrm>
+      </p:grpSpPr>
+      <p:sp>
+        <p:nvSpPr>
+          <p:cNvPr id="2" name="Title 1"/>
+          <p:cNvSpPr>
+            <a:spLocks noGrp="1"/>
+          </p:cNvSpPr>
+          <p:nvPr>
+            <p:ph type="title"/>
+          </p:nvPr>
+        </p:nvSpPr>
+        <p:spPr/>
+        <p:txBody>
+          <a:bodyPr/>
+          <a:lstStyle/>
+          <a:p>
+            <a:r>
+              <a:rPr lang="en-US" dirty="0" smtClean="0"/>
+              <a:t>Collectors</a:t>
+            </a:r>
+            <a:endParaRPr lang="en-US" dirty="0"/>
+          </a:p>
+        </p:txBody>
+      </p:sp>
+      <p:sp>
+        <p:nvSpPr>
+          <p:cNvPr id="3" name="Content Placeholder 2"/>
+          <p:cNvSpPr>
+            <a:spLocks noGrp="1"/>
+          </p:cNvSpPr>
+          <p:nvPr>
+            <p:ph idx="1"/>
+          </p:nvPr>
+        </p:nvSpPr>
+        <p:spPr>
+          <a:xfrm>
+            <a:off x="473365" y="3505200"/>
+            <a:ext cx="8229600" cy="2620963"/>
+          </a:xfrm>
+        </p:spPr>
+        <p:txBody>
+          <a:bodyPr numCol="2">
+            <a:normAutofit/>
+          </a:bodyPr>
+          <a:lstStyle/>
+          <a:p>
+            <a:pPr marL="0" indent="0">
+              <a:buNone/>
+            </a:pPr>
+            <a:r>
+              <a:rPr lang="en-US" sz="2400" dirty="0" smtClean="0"/>
+              <a:t>unique</a:t>
+            </a:r>
+          </a:p>
+          <a:p>
+            <a:pPr marL="0" indent="0">
+              <a:buNone/>
+            </a:pPr>
+            <a:r>
+              <a:rPr lang="en-US" sz="2400" dirty="0" err="1" smtClean="0"/>
+              <a:t>notunique</a:t>
+            </a:r>
+            <a:endParaRPr lang="en-US" sz="2400" dirty="0" smtClean="0"/>
+          </a:p>
+          <a:p>
+            <a:pPr marL="0" indent="0">
+              <a:buNone/>
+            </a:pPr>
+            <a:r>
+              <a:rPr lang="en-US" sz="2400" dirty="0" smtClean="0"/>
+              <a:t>first</a:t>
+            </a:r>
+          </a:p>
+          <a:p>
+            <a:pPr marL="0" indent="0">
+              <a:buNone/>
+            </a:pPr>
+            <a:r>
+              <a:rPr lang="en-US" sz="2400" dirty="0" err="1" smtClean="0"/>
+              <a:t>notfirst</a:t>
+            </a:r>
+            <a:endParaRPr lang="en-US" sz="2400" dirty="0" smtClean="0"/>
+          </a:p>
+          <a:p>
+            <a:pPr marL="0" indent="0">
+              <a:buNone/>
+            </a:pPr>
+            <a:r>
+              <a:rPr lang="en-US" sz="2400" dirty="0" smtClean="0"/>
+              <a:t>all</a:t>
+            </a:r>
+            <a:endParaRPr lang="en-US" sz="2400" dirty="0"/>
+          </a:p>
+          <a:p>
+            <a:pPr marL="0" indent="0">
+              <a:buNone/>
+            </a:pPr>
+            <a:r>
+              <a:rPr lang="en-US" sz="2400" dirty="0" smtClean="0"/>
+              <a:t>sort(</a:t>
+            </a:r>
+            <a:r>
+              <a:rPr lang="en-US" sz="2400" dirty="0" err="1" smtClean="0"/>
+              <a:t>num</a:t>
+            </a:r>
+            <a:r>
+              <a:rPr lang="en-US" sz="2400" dirty="0" smtClean="0"/>
+              <a:t>, </a:t>
+            </a:r>
+            <a:r>
+              <a:rPr lang="en-US" sz="2400" dirty="0" err="1" smtClean="0"/>
+              <a:t>asc</a:t>
+            </a:r>
+            <a:r>
+              <a:rPr lang="en-US" sz="2400" dirty="0" smtClean="0"/>
+              <a:t>)</a:t>
+            </a:r>
+          </a:p>
+          <a:p>
+            <a:pPr marL="0" indent="0">
+              <a:buNone/>
+            </a:pPr>
+            <a:r>
+              <a:rPr lang="en-US" sz="2400" dirty="0" smtClean="0"/>
+              <a:t>sort(</a:t>
+            </a:r>
+            <a:r>
+              <a:rPr lang="en-US" sz="2400" dirty="0" err="1" smtClean="0"/>
+              <a:t>str</a:t>
+            </a:r>
+            <a:r>
+              <a:rPr lang="en-US" sz="2400" dirty="0" smtClean="0"/>
+              <a:t>, </a:t>
+            </a:r>
+            <a:r>
+              <a:rPr lang="en-US" sz="2400" dirty="0" err="1" smtClean="0"/>
+              <a:t>desc</a:t>
+            </a:r>
+            <a:r>
+              <a:rPr lang="en-US" sz="2400" dirty="0" smtClean="0"/>
+              <a:t>)</a:t>
+            </a:r>
+          </a:p>
+          <a:p>
+            <a:pPr marL="0" indent="0">
+              <a:buNone/>
+            </a:pPr>
+            <a:r>
+              <a:rPr lang="en-US" sz="2400" dirty="0" smtClean="0"/>
+              <a:t>sort(length, </a:t>
+            </a:r>
+            <a:r>
+              <a:rPr lang="en-US" sz="2400" dirty="0" err="1" smtClean="0"/>
+              <a:t>asc</a:t>
+            </a:r>
+            <a:r>
+              <a:rPr lang="en-US" sz="2400" dirty="0" smtClean="0"/>
+              <a:t>)</a:t>
+            </a:r>
+          </a:p>
+          <a:p>
+            <a:pPr marL="0" indent="0">
+              <a:buNone/>
+            </a:pPr>
+            <a:r>
+              <a:rPr lang="en-US" sz="2400" dirty="0" err="1" smtClean="0"/>
+              <a:t>DeleteRecordIfFieldEmpty</a:t>
+            </a:r>
+            <a:endParaRPr lang="en-US" sz="2400" dirty="0" smtClean="0"/>
+          </a:p>
+        </p:txBody>
+      </p:sp>
+      <p:sp>
+        <p:nvSpPr>
+          <p:cNvPr id="4" name="TextBox 3"/>
+          <p:cNvSpPr txBox="1"/>
+          <p:nvPr/>
+        </p:nvSpPr>
+        <p:spPr>
+          <a:xfrm>
+            <a:off x="533400" y="1371600"/>
+            <a:ext cx="8001000" cy="1752600"/>
+          </a:xfrm>
+          <a:prstGeom prst="rect">
+            <a:avLst/>
+          </a:prstGeom>
+          <a:noFill/>
+        </p:spPr>
+        <p:txBody>
+          <a:bodyPr wrap="none" rtlCol="0">
+            <a:noAutofit/>
+          </a:bodyPr>
+          <a:lstStyle/>
+          <a:p>
+            <a:r>
+              <a:rPr lang="en-US" sz="3200" dirty="0"/>
+              <a:t>Previously only </a:t>
+            </a:r>
+            <a:r>
+              <a:rPr lang="en-US" sz="3200" dirty="0" smtClean="0"/>
+              <a:t>first, all, join </a:t>
+            </a:r>
+            <a:r>
+              <a:rPr lang="en-US" sz="3200" dirty="0"/>
+              <a:t>were supported.</a:t>
+            </a:r>
+          </a:p>
+          <a:p>
+            <a:endParaRPr lang="en-US" sz="3200" dirty="0"/>
+          </a:p>
+          <a:p>
+            <a:r>
+              <a:rPr lang="en-US" sz="3200" dirty="0"/>
+              <a:t>Now all of these are:</a:t>
+            </a:r>
+          </a:p>
+        </p:txBody>
+      </p:sp>
+    </p:spTree>
+    <p:extLst>
+      <p:ext uri="{BB962C8B-B14F-4D97-AF65-F5344CB8AC3E}">
+        <p14:creationId xmlns:p14="http://schemas.microsoft.com/office/powerpoint/2010/main" val="1791698722"/>
+      </p:ext>
+    </p:extLst>
+  </p:cSld>
+  <p:clrMapOvr>
+    <a:masterClrMapping/>
+  </p:clrMapOvr>
+  <p:timing>
+    <p:tnLst>
+      <p:par>
+        <p:cTn id="1" dur="indefinite" restart="never" nodeType="tmRoot"/>
+      </p:par>
+    </p:tnLst>
+  </p:timing>
+</p:sld>
+</file>
+
+<file path=ppt/slides/slide11.xml><?xml version="1.0" encoding="utf-8"?>
+<p:sld xmlns:a="http://schemas.openxmlformats.org/drawingml/2006/main" xmlns:r="http://schemas.openxmlformats.org/officeDocument/2006/relationships" xmlns:p="http://schemas.openxmlformats.org/presentationml/2006/main">
+  <p:cSld>
+    <p:spTree>
+      <p:nvGrpSpPr>
+        <p:cNvPr id="1" name=""/>
+        <p:cNvGrpSpPr/>
+        <p:nvPr/>
+      </p:nvGrpSpPr>
+      <p:grpSpPr>
+        <a:xfrm>
+          <a:off x="0" y="0"/>
+          <a:ext cx="0" cy="0"/>
+          <a:chOff x="0" y="0"/>
+          <a:chExt cx="0" cy="0"/>
+        </a:xfrm>
+      </p:grpSpPr>
+      <p:sp>
+        <p:nvSpPr>
+          <p:cNvPr id="2" name="Title 1"/>
+          <p:cNvSpPr>
+            <a:spLocks noGrp="1"/>
+          </p:cNvSpPr>
+          <p:nvPr>
+            <p:ph type="title"/>
+          </p:nvPr>
+        </p:nvSpPr>
+        <p:spPr/>
+        <p:txBody>
+          <a:bodyPr>
+            <a:normAutofit/>
+          </a:bodyPr>
+          <a:lstStyle/>
+          <a:p>
+            <a:r>
+              <a:rPr lang="en-US" dirty="0" smtClean="0"/>
+              <a:t>Existing Extensions Still Work</a:t>
+            </a:r>
+            <a:endParaRPr lang="en-US" dirty="0"/>
+          </a:p>
+        </p:txBody>
+      </p:sp>
+      <p:sp>
+        <p:nvSpPr>
+          <p:cNvPr id="3" name="Content Placeholder 2"/>
+          <p:cNvSpPr>
+            <a:spLocks noGrp="1"/>
+          </p:cNvSpPr>
+          <p:nvPr>
+            <p:ph idx="1"/>
+          </p:nvPr>
+        </p:nvSpPr>
+        <p:spPr>
+          <a:xfrm>
+            <a:off x="457200" y="1447800"/>
+            <a:ext cx="8229600" cy="4724400"/>
+          </a:xfrm>
+        </p:spPr>
+        <p:txBody>
+          <a:bodyPr>
+            <a:normAutofit/>
+          </a:bodyPr>
+          <a:lstStyle/>
+          <a:p>
+            <a:r>
+              <a:rPr lang="en-US" dirty="0" smtClean="0"/>
+              <a:t>Pre-defined Custom Methods</a:t>
+            </a:r>
+          </a:p>
+          <a:p>
+            <a:pPr lvl="1">
+              <a:buFont typeface="Arial" pitchFamily="34" charset="0"/>
+              <a:buChar char="•"/>
+            </a:pPr>
+            <a:r>
+              <a:rPr lang="en-US" sz="2400" dirty="0" smtClean="0"/>
+              <a:t>custom</a:t>
+            </a:r>
+            <a:r>
+              <a:rPr lang="en-US" sz="2400" dirty="0"/>
+              <a:t>, </a:t>
+            </a:r>
+            <a:r>
+              <a:rPr lang="en-US" sz="2400" dirty="0" err="1"/>
+              <a:t>removeTrailingPunct</a:t>
+            </a:r>
+            <a:r>
+              <a:rPr lang="en-US" sz="2400" dirty="0"/>
+              <a:t>(245c) </a:t>
+            </a:r>
+            <a:r>
+              <a:rPr lang="en-US" sz="2400" dirty="0" smtClean="0"/>
+              <a:t>   -- still works</a:t>
+            </a:r>
+          </a:p>
+          <a:p>
+            <a:r>
+              <a:rPr lang="en-US" dirty="0" err="1" smtClean="0"/>
+              <a:t>Beanshell</a:t>
+            </a:r>
+            <a:r>
+              <a:rPr lang="en-US" dirty="0" smtClean="0"/>
+              <a:t> Custom Index Methods</a:t>
+            </a:r>
+          </a:p>
+          <a:p>
+            <a:pPr lvl="1">
+              <a:buFont typeface="Arial" pitchFamily="34" charset="0"/>
+              <a:buChar char="•"/>
+            </a:pPr>
+            <a:r>
+              <a:rPr lang="en-US" sz="2400" dirty="0"/>
+              <a:t>script(</a:t>
+            </a:r>
+            <a:r>
+              <a:rPr lang="en-US" sz="2400" dirty="0" err="1"/>
+              <a:t>getdate.bsh</a:t>
+            </a:r>
+            <a:r>
+              <a:rPr lang="en-US" sz="2400" dirty="0" smtClean="0"/>
+              <a:t>), </a:t>
+            </a:r>
+            <a:r>
+              <a:rPr lang="en-US" sz="2400" dirty="0" err="1" smtClean="0"/>
+              <a:t>getFirstDate</a:t>
+            </a:r>
+            <a:r>
+              <a:rPr lang="en-US" sz="2400" dirty="0" smtClean="0"/>
+              <a:t>	-- still works</a:t>
+            </a:r>
+          </a:p>
+          <a:p>
+            <a:r>
+              <a:rPr lang="en-US" dirty="0" smtClean="0"/>
+              <a:t>External compiled </a:t>
+            </a:r>
+            <a:r>
+              <a:rPr lang="en-US" dirty="0" err="1" smtClean="0"/>
+              <a:t>Mixin</a:t>
+            </a:r>
+            <a:r>
+              <a:rPr lang="en-US" dirty="0" smtClean="0"/>
+              <a:t> methods</a:t>
+            </a:r>
+          </a:p>
+          <a:p>
+            <a:pPr lvl="1">
+              <a:buFont typeface="Arial" pitchFamily="34" charset="0"/>
+              <a:buChar char="•"/>
+            </a:pPr>
+            <a:r>
+              <a:rPr lang="en-US" sz="2200" dirty="0" smtClean="0"/>
+              <a:t>custom(</a:t>
+            </a:r>
+            <a:r>
+              <a:rPr lang="en-US" sz="2200" dirty="0" err="1" smtClean="0"/>
+              <a:t>org.solrmarc.mixin.VideoInfoMixin</a:t>
+            </a:r>
+            <a:r>
+              <a:rPr lang="en-US" sz="2200" dirty="0"/>
+              <a:t>), </a:t>
+            </a:r>
+            <a:r>
+              <a:rPr lang="en-US" sz="2200" dirty="0" err="1" smtClean="0"/>
+              <a:t>getVideoDirector</a:t>
+            </a:r>
+            <a:endParaRPr lang="en-US" sz="2200" dirty="0" smtClean="0"/>
+          </a:p>
+          <a:p>
+            <a:pPr marL="914400" lvl="2" indent="0">
+              <a:buNone/>
+            </a:pPr>
+            <a:r>
+              <a:rPr lang="en-US" dirty="0" smtClean="0"/>
+              <a:t>-- still works</a:t>
+            </a:r>
+          </a:p>
+          <a:p>
+            <a:r>
+              <a:rPr lang="en-US" dirty="0" smtClean="0"/>
+              <a:t>Local Extensions of </a:t>
+            </a:r>
+            <a:r>
+              <a:rPr lang="en-US" dirty="0" err="1" smtClean="0"/>
+              <a:t>SolrIndexer</a:t>
+            </a:r>
+            <a:endParaRPr lang="en-US" dirty="0" smtClean="0"/>
+          </a:p>
+          <a:p>
+            <a:pPr lvl="1">
+              <a:buFont typeface="Arial" pitchFamily="34" charset="0"/>
+              <a:buChar char="•"/>
+            </a:pPr>
+            <a:r>
+              <a:rPr lang="en-US" sz="2400" dirty="0"/>
+              <a:t>custom, </a:t>
+            </a:r>
+            <a:r>
+              <a:rPr lang="en-US" sz="2400" dirty="0" err="1"/>
+              <a:t>getDeweySearchable</a:t>
+            </a:r>
+            <a:r>
+              <a:rPr lang="en-US" sz="2400" dirty="0"/>
+              <a:t>("082a:083a</a:t>
+            </a:r>
+            <a:r>
+              <a:rPr lang="en-US" sz="2400" dirty="0" smtClean="0"/>
+              <a:t>")  -- still works</a:t>
+            </a:r>
+            <a:endParaRPr lang="en-US" sz="2400" dirty="0"/>
+          </a:p>
+        </p:txBody>
+      </p:sp>
+    </p:spTree>
+    <p:extLst>
+      <p:ext uri="{BB962C8B-B14F-4D97-AF65-F5344CB8AC3E}">
+        <p14:creationId xmlns:p14="http://schemas.microsoft.com/office/powerpoint/2010/main" val="4117017729"/>
+      </p:ext>
+    </p:extLst>
+  </p:cSld>
+  <p:clrMapOvr>
+    <a:masterClrMapping/>
+  </p:clrMapOvr>
+  <p:timing>
+    <p:tnLst>
+      <p:par>
+        <p:cTn id="1" dur="indefinite" restart="never" nodeType="tmRoot"/>
+      </p:par>
+    </p:tnLst>
+  </p:timing>
+</p:sld>
+</file>
+
+<file path=ppt/slides/slide12.xml><?xml version="1.0" encoding="utf-8"?>
+<p:sld xmlns:a="http://schemas.openxmlformats.org/drawingml/2006/main" xmlns:r="http://schemas.openxmlformats.org/officeDocument/2006/relationships" xmlns:p="http://schemas.openxmlformats.org/presentationml/2006/main">
+  <p:cSld>
+    <p:spTree>
+      <p:nvGrpSpPr>
+        <p:cNvPr id="1" name=""/>
+        <p:cNvGrpSpPr/>
+        <p:nvPr/>
+      </p:nvGrpSpPr>
+      <p:grpSpPr>
+        <a:xfrm>
+          <a:off x="0" y="0"/>
+          <a:ext cx="0" cy="0"/>
+          <a:chOff x="0" y="0"/>
+          <a:chExt cx="0" cy="0"/>
+        </a:xfrm>
+      </p:grpSpPr>
+      <p:sp>
+        <p:nvSpPr>
+          <p:cNvPr id="2" name="Title 1"/>
+          <p:cNvSpPr>
+            <a:spLocks noGrp="1"/>
+          </p:cNvSpPr>
+          <p:nvPr>
+            <p:ph type="title"/>
+          </p:nvPr>
+        </p:nvSpPr>
+        <p:spPr/>
+        <p:txBody>
+          <a:bodyPr>
+            <a:normAutofit/>
+          </a:bodyPr>
+          <a:lstStyle/>
+          <a:p>
+            <a:r>
+              <a:rPr lang="en-US" dirty="0"/>
+              <a:t>More </a:t>
+            </a:r>
+            <a:r>
+              <a:rPr lang="en-US" dirty="0" smtClean="0"/>
+              <a:t>Extensible</a:t>
+            </a:r>
+            <a:endParaRPr lang="en-US" dirty="0"/>
+          </a:p>
+        </p:txBody>
+      </p:sp>
+      <p:sp>
+        <p:nvSpPr>
+          <p:cNvPr id="3" name="Content Placeholder 2"/>
+          <p:cNvSpPr>
+            <a:spLocks noGrp="1"/>
+          </p:cNvSpPr>
+          <p:nvPr>
+            <p:ph idx="1"/>
+          </p:nvPr>
+        </p:nvSpPr>
+        <p:spPr>
+          <a:xfrm>
+            <a:off x="457200" y="1371600"/>
+            <a:ext cx="8229600" cy="4754563"/>
+          </a:xfrm>
+        </p:spPr>
+        <p:txBody>
+          <a:bodyPr>
+            <a:normAutofit lnSpcReduction="10000"/>
+          </a:bodyPr>
+          <a:lstStyle/>
+          <a:p>
+            <a:r>
+              <a:rPr lang="en-US" dirty="0" smtClean="0"/>
+              <a:t>Dynamically </a:t>
+            </a:r>
+            <a:r>
+              <a:rPr lang="en-US" dirty="0"/>
+              <a:t>Compiled Java Code </a:t>
+            </a:r>
+            <a:endParaRPr lang="en-US" dirty="0" smtClean="0"/>
+          </a:p>
+          <a:p>
+            <a:pPr lvl="1"/>
+            <a:r>
+              <a:rPr lang="en-US" dirty="0" smtClean="0"/>
+              <a:t>Place java source file </a:t>
+            </a:r>
+            <a:r>
+              <a:rPr lang="en-US" dirty="0"/>
+              <a:t>in a specific </a:t>
+            </a:r>
+            <a:r>
+              <a:rPr lang="en-US" dirty="0" smtClean="0"/>
+              <a:t>directory</a:t>
+            </a:r>
+          </a:p>
+          <a:p>
+            <a:pPr lvl="1"/>
+            <a:r>
+              <a:rPr lang="en-US" dirty="0" smtClean="0"/>
+              <a:t>Reference </a:t>
+            </a:r>
+            <a:r>
+              <a:rPr lang="en-US" dirty="0"/>
+              <a:t>a method </a:t>
+            </a:r>
+            <a:r>
+              <a:rPr lang="en-US" dirty="0" smtClean="0"/>
+              <a:t>in </a:t>
+            </a:r>
+            <a:r>
+              <a:rPr lang="en-US" dirty="0"/>
+              <a:t>an index </a:t>
+            </a:r>
+            <a:r>
+              <a:rPr lang="en-US" dirty="0" smtClean="0"/>
+              <a:t>specification</a:t>
+            </a:r>
+          </a:p>
+          <a:p>
+            <a:pPr lvl="1"/>
+            <a:r>
+              <a:rPr lang="en-US" dirty="0" smtClean="0"/>
+              <a:t>Run </a:t>
+            </a:r>
+            <a:r>
+              <a:rPr lang="en-US" dirty="0" err="1" smtClean="0"/>
+              <a:t>SolrMarc</a:t>
+            </a:r>
+            <a:endParaRPr lang="en-US" dirty="0" smtClean="0"/>
+          </a:p>
+          <a:p>
+            <a:endParaRPr lang="en-US" dirty="0"/>
+          </a:p>
+          <a:p>
+            <a:r>
+              <a:rPr lang="en-US" dirty="0" smtClean="0"/>
+              <a:t>As easy as using </a:t>
+            </a:r>
+            <a:r>
+              <a:rPr lang="en-US" dirty="0" err="1" smtClean="0"/>
+              <a:t>Beanshell</a:t>
+            </a:r>
+            <a:r>
+              <a:rPr lang="en-US" dirty="0" smtClean="0"/>
+              <a:t> scripts.</a:t>
+            </a:r>
+          </a:p>
+          <a:p>
+            <a:r>
+              <a:rPr lang="en-US" dirty="0" smtClean="0"/>
+              <a:t>Uses actual </a:t>
+            </a:r>
+            <a:r>
+              <a:rPr lang="en-US" dirty="0" smtClean="0"/>
+              <a:t>Java </a:t>
+            </a:r>
+            <a:r>
+              <a:rPr lang="en-US" dirty="0" smtClean="0"/>
+              <a:t>syntax.</a:t>
+            </a:r>
+          </a:p>
+          <a:p>
+            <a:r>
+              <a:rPr lang="en-US" dirty="0" smtClean="0"/>
+              <a:t>As fast as any other compiled </a:t>
+            </a:r>
+            <a:r>
+              <a:rPr lang="en-US" dirty="0" smtClean="0"/>
+              <a:t>Java </a:t>
+            </a:r>
+            <a:r>
+              <a:rPr lang="en-US" dirty="0" smtClean="0"/>
+              <a:t>code.</a:t>
+            </a:r>
+          </a:p>
+          <a:p>
+            <a:r>
+              <a:rPr lang="en-US" dirty="0" smtClean="0"/>
+              <a:t>Thank again to Oliver </a:t>
+            </a:r>
+            <a:r>
+              <a:rPr lang="en-US" dirty="0" err="1" smtClean="0"/>
+              <a:t>Obenland</a:t>
+            </a:r>
+            <a:r>
+              <a:rPr lang="en-US" dirty="0" smtClean="0"/>
+              <a:t>!</a:t>
+            </a:r>
+            <a:endParaRPr lang="en-US" dirty="0"/>
+          </a:p>
+        </p:txBody>
+      </p:sp>
+    </p:spTree>
+    <p:extLst>
+      <p:ext uri="{BB962C8B-B14F-4D97-AF65-F5344CB8AC3E}">
+        <p14:creationId xmlns:p14="http://schemas.microsoft.com/office/powerpoint/2010/main" val="3974649864"/>
+      </p:ext>
+    </p:extLst>
+  </p:cSld>
+  <p:clrMapOvr>
+    <a:masterClrMapping/>
+  </p:clrMapOvr>
+  <p:timing>
+    <p:tnLst>
+      <p:par>
+        <p:cTn id="1" dur="indefinite" restart="never" nodeType="tmRoot"/>
+      </p:par>
+    </p:tnLst>
+  </p:timing>
+</p:sld>
+</file>
+
+<file path=ppt/slides/slide13.xml><?xml version="1.0" encoding="utf-8"?>
+<p:sld xmlns:a="http://schemas.openxmlformats.org/drawingml/2006/main" xmlns:r="http://schemas.openxmlformats.org/officeDocument/2006/relationships" xmlns:p="http://schemas.openxmlformats.org/presentationml/2006/main">
+  <p:cSld>
+    <p:spTree>
+      <p:nvGrpSpPr>
+        <p:cNvPr id="1" name=""/>
+        <p:cNvGrpSpPr/>
+        <p:nvPr/>
+      </p:nvGrpSpPr>
+      <p:grpSpPr>
+        <a:xfrm>
+          <a:off x="0" y="0"/>
+          <a:ext cx="0" cy="0"/>
+          <a:chOff x="0" y="0"/>
+          <a:chExt cx="0" cy="0"/>
+        </a:xfrm>
+      </p:grpSpPr>
+      <p:sp>
+        <p:nvSpPr>
+          <p:cNvPr id="2" name="Title 1"/>
+          <p:cNvSpPr>
+            <a:spLocks noGrp="1"/>
+          </p:cNvSpPr>
+          <p:nvPr>
+            <p:ph type="title"/>
+          </p:nvPr>
+        </p:nvSpPr>
+        <p:spPr/>
+        <p:txBody>
+          <a:bodyPr/>
+          <a:lstStyle/>
+          <a:p>
+            <a:r>
+              <a:rPr lang="en-US" dirty="0" smtClean="0"/>
+              <a:t>Also supports custom maps</a:t>
+            </a:r>
+            <a:endParaRPr lang="en-US" dirty="0"/>
+          </a:p>
+        </p:txBody>
+      </p:sp>
+      <p:sp>
+        <p:nvSpPr>
+          <p:cNvPr id="3" name="Content Placeholder 2"/>
+          <p:cNvSpPr>
+            <a:spLocks noGrp="1"/>
+          </p:cNvSpPr>
+          <p:nvPr>
+            <p:ph idx="1"/>
+          </p:nvPr>
+        </p:nvSpPr>
+        <p:spPr/>
+        <p:txBody>
+          <a:bodyPr>
+            <a:normAutofit lnSpcReduction="10000"/>
+          </a:bodyPr>
+          <a:lstStyle/>
+          <a:p>
+            <a:pPr lvl="0"/>
+            <a:r>
+              <a:rPr lang="en-US" sz="2400" dirty="0">
+                <a:solidFill>
+                  <a:prstClr val="black"/>
+                </a:solidFill>
+              </a:rPr>
+              <a:t>Allows simpler code that needs no understanding of a MARC record.   </a:t>
+            </a:r>
+          </a:p>
+          <a:p>
+            <a:r>
+              <a:rPr lang="en-US" sz="2400" dirty="0">
+                <a:solidFill>
+                  <a:prstClr val="black"/>
+                </a:solidFill>
+              </a:rPr>
+              <a:t>The custom map methods  accept a Collection&lt;String&gt; plus zero or more String parameters, and return a “mapped”  Collection&lt;String</a:t>
+            </a:r>
+            <a:r>
+              <a:rPr lang="en-US" sz="2400" dirty="0" smtClean="0">
+                <a:solidFill>
+                  <a:prstClr val="black"/>
+                </a:solidFill>
+              </a:rPr>
+              <a:t>&gt;</a:t>
+            </a:r>
+            <a:endParaRPr lang="en-US" sz="2000" dirty="0"/>
+          </a:p>
+          <a:p>
+            <a:pPr marL="0" indent="0">
+              <a:buNone/>
+            </a:pPr>
+            <a:endParaRPr lang="en-US" sz="2000" dirty="0" smtClean="0"/>
+          </a:p>
+          <a:p>
+            <a:pPr marL="0" indent="0">
+              <a:buNone/>
+            </a:pPr>
+            <a:r>
+              <a:rPr lang="en-US" sz="2000" dirty="0" err="1" smtClean="0"/>
+              <a:t>isbn</a:t>
+            </a:r>
+            <a:r>
+              <a:rPr lang="en-US" sz="2000" dirty="0" smtClean="0"/>
+              <a:t> </a:t>
+            </a:r>
+            <a:r>
+              <a:rPr lang="en-US" sz="2000" dirty="0"/>
+              <a:t>= 020a,  </a:t>
+            </a:r>
+            <a:r>
+              <a:rPr lang="en-US" sz="2000" dirty="0" err="1"/>
+              <a:t>custom_map</a:t>
+            </a:r>
+            <a:r>
+              <a:rPr lang="en-US" sz="2000" dirty="0"/>
+              <a:t>(</a:t>
+            </a:r>
+            <a:r>
+              <a:rPr lang="en-US" sz="2000" dirty="0" err="1"/>
+              <a:t>org.solrmarc.mixin.ISBNNormalizer</a:t>
+            </a:r>
+            <a:r>
+              <a:rPr lang="en-US" sz="2000" dirty="0"/>
+              <a:t>,  </a:t>
+            </a:r>
+            <a:r>
+              <a:rPr lang="en-US" sz="2000" dirty="0" err="1"/>
+              <a:t>filterISBN</a:t>
+            </a:r>
+            <a:r>
+              <a:rPr lang="en-US" sz="2000" dirty="0"/>
+              <a:t>(13</a:t>
+            </a:r>
+            <a:r>
+              <a:rPr lang="en-US" sz="2000" dirty="0" smtClean="0"/>
+              <a:t>))</a:t>
+            </a:r>
+          </a:p>
+          <a:p>
+            <a:pPr marL="0" indent="0">
+              <a:buNone/>
+            </a:pPr>
+            <a:r>
+              <a:rPr lang="en-US" sz="2000" dirty="0"/>
+              <a:t>	</a:t>
+            </a:r>
+            <a:r>
+              <a:rPr lang="en-US" sz="2000" dirty="0" smtClean="0"/>
+              <a:t>“0824057007 </a:t>
+            </a:r>
+            <a:r>
+              <a:rPr lang="en-US" sz="2000" dirty="0"/>
+              <a:t>(</a:t>
+            </a:r>
+            <a:r>
+              <a:rPr lang="en-US" sz="2000" dirty="0" err="1"/>
+              <a:t>alk</a:t>
+            </a:r>
+            <a:r>
+              <a:rPr lang="en-US" sz="2000" dirty="0"/>
+              <a:t>. paper) :”   to “</a:t>
+            </a:r>
+            <a:r>
+              <a:rPr lang="en-US" sz="2000" dirty="0" smtClean="0"/>
+              <a:t>9780824057008”</a:t>
+            </a:r>
+          </a:p>
+          <a:p>
+            <a:pPr marL="0" indent="0">
+              <a:buNone/>
+            </a:pPr>
+            <a:endParaRPr lang="en-US" sz="2000" dirty="0"/>
+          </a:p>
+          <a:p>
+            <a:pPr marL="0" indent="0">
+              <a:buNone/>
+            </a:pPr>
+            <a:r>
+              <a:rPr lang="en-US" sz="2000" dirty="0" err="1" smtClean="0"/>
+              <a:t>lc_shelfkey</a:t>
+            </a:r>
+            <a:r>
+              <a:rPr lang="en-US" sz="2000" dirty="0" smtClean="0"/>
+              <a:t> </a:t>
+            </a:r>
+            <a:r>
+              <a:rPr lang="en-US" sz="2000" dirty="0"/>
+              <a:t>= 050ab:999a ? ($w = "LC"), clean, join(" "), </a:t>
+            </a:r>
+            <a:endParaRPr lang="en-US" sz="2000" dirty="0" smtClean="0"/>
+          </a:p>
+          <a:p>
+            <a:pPr marL="0" indent="0">
+              <a:buNone/>
+            </a:pPr>
+            <a:r>
+              <a:rPr lang="en-US" sz="2000" dirty="0"/>
+              <a:t> </a:t>
+            </a:r>
+            <a:r>
+              <a:rPr lang="en-US" sz="2000" dirty="0" smtClean="0"/>
+              <a:t>                               </a:t>
+            </a:r>
+            <a:r>
+              <a:rPr lang="en-US" sz="2000" dirty="0" err="1" smtClean="0"/>
+              <a:t>custom_map</a:t>
+            </a:r>
+            <a:r>
+              <a:rPr lang="en-US" sz="2000" dirty="0" smtClean="0"/>
+              <a:t>(</a:t>
+            </a:r>
+            <a:r>
+              <a:rPr lang="en-US" sz="2000" dirty="0" err="1" smtClean="0"/>
+              <a:t>org.solrmarc.callnum.CallNumberMixin</a:t>
+            </a:r>
+            <a:r>
+              <a:rPr lang="en-US" sz="2000" dirty="0" smtClean="0"/>
+              <a:t>,</a:t>
+            </a:r>
+          </a:p>
+          <a:p>
+            <a:pPr marL="0" indent="0">
+              <a:buNone/>
+            </a:pPr>
+            <a:r>
+              <a:rPr lang="en-US" sz="2000" dirty="0"/>
+              <a:t> </a:t>
+            </a:r>
+            <a:r>
+              <a:rPr lang="en-US" sz="2000" dirty="0" smtClean="0"/>
+              <a:t>                               </a:t>
+            </a:r>
+            <a:r>
+              <a:rPr lang="en-US" sz="2000" dirty="0" err="1" smtClean="0"/>
+              <a:t>LCCallNumberShelfKey</a:t>
+            </a:r>
+            <a:r>
+              <a:rPr lang="en-US" sz="2000" dirty="0"/>
+              <a:t>), sort(</a:t>
+            </a:r>
+            <a:r>
+              <a:rPr lang="en-US" sz="2000" dirty="0" err="1"/>
+              <a:t>str</a:t>
+            </a:r>
+            <a:r>
+              <a:rPr lang="en-US" sz="2000" dirty="0"/>
+              <a:t>, </a:t>
+            </a:r>
+            <a:r>
+              <a:rPr lang="en-US" sz="2000" dirty="0" err="1"/>
+              <a:t>asc</a:t>
+            </a:r>
+            <a:r>
+              <a:rPr lang="en-US" sz="2000" dirty="0"/>
+              <a:t>), </a:t>
+            </a:r>
+            <a:r>
+              <a:rPr lang="en-US" sz="2000" dirty="0" smtClean="0"/>
+              <a:t>first</a:t>
+            </a:r>
+          </a:p>
+          <a:p>
+            <a:pPr marL="0" indent="0">
+              <a:buNone/>
+            </a:pPr>
+            <a:endParaRPr lang="en-US" sz="2000" u="sng" dirty="0"/>
+          </a:p>
+          <a:p>
+            <a:pPr marL="0" indent="0">
+              <a:buNone/>
+            </a:pPr>
+            <a:endParaRPr lang="en-US" sz="2000" dirty="0"/>
+          </a:p>
+        </p:txBody>
+      </p:sp>
+    </p:spTree>
+    <p:extLst>
+      <p:ext uri="{BB962C8B-B14F-4D97-AF65-F5344CB8AC3E}">
+        <p14:creationId xmlns:p14="http://schemas.microsoft.com/office/powerpoint/2010/main" val="876953260"/>
+      </p:ext>
+    </p:extLst>
+  </p:cSld>
+  <p:clrMapOvr>
+    <a:masterClrMapping/>
+  </p:clrMapOvr>
+  <p:timing>
+    <p:tnLst>
+      <p:par>
+        <p:cTn id="1" dur="indefinite" restart="never" nodeType="tmRoot"/>
+      </p:par>
+    </p:tnLst>
+  </p:timing>
+</p:sld>
+</file>
+
+<file path=ppt/slides/slide14.xml><?xml version="1.0" encoding="utf-8"?>
+<p:sld xmlns:a="http://schemas.openxmlformats.org/drawingml/2006/main" xmlns:r="http://schemas.openxmlformats.org/officeDocument/2006/relationships" xmlns:p="http://schemas.openxmlformats.org/presentationml/2006/main">
+  <p:cSld>
+    <p:spTree>
+      <p:nvGrpSpPr>
+        <p:cNvPr id="1" name=""/>
+        <p:cNvGrpSpPr/>
+        <p:nvPr/>
+      </p:nvGrpSpPr>
+      <p:grpSpPr>
+        <a:xfrm>
+          <a:off x="0" y="0"/>
+          <a:ext cx="0" cy="0"/>
+          <a:chOff x="0" y="0"/>
+          <a:chExt cx="0" cy="0"/>
+        </a:xfrm>
+      </p:grpSpPr>
+      <p:sp>
+        <p:nvSpPr>
+          <p:cNvPr id="2" name="Title 1"/>
+          <p:cNvSpPr>
+            <a:spLocks noGrp="1"/>
+          </p:cNvSpPr>
+          <p:nvPr>
+            <p:ph type="title"/>
+          </p:nvPr>
+        </p:nvSpPr>
+        <p:spPr/>
+        <p:txBody>
+          <a:bodyPr/>
+          <a:lstStyle/>
+          <a:p>
+            <a:r>
+              <a:rPr lang="en-US" dirty="0" smtClean="0"/>
+              <a:t>Easier to Update</a:t>
+            </a:r>
+            <a:endParaRPr lang="en-US" dirty="0"/>
+          </a:p>
+        </p:txBody>
+      </p:sp>
+      <p:sp>
+        <p:nvSpPr>
+          <p:cNvPr id="3" name="Content Placeholder 2"/>
+          <p:cNvSpPr>
+            <a:spLocks noGrp="1"/>
+          </p:cNvSpPr>
+          <p:nvPr>
+            <p:ph idx="1"/>
+          </p:nvPr>
+        </p:nvSpPr>
+        <p:spPr>
+          <a:xfrm>
+            <a:off x="457200" y="1600201"/>
+            <a:ext cx="8229600" cy="4038600"/>
+          </a:xfrm>
+        </p:spPr>
+        <p:txBody>
+          <a:bodyPr/>
+          <a:lstStyle/>
+          <a:p>
+            <a:r>
+              <a:rPr lang="en-US" dirty="0" smtClean="0"/>
+              <a:t>Previous version shipped as “Jar of Jars” containing all of the needed libraries.  </a:t>
+            </a:r>
+          </a:p>
+          <a:p>
+            <a:r>
+              <a:rPr lang="en-US" dirty="0" smtClean="0"/>
+              <a:t>Contained custom code to adapt to working with different versions of </a:t>
+            </a:r>
+            <a:r>
+              <a:rPr lang="en-US" dirty="0" err="1" smtClean="0"/>
+              <a:t>Solr</a:t>
+            </a:r>
+            <a:r>
+              <a:rPr lang="en-US" dirty="0" smtClean="0"/>
+              <a:t>.  </a:t>
+            </a:r>
+          </a:p>
+          <a:p>
+            <a:r>
+              <a:rPr lang="en-US" dirty="0" smtClean="0"/>
+              <a:t>Updating </a:t>
+            </a:r>
+            <a:r>
+              <a:rPr lang="en-US" i="1" dirty="0" smtClean="0"/>
+              <a:t>anything</a:t>
+            </a:r>
+            <a:r>
+              <a:rPr lang="en-US" dirty="0" smtClean="0"/>
+              <a:t> required a release and perhaps significant new code. </a:t>
+            </a:r>
+          </a:p>
+          <a:p>
+            <a:endParaRPr lang="en-US" dirty="0"/>
+          </a:p>
+          <a:p>
+            <a:pPr marL="0" indent="0">
+              <a:buNone/>
+            </a:pPr>
+            <a:endParaRPr lang="en-US" dirty="0"/>
+          </a:p>
+        </p:txBody>
+      </p:sp>
+    </p:spTree>
+    <p:extLst>
+      <p:ext uri="{BB962C8B-B14F-4D97-AF65-F5344CB8AC3E}">
+        <p14:creationId xmlns:p14="http://schemas.microsoft.com/office/powerpoint/2010/main" val="1022058980"/>
+      </p:ext>
+    </p:extLst>
+  </p:cSld>
+  <p:clrMapOvr>
+    <a:masterClrMapping/>
+  </p:clrMapOvr>
+  <p:timing>
+    <p:tnLst>
+      <p:par>
+        <p:cTn id="1" dur="indefinite" restart="never" nodeType="tmRoot"/>
+      </p:par>
+    </p:tnLst>
+  </p:timing>
+</p:sld>
+</file>
+
+<file path=ppt/slides/slide15.xml><?xml version="1.0" encoding="utf-8"?>
+<p:sld xmlns:a="http://schemas.openxmlformats.org/drawingml/2006/main" xmlns:r="http://schemas.openxmlformats.org/officeDocument/2006/relationships" xmlns:p="http://schemas.openxmlformats.org/presentationml/2006/main">
+  <p:cSld>
+    <p:spTree>
+      <p:nvGrpSpPr>
+        <p:cNvPr id="1" name=""/>
+        <p:cNvGrpSpPr/>
+        <p:nvPr/>
+      </p:nvGrpSpPr>
+      <p:grpSpPr>
+        <a:xfrm>
+          <a:off x="0" y="0"/>
+          <a:ext cx="0" cy="0"/>
+          <a:chOff x="0" y="0"/>
+          <a:chExt cx="0" cy="0"/>
+        </a:xfrm>
+      </p:grpSpPr>
+      <p:sp>
+        <p:nvSpPr>
+          <p:cNvPr id="2" name="Title 1"/>
+          <p:cNvSpPr>
+            <a:spLocks noGrp="1"/>
+          </p:cNvSpPr>
+          <p:nvPr>
+            <p:ph type="title"/>
+          </p:nvPr>
+        </p:nvSpPr>
+        <p:spPr/>
+        <p:txBody>
+          <a:bodyPr/>
+          <a:lstStyle/>
+          <a:p>
+            <a:r>
+              <a:rPr lang="en-US" dirty="0" smtClean="0"/>
+              <a:t>Updating New </a:t>
+            </a:r>
+            <a:r>
+              <a:rPr lang="en-US" dirty="0" err="1" smtClean="0"/>
+              <a:t>SolrMarc</a:t>
+            </a:r>
+            <a:endParaRPr lang="en-US" dirty="0"/>
+          </a:p>
+        </p:txBody>
+      </p:sp>
+      <p:sp>
+        <p:nvSpPr>
+          <p:cNvPr id="3" name="Content Placeholder 2"/>
+          <p:cNvSpPr>
+            <a:spLocks noGrp="1"/>
+          </p:cNvSpPr>
+          <p:nvPr>
+            <p:ph idx="1"/>
+          </p:nvPr>
+        </p:nvSpPr>
+        <p:spPr>
+          <a:xfrm>
+            <a:off x="457200" y="1600200"/>
+            <a:ext cx="8305800" cy="4525963"/>
+          </a:xfrm>
+        </p:spPr>
+        <p:txBody>
+          <a:bodyPr/>
+          <a:lstStyle/>
+          <a:p>
+            <a:r>
+              <a:rPr lang="en-US" dirty="0" smtClean="0"/>
+              <a:t>Consists of one </a:t>
+            </a:r>
+            <a:r>
+              <a:rPr lang="en-US" dirty="0" err="1" smtClean="0"/>
+              <a:t>SolrMarc</a:t>
+            </a:r>
+            <a:r>
+              <a:rPr lang="en-US" dirty="0" smtClean="0"/>
+              <a:t> jar, plus a directory of required jars.  </a:t>
+            </a:r>
+          </a:p>
+          <a:p>
+            <a:r>
+              <a:rPr lang="en-US" dirty="0" smtClean="0"/>
+              <a:t>To upgrade a required jar, delete it, copy in a new one. </a:t>
+            </a:r>
+          </a:p>
+          <a:p>
+            <a:r>
+              <a:rPr lang="en-US" dirty="0" smtClean="0"/>
+              <a:t>To use a newer version of </a:t>
+            </a:r>
+            <a:r>
+              <a:rPr lang="en-US" dirty="0" err="1" smtClean="0"/>
+              <a:t>Solr</a:t>
+            </a:r>
+            <a:r>
+              <a:rPr lang="en-US" dirty="0" smtClean="0"/>
+              <a:t>, point it at a directory containing newer version of </a:t>
+            </a:r>
+            <a:r>
+              <a:rPr lang="en-US" dirty="0" err="1" smtClean="0"/>
+              <a:t>SolrJ</a:t>
+            </a:r>
+            <a:r>
+              <a:rPr lang="en-US" dirty="0" smtClean="0"/>
+              <a:t>.</a:t>
+            </a:r>
+          </a:p>
+          <a:p>
+            <a:r>
+              <a:rPr lang="en-US" dirty="0" smtClean="0"/>
+              <a:t>tested with </a:t>
+            </a:r>
+            <a:r>
+              <a:rPr lang="en-US" dirty="0" err="1" smtClean="0"/>
+              <a:t>Solr</a:t>
+            </a:r>
+            <a:r>
+              <a:rPr lang="en-US" dirty="0" smtClean="0"/>
+              <a:t> 3.6, </a:t>
+            </a:r>
+            <a:r>
+              <a:rPr lang="en-US" dirty="0" err="1" smtClean="0"/>
+              <a:t>Solr</a:t>
+            </a:r>
+            <a:r>
+              <a:rPr lang="en-US" dirty="0" smtClean="0"/>
+              <a:t> 4.10, </a:t>
+            </a:r>
+            <a:r>
+              <a:rPr lang="en-US" dirty="0" err="1"/>
+              <a:t>S</a:t>
+            </a:r>
+            <a:r>
+              <a:rPr lang="en-US" dirty="0" err="1" smtClean="0"/>
+              <a:t>olr</a:t>
+            </a:r>
+            <a:r>
+              <a:rPr lang="en-US" dirty="0" smtClean="0"/>
+              <a:t> 5.5, </a:t>
+            </a:r>
+            <a:r>
+              <a:rPr lang="en-US" dirty="0" err="1" smtClean="0"/>
+              <a:t>Solr</a:t>
+            </a:r>
+            <a:r>
+              <a:rPr lang="en-US" dirty="0" smtClean="0"/>
+              <a:t> 6.0</a:t>
+            </a:r>
+            <a:endParaRPr lang="en-US" dirty="0"/>
+          </a:p>
+        </p:txBody>
+      </p:sp>
+    </p:spTree>
+    <p:extLst>
+      <p:ext uri="{BB962C8B-B14F-4D97-AF65-F5344CB8AC3E}">
+        <p14:creationId xmlns:p14="http://schemas.microsoft.com/office/powerpoint/2010/main" val="1230295605"/>
+      </p:ext>
+    </p:extLst>
+  </p:cSld>
+  <p:clrMapOvr>
+    <a:masterClrMapping/>
+  </p:clrMapOvr>
+  <p:timing>
+    <p:tnLst>
+      <p:par>
+        <p:cTn id="1" dur="indefinite" restart="never" nodeType="tmRoot"/>
+      </p:par>
+    </p:tnLst>
+  </p:timing>
+</p:sld>
+</file>
+
+<file path=ppt/slides/slide16.xml><?xml version="1.0" encoding="utf-8"?>
+<p:sld xmlns:a="http://schemas.openxmlformats.org/drawingml/2006/main" xmlns:r="http://schemas.openxmlformats.org/officeDocument/2006/relationships" xmlns:p="http://schemas.openxmlformats.org/presentationml/2006/main">
+  <p:cSld>
+    <p:spTree>
+      <p:nvGrpSpPr>
+        <p:cNvPr id="1" name=""/>
+        <p:cNvGrpSpPr/>
+        <p:nvPr/>
+      </p:nvGrpSpPr>
+      <p:grpSpPr>
+        <a:xfrm>
+          <a:off x="0" y="0"/>
+          <a:ext cx="0" cy="0"/>
+          <a:chOff x="0" y="0"/>
+          <a:chExt cx="0" cy="0"/>
+        </a:xfrm>
+      </p:grpSpPr>
+      <p:sp>
+        <p:nvSpPr>
+          <p:cNvPr id="2" name="Title 1"/>
+          <p:cNvSpPr>
+            <a:spLocks noGrp="1"/>
+          </p:cNvSpPr>
+          <p:nvPr>
+            <p:ph type="title"/>
+          </p:nvPr>
+        </p:nvSpPr>
+        <p:spPr/>
+        <p:txBody>
+          <a:bodyPr/>
+          <a:lstStyle/>
+          <a:p>
+            <a:r>
+              <a:rPr lang="en-US" dirty="0" smtClean="0"/>
+              <a:t>Faster</a:t>
+            </a:r>
+            <a:endParaRPr lang="en-US" dirty="0"/>
+          </a:p>
+        </p:txBody>
+      </p:sp>
+      <p:sp>
+        <p:nvSpPr>
+          <p:cNvPr id="3" name="Content Placeholder 2"/>
+          <p:cNvSpPr>
+            <a:spLocks noGrp="1"/>
+          </p:cNvSpPr>
+          <p:nvPr>
+            <p:ph idx="1"/>
+          </p:nvPr>
+        </p:nvSpPr>
+        <p:spPr/>
+        <p:txBody>
+          <a:bodyPr/>
+          <a:lstStyle/>
+          <a:p>
+            <a:r>
+              <a:rPr lang="en-US" dirty="0" smtClean="0"/>
+              <a:t>Preprocessing </a:t>
+            </a:r>
+            <a:r>
+              <a:rPr lang="en-US" dirty="0"/>
+              <a:t>i</a:t>
+            </a:r>
+            <a:r>
+              <a:rPr lang="en-US" dirty="0" smtClean="0"/>
+              <a:t>ndex specifications</a:t>
+            </a:r>
+            <a:endParaRPr lang="en-US" dirty="0" smtClean="0"/>
+          </a:p>
+          <a:p>
+            <a:endParaRPr lang="en-US" dirty="0" smtClean="0"/>
+          </a:p>
+          <a:p>
+            <a:r>
+              <a:rPr lang="en-US" dirty="0"/>
+              <a:t>S</a:t>
+            </a:r>
+            <a:r>
+              <a:rPr lang="en-US" dirty="0" smtClean="0"/>
+              <a:t>ending chunks of records to </a:t>
+            </a:r>
+            <a:r>
+              <a:rPr lang="en-US" dirty="0" err="1" smtClean="0"/>
+              <a:t>Solr</a:t>
+            </a:r>
+            <a:r>
+              <a:rPr lang="en-US" dirty="0" smtClean="0"/>
+              <a:t> in multiple threads.</a:t>
+            </a:r>
+          </a:p>
+          <a:p>
+            <a:endParaRPr lang="en-US" dirty="0" smtClean="0"/>
+          </a:p>
+          <a:p>
+            <a:r>
+              <a:rPr lang="en-US" dirty="0" smtClean="0"/>
+              <a:t>Optional multiple indexing threads.</a:t>
+            </a:r>
+          </a:p>
+          <a:p>
+            <a:pPr lvl="1"/>
+            <a:endParaRPr lang="en-US" dirty="0" smtClean="0"/>
+          </a:p>
+          <a:p>
+            <a:endParaRPr lang="en-US" dirty="0" smtClean="0"/>
+          </a:p>
+          <a:p>
+            <a:endParaRPr lang="en-US" dirty="0"/>
+          </a:p>
+        </p:txBody>
+      </p:sp>
+    </p:spTree>
+    <p:extLst>
+      <p:ext uri="{BB962C8B-B14F-4D97-AF65-F5344CB8AC3E}">
+        <p14:creationId xmlns:p14="http://schemas.microsoft.com/office/powerpoint/2010/main" val="2931587307"/>
+      </p:ext>
+    </p:extLst>
+  </p:cSld>
+  <p:clrMapOvr>
+    <a:masterClrMapping/>
+  </p:clrMapOvr>
+  <p:timing>
+    <p:tnLst>
+      <p:par>
+        <p:cTn id="1" dur="indefinite" restart="never" nodeType="tmRoot"/>
+      </p:par>
+    </p:tnLst>
+  </p:timing>
+</p:sld>
+</file>
+
+<file path=ppt/slides/slide17.xml><?xml version="1.0" encoding="utf-8"?>
+<p:sld xmlns:a="http://schemas.openxmlformats.org/drawingml/2006/main" xmlns:r="http://schemas.openxmlformats.org/officeDocument/2006/relationships" xmlns:p="http://schemas.openxmlformats.org/presentationml/2006/main">
+  <p:cSld>
+    <p:spTree>
+      <p:nvGrpSpPr>
+        <p:cNvPr id="1" name=""/>
+        <p:cNvGrpSpPr/>
+        <p:nvPr/>
+      </p:nvGrpSpPr>
+      <p:grpSpPr>
+        <a:xfrm>
+          <a:off x="0" y="0"/>
+          <a:ext cx="0" cy="0"/>
+          <a:chOff x="0" y="0"/>
+          <a:chExt cx="0" cy="0"/>
+        </a:xfrm>
+      </p:grpSpPr>
+      <p:sp>
+        <p:nvSpPr>
+          <p:cNvPr id="2" name="Title 1"/>
+          <p:cNvSpPr>
+            <a:spLocks noGrp="1"/>
+          </p:cNvSpPr>
+          <p:nvPr>
+            <p:ph type="title"/>
+          </p:nvPr>
+        </p:nvSpPr>
+        <p:spPr/>
+        <p:txBody>
+          <a:bodyPr/>
+          <a:lstStyle/>
+          <a:p>
+            <a:r>
+              <a:rPr lang="en-US" dirty="0" smtClean="0"/>
+              <a:t>Results</a:t>
+            </a:r>
+            <a:endParaRPr lang="en-US" dirty="0"/>
+          </a:p>
+        </p:txBody>
+      </p:sp>
+      <p:sp>
+        <p:nvSpPr>
+          <p:cNvPr id="3" name="Content Placeholder 2"/>
+          <p:cNvSpPr>
+            <a:spLocks noGrp="1"/>
+          </p:cNvSpPr>
+          <p:nvPr>
+            <p:ph idx="1"/>
+          </p:nvPr>
+        </p:nvSpPr>
+        <p:spPr>
+          <a:xfrm>
+            <a:off x="457200" y="1295400"/>
+            <a:ext cx="8229600" cy="4830763"/>
+          </a:xfrm>
+        </p:spPr>
+        <p:txBody>
+          <a:bodyPr>
+            <a:normAutofit/>
+          </a:bodyPr>
+          <a:lstStyle/>
+          <a:p>
+            <a:r>
+              <a:rPr lang="en-US" dirty="0" smtClean="0"/>
+              <a:t>Most recent full re-index at University of Virginia with previous version</a:t>
+            </a:r>
+          </a:p>
+          <a:p>
+            <a:pPr marL="0" indent="0">
+              <a:buNone/>
+            </a:pPr>
+            <a:r>
+              <a:rPr lang="en-US" dirty="0" smtClean="0"/>
+              <a:t>	4,847,392  records  in 17 </a:t>
+            </a:r>
+            <a:r>
+              <a:rPr lang="en-US" dirty="0" err="1" smtClean="0"/>
+              <a:t>hrs</a:t>
+            </a:r>
+            <a:r>
+              <a:rPr lang="en-US" dirty="0" smtClean="0"/>
+              <a:t> 36 minutes</a:t>
+            </a:r>
+          </a:p>
+          <a:p>
+            <a:pPr marL="0" indent="0">
+              <a:buNone/>
+            </a:pPr>
+            <a:r>
+              <a:rPr lang="en-US" dirty="0"/>
+              <a:t>	</a:t>
+            </a:r>
+            <a:r>
+              <a:rPr lang="en-US" dirty="0" smtClean="0"/>
+              <a:t>		76.6 recs/second</a:t>
+            </a:r>
+            <a:endParaRPr lang="en-US" dirty="0"/>
+          </a:p>
+          <a:p>
+            <a:r>
+              <a:rPr lang="en-US" dirty="0" smtClean="0"/>
+              <a:t>Test run with new </a:t>
+            </a:r>
+            <a:r>
+              <a:rPr lang="en-US" dirty="0" err="1" smtClean="0"/>
+              <a:t>SolrMarc</a:t>
+            </a:r>
+            <a:endParaRPr lang="en-US" dirty="0" smtClean="0"/>
+          </a:p>
+          <a:p>
+            <a:pPr marL="0" indent="0">
+              <a:buNone/>
+            </a:pPr>
+            <a:r>
+              <a:rPr lang="en-US" dirty="0"/>
+              <a:t>	</a:t>
+            </a:r>
+            <a:r>
+              <a:rPr lang="en-US" dirty="0" smtClean="0"/>
+              <a:t>5,141,401  records in   1 </a:t>
+            </a:r>
+            <a:r>
+              <a:rPr lang="en-US" dirty="0" err="1" smtClean="0"/>
+              <a:t>hr</a:t>
+            </a:r>
+            <a:r>
+              <a:rPr lang="en-US" dirty="0" smtClean="0"/>
+              <a:t> 3 minutes</a:t>
+            </a:r>
+            <a:endParaRPr lang="en-US" dirty="0"/>
+          </a:p>
+          <a:p>
+            <a:pPr marL="0" indent="0">
+              <a:buNone/>
+            </a:pPr>
+            <a:r>
+              <a:rPr lang="en-US" dirty="0"/>
+              <a:t>		</a:t>
+            </a:r>
+            <a:r>
+              <a:rPr lang="en-US" smtClean="0"/>
+              <a:t>        1,360 </a:t>
+            </a:r>
+            <a:r>
+              <a:rPr lang="en-US" dirty="0" smtClean="0"/>
+              <a:t>recs/second</a:t>
+            </a:r>
+          </a:p>
+          <a:p>
+            <a:pPr marL="0" indent="0">
+              <a:buNone/>
+            </a:pPr>
+            <a:r>
+              <a:rPr lang="en-US" dirty="0" smtClean="0"/>
+              <a:t>	or  17.7 times faster</a:t>
+            </a:r>
+            <a:endParaRPr lang="en-US" dirty="0"/>
+          </a:p>
+        </p:txBody>
+      </p:sp>
+    </p:spTree>
+    <p:extLst>
+      <p:ext uri="{BB962C8B-B14F-4D97-AF65-F5344CB8AC3E}">
+        <p14:creationId xmlns:p14="http://schemas.microsoft.com/office/powerpoint/2010/main" val="3399053687"/>
+      </p:ext>
+    </p:extLst>
+  </p:cSld>
+  <p:clrMapOvr>
+    <a:masterClrMapping/>
+  </p:clrMapOvr>
+  <p:timing>
+    <p:tnLst>
+      <p:par>
+        <p:cTn id="1" dur="indefinite" restart="never" nodeType="tmRoot"/>
+      </p:par>
+    </p:tnLst>
+  </p:timing>
 </p:sld>
 </file>
 
@@ -3801,6 +5516,13 @@
   <p:clrMapOvr>
     <a:masterClrMapping/>
   </p:clrMapOvr>
+  <p:timing>
+    <p:tnLst>
+      <p:par>
+        <p:cTn id="1" dur="indefinite" restart="never" nodeType="tmRoot"/>
+      </p:par>
+    </p:tnLst>
+  </p:timing>
 </p:sld>
 </file>
 
@@ -3854,10 +5576,63 @@
             <p:ph idx="1"/>
           </p:nvPr>
         </p:nvSpPr>
-        <p:spPr/>
-        <p:txBody>
-          <a:bodyPr/>
-          <a:lstStyle/>
+        <p:spPr>
+          <a:xfrm>
+            <a:off x="457200" y="1600200"/>
+            <a:ext cx="8229600" cy="4571999"/>
+          </a:xfrm>
+        </p:spPr>
+        <p:txBody>
+          <a:bodyPr>
+            <a:normAutofit/>
+          </a:bodyPr>
+          <a:lstStyle/>
+          <a:p>
+            <a:r>
+              <a:rPr lang="en-US" dirty="0"/>
+              <a:t>Supports simple indexing specifications, but beyond that requires a custom index method.</a:t>
+            </a:r>
+          </a:p>
+          <a:p>
+            <a:r>
+              <a:rPr lang="en-US" dirty="0"/>
+              <a:t>Source file of </a:t>
+            </a:r>
+            <a:r>
+              <a:rPr lang="en-US" dirty="0" smtClean="0"/>
+              <a:t>custom </a:t>
+            </a:r>
+            <a:r>
+              <a:rPr lang="en-US" dirty="0"/>
+              <a:t>index methods grows large and unwieldy.</a:t>
+            </a:r>
+          </a:p>
+          <a:p>
+            <a:r>
+              <a:rPr lang="en-US" dirty="0" smtClean="0"/>
+              <a:t>Incremental </a:t>
+            </a:r>
+            <a:r>
+              <a:rPr lang="en-US" dirty="0"/>
+              <a:t>improvements added </a:t>
+            </a:r>
+            <a:r>
+              <a:rPr lang="en-US" dirty="0" err="1"/>
+              <a:t>beanshell</a:t>
+            </a:r>
+            <a:r>
+              <a:rPr lang="en-US" dirty="0"/>
+              <a:t> scripts, and compiled </a:t>
+            </a:r>
+            <a:r>
+              <a:rPr lang="en-US" dirty="0" err="1"/>
+              <a:t>mixins</a:t>
+            </a:r>
+            <a:r>
+              <a:rPr lang="en-US" dirty="0"/>
+              <a:t>.  </a:t>
+            </a:r>
+          </a:p>
           <a:p>
             <a:r>
               <a:rPr lang="en-US" dirty="0" smtClean="0"/>
@@ -3871,43 +5646,6 @@
               <a:rPr lang="en-US" dirty="0" smtClean="0"/>
               <a:t>.</a:t>
             </a:r>
-            <a:endParaRPr lang="en-US" dirty="0"/>
-          </a:p>
-          <a:p>
-            <a:r>
-              <a:rPr lang="en-US" dirty="0" smtClean="0"/>
-              <a:t>Supports simple indexing specifications, but beyond that requires a custom index method.</a:t>
-            </a:r>
-          </a:p>
-          <a:p>
-            <a:r>
-              <a:rPr lang="en-US" dirty="0" smtClean="0"/>
-              <a:t>Source file of Custom index methods grows large and unwieldy.</a:t>
-            </a:r>
-            <a:endParaRPr lang="en-US" dirty="0"/>
-          </a:p>
-          <a:p>
-            <a:r>
-              <a:rPr lang="en-US" dirty="0" smtClean="0"/>
-              <a:t>Incremental improvements added </a:t>
-            </a:r>
-            <a:r>
-              <a:rPr lang="en-US" dirty="0" err="1" smtClean="0"/>
-              <a:t>beanshell</a:t>
-            </a:r>
-            <a:r>
-              <a:rPr lang="en-US" dirty="0" smtClean="0"/>
-              <a:t> scripts, and compiled </a:t>
-            </a:r>
-            <a:r>
-              <a:rPr lang="en-US" dirty="0" err="1" smtClean="0"/>
-              <a:t>mixins</a:t>
-            </a:r>
-            <a:r>
-              <a:rPr lang="en-US" dirty="0" smtClean="0"/>
-              <a:t>.  </a:t>
-            </a:r>
-            <a:endParaRPr lang="en-US" dirty="0"/>
           </a:p>
         </p:txBody>
       </p:sp>
@@ -3921,6 +5659,13 @@
   <p:clrMapOvr>
     <a:masterClrMapping/>
   </p:clrMapOvr>
+  <p:timing>
+    <p:tnLst>
+      <p:par>
+        <p:cTn id="1" dur="indefinite" restart="never" nodeType="tmRoot"/>
+      </p:par>
+    </p:tnLst>
+  </p:timing>
 </p:sld>
 </file>
 
@@ -3954,7 +5699,7 @@
         <p:spPr>
           <a:xfrm>
             <a:off x="457200" y="762000"/>
-            <a:ext cx="8229600" cy="1676400"/>
+            <a:ext cx="8229600" cy="1295400"/>
           </a:xfrm>
         </p:spPr>
         <p:txBody>
@@ -3982,40 +5727,6 @@
               <a:rPr lang="en-US" sz="2000" dirty="0" smtClean="0"/>
               <a:t> </a:t>
             </a:r>
-            <a:r>
-              <a:rPr lang="en-US" dirty="0" smtClean="0"/>
-              <a:t/>
-            </a:r>
-            <a:br>
-              <a:rPr lang="en-US" dirty="0" smtClean="0"/>
-            </a:br>
-            <a:r>
-              <a:rPr lang="en-US" sz="2700" dirty="0"/>
-              <a:t>Thanks to Oliver </a:t>
-            </a:r>
-            <a:r>
-              <a:rPr lang="en-US" sz="2700" dirty="0" err="1"/>
-              <a:t>Obenland</a:t>
-            </a:r>
-            <a:r>
-              <a:rPr lang="en-US" sz="2700" dirty="0"/>
-              <a:t> of The University of </a:t>
-            </a:r>
-            <a:r>
-              <a:rPr lang="en-US" sz="2700" dirty="0" err="1"/>
-              <a:t>Tübingen</a:t>
-            </a:r>
-            <a:r>
-              <a:rPr lang="en-US" sz="2700" dirty="0"/>
-              <a:t> </a:t>
-            </a:r>
-            <a:r>
-              <a:rPr lang="en-US" dirty="0"/>
-              <a:t/>
-            </a:r>
-            <a:br>
-              <a:rPr lang="en-US" dirty="0"/>
-            </a:br>
             <a:endParaRPr lang="en-US" dirty="0"/>
           </a:p>
         </p:txBody>
@@ -4032,8 +5743,8 @@
         </p:nvSpPr>
         <p:spPr>
           <a:xfrm>
-            <a:off x="457200" y="2666999"/>
-            <a:ext cx="8229600" cy="2895601"/>
+            <a:off x="457200" y="1905000"/>
+            <a:ext cx="8229600" cy="4038600"/>
           </a:xfrm>
         </p:spPr>
         <p:txBody>
@@ -4068,9 +5779,51 @@
           <a:p>
             <a:r>
               <a:rPr lang="en-US" dirty="0" smtClean="0"/>
-              <a:t>Faster.</a:t>
-            </a:r>
-            <a:endParaRPr lang="en-US" dirty="0"/>
+              <a:t>Faster</a:t>
+            </a:r>
+          </a:p>
+          <a:p>
+            <a:pPr marL="0" indent="0" algn="ctr">
+              <a:buNone/>
+            </a:pPr>
+            <a:r>
+              <a:rPr lang="en-US" dirty="0"/>
+              <a:t>Thanks to Oliver </a:t>
+            </a:r>
+            <a:r>
+              <a:rPr lang="en-US" dirty="0" err="1"/>
+              <a:t>Obenland</a:t>
+            </a:r>
+            <a:r>
+              <a:rPr lang="en-US" dirty="0"/>
+              <a:t> </a:t>
+            </a:r>
+            <a:endParaRPr lang="en-US" dirty="0" smtClean="0"/>
+          </a:p>
+          <a:p>
+            <a:pPr marL="0" indent="0" algn="ctr">
+              <a:buNone/>
+            </a:pPr>
+            <a:r>
+              <a:rPr lang="en-US" dirty="0" smtClean="0"/>
+              <a:t>of </a:t>
+            </a:r>
+            <a:r>
+              <a:rPr lang="en-US" dirty="0"/>
+              <a:t>The University of </a:t>
+            </a:r>
+            <a:r>
+              <a:rPr lang="en-US" dirty="0" err="1"/>
+              <a:t>Tübingen</a:t>
+            </a:r>
+            <a:r>
+              <a:rPr lang="en-US" dirty="0"/>
+              <a:t> </a:t>
+            </a:r>
+          </a:p>
+          <a:p>
+            <a:pPr algn="ctr"/>
+            <a:endParaRPr lang="en-US" dirty="0" smtClean="0"/>
           </a:p>
         </p:txBody>
       </p:sp>
@@ -4084,6 +5837,13 @@
   <p:clrMapOvr>
     <a:masterClrMapping/>
   </p:clrMapOvr>
+  <p:timing>
+    <p:tnLst>
+      <p:par>
+        <p:cTn id="1" dur="indefinite" restart="never" nodeType="tmRoot"/>
+      </p:par>
+    </p:tnLst>
+  </p:timing>
 </p:sld>
 </file>
 
@@ -4308,6 +6068,13 @@
   <p:clrMapOvr>
     <a:masterClrMapping/>
   </p:clrMapOvr>
+  <p:timing>
+    <p:tnLst>
+      <p:par>
+        <p:cTn id="1" dur="indefinite" restart="never" nodeType="tmRoot"/>
+      </p:par>
+    </p:tnLst>
+  </p:timing>
 </p:sld>
 </file>
 
@@ -4548,6 +6315,16 @@
               <a:rPr lang="en-US" sz="2400" dirty="0" err="1" smtClean="0"/>
               <a:t>titleSortLower</a:t>
             </a:r>
+            <a:endParaRPr lang="en-US" sz="2400" dirty="0" smtClean="0"/>
+          </a:p>
+          <a:p>
+            <a:pPr marL="0" indent="0">
+              <a:buNone/>
+            </a:pPr>
+            <a:r>
+              <a:rPr lang="en-US" sz="2400" dirty="0" smtClean="0"/>
+              <a:t>format</a:t>
+            </a:r>
             <a:endParaRPr lang="en-US" sz="2400" dirty="0"/>
           </a:p>
         </p:txBody>
@@ -4561,7 +6338,7 @@
         <p:spPr>
           <a:xfrm>
             <a:off x="609600" y="1295400"/>
-            <a:ext cx="7467600" cy="2286000"/>
+            <a:ext cx="7467600" cy="2438400"/>
           </a:xfrm>
           <a:prstGeom prst="rect">
             <a:avLst/>
@@ -4576,7 +6353,7 @@
           <a:p>
             <a:pPr lvl="0"/>
             <a:r>
-              <a:rPr lang="en-US" sz="2400" dirty="0">
+              <a:rPr lang="en-US" sz="3200" dirty="0">
                 <a:solidFill>
                   <a:prstClr val="black"/>
                 </a:solidFill>
@@ -4662,7 +6439,6 @@
               <a:rPr lang="en-US" sz="3200" dirty="0"/>
               <a:t>Additional Specification Modifiers</a:t>
             </a:r>
-            <a:endParaRPr lang="en-US" sz="3200" dirty="0"/>
           </a:p>
         </p:txBody>
       </p:sp>
@@ -4676,6 +6452,13 @@
   <p:clrMapOvr>
     <a:masterClrMapping/>
   </p:clrMapOvr>
+  <p:timing>
+    <p:tnLst>
+      <p:par>
+        <p:cTn id="1" dur="indefinite" restart="never" nodeType="tmRoot"/>
+      </p:par>
+    </p:tnLst>
+  </p:timing>
 </p:sld>
 </file>
 
@@ -4698,30 +6481,6 @@
       </p:grpSpPr>
       <p:sp>
         <p:nvSpPr>
-          <p:cNvPr id="2" name="Title 1"/>
-          <p:cNvSpPr>
-            <a:spLocks noGrp="1"/>
-          </p:cNvSpPr>
-          <p:nvPr>
-            <p:ph type="title"/>
-          </p:nvPr>
-        </p:nvSpPr>
-        <p:spPr/>
-        <p:txBody>
-          <a:bodyPr>
-            <a:normAutofit fontScale="90000"/>
-          </a:bodyPr>
-          <a:lstStyle/>
-          <a:p>
-            <a:r>
-              <a:rPr lang="en-US" dirty="0"/>
-              <a:t>The new index specification language</a:t>
-            </a:r>
-          </a:p>
-        </p:txBody>
-      </p:sp>
-      <p:sp>
-        <p:nvSpPr>
           <p:cNvPr id="3" name="Content Placeholder 2"/>
           <p:cNvSpPr>
             <a:spLocks noGrp="1"/>
@@ -4730,10 +6489,28 @@
             <p:ph idx="1"/>
           </p:nvPr>
         </p:nvSpPr>
-        <p:spPr/>
+        <p:spPr>
+          <a:xfrm>
+            <a:off x="533400" y="1066800"/>
+            <a:ext cx="8153400" cy="5059363"/>
+          </a:xfrm>
+        </p:spPr>
         <p:txBody>
           <a:bodyPr/>
           <a:lstStyle/>
+          <a:p>
+            <a:pPr marL="0" lvl="0" indent="0">
+              <a:buNone/>
+            </a:pPr>
+            <a:r>
+              <a:rPr lang="en-US" dirty="0" smtClean="0">
+                <a:solidFill>
+                  <a:prstClr val="black"/>
+                </a:solidFill>
+              </a:rPr>
+              <a:t>So these Index Specs that needed Custom method calls:</a:t>
+            </a:r>
+          </a:p>
           <a:p>
             <a:pPr marL="0" lvl="0" indent="0">
               <a:buNone/>
@@ -4807,9 +6584,17 @@
               </a:rPr>
               <a:t> </a:t>
             </a:r>
-          </a:p>
-          <a:p>
-            <a:endParaRPr lang="en-US" dirty="0" smtClean="0"/>
+            <a:endParaRPr lang="en-US" sz="2400" dirty="0" smtClean="0">
+              <a:solidFill>
+                <a:prstClr val="black"/>
+              </a:solidFill>
+            </a:endParaRPr>
+          </a:p>
+          <a:p>
+            <a:pPr marL="0" lvl="0" indent="0">
+              <a:buNone/>
+            </a:pPr>
+            <a:endParaRPr lang="en-US" sz="1800" dirty="0" smtClean="0"/>
           </a:p>
           <a:p>
             <a:pPr marL="0" indent="0">
@@ -4826,7 +6611,7 @@
               <a:buNone/>
             </a:pPr>
             <a:r>
-              <a:rPr lang="en-US" sz="2400" dirty="0" smtClean="0">
+              <a:rPr lang="en-US" sz="2200" dirty="0" smtClean="0">
                 <a:solidFill>
                   <a:prstClr val="black"/>
                 </a:solidFill>
@@ -4834,14 +6619,14 @@
               <a:t>responsibility = 245c, </a:t>
             </a:r>
             <a:r>
-              <a:rPr lang="en-US" sz="2400" dirty="0" err="1" smtClean="0">
+              <a:rPr lang="en-US" sz="2200" dirty="0" err="1" smtClean="0">
                 <a:solidFill>
                   <a:prstClr val="black"/>
                 </a:solidFill>
               </a:rPr>
               <a:t>cleanEnd</a:t>
             </a:r>
-            <a:endParaRPr lang="en-US" sz="2400" dirty="0">
+            <a:endParaRPr lang="en-US" sz="2200" dirty="0">
               <a:solidFill>
                 <a:prstClr val="black"/>
               </a:solidFill>
@@ -4852,7 +6637,7 @@
               <a:buNone/>
             </a:pPr>
             <a:r>
-              <a:rPr lang="en-US" sz="2400" dirty="0" err="1">
+              <a:rPr lang="en-US" sz="2200" dirty="0" err="1" smtClean="0">
                 <a:solidFill>
                   <a:prstClr val="black"/>
                 </a:solidFill>
@@ -4860,15 +6645,23 @@
               <a:t>title_facet</a:t>
             </a:r>
             <a:r>
-              <a:rPr lang="en-US" sz="2400" dirty="0">
+              <a:rPr lang="en-US" sz="2200" dirty="0" smtClean="0">
                 <a:solidFill>
                   <a:prstClr val="black"/>
                 </a:solidFill>
               </a:rPr>
-              <a:t> = </a:t>
-            </a:r>
-            <a:r>
-              <a:rPr lang="en-US" sz="2400" dirty="0" smtClean="0">
+              <a:t> </a:t>
+            </a:r>
+            <a:r>
+              <a:rPr lang="en-US" sz="2200" dirty="0">
+                <a:solidFill>
+                  <a:prstClr val="black"/>
+                </a:solidFill>
+              </a:rPr>
+              <a:t>= </a:t>
+            </a:r>
+            <a:r>
+              <a:rPr lang="en-US" sz="2200" dirty="0" smtClean="0">
                 <a:solidFill>
                   <a:prstClr val="black"/>
                 </a:solidFill>
@@ -4876,16 +6669,93 @@
               <a:t>245abk, </a:t>
             </a:r>
             <a:r>
-              <a:rPr lang="en-US" sz="2400"/>
+              <a:rPr lang="en-US" sz="2200" dirty="0" smtClean="0"/>
+              <a:t>clean, </a:t>
+            </a:r>
+            <a:r>
+              <a:rPr lang="en-US" sz="2200" dirty="0" err="1"/>
+              <a:t>stripAccent</a:t>
+            </a:r>
+            <a:r>
+              <a:rPr lang="en-US" sz="2200" dirty="0"/>
+              <a:t>, </a:t>
+            </a:r>
+            <a:r>
+              <a:rPr lang="en-US" sz="2200" dirty="0" err="1"/>
+              <a:t>stripPunct</a:t>
+            </a:r>
+            <a:r>
+              <a:rPr lang="en-US" sz="2200" dirty="0"/>
+              <a:t>, stripInd2, </a:t>
+            </a:r>
+            <a:r>
+              <a:rPr lang="en-US" sz="2200" dirty="0" err="1" smtClean="0"/>
+              <a:t>toLower</a:t>
+            </a:r>
+            <a:endParaRPr lang="en-US" sz="2200" dirty="0" smtClean="0"/>
+          </a:p>
+          <a:p>
+            <a:pPr marL="0" lvl="0" indent="0">
+              <a:buNone/>
+            </a:pPr>
+            <a:r>
+              <a:rPr lang="en-US" sz="2200" dirty="0" smtClean="0"/>
+              <a:t>Or</a:t>
+            </a:r>
+          </a:p>
+          <a:p>
+            <a:pPr marL="0" indent="0">
+              <a:buNone/>
+            </a:pPr>
+            <a:r>
+              <a:rPr lang="en-US" sz="2200" dirty="0" err="1">
+                <a:solidFill>
+                  <a:prstClr val="black"/>
+                </a:solidFill>
+              </a:rPr>
+              <a:t>title_facet</a:t>
+            </a:r>
+            <a:r>
+              <a:rPr lang="en-US" sz="2200" dirty="0">
+                <a:solidFill>
+                  <a:prstClr val="black"/>
+                </a:solidFill>
+              </a:rPr>
+              <a:t> = 245abk, </a:t>
+            </a:r>
+            <a:r>
+              <a:rPr lang="en-US" sz="2200" dirty="0" err="1" smtClean="0"/>
               <a:t>titleSortLower</a:t>
             </a:r>
-            <a:endParaRPr lang="en-US" sz="2400" dirty="0">
-              <a:solidFill>
-                <a:prstClr val="black"/>
-              </a:solidFill>
-            </a:endParaRPr>
-          </a:p>
-          <a:p>
+            <a:endParaRPr lang="en-US" sz="2200" dirty="0"/>
+          </a:p>
+          <a:p>
+            <a:pPr marL="0" lvl="0" indent="0">
+              <a:buNone/>
+            </a:pPr>
+            <a:endParaRPr lang="en-US" sz="2200" dirty="0"/>
+          </a:p>
+        </p:txBody>
+      </p:sp>
+      <p:sp>
+        <p:nvSpPr>
+          <p:cNvPr id="4" name="Title 3"/>
+          <p:cNvSpPr>
+            <a:spLocks noGrp="1"/>
+          </p:cNvSpPr>
+          <p:nvPr>
+            <p:ph type="title"/>
+          </p:nvPr>
+        </p:nvSpPr>
+        <p:spPr/>
+        <p:txBody>
+          <a:bodyPr/>
+          <a:lstStyle/>
+          <a:p>
+            <a:r>
+              <a:rPr lang="en-US" dirty="0" smtClean="0"/>
+              <a:t> </a:t>
+            </a:r>
             <a:endParaRPr lang="en-US" dirty="0"/>
           </a:p>
         </p:txBody>
@@ -4900,6 +6770,483 @@
   <p:clrMapOvr>
     <a:masterClrMapping/>
   </p:clrMapOvr>
+  <p:timing>
+    <p:tnLst>
+      <p:par>
+        <p:cTn id="1" dur="indefinite" restart="never" nodeType="tmRoot"/>
+      </p:par>
+    </p:tnLst>
+  </p:timing>
+</p:sld>
+</file>
+
+<file path=ppt/slides/slide8.xml><?xml version="1.0" encoding="utf-8"?>
+<p:sld xmlns:a="http://schemas.openxmlformats.org/drawingml/2006/main" xmlns:r="http://schemas.openxmlformats.org/officeDocument/2006/relationships" xmlns:p="http://schemas.openxmlformats.org/presentationml/2006/main">
+  <p:cSld>
+    <p:spTree>
+      <p:nvGrpSpPr>
+        <p:cNvPr id="1" name=""/>
+        <p:cNvGrpSpPr/>
+        <p:nvPr/>
+      </p:nvGrpSpPr>
+      <p:grpSpPr>
+        <a:xfrm>
+          <a:off x="0" y="0"/>
+          <a:ext cx="0" cy="0"/>
+          <a:chOff x="0" y="0"/>
+          <a:chExt cx="0" cy="0"/>
+        </a:xfrm>
+      </p:grpSpPr>
+      <p:sp>
+        <p:nvSpPr>
+          <p:cNvPr id="2" name="Title 1"/>
+          <p:cNvSpPr>
+            <a:spLocks noGrp="1"/>
+          </p:cNvSpPr>
+          <p:nvPr>
+            <p:ph type="title"/>
+          </p:nvPr>
+        </p:nvSpPr>
+        <p:spPr>
+          <a:xfrm>
+            <a:off x="457200" y="685800"/>
+            <a:ext cx="8229600" cy="1143000"/>
+          </a:xfrm>
+        </p:spPr>
+        <p:txBody>
+          <a:bodyPr>
+            <a:noAutofit/>
+          </a:bodyPr>
+          <a:lstStyle/>
+          <a:p>
+            <a:r>
+              <a:rPr lang="en-US" dirty="0"/>
+              <a:t>Supports conditional </a:t>
+            </a:r>
+            <a:r>
+              <a:rPr lang="en-US" dirty="0" smtClean="0"/>
+              <a:t>qualifiers</a:t>
+            </a:r>
+            <a:endParaRPr lang="en-US" dirty="0"/>
+          </a:p>
+        </p:txBody>
+      </p:sp>
+      <p:sp>
+        <p:nvSpPr>
+          <p:cNvPr id="3" name="Content Placeholder 2"/>
+          <p:cNvSpPr>
+            <a:spLocks noGrp="1"/>
+          </p:cNvSpPr>
+          <p:nvPr>
+            <p:ph idx="1"/>
+          </p:nvPr>
+        </p:nvSpPr>
+        <p:spPr>
+          <a:xfrm>
+            <a:off x="457200" y="1981200"/>
+            <a:ext cx="8229600" cy="4144963"/>
+          </a:xfrm>
+        </p:spPr>
+        <p:txBody>
+          <a:bodyPr>
+            <a:normAutofit/>
+          </a:bodyPr>
+          <a:lstStyle/>
+          <a:p>
+            <a:pPr marL="0" indent="0">
+              <a:buNone/>
+            </a:pPr>
+            <a:r>
+              <a:rPr lang="en-US" sz="2800" dirty="0" smtClean="0"/>
+              <a:t>Allow you to include </a:t>
+            </a:r>
+            <a:r>
+              <a:rPr lang="en-US" sz="2800" dirty="0"/>
+              <a:t>some fields/subfields only if certain conditions are true.</a:t>
+            </a:r>
+            <a:r>
+              <a:rPr lang="en-US" sz="2400" dirty="0"/>
+              <a:t/>
+            </a:r>
+            <a:br>
+              <a:rPr lang="en-US" sz="2400" dirty="0"/>
+            </a:br>
+            <a:endParaRPr lang="en-US" sz="2400" dirty="0"/>
+          </a:p>
+          <a:p>
+            <a:pPr marL="0" indent="0">
+              <a:buNone/>
+            </a:pPr>
+            <a:r>
+              <a:rPr lang="en-US" sz="2200" dirty="0" err="1"/>
+              <a:t>published_text</a:t>
+            </a:r>
+            <a:r>
+              <a:rPr lang="en-US" sz="2200" dirty="0"/>
+              <a:t> = 260abc:264abc?(ind2 = '1' || ind2 = '4</a:t>
+            </a:r>
+            <a:r>
+              <a:rPr lang="en-US" sz="2200" dirty="0" smtClean="0"/>
+              <a:t>')</a:t>
+            </a:r>
+          </a:p>
+          <a:p>
+            <a:pPr marL="0" indent="0">
+              <a:buNone/>
+            </a:pPr>
+            <a:endParaRPr lang="en-US" sz="2200" dirty="0"/>
+          </a:p>
+          <a:p>
+            <a:pPr marL="0" indent="0">
+              <a:buNone/>
+            </a:pPr>
+            <a:r>
+              <a:rPr lang="en-US" sz="2200" dirty="0" err="1" smtClean="0"/>
+              <a:t>journal_title_text</a:t>
+            </a:r>
+            <a:r>
+              <a:rPr lang="en-US" sz="2200" dirty="0" smtClean="0"/>
+              <a:t> </a:t>
+            </a:r>
+            <a:r>
+              <a:rPr lang="en-US" sz="2200" dirty="0"/>
+              <a:t>= {245a:LNK245a} ? (000[7] = 's' </a:t>
+            </a:r>
+            <a:r>
+              <a:rPr lang="en-US" sz="2200" dirty="0" smtClean="0"/>
+              <a:t>)</a:t>
+            </a:r>
+          </a:p>
+          <a:p>
+            <a:pPr marL="0" indent="0">
+              <a:buNone/>
+            </a:pPr>
+            <a:endParaRPr lang="en-US" sz="2200" dirty="0"/>
+          </a:p>
+          <a:p>
+            <a:pPr marL="0" indent="0">
+              <a:buNone/>
+            </a:pPr>
+            <a:r>
+              <a:rPr lang="en-US" sz="2200" dirty="0" err="1"/>
+              <a:t>subject_text</a:t>
+            </a:r>
+            <a:r>
+              <a:rPr lang="en-US" sz="2200" dirty="0"/>
+              <a:t> = {600[a-z]:610[a-z]:611[a-z]}?(ind2 != 7||(ind2 </a:t>
+            </a:r>
+            <a:r>
+              <a:rPr lang="en-US" sz="2200" dirty="0" smtClean="0"/>
+              <a:t>= 7 &amp;&amp; $2               </a:t>
+            </a:r>
+          </a:p>
+          <a:p>
+            <a:pPr marL="0" indent="0">
+              <a:buNone/>
+            </a:pPr>
+            <a:r>
+              <a:rPr lang="en-US" sz="2200" dirty="0"/>
+              <a:t> </a:t>
+            </a:r>
+            <a:r>
+              <a:rPr lang="en-US" sz="2200" dirty="0" smtClean="0"/>
+              <a:t>                                                                        matches </a:t>
+            </a:r>
+            <a:r>
+              <a:rPr lang="en-US" sz="2200" dirty="0"/>
+              <a:t>"</a:t>
+            </a:r>
+            <a:r>
+              <a:rPr lang="en-US" sz="2200" dirty="0" err="1"/>
+              <a:t>fast|lcsh|tgn|aat</a:t>
+            </a:r>
+            <a:r>
+              <a:rPr lang="en-US" sz="2200" dirty="0"/>
+              <a:t>"))</a:t>
+            </a:r>
+          </a:p>
+        </p:txBody>
+      </p:sp>
+    </p:spTree>
+    <p:extLst>
+      <p:ext uri="{BB962C8B-B14F-4D97-AF65-F5344CB8AC3E}">
+        <p14:creationId xmlns:p14="http://schemas.microsoft.com/office/powerpoint/2010/main" val="1818088480"/>
+      </p:ext>
+    </p:extLst>
+  </p:cSld>
+  <p:clrMapOvr>
+    <a:masterClrMapping/>
+  </p:clrMapOvr>
+  <p:timing>
+    <p:tnLst>
+      <p:par>
+        <p:cTn id="1" dur="indefinite" restart="never" nodeType="tmRoot"/>
+      </p:par>
+    </p:tnLst>
+  </p:timing>
+</p:sld>
+</file>
+
+<file path=ppt/slides/slide9.xml><?xml version="1.0" encoding="utf-8"?>
+<p:sld xmlns:a="http://schemas.openxmlformats.org/drawingml/2006/main" xmlns:r="http://schemas.openxmlformats.org/officeDocument/2006/relationships" xmlns:p="http://schemas.openxmlformats.org/presentationml/2006/main">
+  <p:cSld>
+    <p:spTree>
+      <p:nvGrpSpPr>
+        <p:cNvPr id="1" name=""/>
+        <p:cNvGrpSpPr/>
+        <p:nvPr/>
+      </p:nvGrpSpPr>
+      <p:grpSpPr>
+        <a:xfrm>
+          <a:off x="0" y="0"/>
+          <a:ext cx="0" cy="0"/>
+          <a:chOff x="0" y="0"/>
+          <a:chExt cx="0" cy="0"/>
+        </a:xfrm>
+      </p:grpSpPr>
+      <p:sp>
+        <p:nvSpPr>
+          <p:cNvPr id="2" name="Title 1"/>
+          <p:cNvSpPr>
+            <a:spLocks noGrp="1"/>
+          </p:cNvSpPr>
+          <p:nvPr>
+            <p:ph type="title"/>
+          </p:nvPr>
+        </p:nvSpPr>
+        <p:spPr/>
+        <p:txBody>
+          <a:bodyPr>
+            <a:normAutofit/>
+          </a:bodyPr>
+          <a:lstStyle/>
+          <a:p>
+            <a:r>
+              <a:rPr lang="en-US" dirty="0" smtClean="0"/>
+              <a:t>Translation Maps</a:t>
+            </a:r>
+            <a:endParaRPr lang="en-US" dirty="0"/>
+          </a:p>
+        </p:txBody>
+      </p:sp>
+      <p:sp>
+        <p:nvSpPr>
+          <p:cNvPr id="3" name="Content Placeholder 2"/>
+          <p:cNvSpPr>
+            <a:spLocks noGrp="1"/>
+          </p:cNvSpPr>
+          <p:nvPr>
+            <p:ph idx="1"/>
+          </p:nvPr>
+        </p:nvSpPr>
+        <p:spPr/>
+        <p:txBody>
+          <a:bodyPr>
+            <a:normAutofit/>
+          </a:bodyPr>
+          <a:lstStyle/>
+          <a:p>
+            <a:pPr marL="0" indent="0">
+              <a:buNone/>
+            </a:pPr>
+            <a:r>
+              <a:rPr lang="en-US" sz="2800" dirty="0" smtClean="0"/>
+              <a:t>The previous syntax is still supported:</a:t>
+            </a:r>
+            <a:endParaRPr lang="en-US" sz="2200" dirty="0" smtClean="0"/>
+          </a:p>
+          <a:p>
+            <a:pPr marL="0" indent="0">
+              <a:buNone/>
+            </a:pPr>
+            <a:r>
+              <a:rPr lang="en-US" sz="2200" dirty="0" err="1" smtClean="0"/>
+              <a:t>oclc_num</a:t>
+            </a:r>
+            <a:r>
+              <a:rPr lang="en-US" sz="2200" dirty="0" smtClean="0"/>
+              <a:t> </a:t>
+            </a:r>
+            <a:r>
+              <a:rPr lang="en-US" sz="2200" dirty="0"/>
+              <a:t>= 035a, (</a:t>
+            </a:r>
+            <a:r>
+              <a:rPr lang="en-US" sz="2200" dirty="0" err="1"/>
+              <a:t>pattern_map.oclc_num</a:t>
+            </a:r>
+            <a:r>
+              <a:rPr lang="en-US" sz="2200" dirty="0" smtClean="0"/>
+              <a:t>)</a:t>
+            </a:r>
+            <a:endParaRPr lang="en-US" sz="2200" dirty="0"/>
+          </a:p>
+          <a:p>
+            <a:pPr marL="0" indent="0">
+              <a:buNone/>
+            </a:pPr>
+            <a:r>
+              <a:rPr lang="en-US" sz="2200" dirty="0" err="1" smtClean="0"/>
+              <a:t>oclc_num</a:t>
+            </a:r>
+            <a:r>
+              <a:rPr lang="en-US" sz="2200" dirty="0" smtClean="0"/>
+              <a:t> </a:t>
+            </a:r>
+            <a:r>
+              <a:rPr lang="en-US" sz="2200" dirty="0"/>
+              <a:t>= </a:t>
+            </a:r>
+            <a:r>
+              <a:rPr lang="en-US" sz="2200" dirty="0" smtClean="0"/>
+              <a:t>035a, </a:t>
+            </a:r>
+            <a:r>
+              <a:rPr lang="en-US" sz="2200" dirty="0" err="1"/>
+              <a:t>oclc_num_pattern_map.properties</a:t>
+            </a:r>
+            <a:r>
+              <a:rPr lang="en-US" sz="2200" dirty="0"/>
+              <a:t>(</a:t>
+            </a:r>
+            <a:r>
+              <a:rPr lang="en-US" sz="2200" dirty="0" err="1"/>
+              <a:t>oclc_num</a:t>
+            </a:r>
+            <a:r>
+              <a:rPr lang="en-US" sz="2200" dirty="0" smtClean="0"/>
+              <a:t>)</a:t>
+            </a:r>
+          </a:p>
+          <a:p>
+            <a:pPr marL="0" indent="0">
+              <a:buNone/>
+            </a:pPr>
+            <a:endParaRPr lang="en-US" sz="2200" dirty="0"/>
+          </a:p>
+          <a:p>
+            <a:pPr marL="0" indent="0">
+              <a:buNone/>
+            </a:pPr>
+            <a:r>
+              <a:rPr lang="en-US" sz="2800" dirty="0" smtClean="0"/>
+              <a:t>But now simple maps can be defined “inline”:</a:t>
+            </a:r>
+          </a:p>
+          <a:p>
+            <a:pPr marL="0" indent="0">
+              <a:buNone/>
+            </a:pPr>
+            <a:r>
+              <a:rPr lang="en-US" sz="2200" dirty="0" err="1" smtClean="0"/>
+              <a:t>oclc_num</a:t>
+            </a:r>
+            <a:r>
+              <a:rPr lang="en-US" sz="2200" dirty="0" smtClean="0"/>
+              <a:t> </a:t>
+            </a:r>
+            <a:r>
+              <a:rPr lang="en-US" sz="2200" dirty="0"/>
+              <a:t>= 035a, </a:t>
+            </a:r>
+            <a:r>
+              <a:rPr lang="en-US" sz="2200" dirty="0" smtClean="0"/>
+              <a:t>map</a:t>
+            </a:r>
+            <a:r>
+              <a:rPr lang="en-US" sz="2200" dirty="0"/>
+              <a:t>(".*[(]</a:t>
+            </a:r>
+            <a:r>
+              <a:rPr lang="en-US" sz="2200" dirty="0" err="1"/>
+              <a:t>OCoLC</a:t>
+            </a:r>
+            <a:r>
+              <a:rPr lang="en-US" sz="2200" dirty="0"/>
+              <a:t>[)]([0-9]*)=&gt;$1</a:t>
+            </a:r>
+            <a:r>
+              <a:rPr lang="en-US" sz="2200" dirty="0" smtClean="0"/>
+              <a:t>")</a:t>
+            </a:r>
+          </a:p>
+          <a:p>
+            <a:pPr marL="0" indent="0">
+              <a:buNone/>
+            </a:pPr>
+            <a:endParaRPr lang="en-US" sz="2200" dirty="0"/>
+          </a:p>
+          <a:p>
+            <a:pPr marL="0" indent="0">
+              <a:buNone/>
+            </a:pPr>
+            <a:r>
+              <a:rPr lang="en-US" sz="2800" dirty="0" smtClean="0"/>
+              <a:t>And Multiple Maps can appear in a single Index Spec:</a:t>
+            </a:r>
+          </a:p>
+          <a:p>
+            <a:pPr marL="0" indent="0">
+              <a:buNone/>
+            </a:pPr>
+            <a:r>
+              <a:rPr lang="en-US" sz="2200" dirty="0" err="1" smtClean="0"/>
+              <a:t>dubbed_facet</a:t>
+            </a:r>
+            <a:r>
+              <a:rPr lang="en-US" sz="2200" dirty="0" smtClean="0"/>
+              <a:t> = </a:t>
+            </a:r>
+            <a:r>
+              <a:rPr lang="en-US" sz="2200" dirty="0"/>
+              <a:t>041h ? (000[6] = "g") , </a:t>
+            </a:r>
+            <a:r>
+              <a:rPr lang="en-US" sz="2200" dirty="0" err="1"/>
+              <a:t>language_map.properties</a:t>
+            </a:r>
+            <a:r>
+              <a:rPr lang="en-US" sz="2200" dirty="0"/>
+              <a:t>, </a:t>
+            </a:r>
+            <a:endParaRPr lang="en-US" sz="2200" dirty="0" smtClean="0"/>
+          </a:p>
+          <a:p>
+            <a:pPr marL="0" indent="0">
+              <a:buNone/>
+            </a:pPr>
+            <a:r>
+              <a:rPr lang="en-US" sz="2200" dirty="0"/>
+              <a:t> </a:t>
+            </a:r>
+            <a:r>
+              <a:rPr lang="en-US" sz="2200" dirty="0" smtClean="0"/>
+              <a:t>                                                                     map</a:t>
+            </a:r>
+            <a:r>
+              <a:rPr lang="en-US" sz="2200" dirty="0"/>
+              <a:t>("^(.*)$=&gt;$1 (dubbed in)")</a:t>
+            </a:r>
+          </a:p>
+        </p:txBody>
+      </p:sp>
+    </p:spTree>
+    <p:extLst>
+      <p:ext uri="{BB962C8B-B14F-4D97-AF65-F5344CB8AC3E}">
+        <p14:creationId xmlns:p14="http://schemas.microsoft.com/office/powerpoint/2010/main" val="4069178038"/>
+      </p:ext>
+    </p:extLst>
+  </p:cSld>
+  <p:clrMapOvr>
+    <a:masterClrMapping/>
+  </p:clrMapOvr>
+  <p:timing>
+    <p:tnLst>
+      <p:par>
+        <p:cTn id="1" dur="indefinite" restart="never" nodeType="tmRoot"/>
+      </p:par>
+    </p:tnLst>
+  </p:timing>
 </p:sld>
 </file>
 
@@ -4911,7 +7258,7 @@
         <a:sysClr val="windowText" lastClr="000000"/>
       </a:dk1>
       <a:lt1>
-        <a:sysClr val="window" lastClr="E6E6D8"/>
+        <a:sysClr val="window" lastClr="FFFFFF"/>
       </a:lt1>
       <a:dk2>
         <a:srgbClr val="1F497D"/>
@@ -5196,7 +7543,7 @@
         <a:sysClr val="windowText" lastClr="000000"/>
       </a:dk1>
       <a:lt1>
-        <a:sysClr val="window" lastClr="E6E6D8"/>
+        <a:sysClr val="window" lastClr="FFFFFF"/>
       </a:lt1>
       <a:dk2>
         <a:srgbClr val="1F497D"/>

--- a/New Release of SolrMarc.pptx
+++ b/New Release of SolrMarc.pptx
@@ -5,7 +5,7 @@
     <p:sldMasterId id="2147483648" r:id="rId1"/>
   </p:sldMasterIdLst>
   <p:notesMasterIdLst>
-    <p:notesMasterId r:id="rId19"/>
+    <p:notesMasterId r:id="rId21"/>
   </p:notesMasterIdLst>
   <p:sldIdLst>
     <p:sldId id="256" r:id="rId2"/>
@@ -25,6 +25,8 @@
     <p:sldId id="270" r:id="rId16"/>
     <p:sldId id="271" r:id="rId17"/>
     <p:sldId id="272" r:id="rId18"/>
+    <p:sldId id="273" r:id="rId19"/>
+    <p:sldId id="274" r:id="rId20"/>
   </p:sldIdLst>
   <p:sldSz cx="9144000" cy="6858000" type="screen4x3"/>
   <p:notesSz cx="6858000" cy="9144000"/>
@@ -208,7 +210,7 @@
           <a:p>
             <a:fld id="{3B0E7819-CD1E-4708-9554-34F22524524B}" type="datetimeFigureOut">
               <a:rPr lang="en-US" smtClean="0"/>
-              <a:t>10/1/2016</a:t>
+              <a:t>10/4/2016</a:t>
             </a:fld>
             <a:endParaRPr lang="en-US"/>
           </a:p>
@@ -863,7 +865,7 @@
           <a:p>
             <a:fld id="{8BE7C030-FF53-4C68-8C27-EC2636F01ABC}" type="datetimeFigureOut">
               <a:rPr lang="en-US" smtClean="0"/>
-              <a:t>10/1/2016</a:t>
+              <a:t>10/4/2016</a:t>
             </a:fld>
             <a:endParaRPr lang="en-US"/>
           </a:p>
@@ -1033,7 +1035,7 @@
           <a:p>
             <a:fld id="{8BE7C030-FF53-4C68-8C27-EC2636F01ABC}" type="datetimeFigureOut">
               <a:rPr lang="en-US" smtClean="0"/>
-              <a:t>10/1/2016</a:t>
+              <a:t>10/4/2016</a:t>
             </a:fld>
             <a:endParaRPr lang="en-US"/>
           </a:p>
@@ -1213,7 +1215,7 @@
           <a:p>
             <a:fld id="{8BE7C030-FF53-4C68-8C27-EC2636F01ABC}" type="datetimeFigureOut">
               <a:rPr lang="en-US" smtClean="0"/>
-              <a:t>10/1/2016</a:t>
+              <a:t>10/4/2016</a:t>
             </a:fld>
             <a:endParaRPr lang="en-US"/>
           </a:p>
@@ -1383,7 +1385,7 @@
           <a:p>
             <a:fld id="{8BE7C030-FF53-4C68-8C27-EC2636F01ABC}" type="datetimeFigureOut">
               <a:rPr lang="en-US" smtClean="0"/>
-              <a:t>10/1/2016</a:t>
+              <a:t>10/4/2016</a:t>
             </a:fld>
             <a:endParaRPr lang="en-US"/>
           </a:p>
@@ -1629,7 +1631,7 @@
           <a:p>
             <a:fld id="{8BE7C030-FF53-4C68-8C27-EC2636F01ABC}" type="datetimeFigureOut">
               <a:rPr lang="en-US" smtClean="0"/>
-              <a:t>10/1/2016</a:t>
+              <a:t>10/4/2016</a:t>
             </a:fld>
             <a:endParaRPr lang="en-US"/>
           </a:p>
@@ -1917,7 +1919,7 @@
           <a:p>
             <a:fld id="{8BE7C030-FF53-4C68-8C27-EC2636F01ABC}" type="datetimeFigureOut">
               <a:rPr lang="en-US" smtClean="0"/>
-              <a:t>10/1/2016</a:t>
+              <a:t>10/4/2016</a:t>
             </a:fld>
             <a:endParaRPr lang="en-US"/>
           </a:p>
@@ -2339,7 +2341,7 @@
           <a:p>
             <a:fld id="{8BE7C030-FF53-4C68-8C27-EC2636F01ABC}" type="datetimeFigureOut">
               <a:rPr lang="en-US" smtClean="0"/>
-              <a:t>10/1/2016</a:t>
+              <a:t>10/4/2016</a:t>
             </a:fld>
             <a:endParaRPr lang="en-US"/>
           </a:p>
@@ -2457,7 +2459,7 @@
           <a:p>
             <a:fld id="{8BE7C030-FF53-4C68-8C27-EC2636F01ABC}" type="datetimeFigureOut">
               <a:rPr lang="en-US" smtClean="0"/>
-              <a:t>10/1/2016</a:t>
+              <a:t>10/4/2016</a:t>
             </a:fld>
             <a:endParaRPr lang="en-US"/>
           </a:p>
@@ -2552,7 +2554,7 @@
           <a:p>
             <a:fld id="{8BE7C030-FF53-4C68-8C27-EC2636F01ABC}" type="datetimeFigureOut">
               <a:rPr lang="en-US" smtClean="0"/>
-              <a:t>10/1/2016</a:t>
+              <a:t>10/4/2016</a:t>
             </a:fld>
             <a:endParaRPr lang="en-US"/>
           </a:p>
@@ -2829,7 +2831,7 @@
           <a:p>
             <a:fld id="{8BE7C030-FF53-4C68-8C27-EC2636F01ABC}" type="datetimeFigureOut">
               <a:rPr lang="en-US" smtClean="0"/>
-              <a:t>10/1/2016</a:t>
+              <a:t>10/4/2016</a:t>
             </a:fld>
             <a:endParaRPr lang="en-US"/>
           </a:p>
@@ -3082,7 +3084,7 @@
           <a:p>
             <a:fld id="{8BE7C030-FF53-4C68-8C27-EC2636F01ABC}" type="datetimeFigureOut">
               <a:rPr lang="en-US" smtClean="0"/>
-              <a:t>10/1/2016</a:t>
+              <a:t>10/4/2016</a:t>
             </a:fld>
             <a:endParaRPr lang="en-US"/>
           </a:p>
@@ -3295,7 +3297,7 @@
           <a:p>
             <a:fld id="{8BE7C030-FF53-4C68-8C27-EC2636F01ABC}" type="datetimeFigureOut">
               <a:rPr lang="en-US" smtClean="0"/>
-              <a:t>10/1/2016</a:t>
+              <a:t>10/4/2016</a:t>
             </a:fld>
             <a:endParaRPr lang="en-US"/>
           </a:p>
@@ -4426,29 +4428,13 @@
           <a:p>
             <a:r>
               <a:rPr lang="en-US" dirty="0" smtClean="0"/>
-              <a:t>Uses actual </a:t>
-            </a:r>
-            <a:r>
-              <a:rPr lang="en-US" dirty="0" smtClean="0"/>
-              <a:t>Java </a:t>
-            </a:r>
-            <a:r>
-              <a:rPr lang="en-US" dirty="0" smtClean="0"/>
-              <a:t>syntax.</a:t>
-            </a:r>
-          </a:p>
-          <a:p>
-            <a:r>
-              <a:rPr lang="en-US" dirty="0" smtClean="0"/>
-              <a:t>As fast as any other compiled </a:t>
-            </a:r>
-            <a:r>
-              <a:rPr lang="en-US" dirty="0" smtClean="0"/>
-              <a:t>Java </a:t>
-            </a:r>
-            <a:r>
-              <a:rPr lang="en-US" dirty="0" smtClean="0"/>
-              <a:t>code.</a:t>
+              <a:t>Uses actual Java syntax.</a:t>
+            </a:r>
+          </a:p>
+          <a:p>
+            <a:r>
+              <a:rPr lang="en-US" dirty="0" smtClean="0"/>
+              <a:t>As fast as any other compiled Java code.</a:t>
             </a:r>
           </a:p>
           <a:p>
@@ -5143,7 +5129,6 @@
               <a:rPr lang="en-US" dirty="0" smtClean="0"/>
               <a:t>ndex specifications</a:t>
             </a:r>
-            <a:endParaRPr lang="en-US" dirty="0" smtClean="0"/>
           </a:p>
           <a:p>
             <a:endParaRPr lang="en-US" dirty="0" smtClean="0"/>
@@ -5387,6 +5372,359 @@
 </p:sld>
 </file>
 
+<file path=ppt/slides/slide18.xml><?xml version="1.0" encoding="utf-8"?>
+<p:sld xmlns:a="http://schemas.openxmlformats.org/drawingml/2006/main" xmlns:r="http://schemas.openxmlformats.org/officeDocument/2006/relationships" xmlns:p="http://schemas.openxmlformats.org/presentationml/2006/main">
+  <p:cSld>
+    <p:spTree>
+      <p:nvGrpSpPr>
+        <p:cNvPr id="1" name=""/>
+        <p:cNvGrpSpPr/>
+        <p:nvPr/>
+      </p:nvGrpSpPr>
+      <p:grpSpPr>
+        <a:xfrm>
+          <a:off x="0" y="0"/>
+          <a:ext cx="0" cy="0"/>
+          <a:chOff x="0" y="0"/>
+          <a:chExt cx="0" cy="0"/>
+        </a:xfrm>
+      </p:grpSpPr>
+      <p:sp>
+        <p:nvSpPr>
+          <p:cNvPr id="2" name="Title 1"/>
+          <p:cNvSpPr>
+            <a:spLocks noGrp="1"/>
+          </p:cNvSpPr>
+          <p:nvPr>
+            <p:ph type="title"/>
+          </p:nvPr>
+        </p:nvSpPr>
+        <p:spPr/>
+        <p:txBody>
+          <a:bodyPr/>
+          <a:lstStyle/>
+          <a:p>
+            <a:r>
+              <a:rPr lang="en-US" dirty="0" smtClean="0"/>
+              <a:t>Examples</a:t>
+            </a:r>
+            <a:endParaRPr lang="en-US" dirty="0"/>
+          </a:p>
+        </p:txBody>
+      </p:sp>
+      <p:sp>
+        <p:nvSpPr>
+          <p:cNvPr id="3" name="Content Placeholder 2"/>
+          <p:cNvSpPr>
+            <a:spLocks noGrp="1"/>
+          </p:cNvSpPr>
+          <p:nvPr>
+            <p:ph idx="1"/>
+          </p:nvPr>
+        </p:nvSpPr>
+        <p:spPr/>
+        <p:txBody>
+          <a:bodyPr>
+            <a:normAutofit/>
+          </a:bodyPr>
+          <a:lstStyle/>
+          <a:p>
+            <a:pPr marL="0" indent="0">
+              <a:buNone/>
+            </a:pPr>
+            <a:r>
+              <a:rPr lang="en-US" sz="2000" dirty="0" err="1"/>
+              <a:t>release_date_facet</a:t>
+            </a:r>
+            <a:r>
+              <a:rPr lang="en-US" sz="2000" dirty="0"/>
+              <a:t> = 500a? (000[6] = "g" &amp; ( 008[33] = 'v' | 007[0] ='v') &amp; </a:t>
+            </a:r>
+            <a:endParaRPr lang="en-US" sz="2000" dirty="0" smtClean="0"/>
+          </a:p>
+          <a:p>
+            <a:pPr marL="0" indent="0">
+              <a:buNone/>
+            </a:pPr>
+            <a:r>
+              <a:rPr lang="en-US" sz="2000" dirty="0"/>
+              <a:t> </a:t>
+            </a:r>
+            <a:r>
+              <a:rPr lang="en-US" sz="2000" dirty="0" smtClean="0"/>
+              <a:t>                                                   $</a:t>
+            </a:r>
+            <a:r>
+              <a:rPr lang="en-US" sz="2000" dirty="0"/>
+              <a:t>a matches "(?</a:t>
+            </a:r>
+            <a:r>
+              <a:rPr lang="en-US" sz="2000" dirty="0" err="1"/>
+              <a:t>i</a:t>
+            </a:r>
+            <a:r>
+              <a:rPr lang="en-US" sz="2000" dirty="0"/>
+              <a:t>).*?(</a:t>
+            </a:r>
+            <a:r>
+              <a:rPr lang="en-US" sz="2000" dirty="0" err="1" smtClean="0"/>
+              <a:t>released|release</a:t>
+            </a:r>
+            <a:r>
+              <a:rPr lang="en-US" sz="2000" dirty="0" smtClean="0"/>
+              <a:t> of|</a:t>
+            </a:r>
+          </a:p>
+          <a:p>
+            <a:pPr marL="0" indent="0">
+              <a:buNone/>
+            </a:pPr>
+            <a:r>
+              <a:rPr lang="en-US" sz="2000" dirty="0"/>
+              <a:t> </a:t>
+            </a:r>
+            <a:r>
+              <a:rPr lang="en-US" sz="2000" dirty="0" smtClean="0"/>
+              <a:t>                                                   </a:t>
+            </a:r>
+            <a:r>
+              <a:rPr lang="en-US" sz="2000" dirty="0" err="1" smtClean="0"/>
+              <a:t>videorecording|videocassette</a:t>
+            </a:r>
+            <a:r>
+              <a:rPr lang="en-US" sz="2000" dirty="0" smtClean="0"/>
+              <a:t>|</a:t>
+            </a:r>
+          </a:p>
+          <a:p>
+            <a:pPr marL="0" indent="0">
+              <a:buNone/>
+            </a:pPr>
+            <a:r>
+              <a:rPr lang="en-US" sz="2000" dirty="0" smtClean="0"/>
+              <a:t>                                                    </a:t>
+            </a:r>
+            <a:r>
+              <a:rPr lang="en-US" sz="2000" dirty="0" err="1" smtClean="0"/>
+              <a:t>issued|recorded|broadcast</a:t>
+            </a:r>
+            <a:r>
+              <a:rPr lang="en-US" sz="2000" dirty="0" smtClean="0"/>
+              <a:t>|</a:t>
+            </a:r>
+          </a:p>
+          <a:p>
+            <a:pPr marL="0" indent="0">
+              <a:buNone/>
+            </a:pPr>
+            <a:r>
+              <a:rPr lang="en-US" sz="2000" dirty="0" smtClean="0"/>
+              <a:t>                                                    </a:t>
+            </a:r>
+            <a:r>
+              <a:rPr lang="en-US" sz="2000" dirty="0" err="1" smtClean="0"/>
+              <a:t>filmed|edited|produced|made</a:t>
+            </a:r>
+            <a:r>
+              <a:rPr lang="en-US" sz="2000" dirty="0" smtClean="0"/>
+              <a:t>|</a:t>
+            </a:r>
+          </a:p>
+          <a:p>
+            <a:pPr marL="0" indent="0">
+              <a:buNone/>
+            </a:pPr>
+            <a:r>
+              <a:rPr lang="en-US" sz="2000" dirty="0"/>
+              <a:t> </a:t>
+            </a:r>
+            <a:r>
+              <a:rPr lang="en-US" sz="2000" dirty="0" smtClean="0"/>
+              <a:t>                                                   delivered</a:t>
+            </a:r>
+            <a:r>
+              <a:rPr lang="en-US" sz="2000" dirty="0"/>
+              <a:t>).*?\D(\d\d\d\d)(\D.*)?$"), </a:t>
+            </a:r>
+            <a:endParaRPr lang="en-US" sz="2000" dirty="0" smtClean="0"/>
+          </a:p>
+          <a:p>
+            <a:pPr marL="0" indent="0">
+              <a:buNone/>
+            </a:pPr>
+            <a:r>
+              <a:rPr lang="en-US" sz="2000" dirty="0"/>
+              <a:t> </a:t>
+            </a:r>
+            <a:r>
+              <a:rPr lang="en-US" sz="2000" dirty="0" smtClean="0"/>
+              <a:t>                                                   map</a:t>
+            </a:r>
+            <a:r>
+              <a:rPr lang="en-US" sz="2000" dirty="0"/>
+              <a:t>(".*?\\D(\\d\\d\\d\\d)(\\D.*)=&gt;$1</a:t>
+            </a:r>
+            <a:r>
+              <a:rPr lang="en-US" sz="2000" dirty="0" smtClean="0"/>
+              <a:t>")</a:t>
+            </a:r>
+          </a:p>
+          <a:p>
+            <a:pPr marL="0" indent="0">
+              <a:buNone/>
+            </a:pPr>
+            <a:endParaRPr lang="en-US" sz="2000" dirty="0" smtClean="0"/>
+          </a:p>
+        </p:txBody>
+      </p:sp>
+    </p:spTree>
+    <p:extLst>
+      <p:ext uri="{BB962C8B-B14F-4D97-AF65-F5344CB8AC3E}">
+        <p14:creationId xmlns:p14="http://schemas.microsoft.com/office/powerpoint/2010/main" val="709979131"/>
+      </p:ext>
+    </p:extLst>
+  </p:cSld>
+  <p:clrMapOvr>
+    <a:masterClrMapping/>
+  </p:clrMapOvr>
+  <p:timing>
+    <p:tnLst>
+      <p:par>
+        <p:cTn id="1" dur="indefinite" restart="never" nodeType="tmRoot"/>
+      </p:par>
+    </p:tnLst>
+  </p:timing>
+</p:sld>
+</file>
+
+<file path=ppt/slides/slide19.xml><?xml version="1.0" encoding="utf-8"?>
+<p:sld xmlns:a="http://schemas.openxmlformats.org/drawingml/2006/main" xmlns:r="http://schemas.openxmlformats.org/officeDocument/2006/relationships" xmlns:p="http://schemas.openxmlformats.org/presentationml/2006/main">
+  <p:cSld>
+    <p:spTree>
+      <p:nvGrpSpPr>
+        <p:cNvPr id="1" name=""/>
+        <p:cNvGrpSpPr/>
+        <p:nvPr/>
+      </p:nvGrpSpPr>
+      <p:grpSpPr>
+        <a:xfrm>
+          <a:off x="0" y="0"/>
+          <a:ext cx="0" cy="0"/>
+          <a:chOff x="0" y="0"/>
+          <a:chExt cx="0" cy="0"/>
+        </a:xfrm>
+      </p:grpSpPr>
+      <p:sp>
+        <p:nvSpPr>
+          <p:cNvPr id="2" name="Title 1"/>
+          <p:cNvSpPr>
+            <a:spLocks noGrp="1"/>
+          </p:cNvSpPr>
+          <p:nvPr>
+            <p:ph type="title"/>
+          </p:nvPr>
+        </p:nvSpPr>
+        <p:spPr/>
+        <p:txBody>
+          <a:bodyPr/>
+          <a:lstStyle/>
+          <a:p>
+            <a:r>
+              <a:rPr lang="en-US" dirty="0" smtClean="0"/>
+              <a:t>Examples</a:t>
+            </a:r>
+            <a:endParaRPr lang="en-US" dirty="0"/>
+          </a:p>
+        </p:txBody>
+      </p:sp>
+      <p:sp>
+        <p:nvSpPr>
+          <p:cNvPr id="3" name="Content Placeholder 2"/>
+          <p:cNvSpPr>
+            <a:spLocks noGrp="1"/>
+          </p:cNvSpPr>
+          <p:nvPr>
+            <p:ph idx="1"/>
+          </p:nvPr>
+        </p:nvSpPr>
+        <p:spPr/>
+        <p:txBody>
+          <a:bodyPr/>
+          <a:lstStyle/>
+          <a:p>
+            <a:pPr marL="0" indent="0">
+              <a:buNone/>
+            </a:pPr>
+            <a:r>
+              <a:rPr lang="en-US" sz="2000" dirty="0"/>
+              <a:t>“When an 856 field has a second indicator with value of either 0 or 1, I would like to have an additional </a:t>
+            </a:r>
+            <a:r>
+              <a:rPr lang="en-US" sz="2000" dirty="0" err="1"/>
+              <a:t>Solr</a:t>
+            </a:r>
+            <a:r>
+              <a:rPr lang="en-US" sz="2000" dirty="0"/>
+              <a:t> field created with some arbitrary content. Let's say a </a:t>
+            </a:r>
+            <a:r>
+              <a:rPr lang="en-US" sz="2000" dirty="0" err="1"/>
+              <a:t>Solr</a:t>
+            </a:r>
+            <a:r>
+              <a:rPr lang="en-US" sz="2000" dirty="0"/>
+              <a:t> field "</a:t>
+            </a:r>
+            <a:r>
+              <a:rPr lang="en-US" sz="2000" dirty="0" err="1"/>
+              <a:t>online_resource</a:t>
+            </a:r>
+            <a:r>
+              <a:rPr lang="en-US" sz="2000" dirty="0"/>
+              <a:t>" be created with value "Yes".</a:t>
+            </a:r>
+          </a:p>
+          <a:p>
+            <a:pPr marL="0" indent="0">
+              <a:buNone/>
+            </a:pPr>
+            <a:endParaRPr lang="en-US" sz="2000" dirty="0"/>
+          </a:p>
+          <a:p>
+            <a:pPr marL="0" indent="0">
+              <a:buNone/>
+            </a:pPr>
+            <a:r>
+              <a:rPr lang="da-DK" sz="2000" dirty="0"/>
+              <a:t>online_resource = 856 ? (ind2 = "0" || ind2 = "1"), map(".*=&gt;Yes")</a:t>
+            </a:r>
+            <a:endParaRPr lang="en-US" sz="2000" dirty="0"/>
+          </a:p>
+          <a:p>
+            <a:endParaRPr lang="en-US" dirty="0"/>
+          </a:p>
+        </p:txBody>
+      </p:sp>
+    </p:spTree>
+    <p:extLst>
+      <p:ext uri="{BB962C8B-B14F-4D97-AF65-F5344CB8AC3E}">
+        <p14:creationId xmlns:p14="http://schemas.microsoft.com/office/powerpoint/2010/main" val="2504050170"/>
+      </p:ext>
+    </p:extLst>
+  </p:cSld>
+  <p:clrMapOvr>
+    <a:masterClrMapping/>
+  </p:clrMapOvr>
+  <p:timing>
+    <p:tnLst>
+      <p:par>
+        <p:cTn id="1" dur="indefinite" restart="never" nodeType="tmRoot"/>
+      </p:par>
+    </p:tnLst>
+  </p:timing>
+</p:sld>
+</file>
+
 <file path=ppt/slides/slide2.xml><?xml version="1.0" encoding="utf-8"?>
 <p:sld xmlns:a="http://schemas.openxmlformats.org/drawingml/2006/main" xmlns:r="http://schemas.openxmlformats.org/officeDocument/2006/relationships" xmlns:p="http://schemas.openxmlformats.org/presentationml/2006/main">
   <p:cSld>
@@ -7258,7 +7596,7 @@
         <a:sysClr val="windowText" lastClr="000000"/>
       </a:dk1>
       <a:lt1>
-        <a:sysClr val="window" lastClr="FFFFFF"/>
+        <a:sysClr val="window" lastClr="E6E6D8"/>
       </a:lt1>
       <a:dk2>
         <a:srgbClr val="1F497D"/>
@@ -7543,7 +7881,7 @@
         <a:sysClr val="windowText" lastClr="000000"/>
       </a:dk1>
       <a:lt1>
-        <a:sysClr val="window" lastClr="FFFFFF"/>
+        <a:sysClr val="window" lastClr="E6E6D8"/>
       </a:lt1>
       <a:dk2>
         <a:srgbClr val="1F497D"/>

--- a/New Release of SolrMarc.pptx
+++ b/New Release of SolrMarc.pptx
@@ -1974,8 +1974,13 @@
             </a:r>
             <a:r>
               <a:rPr lang="en-US" baseline="0" dirty="0" smtClean="0"/>
-              <a:t> needed custom methods before, that now can be directly defined in the in the index specification.</a:t>
-            </a:r>
+              <a:t> needed custom methods before, that now can be directly defined in the in the </a:t>
+            </a:r>
+            <a:r>
+              <a:rPr lang="en-US" baseline="0" smtClean="0"/>
+              <a:t>index specification file</a:t>
+            </a:r>
+            <a:endParaRPr lang="en-US" baseline="0" dirty="0" smtClean="0"/>
           </a:p>
           <a:p>
             <a:endParaRPr lang="en-US" baseline="0" dirty="0" smtClean="0"/>
@@ -11124,7 +11129,7 @@
                                   <p:childTnLst>
                                     <p:animClr clrSpc="rgb" dir="cw">
                                       <p:cBhvr>
-                                        <p:cTn id="6" dur="500" fill="hold"/>
+                                        <p:cTn id="6" dur="100" fill="hold"/>
                                         <p:tgtEl>
                                           <p:spTgt spid="8"/>
                                         </p:tgtEl>
@@ -11138,7 +11143,7 @@
                                     </p:animClr>
                                     <p:set>
                                       <p:cBhvr>
-                                        <p:cTn id="7" dur="500" fill="hold"/>
+                                        <p:cTn id="7" dur="100" fill="hold"/>
                                         <p:tgtEl>
                                           <p:spTgt spid="8"/>
                                         </p:tgtEl>
@@ -11152,7 +11157,7 @@
                                     </p:set>
                                     <p:set>
                                       <p:cBhvr>
-                                        <p:cTn id="8" dur="500" fill="hold"/>
+                                        <p:cTn id="8" dur="100" fill="hold"/>
                                         <p:tgtEl>
                                           <p:spTgt spid="8"/>
                                         </p:tgtEl>
@@ -11193,7 +11198,7 @@
                                   <p:childTnLst>
                                     <p:animClr clrSpc="rgb" dir="cw">
                                       <p:cBhvr>
-                                        <p:cTn id="12" dur="500" fill="hold"/>
+                                        <p:cTn id="12" dur="100" fill="hold"/>
                                         <p:tgtEl>
                                           <p:spTgt spid="8"/>
                                         </p:tgtEl>
@@ -11207,7 +11212,7 @@
                                     </p:animClr>
                                     <p:set>
                                       <p:cBhvr>
-                                        <p:cTn id="13" dur="500" fill="hold"/>
+                                        <p:cTn id="13" dur="100" fill="hold"/>
                                         <p:tgtEl>
                                           <p:spTgt spid="8"/>
                                         </p:tgtEl>
@@ -11221,7 +11226,7 @@
                                     </p:set>
                                     <p:set>
                                       <p:cBhvr>
-                                        <p:cTn id="14" dur="500" fill="hold"/>
+                                        <p:cTn id="14" dur="100" fill="hold"/>
                                         <p:tgtEl>
                                           <p:spTgt spid="8"/>
                                         </p:tgtEl>
@@ -11244,7 +11249,7 @@
                                   <p:childTnLst>
                                     <p:animClr clrSpc="rgb" dir="cw">
                                       <p:cBhvr>
-                                        <p:cTn id="16" dur="500" fill="hold"/>
+                                        <p:cTn id="16" dur="100" fill="hold"/>
                                         <p:tgtEl>
                                           <p:spTgt spid="9"/>
                                         </p:tgtEl>
@@ -11258,7 +11263,7 @@
                                     </p:animClr>
                                     <p:set>
                                       <p:cBhvr>
-                                        <p:cTn id="17" dur="500" fill="hold"/>
+                                        <p:cTn id="17" dur="100" fill="hold"/>
                                         <p:tgtEl>
                                           <p:spTgt spid="9"/>
                                         </p:tgtEl>
@@ -11272,7 +11277,7 @@
                                     </p:set>
                                     <p:set>
                                       <p:cBhvr>
-                                        <p:cTn id="18" dur="500" fill="hold"/>
+                                        <p:cTn id="18" dur="100" fill="hold"/>
                                         <p:tgtEl>
                                           <p:spTgt spid="9"/>
                                         </p:tgtEl>
@@ -11313,7 +11318,7 @@
                                   <p:childTnLst>
                                     <p:animClr clrSpc="rgb" dir="cw">
                                       <p:cBhvr>
-                                        <p:cTn id="22" dur="500" fill="hold"/>
+                                        <p:cTn id="22" dur="100" fill="hold"/>
                                         <p:tgtEl>
                                           <p:spTgt spid="9"/>
                                         </p:tgtEl>
@@ -11327,7 +11332,7 @@
                                     </p:animClr>
                                     <p:set>
                                       <p:cBhvr>
-                                        <p:cTn id="23" dur="500" fill="hold"/>
+                                        <p:cTn id="23" dur="100" fill="hold"/>
                                         <p:tgtEl>
                                           <p:spTgt spid="9"/>
                                         </p:tgtEl>
@@ -11341,7 +11346,7 @@
                                     </p:set>
                                     <p:set>
                                       <p:cBhvr>
-                                        <p:cTn id="24" dur="500" fill="hold"/>
+                                        <p:cTn id="24" dur="100" fill="hold"/>
                                         <p:tgtEl>
                                           <p:spTgt spid="9"/>
                                         </p:tgtEl>
@@ -11364,7 +11369,7 @@
                                   <p:childTnLst>
                                     <p:animClr clrSpc="rgb" dir="cw">
                                       <p:cBhvr>
-                                        <p:cTn id="26" dur="500" fill="hold"/>
+                                        <p:cTn id="26" dur="100" fill="hold"/>
                                         <p:tgtEl>
                                           <p:spTgt spid="10"/>
                                         </p:tgtEl>
@@ -11378,7 +11383,7 @@
                                     </p:animClr>
                                     <p:set>
                                       <p:cBhvr>
-                                        <p:cTn id="27" dur="500" fill="hold"/>
+                                        <p:cTn id="27" dur="100" fill="hold"/>
                                         <p:tgtEl>
                                           <p:spTgt spid="10"/>
                                         </p:tgtEl>
@@ -11392,7 +11397,7 @@
                                     </p:set>
                                     <p:set>
                                       <p:cBhvr>
-                                        <p:cTn id="28" dur="500" fill="hold"/>
+                                        <p:cTn id="28" dur="100" fill="hold"/>
                                         <p:tgtEl>
                                           <p:spTgt spid="10"/>
                                         </p:tgtEl>
@@ -11433,7 +11438,7 @@
                                   <p:childTnLst>
                                     <p:animClr clrSpc="rgb" dir="cw">
                                       <p:cBhvr>
-                                        <p:cTn id="32" dur="500" fill="hold"/>
+                                        <p:cTn id="32" dur="100" fill="hold"/>
                                         <p:tgtEl>
                                           <p:spTgt spid="10"/>
                                         </p:tgtEl>
@@ -11447,7 +11452,7 @@
                                     </p:animClr>
                                     <p:set>
                                       <p:cBhvr>
-                                        <p:cTn id="33" dur="500" fill="hold"/>
+                                        <p:cTn id="33" dur="100" fill="hold"/>
                                         <p:tgtEl>
                                           <p:spTgt spid="10"/>
                                         </p:tgtEl>
@@ -11461,7 +11466,7 @@
                                     </p:set>
                                     <p:set>
                                       <p:cBhvr>
-                                        <p:cTn id="34" dur="500" fill="hold"/>
+                                        <p:cTn id="34" dur="100" fill="hold"/>
                                         <p:tgtEl>
                                           <p:spTgt spid="10"/>
                                         </p:tgtEl>
@@ -11484,7 +11489,7 @@
                                   <p:childTnLst>
                                     <p:animClr clrSpc="rgb" dir="cw">
                                       <p:cBhvr>
-                                        <p:cTn id="36" dur="500" fill="hold"/>
+                                        <p:cTn id="36" dur="100" fill="hold"/>
                                         <p:tgtEl>
                                           <p:spTgt spid="11"/>
                                         </p:tgtEl>
@@ -11498,7 +11503,7 @@
                                     </p:animClr>
                                     <p:set>
                                       <p:cBhvr>
-                                        <p:cTn id="37" dur="500" fill="hold"/>
+                                        <p:cTn id="37" dur="100" fill="hold"/>
                                         <p:tgtEl>
                                           <p:spTgt spid="11"/>
                                         </p:tgtEl>
@@ -11512,7 +11517,7 @@
                                     </p:set>
                                     <p:set>
                                       <p:cBhvr>
-                                        <p:cTn id="38" dur="500" fill="hold"/>
+                                        <p:cTn id="38" dur="100" fill="hold"/>
                                         <p:tgtEl>
                                           <p:spTgt spid="11"/>
                                         </p:tgtEl>
@@ -11553,7 +11558,7 @@
                                   <p:childTnLst>
                                     <p:animClr clrSpc="rgb" dir="cw">
                                       <p:cBhvr>
-                                        <p:cTn id="42" dur="500" fill="hold"/>
+                                        <p:cTn id="42" dur="100" fill="hold"/>
                                         <p:tgtEl>
                                           <p:spTgt spid="11"/>
                                         </p:tgtEl>
@@ -11567,7 +11572,7 @@
                                     </p:animClr>
                                     <p:set>
                                       <p:cBhvr>
-                                        <p:cTn id="43" dur="500" fill="hold"/>
+                                        <p:cTn id="43" dur="100" fill="hold"/>
                                         <p:tgtEl>
                                           <p:spTgt spid="11"/>
                                         </p:tgtEl>
@@ -11581,7 +11586,7 @@
                                     </p:set>
                                     <p:set>
                                       <p:cBhvr>
-                                        <p:cTn id="44" dur="500" fill="hold"/>
+                                        <p:cTn id="44" dur="100" fill="hold"/>
                                         <p:tgtEl>
                                           <p:spTgt spid="11"/>
                                         </p:tgtEl>
@@ -11596,33 +11601,15 @@
                                   </p:childTnLst>
                                 </p:cTn>
                               </p:par>
-                            </p:childTnLst>
-                          </p:cTn>
-                        </p:par>
-                      </p:childTnLst>
-                    </p:cTn>
-                  </p:par>
-                  <p:par>
-                    <p:cTn id="45" fill="hold">
-                      <p:stCondLst>
-                        <p:cond delay="indefinite"/>
-                      </p:stCondLst>
-                      <p:childTnLst>
-                        <p:par>
-                          <p:cTn id="46" fill="hold">
-                            <p:stCondLst>
-                              <p:cond delay="0"/>
-                            </p:stCondLst>
-                            <p:childTnLst>
                               <p:par>
-                                <p:cTn id="47" presetID="1" presetClass="entr" presetSubtype="0" fill="hold" nodeType="clickEffect">
+                                <p:cTn id="45" presetID="1" presetClass="entr" presetSubtype="0" fill="hold" nodeType="withEffect">
                                   <p:stCondLst>
                                     <p:cond delay="0"/>
                                   </p:stCondLst>
                                   <p:childTnLst>
                                     <p:set>
                                       <p:cBhvr>
-                                        <p:cTn id="48" dur="1" fill="hold">
+                                        <p:cTn id="46" dur="1" fill="hold">
                                           <p:stCondLst>
                                             <p:cond delay="0"/>
                                           </p:stCondLst>
@@ -11646,14 +11633,14 @@
                                 </p:cTn>
                               </p:par>
                               <p:par>
-                                <p:cTn id="49" presetID="1" presetClass="entr" presetSubtype="0" fill="hold" nodeType="withEffect">
+                                <p:cTn id="47" presetID="1" presetClass="entr" presetSubtype="0" fill="hold" nodeType="withEffect">
                                   <p:stCondLst>
                                     <p:cond delay="0"/>
                                   </p:stCondLst>
                                   <p:childTnLst>
                                     <p:set>
                                       <p:cBhvr>
-                                        <p:cTn id="50" dur="1" fill="hold">
+                                        <p:cTn id="48" dur="1" fill="hold">
                                           <p:stCondLst>
                                             <p:cond delay="0"/>
                                           </p:stCondLst>
@@ -11683,26 +11670,26 @@
                     </p:cTn>
                   </p:par>
                   <p:par>
-                    <p:cTn id="51" fill="hold">
+                    <p:cTn id="49" fill="hold">
                       <p:stCondLst>
                         <p:cond delay="indefinite"/>
                       </p:stCondLst>
                       <p:childTnLst>
                         <p:par>
-                          <p:cTn id="52" fill="hold">
+                          <p:cTn id="50" fill="hold">
                             <p:stCondLst>
                               <p:cond delay="0"/>
                             </p:stCondLst>
                             <p:childTnLst>
                               <p:par>
-                                <p:cTn id="53" presetID="1" presetClass="entr" presetSubtype="0" fill="hold" nodeType="clickEffect">
+                                <p:cTn id="51" presetID="1" presetClass="entr" presetSubtype="0" fill="hold" nodeType="clickEffect">
                                   <p:stCondLst>
                                     <p:cond delay="0"/>
                                   </p:stCondLst>
                                   <p:childTnLst>
                                     <p:set>
                                       <p:cBhvr>
-                                        <p:cTn id="54" dur="1" fill="hold">
+                                        <p:cTn id="52" dur="1" fill="hold">
                                           <p:stCondLst>
                                             <p:cond delay="0"/>
                                           </p:stCondLst>
@@ -11726,14 +11713,14 @@
                                 </p:cTn>
                               </p:par>
                               <p:par>
-                                <p:cTn id="55" presetID="1" presetClass="entr" presetSubtype="0" fill="hold" nodeType="withEffect">
+                                <p:cTn id="53" presetID="1" presetClass="entr" presetSubtype="0" fill="hold" nodeType="withEffect">
                                   <p:stCondLst>
                                     <p:cond delay="0"/>
                                   </p:stCondLst>
                                   <p:childTnLst>
                                     <p:set>
                                       <p:cBhvr>
-                                        <p:cTn id="56" dur="1" fill="hold">
+                                        <p:cTn id="54" dur="1" fill="hold">
                                           <p:stCondLst>
                                             <p:cond delay="0"/>
                                           </p:stCondLst>
@@ -12762,26 +12749,39 @@
                                   </p:childTnLst>
                                 </p:cTn>
                               </p:par>
-                            </p:childTnLst>
-                          </p:cTn>
-                        </p:par>
-                      </p:childTnLst>
-                    </p:cTn>
-                  </p:par>
-                  <p:par>
-                    <p:cTn id="45" fill="hold">
-                      <p:stCondLst>
-                        <p:cond delay="indefinite"/>
-                      </p:stCondLst>
-                      <p:childTnLst>
-                        <p:par>
-                          <p:cTn id="46" fill="hold">
-                            <p:stCondLst>
-                              <p:cond delay="0"/>
-                            </p:stCondLst>
-                            <p:childTnLst>
                               <p:par>
-                                <p:cTn id="47" presetID="1" presetClass="entr" presetSubtype="0" fill="hold" nodeType="clickEffect">
+                                <p:cTn id="45" presetID="1" presetClass="entr" presetSubtype="0" fill="hold" nodeType="withEffect">
+                                  <p:stCondLst>
+                                    <p:cond delay="0"/>
+                                  </p:stCondLst>
+                                  <p:childTnLst>
+                                    <p:set>
+                                      <p:cBhvr>
+                                        <p:cTn id="46" dur="1" fill="hold">
+                                          <p:stCondLst>
+                                            <p:cond delay="0"/>
+                                          </p:stCondLst>
+                                        </p:cTn>
+                                        <p:tgtEl>
+                                          <p:spTgt spid="3">
+                                            <p:txEl>
+                                              <p:pRg st="4" end="4"/>
+                                            </p:txEl>
+                                          </p:spTgt>
+                                        </p:tgtEl>
+                                        <p:attrNameLst>
+                                          <p:attrName>style.visibility</p:attrName>
+                                        </p:attrNameLst>
+                                      </p:cBhvr>
+                                      <p:to>
+                                        <p:strVal val="visible"/>
+                                      </p:to>
+                                    </p:set>
+                                  </p:childTnLst>
+                                </p:cTn>
+                              </p:par>
+                              <p:par>
+                                <p:cTn id="47" presetID="1" presetClass="entr" presetSubtype="0" fill="hold" nodeType="withEffect">
                                   <p:stCondLst>
                                     <p:cond delay="0"/>
                                   </p:stCondLst>
@@ -12796,7 +12796,7 @@
                                         <p:tgtEl>
                                           <p:spTgt spid="3">
                                             <p:txEl>
-                                              <p:pRg st="4" end="4"/>
+                                              <p:pRg st="6" end="6"/>
                                             </p:txEl>
                                           </p:spTgt>
                                         </p:tgtEl>
@@ -12827,37 +12827,6 @@
                                         <p:tgtEl>
                                           <p:spTgt spid="3">
                                             <p:txEl>
-                                              <p:pRg st="6" end="6"/>
-                                            </p:txEl>
-                                          </p:spTgt>
-                                        </p:tgtEl>
-                                        <p:attrNameLst>
-                                          <p:attrName>style.visibility</p:attrName>
-                                        </p:attrNameLst>
-                                      </p:cBhvr>
-                                      <p:to>
-                                        <p:strVal val="visible"/>
-                                      </p:to>
-                                    </p:set>
-                                  </p:childTnLst>
-                                </p:cTn>
-                              </p:par>
-                              <p:par>
-                                <p:cTn id="51" presetID="1" presetClass="entr" presetSubtype="0" fill="hold" nodeType="withEffect">
-                                  <p:stCondLst>
-                                    <p:cond delay="0"/>
-                                  </p:stCondLst>
-                                  <p:childTnLst>
-                                    <p:set>
-                                      <p:cBhvr>
-                                        <p:cTn id="52" dur="1" fill="hold">
-                                          <p:stCondLst>
-                                            <p:cond delay="0"/>
-                                          </p:stCondLst>
-                                        </p:cTn>
-                                        <p:tgtEl>
-                                          <p:spTgt spid="3">
-                                            <p:txEl>
                                               <p:pRg st="7" end="7"/>
                                             </p:txEl>
                                           </p:spTgt>
@@ -12880,26 +12849,26 @@
                     </p:cTn>
                   </p:par>
                   <p:par>
-                    <p:cTn id="53" fill="hold">
+                    <p:cTn id="51" fill="hold">
                       <p:stCondLst>
                         <p:cond delay="indefinite"/>
                       </p:stCondLst>
                       <p:childTnLst>
                         <p:par>
-                          <p:cTn id="54" fill="hold">
+                          <p:cTn id="52" fill="hold">
                             <p:stCondLst>
                               <p:cond delay="0"/>
                             </p:stCondLst>
                             <p:childTnLst>
                               <p:par>
-                                <p:cTn id="55" presetID="1" presetClass="entr" presetSubtype="0" fill="hold" nodeType="clickEffect">
+                                <p:cTn id="53" presetID="1" presetClass="entr" presetSubtype="0" fill="hold" nodeType="clickEffect">
                                   <p:stCondLst>
                                     <p:cond delay="0"/>
                                   </p:stCondLst>
                                   <p:childTnLst>
                                     <p:set>
                                       <p:cBhvr>
-                                        <p:cTn id="56" dur="1" fill="hold">
+                                        <p:cTn id="54" dur="1" fill="hold">
                                           <p:stCondLst>
                                             <p:cond delay="0"/>
                                           </p:stCondLst>
@@ -12923,14 +12892,14 @@
                                 </p:cTn>
                               </p:par>
                               <p:par>
-                                <p:cTn id="57" presetID="1" presetClass="entr" presetSubtype="0" fill="hold" nodeType="withEffect">
+                                <p:cTn id="55" presetID="1" presetClass="entr" presetSubtype="0" fill="hold" nodeType="withEffect">
                                   <p:stCondLst>
                                     <p:cond delay="0"/>
                                   </p:stCondLst>
                                   <p:childTnLst>
                                     <p:set>
                                       <p:cBhvr>
-                                        <p:cTn id="58" dur="1" fill="hold">
+                                        <p:cTn id="56" dur="1" fill="hold">
                                           <p:stCondLst>
                                             <p:cond delay="0"/>
                                           </p:stCondLst>

--- a/New Release of SolrMarc.pptx
+++ b/New Release of SolrMarc.pptx
@@ -214,7 +214,7 @@
           <a:p>
             <a:fld id="{3B0E7819-CD1E-4708-9554-34F22524524B}" type="datetimeFigureOut">
               <a:rPr lang="en-US" smtClean="0"/>
-              <a:t>10/6/2016</a:t>
+              <a:t>10/7/2016</a:t>
             </a:fld>
             <a:endParaRPr lang="en-US"/>
           </a:p>
@@ -538,24 +538,22 @@
             </a:r>
             <a:r>
               <a:rPr lang="en-US" baseline="0" dirty="0" smtClean="0"/>
-              <a:t> </a:t>
+              <a:t> Graham then of </a:t>
             </a:r>
             <a:r>
               <a:rPr lang="en-US" baseline="0" dirty="0" smtClean="0"/>
-              <a:t>Graham then of William and Mary,   </a:t>
-            </a:r>
-            <a:endParaRPr lang="en-US" baseline="0" dirty="0" smtClean="0"/>
-          </a:p>
-          <a:p>
+              <a:t>College of William </a:t>
+            </a:r>
             <a:r>
               <a:rPr lang="en-US" baseline="0" dirty="0" smtClean="0"/>
-              <a:t>Andrew </a:t>
-            </a:r>
+              <a:t>and Mary,   </a:t>
+            </a:r>
+          </a:p>
+          <a:p>
             <a:r>
               <a:rPr lang="en-US" baseline="0" dirty="0" smtClean="0"/>
-              <a:t>Nagy then from this fine Institution, </a:t>
-            </a:r>
-            <a:endParaRPr lang="en-US" baseline="0" dirty="0" smtClean="0"/>
+              <a:t>Andrew Nagy then from this fine Institution, </a:t>
+            </a:r>
           </a:p>
           <a:p>
             <a:r>
@@ -570,17 +568,69 @@
               <a:rPr lang="en-US" baseline="0" dirty="0" smtClean="0"/>
               <a:t> from Stanford University, </a:t>
             </a:r>
+          </a:p>
+          <a:p>
+            <a:r>
+              <a:rPr lang="en-US" baseline="0" dirty="0" smtClean="0"/>
+              <a:t>Me from the University of </a:t>
+            </a:r>
+            <a:r>
+              <a:rPr lang="en-US" baseline="0" dirty="0" smtClean="0"/>
+              <a:t>Virginia</a:t>
+            </a:r>
+          </a:p>
+          <a:p>
             <a:endParaRPr lang="en-US" baseline="0" dirty="0" smtClean="0"/>
           </a:p>
           <a:p>
+            <a:pPr marL="0" marR="0" indent="0" algn="l" defTabSz="914400" rtl="0" eaLnBrk="1" fontAlgn="auto" latinLnBrk="0" hangingPunct="1">
+              <a:lnSpc>
+                <a:spcPct val="100000"/>
+              </a:lnSpc>
+              <a:spcBef>
+                <a:spcPts val="0"/>
+              </a:spcBef>
+              <a:spcAft>
+                <a:spcPts val="0"/>
+              </a:spcAft>
+              <a:buClrTx/>
+              <a:buSzTx/>
+              <a:buFontTx/>
+              <a:buNone/>
+              <a:tabLst/>
+              <a:defRPr/>
+            </a:pPr>
             <a:r>
               <a:rPr lang="en-US" baseline="0" dirty="0" smtClean="0"/>
-              <a:t>Me </a:t>
-            </a:r>
-            <a:r>
-              <a:rPr lang="en-US" baseline="0" dirty="0" smtClean="0"/>
-              <a:t>from the University of Virginia</a:t>
-            </a:r>
+              <a:t>It was </a:t>
+            </a:r>
+            <a:r>
+              <a:rPr lang="en-US" dirty="0" smtClean="0"/>
+              <a:t>designed from the beginning to build </a:t>
+            </a:r>
+            <a:r>
+              <a:rPr lang="en-US" dirty="0" err="1" smtClean="0"/>
+              <a:t>Solr</a:t>
+            </a:r>
+            <a:r>
+              <a:rPr lang="en-US" dirty="0" smtClean="0"/>
+              <a:t> indexes for both </a:t>
+            </a:r>
+            <a:r>
+              <a:rPr lang="en-US" dirty="0" err="1" smtClean="0"/>
+              <a:t>VuFind</a:t>
+            </a:r>
+            <a:r>
+              <a:rPr lang="en-US" dirty="0" smtClean="0"/>
+              <a:t> and </a:t>
+            </a:r>
+            <a:r>
+              <a:rPr lang="en-US" dirty="0" err="1" smtClean="0"/>
+              <a:t>Blacklight</a:t>
+            </a:r>
+            <a:endParaRPr lang="en-US" dirty="0" smtClean="0"/>
+          </a:p>
+          <a:p>
             <a:endParaRPr lang="en-US" dirty="0"/>
           </a:p>
         </p:txBody>
@@ -776,7 +826,15 @@
             </a:r>
             <a:r>
               <a:rPr lang="en-US" baseline="0" dirty="0" smtClean="0"/>
-              <a:t> Specification language  there still will be situations where what you need to do is more complex than what you can do with a “simple index spec”  </a:t>
+              <a:t> Specification language  there still will be situations where what you need to do is </a:t>
+            </a:r>
+            <a:r>
+              <a:rPr lang="en-US" baseline="0" dirty="0" smtClean="0"/>
+              <a:t>too complex for a </a:t>
+            </a:r>
+            <a:r>
+              <a:rPr lang="en-US" baseline="0" dirty="0" smtClean="0"/>
+              <a:t>“simple index spec”  </a:t>
             </a:r>
           </a:p>
           <a:p>
@@ -827,6 +885,22 @@
             <a:r>
               <a:rPr lang="en-US" dirty="0" err="1" smtClean="0"/>
               <a:t>SolrIndexer</a:t>
+            </a:r>
+            <a:r>
+              <a:rPr lang="en-US" dirty="0" smtClean="0"/>
+              <a:t> such as those</a:t>
+            </a:r>
+            <a:r>
+              <a:rPr lang="en-US" baseline="0" dirty="0" smtClean="0"/>
+              <a:t> in </a:t>
+            </a:r>
+            <a:r>
+              <a:rPr lang="en-US" baseline="0" dirty="0" err="1" smtClean="0"/>
+              <a:t>VuFindIndexer</a:t>
+            </a:r>
+            <a:r>
+              <a:rPr lang="en-US" baseline="0" dirty="0" smtClean="0"/>
+              <a:t> class</a:t>
             </a:r>
             <a:endParaRPr lang="en-US" dirty="0" smtClean="0"/>
           </a:p>
@@ -1013,8 +1087,85 @@
             </a:r>
             <a:r>
               <a:rPr lang="en-US" baseline="0" dirty="0" smtClean="0"/>
-              <a:t> came up with new alternative to all of those -- Dynamically Compiled Java Code</a:t>
-            </a:r>
+              <a:t> came up with new alternative to all of those </a:t>
+            </a:r>
+            <a:r>
+              <a:rPr lang="en-US" baseline="0" dirty="0" smtClean="0"/>
+              <a:t>– Dynamically </a:t>
+            </a:r>
+            <a:r>
+              <a:rPr lang="en-US" baseline="0" dirty="0" smtClean="0"/>
+              <a:t>Compiled Java </a:t>
+            </a:r>
+            <a:r>
+              <a:rPr lang="en-US" baseline="0" dirty="0" smtClean="0"/>
+              <a:t>Code</a:t>
+            </a:r>
+          </a:p>
+          <a:p>
+            <a:endParaRPr lang="en-US" dirty="0" smtClean="0"/>
+          </a:p>
+          <a:p>
+            <a:r>
+              <a:rPr lang="en-US" dirty="0" smtClean="0"/>
+              <a:t>Place java source file in a specific directory</a:t>
+            </a:r>
+          </a:p>
+          <a:p>
+            <a:r>
+              <a:rPr lang="en-US" dirty="0" smtClean="0"/>
+              <a:t>Reference a method in an index specification</a:t>
+            </a:r>
+          </a:p>
+          <a:p>
+            <a:r>
+              <a:rPr lang="en-US" dirty="0" smtClean="0"/>
+              <a:t>Run </a:t>
+            </a:r>
+            <a:r>
+              <a:rPr lang="en-US" dirty="0" err="1" smtClean="0"/>
+              <a:t>SolrMarc</a:t>
+            </a:r>
+            <a:endParaRPr lang="en-US" dirty="0" smtClean="0"/>
+          </a:p>
+          <a:p>
+            <a:endParaRPr lang="en-US" dirty="0" smtClean="0"/>
+          </a:p>
+          <a:p>
+            <a:r>
+              <a:rPr lang="en-US" dirty="0" smtClean="0"/>
+              <a:t>As easy as using </a:t>
+            </a:r>
+            <a:r>
+              <a:rPr lang="en-US" dirty="0" err="1" smtClean="0"/>
+              <a:t>Beanshell</a:t>
+            </a:r>
+            <a:r>
+              <a:rPr lang="en-US" dirty="0" smtClean="0"/>
+              <a:t> scripts.</a:t>
+            </a:r>
+          </a:p>
+          <a:p>
+            <a:r>
+              <a:rPr lang="en-US" dirty="0" smtClean="0"/>
+              <a:t>Uses actual Java syntax.</a:t>
+            </a:r>
+          </a:p>
+          <a:p>
+            <a:r>
+              <a:rPr lang="en-US" dirty="0" smtClean="0"/>
+              <a:t>So its</a:t>
+            </a:r>
+            <a:r>
+              <a:rPr lang="en-US" baseline="0" dirty="0" smtClean="0"/>
+              <a:t> a</a:t>
+            </a:r>
+            <a:r>
+              <a:rPr lang="en-US" dirty="0" smtClean="0"/>
+              <a:t>s fast as any other compiled Java code</a:t>
+            </a:r>
+          </a:p>
+          <a:p>
             <a:endParaRPr lang="en-US" dirty="0"/>
           </a:p>
         </p:txBody>
@@ -1289,11 +1440,15 @@
           <a:p>
             <a:r>
               <a:rPr lang="en-US" dirty="0" smtClean="0"/>
-              <a:t>Further more</a:t>
+              <a:t>Furthermore</a:t>
             </a:r>
             <a:r>
               <a:rPr lang="en-US" baseline="0" dirty="0" smtClean="0"/>
-              <a:t> since the program c</a:t>
+              <a:t> </a:t>
+            </a:r>
+            <a:r>
+              <a:rPr lang="en-US" baseline="0" dirty="0" smtClean="0"/>
+              <a:t>since the program c</a:t>
             </a:r>
             <a:r>
               <a:rPr lang="en-US" dirty="0" smtClean="0"/>
@@ -1350,7 +1505,23 @@
             </a:r>
             <a:r>
               <a:rPr lang="en-US" dirty="0" smtClean="0"/>
-              <a:t> required a release and perhaps significant new code.</a:t>
+              <a:t> </a:t>
+            </a:r>
+            <a:r>
+              <a:rPr lang="en-US" dirty="0" smtClean="0"/>
+              <a:t> required </a:t>
+            </a:r>
+            <a:r>
+              <a:rPr lang="en-US" dirty="0" smtClean="0"/>
+              <a:t>a release and perhaps </a:t>
+            </a:r>
+            <a:r>
+              <a:rPr lang="en-US" dirty="0" smtClean="0"/>
+              <a:t>required significant </a:t>
+            </a:r>
+            <a:r>
+              <a:rPr lang="en-US" dirty="0" smtClean="0"/>
+              <a:t>new code.</a:t>
             </a:r>
             <a:endParaRPr lang="en-US" baseline="0" dirty="0" smtClean="0"/>
           </a:p>
@@ -1452,11 +1623,7 @@
             </a:r>
             <a:r>
               <a:rPr lang="en-US" dirty="0" smtClean="0"/>
-              <a:t> c</a:t>
-            </a:r>
-            <a:r>
-              <a:rPr lang="en-US" dirty="0" smtClean="0"/>
-              <a:t>onsists of one </a:t>
+              <a:t> consists of one </a:t>
             </a:r>
             <a:r>
               <a:rPr lang="en-US" dirty="0" err="1" smtClean="0"/>
@@ -1499,7 +1666,15 @@
           <a:p>
             <a:r>
               <a:rPr lang="en-US" dirty="0" smtClean="0"/>
-              <a:t>For using a newer version of </a:t>
+              <a:t>For using </a:t>
+            </a:r>
+            <a:r>
+              <a:rPr lang="en-US" dirty="0" smtClean="0"/>
+              <a:t>it with a </a:t>
+            </a:r>
+            <a:r>
+              <a:rPr lang="en-US" dirty="0" smtClean="0"/>
+              <a:t>newer version of </a:t>
             </a:r>
             <a:r>
               <a:rPr lang="en-US" dirty="0" err="1" smtClean="0"/>
@@ -1507,11 +1682,15 @@
             </a:r>
             <a:r>
               <a:rPr lang="en-US" dirty="0" smtClean="0"/>
-              <a:t>, you simply </a:t>
-            </a:r>
-            <a:r>
-              <a:rPr lang="en-US" dirty="0" smtClean="0"/>
-              <a:t>point it at a directory containing the newer versions of </a:t>
+              <a:t>, you simply point it at a directory containing </a:t>
+            </a:r>
+            <a:r>
+              <a:rPr lang="en-US" dirty="0" smtClean="0"/>
+              <a:t>that </a:t>
+            </a:r>
+            <a:r>
+              <a:rPr lang="en-US" dirty="0" smtClean="0"/>
+              <a:t>newer versions </a:t>
             </a:r>
             <a:r>
               <a:rPr lang="en-US" dirty="0" err="1" smtClean="0"/>
@@ -1519,7 +1698,11 @@
             </a:r>
             <a:r>
               <a:rPr lang="en-US" dirty="0" smtClean="0"/>
-              <a:t> libraries.</a:t>
+              <a:t> </a:t>
+            </a:r>
+            <a:r>
+              <a:rPr lang="en-US" dirty="0" smtClean="0"/>
+              <a:t>libraries.</a:t>
             </a:r>
           </a:p>
           <a:p>
@@ -1563,7 +1746,6 @@
               <a:rPr lang="en-US" dirty="0" smtClean="0"/>
               <a:t>, or any re-compiling.</a:t>
             </a:r>
-            <a:endParaRPr lang="en-US" dirty="0" smtClean="0"/>
           </a:p>
           <a:p>
             <a:endParaRPr lang="en-US" dirty="0"/>
@@ -1678,7 +1860,39 @@
             </a:r>
             <a:r>
               <a:rPr lang="en-US" dirty="0" smtClean="0"/>
-              <a:t>Record reader thread,   Indexer thread,   multiple threads sending records to </a:t>
+              <a:t>one for reading the records,  one for generating</a:t>
+            </a:r>
+            <a:r>
+              <a:rPr lang="en-US" baseline="0" dirty="0" smtClean="0"/>
+              <a:t> the </a:t>
+            </a:r>
+            <a:r>
+              <a:rPr lang="en-US" baseline="0" dirty="0" err="1" smtClean="0"/>
+              <a:t>solr</a:t>
+            </a:r>
+            <a:r>
+              <a:rPr lang="en-US" baseline="0" dirty="0" smtClean="0"/>
+              <a:t> add documents based on the index specification</a:t>
+            </a:r>
+            <a:r>
+              <a:rPr lang="en-US" dirty="0" smtClean="0"/>
+              <a:t>,   </a:t>
+            </a:r>
+            <a:r>
+              <a:rPr lang="en-US" dirty="0" smtClean="0"/>
+              <a:t>multiple threads sending </a:t>
+            </a:r>
+            <a:r>
+              <a:rPr lang="en-US" dirty="0" smtClean="0"/>
+              <a:t>those </a:t>
+            </a:r>
+            <a:r>
+              <a:rPr lang="en-US" dirty="0" err="1" smtClean="0"/>
+              <a:t>solr</a:t>
+            </a:r>
+            <a:r>
+              <a:rPr lang="en-US" dirty="0" smtClean="0"/>
+              <a:t> documents to </a:t>
             </a:r>
             <a:r>
               <a:rPr lang="en-US" dirty="0" err="1" smtClean="0"/>
@@ -1692,7 +1906,7 @@
           <a:p>
             <a:r>
               <a:rPr lang="en-US" dirty="0" smtClean="0"/>
-              <a:t>Plus the</a:t>
+              <a:t>The</a:t>
             </a:r>
             <a:r>
               <a:rPr lang="en-US" baseline="0" dirty="0" smtClean="0"/>
@@ -1704,7 +1918,15 @@
             </a:r>
             <a:r>
               <a:rPr lang="en-US" baseline="0" dirty="0" smtClean="0"/>
-              <a:t> threads gather chunks of records to send at the same time.  </a:t>
+              <a:t> threads </a:t>
+            </a:r>
+            <a:r>
+              <a:rPr lang="en-US" baseline="0" dirty="0" smtClean="0"/>
+              <a:t>achieve a further speed-up by gather </a:t>
+            </a:r>
+            <a:r>
+              <a:rPr lang="en-US" baseline="0" dirty="0" smtClean="0"/>
+              <a:t>chunks of records to send at the same time.  </a:t>
             </a:r>
           </a:p>
           <a:p>
@@ -1713,7 +1935,23 @@
           <a:p>
             <a:r>
               <a:rPr lang="en-US" baseline="0" dirty="0" smtClean="0"/>
-              <a:t>And for additional speedup, if you ensure that your custom indexing methods are “thread safe” you can optionally start multiple indexing threads to make the program that much faster.</a:t>
+              <a:t>And for additional </a:t>
+            </a:r>
+            <a:r>
+              <a:rPr lang="en-US" baseline="0" dirty="0" smtClean="0"/>
+              <a:t>speed-up</a:t>
+            </a:r>
+            <a:r>
+              <a:rPr lang="en-US" baseline="0" dirty="0" smtClean="0"/>
+              <a:t>, if you ensure that your custom indexing methods are “thread safe” you can </a:t>
+            </a:r>
+            <a:r>
+              <a:rPr lang="en-US" baseline="0" dirty="0" smtClean="0"/>
+              <a:t>start </a:t>
+            </a:r>
+            <a:r>
+              <a:rPr lang="en-US" baseline="0" dirty="0" smtClean="0"/>
+              <a:t>multiple indexing threads to make the program that much faster.</a:t>
             </a:r>
             <a:endParaRPr lang="en-US" dirty="0"/>
           </a:p>
@@ -2305,7 +2543,15 @@
           <a:p>
             <a:r>
               <a:rPr lang="en-US" baseline="0" dirty="0" smtClean="0"/>
-              <a:t>And while incremental improvements have been made, like adding support for </a:t>
+              <a:t>And while incremental improvements have been </a:t>
+            </a:r>
+            <a:r>
+              <a:rPr lang="en-US" baseline="0" dirty="0" smtClean="0"/>
+              <a:t>made over the past several years, </a:t>
+            </a:r>
+            <a:r>
+              <a:rPr lang="en-US" baseline="0" dirty="0" smtClean="0"/>
+              <a:t>like adding support for </a:t>
             </a:r>
             <a:r>
               <a:rPr lang="en-US" baseline="0" dirty="0" err="1" smtClean="0"/>
@@ -2324,12 +2570,12 @@
               <a:t> it </a:t>
             </a:r>
             <a:r>
-              <a:rPr lang="en-US" baseline="0" dirty="0" err="1" smtClean="0"/>
-              <a:t>realy</a:t>
-            </a:r>
-            <a:r>
               <a:rPr lang="en-US" baseline="0" dirty="0" smtClean="0"/>
-              <a:t> hasn’t made </a:t>
+              <a:t>really </a:t>
+            </a:r>
+            <a:r>
+              <a:rPr lang="en-US" baseline="0" dirty="0" smtClean="0"/>
+              <a:t>hasn’t made </a:t>
             </a:r>
             <a:r>
               <a:rPr lang="en-US" baseline="0" dirty="0" err="1" smtClean="0"/>
@@ -2365,12 +2611,12 @@
               <a:t>, it has been hard to upgrade and therefore </a:t>
             </a:r>
             <a:r>
-              <a:rPr lang="en-US" baseline="0" dirty="0" err="1" smtClean="0"/>
-              <a:t>ofter</a:t>
-            </a:r>
-            <a:r>
               <a:rPr lang="en-US" baseline="0" dirty="0" smtClean="0"/>
-              <a:t> slow to upgrade, which has made it a roadblock for projects relying on it.</a:t>
+              <a:t>often </a:t>
+            </a:r>
+            <a:r>
+              <a:rPr lang="en-US" baseline="0" dirty="0" smtClean="0"/>
+              <a:t>slow to upgrade, which has made it a roadblock for projects relying on it.</a:t>
             </a:r>
             <a:endParaRPr lang="en-US" dirty="0"/>
           </a:p>
@@ -2713,7 +2959,28 @@
           <a:p>
             <a:r>
               <a:rPr lang="en-US" dirty="0" smtClean="0"/>
-              <a:t>Back in February, before Code4Lib</a:t>
+              <a:t>While I had some ideas on ways that </a:t>
+            </a:r>
+            <a:r>
+              <a:rPr lang="en-US" dirty="0" err="1" smtClean="0"/>
+              <a:t>SolrMarc</a:t>
+            </a:r>
+            <a:r>
+              <a:rPr lang="en-US" baseline="0" dirty="0" smtClean="0"/>
+              <a:t> could be made better they really didn’t go anywhere.</a:t>
+            </a:r>
+          </a:p>
+          <a:p>
+            <a:endParaRPr lang="en-US" dirty="0" smtClean="0"/>
+          </a:p>
+          <a:p>
+            <a:r>
+              <a:rPr lang="en-US" dirty="0" smtClean="0"/>
+              <a:t>But, back </a:t>
+            </a:r>
+            <a:r>
+              <a:rPr lang="en-US" dirty="0" smtClean="0"/>
+              <a:t>in February, before Code4Lib</a:t>
             </a:r>
             <a:r>
               <a:rPr lang="en-US" baseline="0" dirty="0" smtClean="0"/>
@@ -2725,7 +2992,26 @@
             </a:r>
             <a:r>
               <a:rPr lang="en-US" baseline="0" dirty="0" smtClean="0"/>
-              <a:t>, who was working on a </a:t>
+              <a:t>, </a:t>
+            </a:r>
+            <a:r>
+              <a:rPr lang="en-US" baseline="0" dirty="0" smtClean="0"/>
+              <a:t>contacted </a:t>
+            </a:r>
+            <a:r>
+              <a:rPr lang="en-US" baseline="0" dirty="0" err="1" smtClean="0"/>
+              <a:t>Demian</a:t>
+            </a:r>
+            <a:r>
+              <a:rPr lang="en-US" baseline="0" dirty="0" smtClean="0"/>
+              <a:t>, who put Oliver in touch with me.  </a:t>
+            </a:r>
+            <a:endParaRPr lang="en-US" baseline="0" dirty="0" smtClean="0"/>
+          </a:p>
+          <a:p>
+            <a:r>
+              <a:rPr lang="en-US" baseline="0" dirty="0" smtClean="0"/>
+              <a:t>He who was working on a </a:t>
             </a:r>
             <a:r>
               <a:rPr lang="en-US" baseline="0" dirty="0" err="1" smtClean="0"/>
@@ -2733,24 +3019,21 @@
             </a:r>
             <a:r>
               <a:rPr lang="en-US" baseline="0" dirty="0" smtClean="0"/>
-              <a:t>-based project for a German Library contacted </a:t>
-            </a:r>
-            <a:r>
-              <a:rPr lang="en-US" baseline="0" dirty="0" err="1" smtClean="0"/>
-              <a:t>Demian</a:t>
-            </a:r>
+              <a:t>-based project for a German Library  </a:t>
+            </a:r>
+            <a:endParaRPr lang="en-US" baseline="0" dirty="0" smtClean="0"/>
+          </a:p>
+          <a:p>
+            <a:endParaRPr lang="en-US" baseline="0" dirty="0" smtClean="0"/>
+          </a:p>
+          <a:p>
             <a:r>
               <a:rPr lang="en-US" baseline="0" dirty="0" smtClean="0"/>
-              <a:t>, who put Oliver in touch with me.   </a:t>
-            </a:r>
-          </a:p>
-          <a:p>
-            <a:endParaRPr lang="en-US" baseline="0" dirty="0" smtClean="0"/>
-          </a:p>
-          <a:p>
+              <a:t>And not </a:t>
+            </a:r>
             <a:r>
               <a:rPr lang="en-US" baseline="0" dirty="0" smtClean="0"/>
-              <a:t>He not only had interest in a new version, he had some specific ideas about how to make </a:t>
+              <a:t>only had interest in a new version, he had some specific ideas about how to make </a:t>
             </a:r>
             <a:r>
               <a:rPr lang="en-US" baseline="0" dirty="0" err="1" smtClean="0"/>
@@ -2758,7 +3041,15 @@
             </a:r>
             <a:r>
               <a:rPr lang="en-US" baseline="0" dirty="0" smtClean="0"/>
-              <a:t> easier to use and faster.</a:t>
+              <a:t> </a:t>
+            </a:r>
+            <a:r>
+              <a:rPr lang="en-US" baseline="0" dirty="0" smtClean="0"/>
+              <a:t>easier to </a:t>
+            </a:r>
+            <a:r>
+              <a:rPr lang="en-US" baseline="0" dirty="0" smtClean="0"/>
+              <a:t>use and faster.</a:t>
             </a:r>
           </a:p>
         </p:txBody>
@@ -2927,10 +3218,12 @@
           <a:p>
             <a:r>
               <a:rPr lang="en-US" baseline="0" dirty="0" smtClean="0"/>
-              <a:t>And  it should be faster.</a:t>
-            </a:r>
-          </a:p>
-          <a:p>
+              <a:t>And  it should be </a:t>
+            </a:r>
+            <a:r>
+              <a:rPr lang="en-US" baseline="0" dirty="0" smtClean="0"/>
+              <a:t>faster.</a:t>
+            </a:r>
             <a:endParaRPr lang="en-US" baseline="0" dirty="0" smtClean="0"/>
           </a:p>
           <a:p>
@@ -3067,19 +3360,63 @@
             </a:pPr>
             <a:r>
               <a:rPr lang="en-US" baseline="0" dirty="0" smtClean="0"/>
-              <a:t>If you wanted do something </a:t>
-            </a:r>
+              <a:t>If you wanted do something only slightly more complex, like strip off trailing punctuation, </a:t>
+            </a:r>
+            <a:endParaRPr lang="en-US" baseline="0" dirty="0" smtClean="0"/>
+          </a:p>
+          <a:p>
+            <a:pPr marL="0" marR="0" indent="0" algn="l" defTabSz="914400" rtl="0" eaLnBrk="1" fontAlgn="auto" latinLnBrk="0" hangingPunct="1">
+              <a:lnSpc>
+                <a:spcPct val="100000"/>
+              </a:lnSpc>
+              <a:spcBef>
+                <a:spcPts val="0"/>
+              </a:spcBef>
+              <a:spcAft>
+                <a:spcPts val="0"/>
+              </a:spcAft>
+              <a:buClrTx/>
+              <a:buSzTx/>
+              <a:buFontTx/>
+              <a:buNone/>
+              <a:tabLst/>
+              <a:defRPr/>
+            </a:pPr>
             <a:r>
               <a:rPr lang="en-US" baseline="0" dirty="0" smtClean="0"/>
-              <a:t>only slightly more complex, like </a:t>
+              <a:t>or </a:t>
             </a:r>
             <a:r>
               <a:rPr lang="en-US" baseline="0" dirty="0" smtClean="0"/>
-              <a:t>strip off trailing punctuation, or remove an initial “the” from a title or extract the title for items that are “Journals” </a:t>
-            </a:r>
+              <a:t>remove an initial “the” from a title </a:t>
+            </a:r>
+            <a:endParaRPr lang="en-US" baseline="0" dirty="0" smtClean="0"/>
+          </a:p>
+          <a:p>
+            <a:pPr marL="0" marR="0" indent="0" algn="l" defTabSz="914400" rtl="0" eaLnBrk="1" fontAlgn="auto" latinLnBrk="0" hangingPunct="1">
+              <a:lnSpc>
+                <a:spcPct val="100000"/>
+              </a:lnSpc>
+              <a:spcBef>
+                <a:spcPts val="0"/>
+              </a:spcBef>
+              <a:spcAft>
+                <a:spcPts val="0"/>
+              </a:spcAft>
+              <a:buClrTx/>
+              <a:buSzTx/>
+              <a:buFontTx/>
+              <a:buNone/>
+              <a:tabLst/>
+              <a:defRPr/>
+            </a:pPr>
             <a:r>
               <a:rPr lang="en-US" baseline="0" dirty="0" smtClean="0"/>
-              <a:t>you would need to call a custom method.</a:t>
+              <a:t>or </a:t>
+            </a:r>
+            <a:r>
+              <a:rPr lang="en-US" baseline="0" dirty="0" smtClean="0"/>
+              <a:t>extract the title for items that are “Journals” you would need to call a custom method.</a:t>
             </a:r>
           </a:p>
           <a:p>
@@ -3293,7 +3630,23 @@
           <a:p>
             <a:r>
               <a:rPr lang="en-US" dirty="0" smtClean="0"/>
-              <a:t>Using some of these new modifiers, Index specifications that needed a custom method call</a:t>
+              <a:t>Using some of these new modifiers, Index specifications that </a:t>
+            </a:r>
+            <a:r>
+              <a:rPr lang="en-US" dirty="0" smtClean="0"/>
+              <a:t>used to require</a:t>
+            </a:r>
+            <a:r>
+              <a:rPr lang="en-US" baseline="0" dirty="0" smtClean="0"/>
+              <a:t> </a:t>
+            </a:r>
+            <a:r>
+              <a:rPr lang="en-US" dirty="0" smtClean="0"/>
+              <a:t>a </a:t>
+            </a:r>
+            <a:r>
+              <a:rPr lang="en-US" dirty="0" smtClean="0"/>
+              <a:t>custom method call</a:t>
             </a:r>
           </a:p>
           <a:p>
@@ -3401,7 +3754,21 @@
             </a:r>
             <a:r>
               <a:rPr lang="en-US" baseline="0" dirty="0" smtClean="0"/>
-              <a:t> language now supports conditional qualifiers.</a:t>
+              <a:t> language now supports conditional qualifiers</a:t>
+            </a:r>
+            <a:r>
+              <a:rPr lang="en-US" baseline="0" dirty="0" smtClean="0"/>
+              <a:t>.</a:t>
+            </a:r>
+          </a:p>
+          <a:p>
+            <a:r>
+              <a:rPr lang="en-US" baseline="0" dirty="0" smtClean="0"/>
+              <a:t>Which </a:t>
+            </a:r>
+            <a:r>
+              <a:rPr lang="en-US" sz="1200" dirty="0" smtClean="0"/>
+              <a:t>allow you to include some fields/subfields only if certain conditions are true</a:t>
             </a:r>
             <a:endParaRPr lang="en-US" dirty="0" smtClean="0"/>
           </a:p>
@@ -3411,19 +3778,7 @@
           <a:p>
             <a:r>
               <a:rPr lang="en-US" dirty="0" smtClean="0"/>
-              <a:t>If </a:t>
-            </a:r>
-            <a:r>
-              <a:rPr lang="en-US" dirty="0" smtClean="0"/>
-              <a:t>you want to extract publication information from the 260abc subfields, or from the </a:t>
-            </a:r>
-            <a:r>
-              <a:rPr lang="en-US" dirty="0" smtClean="0"/>
-              <a:t>new RDA-style </a:t>
-            </a:r>
-            <a:r>
-              <a:rPr lang="en-US" dirty="0" smtClean="0"/>
-              <a:t>264abc subfields, but only wanted the 264 field if the second indicator is a "1" or a "4" then you can use the following conditional spec.</a:t>
+              <a:t>If you want to extract publication information from the 260abc subfields, or from the new RDA-style 264abc subfields, but only wanted the 264 field if the second indicator is a "1" or a "4" then you can use the following conditional spec.</a:t>
             </a:r>
           </a:p>
           <a:p>
@@ -3560,7 +3915,23 @@
           <a:p>
             <a:r>
               <a:rPr lang="en-US" baseline="0" dirty="0" smtClean="0"/>
-              <a:t>This example maps the three-letter code for a language is mapped to the full name of that language, and then appends “(dubbed in)”</a:t>
+              <a:t>This example maps the </a:t>
+            </a:r>
+            <a:r>
+              <a:rPr lang="en-US" baseline="0" dirty="0" smtClean="0"/>
+              <a:t>three-letter code </a:t>
+            </a:r>
+            <a:r>
+              <a:rPr lang="en-US" baseline="0" dirty="0" smtClean="0"/>
+              <a:t>for a language </a:t>
+            </a:r>
+            <a:r>
+              <a:rPr lang="en-US" baseline="0" dirty="0" smtClean="0"/>
+              <a:t>to the </a:t>
+            </a:r>
+            <a:r>
+              <a:rPr lang="en-US" baseline="0" dirty="0" smtClean="0"/>
+              <a:t>full name of that language, and then appends “(dubbed in)”</a:t>
             </a:r>
             <a:endParaRPr lang="en-US" dirty="0"/>
           </a:p>
@@ -3783,7 +4154,7 @@
           <a:p>
             <a:fld id="{8BE7C030-FF53-4C68-8C27-EC2636F01ABC}" type="datetimeFigureOut">
               <a:rPr lang="en-US" smtClean="0"/>
-              <a:t>10/6/2016</a:t>
+              <a:t>10/7/2016</a:t>
             </a:fld>
             <a:endParaRPr lang="en-US"/>
           </a:p>
@@ -3953,7 +4324,7 @@
           <a:p>
             <a:fld id="{8BE7C030-FF53-4C68-8C27-EC2636F01ABC}" type="datetimeFigureOut">
               <a:rPr lang="en-US" smtClean="0"/>
-              <a:t>10/6/2016</a:t>
+              <a:t>10/7/2016</a:t>
             </a:fld>
             <a:endParaRPr lang="en-US"/>
           </a:p>
@@ -4133,7 +4504,7 @@
           <a:p>
             <a:fld id="{8BE7C030-FF53-4C68-8C27-EC2636F01ABC}" type="datetimeFigureOut">
               <a:rPr lang="en-US" smtClean="0"/>
-              <a:t>10/6/2016</a:t>
+              <a:t>10/7/2016</a:t>
             </a:fld>
             <a:endParaRPr lang="en-US"/>
           </a:p>
@@ -4303,7 +4674,7 @@
           <a:p>
             <a:fld id="{8BE7C030-FF53-4C68-8C27-EC2636F01ABC}" type="datetimeFigureOut">
               <a:rPr lang="en-US" smtClean="0"/>
-              <a:t>10/6/2016</a:t>
+              <a:t>10/7/2016</a:t>
             </a:fld>
             <a:endParaRPr lang="en-US"/>
           </a:p>
@@ -4549,7 +4920,7 @@
           <a:p>
             <a:fld id="{8BE7C030-FF53-4C68-8C27-EC2636F01ABC}" type="datetimeFigureOut">
               <a:rPr lang="en-US" smtClean="0"/>
-              <a:t>10/6/2016</a:t>
+              <a:t>10/7/2016</a:t>
             </a:fld>
             <a:endParaRPr lang="en-US"/>
           </a:p>
@@ -4837,7 +5208,7 @@
           <a:p>
             <a:fld id="{8BE7C030-FF53-4C68-8C27-EC2636F01ABC}" type="datetimeFigureOut">
               <a:rPr lang="en-US" smtClean="0"/>
-              <a:t>10/6/2016</a:t>
+              <a:t>10/7/2016</a:t>
             </a:fld>
             <a:endParaRPr lang="en-US"/>
           </a:p>
@@ -5259,7 +5630,7 @@
           <a:p>
             <a:fld id="{8BE7C030-FF53-4C68-8C27-EC2636F01ABC}" type="datetimeFigureOut">
               <a:rPr lang="en-US" smtClean="0"/>
-              <a:t>10/6/2016</a:t>
+              <a:t>10/7/2016</a:t>
             </a:fld>
             <a:endParaRPr lang="en-US"/>
           </a:p>
@@ -5377,7 +5748,7 @@
           <a:p>
             <a:fld id="{8BE7C030-FF53-4C68-8C27-EC2636F01ABC}" type="datetimeFigureOut">
               <a:rPr lang="en-US" smtClean="0"/>
-              <a:t>10/6/2016</a:t>
+              <a:t>10/7/2016</a:t>
             </a:fld>
             <a:endParaRPr lang="en-US"/>
           </a:p>
@@ -5472,7 +5843,7 @@
           <a:p>
             <a:fld id="{8BE7C030-FF53-4C68-8C27-EC2636F01ABC}" type="datetimeFigureOut">
               <a:rPr lang="en-US" smtClean="0"/>
-              <a:t>10/6/2016</a:t>
+              <a:t>10/7/2016</a:t>
             </a:fld>
             <a:endParaRPr lang="en-US"/>
           </a:p>
@@ -5749,7 +6120,7 @@
           <a:p>
             <a:fld id="{8BE7C030-FF53-4C68-8C27-EC2636F01ABC}" type="datetimeFigureOut">
               <a:rPr lang="en-US" smtClean="0"/>
-              <a:t>10/6/2016</a:t>
+              <a:t>10/7/2016</a:t>
             </a:fld>
             <a:endParaRPr lang="en-US"/>
           </a:p>
@@ -6002,7 +6373,7 @@
           <a:p>
             <a:fld id="{8BE7C030-FF53-4C68-8C27-EC2636F01ABC}" type="datetimeFigureOut">
               <a:rPr lang="en-US" smtClean="0"/>
-              <a:t>10/6/2016</a:t>
+              <a:t>10/7/2016</a:t>
             </a:fld>
             <a:endParaRPr lang="en-US"/>
           </a:p>
@@ -6215,7 +6586,7 @@
           <a:p>
             <a:fld id="{8BE7C030-FF53-4C68-8C27-EC2636F01ABC}" type="datetimeFigureOut">
               <a:rPr lang="en-US" smtClean="0"/>
-              <a:t>10/6/2016</a:t>
+              <a:t>10/7/2016</a:t>
             </a:fld>
             <a:endParaRPr lang="en-US"/>
           </a:p>
@@ -6906,15 +7277,7 @@
             </a:pPr>
             <a:r>
               <a:rPr lang="en-US" sz="2800" dirty="0" smtClean="0"/>
-              <a:t>And </a:t>
-            </a:r>
-            <a:r>
-              <a:rPr lang="en-US" sz="2800" dirty="0" smtClean="0"/>
-              <a:t>multiple maps </a:t>
-            </a:r>
-            <a:r>
-              <a:rPr lang="en-US" sz="2800" dirty="0" smtClean="0"/>
-              <a:t>can appear in a single Index Spec:</a:t>
+              <a:t>And multiple maps can appear in a single Index Spec:</a:t>
             </a:r>
           </a:p>
           <a:p>
@@ -7424,11 +7787,7 @@
             </a:r>
             <a:r>
               <a:rPr lang="en-US" sz="3200" dirty="0" smtClean="0"/>
-              <a:t>“first” and “all”</a:t>
-            </a:r>
-            <a:r>
-              <a:rPr lang="en-US" sz="3200" dirty="0" smtClean="0"/>
-              <a:t> </a:t>
+              <a:t>“first” and “all” </a:t>
             </a:r>
             <a:r>
               <a:rPr lang="en-US" sz="3200" dirty="0"/>
@@ -7438,7 +7797,6 @@
               <a:rPr lang="en-US" sz="3200" dirty="0" smtClean="0"/>
               <a:t>supported</a:t>
             </a:r>
-            <a:endParaRPr lang="en-US" sz="3200" dirty="0" smtClean="0"/>
           </a:p>
           <a:p>
             <a:r>
@@ -7956,12 +8314,13 @@
             </a:r>
             <a:r>
               <a:rPr lang="en-US" sz="2400" dirty="0"/>
-              <a:t>(245c) </a:t>
+              <a:t>(245c</a:t>
             </a:r>
             <a:r>
               <a:rPr lang="en-US" sz="2400" dirty="0" smtClean="0"/>
-              <a:t>   -- still works</a:t>
-            </a:r>
+              <a:t>)</a:t>
+            </a:r>
+            <a:endParaRPr lang="en-US" sz="2400" dirty="0" smtClean="0"/>
           </a:p>
           <a:p>
             <a:r>
@@ -7970,15 +8329,7 @@
             </a:r>
             <a:r>
               <a:rPr lang="en-US" dirty="0" smtClean="0"/>
-              <a:t> </a:t>
-            </a:r>
-            <a:r>
-              <a:rPr lang="en-US" dirty="0" smtClean="0"/>
-              <a:t>Script </a:t>
-            </a:r>
-            <a:r>
-              <a:rPr lang="en-US" dirty="0" smtClean="0"/>
-              <a:t>Index Methods</a:t>
+              <a:t> Script Index Methods</a:t>
             </a:r>
           </a:p>
           <a:p>
@@ -8004,8 +8355,9 @@
             </a:r>
             <a:r>
               <a:rPr lang="en-US" sz="2400" dirty="0" smtClean="0"/>
-              <a:t>	-- still works</a:t>
-            </a:r>
+              <a:t>	</a:t>
+            </a:r>
+            <a:endParaRPr lang="en-US" sz="2400" dirty="0" smtClean="0"/>
           </a:p>
           <a:p>
             <a:r>
@@ -8048,15 +8400,16 @@
             <a:pPr marL="914400" lvl="2" indent="0">
               <a:buNone/>
             </a:pPr>
-            <a:r>
-              <a:rPr lang="en-US" dirty="0" smtClean="0"/>
-              <a:t>-- still works</a:t>
-            </a:r>
-          </a:p>
-          <a:p>
-            <a:r>
-              <a:rPr lang="en-US" dirty="0" smtClean="0"/>
-              <a:t>Local Extensions of </a:t>
+            <a:endParaRPr lang="en-US" dirty="0" smtClean="0"/>
+          </a:p>
+          <a:p>
+            <a:r>
+              <a:rPr lang="en-US" dirty="0" smtClean="0"/>
+              <a:t>Local </a:t>
+            </a:r>
+            <a:r>
+              <a:rPr lang="en-US" dirty="0" smtClean="0"/>
+              <a:t>Extensions of </a:t>
             </a:r>
             <a:r>
               <a:rPr lang="en-US" dirty="0" err="1" smtClean="0"/>
@@ -8083,9 +8436,145 @@
             </a:r>
             <a:r>
               <a:rPr lang="en-US" sz="2400" dirty="0" smtClean="0"/>
-              <a:t>")  -- still works</a:t>
+              <a:t>")</a:t>
             </a:r>
             <a:endParaRPr lang="en-US" sz="2400" dirty="0"/>
+          </a:p>
+        </p:txBody>
+      </p:sp>
+      <p:sp>
+        <p:nvSpPr>
+          <p:cNvPr id="4" name="TextBox 3"/>
+          <p:cNvSpPr txBox="1"/>
+          <p:nvPr/>
+        </p:nvSpPr>
+        <p:spPr>
+          <a:xfrm>
+            <a:off x="5782139" y="2004646"/>
+            <a:ext cx="1685461" cy="461665"/>
+          </a:xfrm>
+          <a:prstGeom prst="rect">
+            <a:avLst/>
+          </a:prstGeom>
+          <a:noFill/>
+        </p:spPr>
+        <p:txBody>
+          <a:bodyPr wrap="none" rtlCol="0">
+            <a:spAutoFit/>
+          </a:bodyPr>
+          <a:lstStyle/>
+          <a:p>
+            <a:r>
+              <a:rPr lang="en-US" sz="2400" dirty="0">
+                <a:solidFill>
+                  <a:prstClr val="black"/>
+                </a:solidFill>
+              </a:rPr>
+              <a:t>-- still works</a:t>
+            </a:r>
+            <a:endParaRPr lang="en-US" dirty="0"/>
+          </a:p>
+        </p:txBody>
+      </p:sp>
+      <p:sp>
+        <p:nvSpPr>
+          <p:cNvPr id="5" name="TextBox 4"/>
+          <p:cNvSpPr txBox="1"/>
+          <p:nvPr/>
+        </p:nvSpPr>
+        <p:spPr>
+          <a:xfrm>
+            <a:off x="6772739" y="5481935"/>
+            <a:ext cx="1685461" cy="461665"/>
+          </a:xfrm>
+          <a:prstGeom prst="rect">
+            <a:avLst/>
+          </a:prstGeom>
+          <a:noFill/>
+        </p:spPr>
+        <p:txBody>
+          <a:bodyPr wrap="none" rtlCol="0">
+            <a:spAutoFit/>
+          </a:bodyPr>
+          <a:lstStyle/>
+          <a:p>
+            <a:r>
+              <a:rPr lang="en-US" sz="2400" dirty="0">
+                <a:solidFill>
+                  <a:prstClr val="black"/>
+                </a:solidFill>
+              </a:rPr>
+              <a:t>-- still works</a:t>
+            </a:r>
+            <a:endParaRPr lang="en-US" dirty="0"/>
+          </a:p>
+        </p:txBody>
+      </p:sp>
+      <p:sp>
+        <p:nvSpPr>
+          <p:cNvPr id="6" name="TextBox 5"/>
+          <p:cNvSpPr txBox="1"/>
+          <p:nvPr/>
+        </p:nvSpPr>
+        <p:spPr>
+          <a:xfrm>
+            <a:off x="1524000" y="4456166"/>
+            <a:ext cx="1685461" cy="461665"/>
+          </a:xfrm>
+          <a:prstGeom prst="rect">
+            <a:avLst/>
+          </a:prstGeom>
+          <a:noFill/>
+        </p:spPr>
+        <p:txBody>
+          <a:bodyPr wrap="none" rtlCol="0">
+            <a:spAutoFit/>
+          </a:bodyPr>
+          <a:lstStyle/>
+          <a:p>
+            <a:r>
+              <a:rPr lang="en-US" sz="2400" dirty="0">
+                <a:solidFill>
+                  <a:prstClr val="black"/>
+                </a:solidFill>
+              </a:rPr>
+              <a:t>-- still works</a:t>
+            </a:r>
+            <a:endParaRPr lang="en-US" dirty="0"/>
+          </a:p>
+        </p:txBody>
+      </p:sp>
+      <p:sp>
+        <p:nvSpPr>
+          <p:cNvPr id="7" name="TextBox 6"/>
+          <p:cNvSpPr txBox="1"/>
+          <p:nvPr/>
+        </p:nvSpPr>
+        <p:spPr>
+          <a:xfrm>
+            <a:off x="5553539" y="3031812"/>
+            <a:ext cx="1685461" cy="461665"/>
+          </a:xfrm>
+          <a:prstGeom prst="rect">
+            <a:avLst/>
+          </a:prstGeom>
+          <a:noFill/>
+        </p:spPr>
+        <p:txBody>
+          <a:bodyPr wrap="none" rtlCol="0">
+            <a:spAutoFit/>
+          </a:bodyPr>
+          <a:lstStyle/>
+          <a:p>
+            <a:r>
+              <a:rPr lang="en-US" sz="2400" dirty="0">
+                <a:solidFill>
+                  <a:prstClr val="black"/>
+                </a:solidFill>
+              </a:rPr>
+              <a:t>-- still works</a:t>
+            </a:r>
+            <a:endParaRPr lang="en-US" dirty="0"/>
           </a:p>
         </p:txBody>
       </p:sp>
@@ -8102,9 +8591,164 @@
   <p:timing>
     <p:tnLst>
       <p:par>
-        <p:cTn id="1" dur="indefinite" restart="never" nodeType="tmRoot"/>
+        <p:cTn id="1" dur="indefinite" restart="never" nodeType="tmRoot">
+          <p:childTnLst>
+            <p:seq concurrent="1" nextAc="seek">
+              <p:cTn id="2" dur="indefinite" nodeType="mainSeq">
+                <p:childTnLst>
+                  <p:par>
+                    <p:cTn id="3" fill="hold">
+                      <p:stCondLst>
+                        <p:cond delay="indefinite"/>
+                      </p:stCondLst>
+                      <p:childTnLst>
+                        <p:par>
+                          <p:cTn id="4" fill="hold">
+                            <p:stCondLst>
+                              <p:cond delay="0"/>
+                            </p:stCondLst>
+                            <p:childTnLst>
+                              <p:par>
+                                <p:cTn id="5" presetID="1" presetClass="entr" presetSubtype="0" fill="hold" grpId="0" nodeType="clickEffect">
+                                  <p:stCondLst>
+                                    <p:cond delay="0"/>
+                                  </p:stCondLst>
+                                  <p:childTnLst>
+                                    <p:set>
+                                      <p:cBhvr>
+                                        <p:cTn id="6" dur="1" fill="hold">
+                                          <p:stCondLst>
+                                            <p:cond delay="0"/>
+                                          </p:stCondLst>
+                                        </p:cTn>
+                                        <p:tgtEl>
+                                          <p:spTgt spid="4"/>
+                                        </p:tgtEl>
+                                        <p:attrNameLst>
+                                          <p:attrName>style.visibility</p:attrName>
+                                        </p:attrNameLst>
+                                      </p:cBhvr>
+                                      <p:to>
+                                        <p:strVal val="visible"/>
+                                      </p:to>
+                                    </p:set>
+                                  </p:childTnLst>
+                                </p:cTn>
+                              </p:par>
+                              <p:par>
+                                <p:cTn id="7" presetID="1" presetClass="entr" presetSubtype="0" fill="hold" grpId="0" nodeType="withEffect">
+                                  <p:stCondLst>
+                                    <p:cond delay="500"/>
+                                  </p:stCondLst>
+                                  <p:childTnLst>
+                                    <p:set>
+                                      <p:cBhvr>
+                                        <p:cTn id="8" dur="1" fill="hold">
+                                          <p:stCondLst>
+                                            <p:cond delay="0"/>
+                                          </p:stCondLst>
+                                        </p:cTn>
+                                        <p:tgtEl>
+                                          <p:spTgt spid="7"/>
+                                        </p:tgtEl>
+                                        <p:attrNameLst>
+                                          <p:attrName>style.visibility</p:attrName>
+                                        </p:attrNameLst>
+                                      </p:cBhvr>
+                                      <p:to>
+                                        <p:strVal val="visible"/>
+                                      </p:to>
+                                    </p:set>
+                                  </p:childTnLst>
+                                </p:cTn>
+                              </p:par>
+                              <p:par>
+                                <p:cTn id="9" presetID="1" presetClass="entr" presetSubtype="0" fill="hold" grpId="0" nodeType="withEffect">
+                                  <p:stCondLst>
+                                    <p:cond delay="1000"/>
+                                  </p:stCondLst>
+                                  <p:childTnLst>
+                                    <p:set>
+                                      <p:cBhvr>
+                                        <p:cTn id="10" dur="1" fill="hold">
+                                          <p:stCondLst>
+                                            <p:cond delay="0"/>
+                                          </p:stCondLst>
+                                        </p:cTn>
+                                        <p:tgtEl>
+                                          <p:spTgt spid="6"/>
+                                        </p:tgtEl>
+                                        <p:attrNameLst>
+                                          <p:attrName>style.visibility</p:attrName>
+                                        </p:attrNameLst>
+                                      </p:cBhvr>
+                                      <p:to>
+                                        <p:strVal val="visible"/>
+                                      </p:to>
+                                    </p:set>
+                                  </p:childTnLst>
+                                </p:cTn>
+                              </p:par>
+                              <p:par>
+                                <p:cTn id="11" presetID="1" presetClass="entr" presetSubtype="0" fill="hold" grpId="0" nodeType="withEffect">
+                                  <p:stCondLst>
+                                    <p:cond delay="1500"/>
+                                  </p:stCondLst>
+                                  <p:childTnLst>
+                                    <p:set>
+                                      <p:cBhvr>
+                                        <p:cTn id="12" dur="1" fill="hold">
+                                          <p:stCondLst>
+                                            <p:cond delay="0"/>
+                                          </p:stCondLst>
+                                        </p:cTn>
+                                        <p:tgtEl>
+                                          <p:spTgt spid="5"/>
+                                        </p:tgtEl>
+                                        <p:attrNameLst>
+                                          <p:attrName>style.visibility</p:attrName>
+                                        </p:attrNameLst>
+                                      </p:cBhvr>
+                                      <p:to>
+                                        <p:strVal val="visible"/>
+                                      </p:to>
+                                    </p:set>
+                                  </p:childTnLst>
+                                </p:cTn>
+                              </p:par>
+                            </p:childTnLst>
+                          </p:cTn>
+                        </p:par>
+                      </p:childTnLst>
+                    </p:cTn>
+                  </p:par>
+                </p:childTnLst>
+              </p:cTn>
+              <p:prevCondLst>
+                <p:cond evt="onPrev" delay="0">
+                  <p:tgtEl>
+                    <p:sldTgt/>
+                  </p:tgtEl>
+                </p:cond>
+              </p:prevCondLst>
+              <p:nextCondLst>
+                <p:cond evt="onNext" delay="0">
+                  <p:tgtEl>
+                    <p:sldTgt/>
+                  </p:tgtEl>
+                </p:cond>
+              </p:nextCondLst>
+            </p:seq>
+          </p:childTnLst>
+        </p:cTn>
       </p:par>
     </p:tnLst>
+    <p:bldLst>
+      <p:bldP spid="4" grpId="0"/>
+      <p:bldP spid="5" grpId="0"/>
+      <p:bldP spid="6" grpId="0"/>
+      <p:bldP spid="7" grpId="0"/>
+    </p:bldLst>
   </p:timing>
 </p:sld>
 </file>
@@ -8689,7 +9333,12 @@
             <p:ph idx="1"/>
           </p:nvPr>
         </p:nvSpPr>
-        <p:spPr/>
+        <p:spPr>
+          <a:xfrm>
+            <a:off x="457200" y="1447800"/>
+            <a:ext cx="8229600" cy="4678363"/>
+          </a:xfrm>
+        </p:spPr>
         <p:txBody>
           <a:bodyPr>
             <a:normAutofit lnSpcReduction="10000"/>
@@ -8780,13 +9429,23 @@
             <a:pPr marL="0" indent="0">
               <a:buNone/>
             </a:pPr>
+            <a:endParaRPr lang="en-US" sz="2000" dirty="0" smtClean="0"/>
+          </a:p>
+          <a:p>
+            <a:pPr marL="0" indent="0">
+              <a:buNone/>
+            </a:pPr>
             <a:r>
               <a:rPr lang="en-US" sz="2000" dirty="0"/>
               <a:t>	</a:t>
             </a:r>
             <a:r>
               <a:rPr lang="en-US" sz="2000" dirty="0" smtClean="0"/>
-              <a:t>“0824057007 </a:t>
+              <a:t>“</a:t>
+            </a:r>
+            <a:r>
+              <a:rPr lang="en-US" sz="2000" dirty="0" smtClean="0"/>
+              <a:t>0824057007 </a:t>
             </a:r>
             <a:r>
               <a:rPr lang="en-US" sz="2000" dirty="0"/>
@@ -8974,15 +9633,33 @@
                                   </p:childTnLst>
                                 </p:cTn>
                               </p:par>
+                            </p:childTnLst>
+                          </p:cTn>
+                        </p:par>
+                      </p:childTnLst>
+                    </p:cTn>
+                  </p:par>
+                  <p:par>
+                    <p:cTn id="7" fill="hold">
+                      <p:stCondLst>
+                        <p:cond delay="indefinite"/>
+                      </p:stCondLst>
+                      <p:childTnLst>
+                        <p:par>
+                          <p:cTn id="8" fill="hold">
+                            <p:stCondLst>
+                              <p:cond delay="0"/>
+                            </p:stCondLst>
+                            <p:childTnLst>
                               <p:par>
-                                <p:cTn id="7" presetID="1" presetClass="entr" presetSubtype="0" fill="hold" grpId="0" nodeType="withEffect">
+                                <p:cTn id="9" presetID="1" presetClass="entr" presetSubtype="0" fill="hold" grpId="0" nodeType="clickEffect">
                                   <p:stCondLst>
                                     <p:cond delay="0"/>
                                   </p:stCondLst>
                                   <p:childTnLst>
                                     <p:set>
                                       <p:cBhvr>
-                                        <p:cTn id="8" dur="1" fill="hold">
+                                        <p:cTn id="10" dur="1" fill="hold">
                                           <p:stCondLst>
                                             <p:cond delay="0"/>
                                           </p:stCondLst>
@@ -8990,7 +9667,7 @@
                                         <p:tgtEl>
                                           <p:spTgt spid="3">
                                             <p:txEl>
-                                              <p:pRg st="4" end="4"/>
+                                              <p:pRg st="5" end="5"/>
                                             </p:txEl>
                                           </p:spTgt>
                                         </p:tgtEl>
@@ -9012,50 +9689,19 @@
                     </p:cTn>
                   </p:par>
                   <p:par>
-                    <p:cTn id="9" fill="hold">
+                    <p:cTn id="11" fill="hold">
                       <p:stCondLst>
                         <p:cond delay="indefinite"/>
                       </p:stCondLst>
                       <p:childTnLst>
                         <p:par>
-                          <p:cTn id="10" fill="hold">
+                          <p:cTn id="12" fill="hold">
                             <p:stCondLst>
                               <p:cond delay="0"/>
                             </p:stCondLst>
                             <p:childTnLst>
                               <p:par>
-                                <p:cTn id="11" presetID="1" presetClass="entr" presetSubtype="0" fill="hold" grpId="0" nodeType="clickEffect">
-                                  <p:stCondLst>
-                                    <p:cond delay="0"/>
-                                  </p:stCondLst>
-                                  <p:childTnLst>
-                                    <p:set>
-                                      <p:cBhvr>
-                                        <p:cTn id="12" dur="1" fill="hold">
-                                          <p:stCondLst>
-                                            <p:cond delay="0"/>
-                                          </p:stCondLst>
-                                        </p:cTn>
-                                        <p:tgtEl>
-                                          <p:spTgt spid="3">
-                                            <p:txEl>
-                                              <p:pRg st="6" end="6"/>
-                                            </p:txEl>
-                                          </p:spTgt>
-                                        </p:tgtEl>
-                                        <p:attrNameLst>
-                                          <p:attrName>style.visibility</p:attrName>
-                                        </p:attrNameLst>
-                                      </p:cBhvr>
-                                      <p:to>
-                                        <p:strVal val="visible"/>
-                                      </p:to>
-                                    </p:set>
-                                  </p:childTnLst>
-                                </p:cTn>
-                              </p:par>
-                              <p:par>
-                                <p:cTn id="13" presetID="1" presetClass="entr" presetSubtype="0" fill="hold" grpId="0" nodeType="withEffect">
+                                <p:cTn id="13" presetID="1" presetClass="entr" presetSubtype="0" fill="hold" grpId="0" nodeType="clickEffect">
                                   <p:stCondLst>
                                     <p:cond delay="0"/>
                                   </p:stCondLst>
@@ -9102,6 +9748,37 @@
                                           <p:spTgt spid="3">
                                             <p:txEl>
                                               <p:pRg st="8" end="8"/>
+                                            </p:txEl>
+                                          </p:spTgt>
+                                        </p:tgtEl>
+                                        <p:attrNameLst>
+                                          <p:attrName>style.visibility</p:attrName>
+                                        </p:attrNameLst>
+                                      </p:cBhvr>
+                                      <p:to>
+                                        <p:strVal val="visible"/>
+                                      </p:to>
+                                    </p:set>
+                                  </p:childTnLst>
+                                </p:cTn>
+                              </p:par>
+                              <p:par>
+                                <p:cTn id="17" presetID="1" presetClass="entr" presetSubtype="0" fill="hold" grpId="0" nodeType="withEffect">
+                                  <p:stCondLst>
+                                    <p:cond delay="0"/>
+                                  </p:stCondLst>
+                                  <p:childTnLst>
+                                    <p:set>
+                                      <p:cBhvr>
+                                        <p:cTn id="18" dur="1" fill="hold">
+                                          <p:stCondLst>
+                                            <p:cond delay="0"/>
+                                          </p:stCondLst>
+                                        </p:cTn>
+                                        <p:tgtEl>
+                                          <p:spTgt spid="3">
+                                            <p:txEl>
+                                              <p:pRg st="9" end="9"/>
                                             </p:txEl>
                                           </p:spTgt>
                                         </p:tgtEl>
@@ -9441,7 +10118,7 @@
       </p:par>
     </p:tnLst>
     <p:bldLst>
-      <p:bldP spid="3" grpId="0" build="p"/>
+      <p:bldP spid="3" grpId="0" uiExpand="1" build="p"/>
     </p:bldLst>
   </p:timing>
 </p:sld>
@@ -9504,7 +10181,7 @@
         <p:spPr>
           <a:xfrm>
             <a:off x="457200" y="1600200"/>
-            <a:ext cx="8305800" cy="4525963"/>
+            <a:ext cx="7848600" cy="4525963"/>
           </a:xfrm>
         </p:spPr>
         <p:txBody>
@@ -9586,12 +10263,24 @@
               <a:t> 5.5, </a:t>
             </a:r>
             <a:r>
+              <a:rPr lang="en-US" dirty="0"/>
+              <a:t> </a:t>
+            </a:r>
+            <a:r>
+              <a:rPr lang="en-US" dirty="0" smtClean="0"/>
+              <a:t>   </a:t>
+            </a:r>
+            <a:r>
               <a:rPr lang="en-US" dirty="0" err="1" smtClean="0"/>
               <a:t>Solr</a:t>
             </a:r>
             <a:r>
               <a:rPr lang="en-US" dirty="0" smtClean="0"/>
-              <a:t> 6.0</a:t>
+              <a:t> </a:t>
+            </a:r>
+            <a:r>
+              <a:rPr lang="en-US" dirty="0" smtClean="0"/>
+              <a:t>6.0</a:t>
             </a:r>
             <a:endParaRPr lang="en-US" dirty="0"/>
           </a:p>
@@ -10222,11 +10911,7 @@
           <a:p>
             <a:r>
               <a:rPr lang="en-US" dirty="0" smtClean="0"/>
-              <a:t>Most recent full re-index at University of Virginia with previous </a:t>
-            </a:r>
-            <a:r>
-              <a:rPr lang="en-US" dirty="0" smtClean="0"/>
-              <a:t>version of </a:t>
+              <a:t>Most recent full re-index at University of Virginia with previous version of </a:t>
             </a:r>
             <a:r>
               <a:rPr lang="en-US" dirty="0" err="1" smtClean="0"/>
@@ -10235,33 +10920,34 @@
             <a:endParaRPr lang="en-US" dirty="0" smtClean="0"/>
           </a:p>
           <a:p>
-            <a:pPr marL="0" indent="0">
-              <a:buNone/>
+            <a:pPr lvl="1">
+              <a:buFont typeface="Arial" pitchFamily="34" charset="0"/>
+              <a:buChar char="•"/>
             </a:pPr>
             <a:r>
               <a:rPr lang="en-US" dirty="0" smtClean="0"/>
-              <a:t>	4,847,392  records  in 17 </a:t>
-            </a:r>
-            <a:r>
-              <a:rPr lang="en-US" dirty="0" err="1" smtClean="0"/>
-              <a:t>hrs</a:t>
-            </a:r>
-            <a:r>
-              <a:rPr lang="en-US" dirty="0" smtClean="0"/>
-              <a:t> 36 minutes</a:t>
-            </a:r>
-          </a:p>
-          <a:p>
-            <a:pPr marL="0" indent="0">
+              <a:t>4,847,392 records in </a:t>
+            </a:r>
+            <a:r>
+              <a:rPr lang="en-US" dirty="0" smtClean="0"/>
+              <a:t>17 </a:t>
+            </a:r>
+            <a:r>
+              <a:rPr lang="en-US" dirty="0" smtClean="0"/>
+              <a:t>hours 36 minutes</a:t>
+            </a:r>
+          </a:p>
+          <a:p>
+            <a:pPr marL="457200" lvl="1" indent="0">
               <a:buNone/>
             </a:pPr>
             <a:r>
-              <a:rPr lang="en-US" dirty="0"/>
-              <a:t>	</a:t>
-            </a:r>
-            <a:r>
-              <a:rPr lang="en-US" dirty="0" smtClean="0"/>
-              <a:t>		76.6 recs/second</a:t>
+              <a:rPr lang="en-US" dirty="0" smtClean="0"/>
+              <a:t>   (7</a:t>
+            </a:r>
+            <a:r>
+              <a:rPr lang="en-US" dirty="0" smtClean="0"/>
+              <a:t>6.6 recs/second)</a:t>
             </a:r>
             <a:endParaRPr lang="en-US" dirty="0"/>
           </a:p>
@@ -10277,51 +10963,50 @@
             <a:endParaRPr lang="en-US" dirty="0" smtClean="0"/>
           </a:p>
           <a:p>
-            <a:pPr marL="0" indent="0">
-              <a:buNone/>
+            <a:pPr lvl="1">
+              <a:buFont typeface="Arial" pitchFamily="34" charset="0"/>
+              <a:buChar char="•"/>
             </a:pPr>
             <a:r>
-              <a:rPr lang="en-US" dirty="0"/>
-              <a:t>	</a:t>
-            </a:r>
-            <a:r>
-              <a:rPr lang="en-US" dirty="0" smtClean="0"/>
-              <a:t>5,141,401  records in   1 </a:t>
-            </a:r>
-            <a:r>
-              <a:rPr lang="en-US" dirty="0" err="1" smtClean="0"/>
-              <a:t>hr</a:t>
-            </a:r>
-            <a:r>
-              <a:rPr lang="en-US" dirty="0" smtClean="0"/>
-              <a:t> 3 minutes</a:t>
+              <a:rPr lang="en-US" dirty="0" smtClean="0"/>
+              <a:t>5,141,401 records in 1 hour </a:t>
+            </a:r>
+            <a:r>
+              <a:rPr lang="en-US" dirty="0" smtClean="0"/>
+              <a:t>3 </a:t>
+            </a:r>
+            <a:r>
+              <a:rPr lang="en-US" dirty="0" smtClean="0"/>
+              <a:t>minutes</a:t>
             </a:r>
             <a:endParaRPr lang="en-US" dirty="0"/>
           </a:p>
           <a:p>
-            <a:pPr marL="0" indent="0">
+            <a:pPr marL="457200" lvl="1" indent="0">
               <a:buNone/>
             </a:pPr>
             <a:r>
-              <a:rPr lang="en-US" dirty="0"/>
-              <a:t>		</a:t>
-            </a:r>
-            <a:r>
-              <a:rPr lang="en-US" dirty="0" smtClean="0"/>
-              <a:t>        1,360 recs/second</a:t>
-            </a:r>
-          </a:p>
-          <a:p>
-            <a:pPr marL="0" indent="0">
+              <a:rPr lang="en-US" dirty="0" smtClean="0"/>
+              <a:t>   (1,360 recs/second)</a:t>
+            </a:r>
+          </a:p>
+          <a:p>
+            <a:pPr marL="457200" lvl="1" indent="0">
               <a:buNone/>
             </a:pPr>
-            <a:r>
-              <a:rPr lang="en-US" dirty="0" smtClean="0"/>
-              <a:t>	or  17.7 times </a:t>
-            </a:r>
-            <a:r>
-              <a:rPr lang="en-US" dirty="0" smtClean="0"/>
-              <a:t>faster</a:t>
+            <a:endParaRPr lang="en-US" dirty="0" smtClean="0"/>
+          </a:p>
+          <a:p>
+            <a:pPr marL="0" indent="0" algn="ctr">
+              <a:buNone/>
+            </a:pPr>
+            <a:r>
+              <a:rPr lang="en-US" dirty="0" smtClean="0"/>
+              <a:t>17.7 </a:t>
+            </a:r>
+            <a:r>
+              <a:rPr lang="en-US" dirty="0" smtClean="0"/>
+              <a:t>times faster</a:t>
             </a:r>
             <a:endParaRPr lang="en-US" dirty="0"/>
           </a:p>
@@ -10631,7 +11316,7 @@
                                         <p:tgtEl>
                                           <p:spTgt spid="3">
                                             <p:txEl>
-                                              <p:pRg st="6" end="6"/>
+                                              <p:pRg st="7" end="7"/>
                                             </p:txEl>
                                           </p:spTgt>
                                         </p:tgtEl>
@@ -11852,7 +12537,7 @@
             <a:endParaRPr lang="en-US" dirty="0" smtClean="0"/>
           </a:p>
           <a:p>
-            <a:endParaRPr lang="en-US" dirty="0" smtClean="0"/>
+            <a:endParaRPr lang="en-US" sz="1800" dirty="0" smtClean="0"/>
           </a:p>
           <a:p>
             <a:r>
@@ -11882,12 +12567,16 @@
             <a:endParaRPr lang="en-US" dirty="0" smtClean="0"/>
           </a:p>
           <a:p>
-            <a:endParaRPr lang="en-US" dirty="0"/>
-          </a:p>
-          <a:p>
-            <a:r>
-              <a:rPr lang="en-US" dirty="0" smtClean="0"/>
-              <a:t>Simple Index Specification, plus translation maps, plus Custom Index Methods</a:t>
+            <a:endParaRPr lang="en-US" sz="1800" dirty="0"/>
+          </a:p>
+          <a:p>
+            <a:r>
+              <a:rPr lang="en-US" dirty="0" smtClean="0"/>
+              <a:t>Designed with Simple </a:t>
+            </a:r>
+            <a:r>
+              <a:rPr lang="en-US" dirty="0" smtClean="0"/>
+              <a:t>Index Specification, plus translation maps, plus Custom Index Methods</a:t>
             </a:r>
             <a:endParaRPr lang="en-US" dirty="0"/>
           </a:p>
@@ -12041,8 +12730,28 @@
               <a:t>008 </a:t>
             </a:r>
             <a:r>
+              <a:rPr lang="en-US" sz="2000" dirty="0" smtClean="0"/>
+              <a:t>831222q19801983dcu</a:t>
+            </a:r>
+            <a:r>
+              <a:rPr lang="en-US" sz="2000" dirty="0" smtClean="0">
+                <a:solidFill>
+                  <a:schemeClr val="bg1"/>
+                </a:solidFill>
+              </a:rPr>
+              <a:t>034 </a:t>
+            </a:r>
+            <a:r>
+              <a:rPr lang="en-US" sz="2000" dirty="0" err="1" smtClean="0"/>
+              <a:t>ue</a:t>
+            </a:r>
+            <a:r>
+              <a:rPr lang="en-US" sz="2000" dirty="0" smtClean="0"/>
+              <a:t>     </a:t>
+            </a:r>
+            <a:r>
               <a:rPr lang="en-US" sz="2000" dirty="0"/>
-              <a:t>831222q19801983dcu034ue     f   0vleng </a:t>
+              <a:t>f   0vleng </a:t>
             </a:r>
             <a:r>
               <a:rPr lang="en-US" sz="2000" dirty="0" smtClean="0"/>
@@ -12128,8 +12837,8 @@
         </p:nvSpPr>
         <p:spPr>
           <a:xfrm>
-            <a:off x="4255477" y="1592813"/>
-            <a:ext cx="4344459" cy="400110"/>
+            <a:off x="4388932" y="1592813"/>
+            <a:ext cx="4450267" cy="400110"/>
           </a:xfrm>
           <a:prstGeom prst="rect">
             <a:avLst/>
@@ -12137,7 +12846,7 @@
           <a:noFill/>
         </p:spPr>
         <p:txBody>
-          <a:bodyPr wrap="none" rtlCol="0">
+          <a:bodyPr wrap="square" rtlCol="0">
             <a:spAutoFit/>
           </a:bodyPr>
           <a:lstStyle/>
@@ -12236,6 +12945,36 @@
                 <a:prstClr val="black"/>
               </a:solidFill>
             </a:endParaRPr>
+          </a:p>
+        </p:txBody>
+      </p:sp>
+      <p:sp>
+        <p:nvSpPr>
+          <p:cNvPr id="8" name="TextBox 7"/>
+          <p:cNvSpPr txBox="1"/>
+          <p:nvPr/>
+        </p:nvSpPr>
+        <p:spPr>
+          <a:xfrm>
+            <a:off x="3311769" y="4202723"/>
+            <a:ext cx="400836" cy="323165"/>
+          </a:xfrm>
+          <a:prstGeom prst="rect">
+            <a:avLst/>
+          </a:prstGeom>
+          <a:noFill/>
+        </p:spPr>
+        <p:txBody>
+          <a:bodyPr wrap="none" lIns="0" tIns="0" rIns="0" bIns="0" rtlCol="0">
+            <a:noAutofit/>
+          </a:bodyPr>
+          <a:lstStyle/>
+          <a:p>
+            <a:r>
+              <a:rPr lang="en-US" sz="2000" dirty="0" smtClean="0"/>
+              <a:t>034</a:t>
+            </a:r>
+            <a:endParaRPr lang="en-US" dirty="0"/>
           </a:p>
         </p:txBody>
       </p:sp>
@@ -12842,6 +13581,33 @@
                                   </p:childTnLst>
                                 </p:cTn>
                               </p:par>
+                              <p:par>
+                                <p:cTn id="51" presetID="1" presetClass="entr" presetSubtype="0" fill="hold" grpId="0" nodeType="withEffect">
+                                  <p:stCondLst>
+                                    <p:cond delay="0"/>
+                                  </p:stCondLst>
+                                  <p:childTnLst>
+                                    <p:set>
+                                      <p:cBhvr>
+                                        <p:cTn id="52" dur="1" fill="hold">
+                                          <p:stCondLst>
+                                            <p:cond delay="0"/>
+                                          </p:stCondLst>
+                                        </p:cTn>
+                                        <p:tgtEl>
+                                          <p:spTgt spid="8"/>
+                                        </p:tgtEl>
+                                        <p:attrNameLst>
+                                          <p:attrName>style.visibility</p:attrName>
+                                        </p:attrNameLst>
+                                      </p:cBhvr>
+                                      <p:to>
+                                        <p:strVal val="visible"/>
+                                      </p:to>
+                                    </p:set>
+                                  </p:childTnLst>
+                                </p:cTn>
+                              </p:par>
                             </p:childTnLst>
                           </p:cTn>
                         </p:par>
@@ -12849,26 +13615,146 @@
                     </p:cTn>
                   </p:par>
                   <p:par>
-                    <p:cTn id="51" fill="hold">
+                    <p:cTn id="53" fill="hold">
                       <p:stCondLst>
                         <p:cond delay="indefinite"/>
                       </p:stCondLst>
                       <p:childTnLst>
                         <p:par>
-                          <p:cTn id="52" fill="hold">
+                          <p:cTn id="54" fill="hold">
                             <p:stCondLst>
                               <p:cond delay="0"/>
                             </p:stCondLst>
                             <p:childTnLst>
                               <p:par>
-                                <p:cTn id="53" presetID="1" presetClass="entr" presetSubtype="0" fill="hold" nodeType="clickEffect">
+                                <p:cTn id="55" presetID="1" presetClass="emph" presetSubtype="2" fill="hold" nodeType="clickEffect">
+                                  <p:stCondLst>
+                                    <p:cond delay="0"/>
+                                  </p:stCondLst>
+                                  <p:childTnLst>
+                                    <p:animClr clrSpc="rgb" dir="cw">
+                                      <p:cBhvr>
+                                        <p:cTn id="56" dur="100" fill="hold"/>
+                                        <p:tgtEl>
+                                          <p:spTgt spid="8"/>
+                                        </p:tgtEl>
+                                        <p:attrNameLst>
+                                          <p:attrName>fillcolor</p:attrName>
+                                        </p:attrNameLst>
+                                      </p:cBhvr>
+                                      <p:to>
+                                        <a:srgbClr val="FFFF00"/>
+                                      </p:to>
+                                    </p:animClr>
+                                    <p:set>
+                                      <p:cBhvr>
+                                        <p:cTn id="57" dur="100" fill="hold"/>
+                                        <p:tgtEl>
+                                          <p:spTgt spid="8"/>
+                                        </p:tgtEl>
+                                        <p:attrNameLst>
+                                          <p:attrName>fill.type</p:attrName>
+                                        </p:attrNameLst>
+                                      </p:cBhvr>
+                                      <p:to>
+                                        <p:strVal val="solid"/>
+                                      </p:to>
+                                    </p:set>
+                                    <p:set>
+                                      <p:cBhvr>
+                                        <p:cTn id="58" dur="100" fill="hold"/>
+                                        <p:tgtEl>
+                                          <p:spTgt spid="8"/>
+                                        </p:tgtEl>
+                                        <p:attrNameLst>
+                                          <p:attrName>fill.on</p:attrName>
+                                        </p:attrNameLst>
+                                      </p:cBhvr>
+                                      <p:to>
+                                        <p:strVal val="true"/>
+                                      </p:to>
+                                    </p:set>
+                                  </p:childTnLst>
+                                </p:cTn>
+                              </p:par>
+                            </p:childTnLst>
+                          </p:cTn>
+                        </p:par>
+                      </p:childTnLst>
+                    </p:cTn>
+                  </p:par>
+                  <p:par>
+                    <p:cTn id="59" fill="hold">
+                      <p:stCondLst>
+                        <p:cond delay="indefinite"/>
+                      </p:stCondLst>
+                      <p:childTnLst>
+                        <p:par>
+                          <p:cTn id="60" fill="hold">
+                            <p:stCondLst>
+                              <p:cond delay="0"/>
+                            </p:stCondLst>
+                            <p:childTnLst>
+                              <p:par>
+                                <p:cTn id="61" presetID="1" presetClass="emph" presetSubtype="2" fill="hold" nodeType="clickEffect">
+                                  <p:stCondLst>
+                                    <p:cond delay="0"/>
+                                  </p:stCondLst>
+                                  <p:childTnLst>
+                                    <p:animClr clrSpc="rgb" dir="cw">
+                                      <p:cBhvr>
+                                        <p:cTn id="62" dur="100" fill="hold"/>
+                                        <p:tgtEl>
+                                          <p:spTgt spid="8"/>
+                                        </p:tgtEl>
+                                        <p:attrNameLst>
+                                          <p:attrName>fillcolor</p:attrName>
+                                        </p:attrNameLst>
+                                      </p:cBhvr>
+                                      <p:to>
+                                        <a:srgbClr val="FFFFFF"/>
+                                      </p:to>
+                                    </p:animClr>
+                                    <p:set>
+                                      <p:cBhvr>
+                                        <p:cTn id="63" dur="100" fill="hold"/>
+                                        <p:tgtEl>
+                                          <p:spTgt spid="8"/>
+                                        </p:tgtEl>
+                                        <p:attrNameLst>
+                                          <p:attrName>fill.type</p:attrName>
+                                        </p:attrNameLst>
+                                      </p:cBhvr>
+                                      <p:to>
+                                        <p:strVal val="solid"/>
+                                      </p:to>
+                                    </p:set>
+                                    <p:set>
+                                      <p:cBhvr>
+                                        <p:cTn id="64" dur="100" fill="hold"/>
+                                        <p:tgtEl>
+                                          <p:spTgt spid="8"/>
+                                        </p:tgtEl>
+                                        <p:attrNameLst>
+                                          <p:attrName>fill.on</p:attrName>
+                                        </p:attrNameLst>
+                                      </p:cBhvr>
+                                      <p:to>
+                                        <p:strVal val="true"/>
+                                      </p:to>
+                                    </p:set>
+                                  </p:childTnLst>
+                                </p:cTn>
+                              </p:par>
+                              <p:par>
+                                <p:cTn id="65" presetID="1" presetClass="entr" presetSubtype="0" fill="hold" nodeType="withEffect">
                                   <p:stCondLst>
                                     <p:cond delay="0"/>
                                   </p:stCondLst>
                                   <p:childTnLst>
                                     <p:set>
                                       <p:cBhvr>
-                                        <p:cTn id="54" dur="1" fill="hold">
+                                        <p:cTn id="66" dur="1" fill="hold">
                                           <p:stCondLst>
                                             <p:cond delay="0"/>
                                           </p:stCondLst>
@@ -12892,14 +13778,14 @@
                                 </p:cTn>
                               </p:par>
                               <p:par>
-                                <p:cTn id="55" presetID="1" presetClass="entr" presetSubtype="0" fill="hold" nodeType="withEffect">
+                                <p:cTn id="67" presetID="1" presetClass="entr" presetSubtype="0" fill="hold" nodeType="withEffect">
                                   <p:stCondLst>
                                     <p:cond delay="0"/>
                                   </p:stCondLst>
                                   <p:childTnLst>
                                     <p:set>
                                       <p:cBhvr>
-                                        <p:cTn id="56" dur="1" fill="hold">
+                                        <p:cTn id="68" dur="1" fill="hold">
                                           <p:stCondLst>
                                             <p:cond delay="0"/>
                                           </p:stCondLst>
@@ -12949,6 +13835,9 @@
         </p:cTn>
       </p:par>
     </p:tnLst>
+    <p:bldLst>
+      <p:bldP spid="8" grpId="0"/>
+    </p:bldLst>
   </p:timing>
 </p:sld>
 </file>
@@ -14160,7 +15049,177 @@
   <p:timing>
     <p:tnLst>
       <p:par>
-        <p:cTn id="1" dur="indefinite" restart="never" nodeType="tmRoot"/>
+        <p:cTn id="1" dur="indefinite" restart="never" nodeType="tmRoot">
+          <p:childTnLst>
+            <p:seq concurrent="1" nextAc="seek">
+              <p:cTn id="2" dur="indefinite" nodeType="mainSeq">
+                <p:childTnLst>
+                  <p:par>
+                    <p:cTn id="3" fill="hold">
+                      <p:stCondLst>
+                        <p:cond delay="indefinite"/>
+                      </p:stCondLst>
+                      <p:childTnLst>
+                        <p:par>
+                          <p:cTn id="4" fill="hold">
+                            <p:stCondLst>
+                              <p:cond delay="0"/>
+                            </p:stCondLst>
+                            <p:childTnLst>
+                              <p:par>
+                                <p:cTn id="5" presetID="1" presetClass="entr" presetSubtype="0" fill="hold" nodeType="clickEffect">
+                                  <p:stCondLst>
+                                    <p:cond delay="0"/>
+                                  </p:stCondLst>
+                                  <p:childTnLst>
+                                    <p:set>
+                                      <p:cBhvr>
+                                        <p:cTn id="6" dur="1" fill="hold">
+                                          <p:stCondLst>
+                                            <p:cond delay="0"/>
+                                          </p:stCondLst>
+                                        </p:cTn>
+                                        <p:tgtEl>
+                                          <p:spTgt spid="3">
+                                            <p:txEl>
+                                              <p:pRg st="6" end="6"/>
+                                            </p:txEl>
+                                          </p:spTgt>
+                                        </p:tgtEl>
+                                        <p:attrNameLst>
+                                          <p:attrName>style.visibility</p:attrName>
+                                        </p:attrNameLst>
+                                      </p:cBhvr>
+                                      <p:to>
+                                        <p:strVal val="visible"/>
+                                      </p:to>
+                                    </p:set>
+                                  </p:childTnLst>
+                                </p:cTn>
+                              </p:par>
+                            </p:childTnLst>
+                          </p:cTn>
+                        </p:par>
+                      </p:childTnLst>
+                    </p:cTn>
+                  </p:par>
+                  <p:par>
+                    <p:cTn id="7" fill="hold">
+                      <p:stCondLst>
+                        <p:cond delay="indefinite"/>
+                      </p:stCondLst>
+                      <p:childTnLst>
+                        <p:par>
+                          <p:cTn id="8" fill="hold">
+                            <p:stCondLst>
+                              <p:cond delay="0"/>
+                            </p:stCondLst>
+                            <p:childTnLst>
+                              <p:par>
+                                <p:cTn id="9" presetID="1" presetClass="entr" presetSubtype="0" fill="hold" nodeType="clickEffect">
+                                  <p:stCondLst>
+                                    <p:cond delay="0"/>
+                                  </p:stCondLst>
+                                  <p:childTnLst>
+                                    <p:set>
+                                      <p:cBhvr>
+                                        <p:cTn id="10" dur="1" fill="hold">
+                                          <p:stCondLst>
+                                            <p:cond delay="0"/>
+                                          </p:stCondLst>
+                                        </p:cTn>
+                                        <p:tgtEl>
+                                          <p:spTgt spid="3">
+                                            <p:txEl>
+                                              <p:pRg st="7" end="7"/>
+                                            </p:txEl>
+                                          </p:spTgt>
+                                        </p:tgtEl>
+                                        <p:attrNameLst>
+                                          <p:attrName>style.visibility</p:attrName>
+                                        </p:attrNameLst>
+                                      </p:cBhvr>
+                                      <p:to>
+                                        <p:strVal val="visible"/>
+                                      </p:to>
+                                    </p:set>
+                                  </p:childTnLst>
+                                </p:cTn>
+                              </p:par>
+                            </p:childTnLst>
+                          </p:cTn>
+                        </p:par>
+                      </p:childTnLst>
+                    </p:cTn>
+                  </p:par>
+                  <p:par>
+                    <p:cTn id="11" fill="hold">
+                      <p:stCondLst>
+                        <p:cond delay="indefinite"/>
+                      </p:stCondLst>
+                      <p:childTnLst>
+                        <p:par>
+                          <p:cTn id="12" fill="hold">
+                            <p:stCondLst>
+                              <p:cond delay="0"/>
+                            </p:stCondLst>
+                            <p:childTnLst>
+                              <p:par>
+                                <p:cTn id="13" presetID="1" presetClass="entr" presetSubtype="0" fill="hold" nodeType="clickEffect">
+                                  <p:stCondLst>
+                                    <p:cond delay="0"/>
+                                  </p:stCondLst>
+                                  <p:childTnLst>
+                                    <p:set>
+                                      <p:cBhvr>
+                                        <p:cTn id="14" dur="1" fill="hold">
+                                          <p:stCondLst>
+                                            <p:cond delay="0"/>
+                                          </p:stCondLst>
+                                        </p:cTn>
+                                        <p:tgtEl>
+                                          <p:spTgt spid="3">
+                                            <p:txEl>
+                                              <p:pRg st="8" end="8"/>
+                                            </p:txEl>
+                                          </p:spTgt>
+                                        </p:tgtEl>
+                                        <p:attrNameLst>
+                                          <p:attrName>style.visibility</p:attrName>
+                                        </p:attrNameLst>
+                                      </p:cBhvr>
+                                      <p:to>
+                                        <p:strVal val="visible"/>
+                                      </p:to>
+                                    </p:set>
+                                  </p:childTnLst>
+                                </p:cTn>
+                              </p:par>
+                            </p:childTnLst>
+                          </p:cTn>
+                        </p:par>
+                      </p:childTnLst>
+                    </p:cTn>
+                  </p:par>
+                </p:childTnLst>
+              </p:cTn>
+              <p:prevCondLst>
+                <p:cond evt="onPrev" delay="0">
+                  <p:tgtEl>
+                    <p:sldTgt/>
+                  </p:tgtEl>
+                </p:cond>
+              </p:prevCondLst>
+              <p:nextCondLst>
+                <p:cond evt="onNext" delay="0">
+                  <p:tgtEl>
+                    <p:sldTgt/>
+                  </p:tgtEl>
+                </p:cond>
+              </p:nextCondLst>
+            </p:seq>
+          </p:childTnLst>
+        </p:cTn>
       </p:par>
     </p:tnLst>
   </p:timing>
@@ -15160,23 +16219,7 @@
                   <a:prstClr val="black"/>
                 </a:solidFill>
               </a:rPr>
-              <a:t>So these Index Specs that needed </a:t>
-            </a:r>
-            <a:r>
-              <a:rPr lang="en-US" dirty="0" smtClean="0">
-                <a:solidFill>
-                  <a:prstClr val="black"/>
-                </a:solidFill>
-              </a:rPr>
-              <a:t>custom </a:t>
-            </a:r>
-            <a:r>
-              <a:rPr lang="en-US" dirty="0" smtClean="0">
-                <a:solidFill>
-                  <a:prstClr val="black"/>
-                </a:solidFill>
-              </a:rPr>
-              <a:t>method calls:</a:t>
+              <a:t>So these Index Specs that needed custom method calls:</a:t>
             </a:r>
           </a:p>
           <a:p>
@@ -15720,9 +16763,6 @@
           </a:bodyPr>
           <a:lstStyle/>
           <a:p>
-            <a:pPr marL="0" indent="0">
-              <a:buNone/>
-            </a:pPr>
             <a:r>
               <a:rPr lang="en-US" sz="2800" dirty="0" smtClean="0"/>
               <a:t>Allow you to include </a:t>
@@ -16066,7 +17106,7 @@
         <a:sysClr val="windowText" lastClr="000000"/>
       </a:dk1>
       <a:lt1>
-        <a:sysClr val="window" lastClr="E6E6D8"/>
+        <a:sysClr val="window" lastClr="FFFFFF"/>
       </a:lt1>
       <a:dk2>
         <a:srgbClr val="1F497D"/>
@@ -16351,7 +17391,7 @@
         <a:sysClr val="windowText" lastClr="000000"/>
       </a:dk1>
       <a:lt1>
-        <a:sysClr val="window" lastClr="E6E6D8"/>
+        <a:sysClr val="window" lastClr="FFFFFF"/>
       </a:lt1>
       <a:dk2>
         <a:srgbClr val="1F497D"/>

--- a/New Release of SolrMarc.pptx
+++ b/New Release of SolrMarc.pptx
@@ -13941,7 +13941,19 @@
             </a:pPr>
             <a:r>
               <a:rPr lang="da-DK" sz="2000" dirty="0"/>
-              <a:t>online_resource = 856 ? (ind2 = "0" || ind2 = "1"), map(".*=&gt;Yes</a:t>
+              <a:t>online_resource </a:t>
+            </a:r>
+            <a:r>
+              <a:rPr lang="da-DK" sz="2000"/>
+              <a:t>= </a:t>
+            </a:r>
+            <a:r>
+              <a:rPr lang="da-DK" sz="2000" smtClean="0"/>
+              <a:t>856u </a:t>
+            </a:r>
+            <a:r>
+              <a:rPr lang="da-DK" sz="2000" dirty="0"/>
+              <a:t>? (ind2 = "0" || ind2 = "1"), map(".*=&gt;Yes</a:t>
             </a:r>
             <a:r>
               <a:rPr lang="da-DK" sz="2000" dirty="0" smtClean="0"/>

--- a/New Release of SolrMarc.pptx
+++ b/New Release of SolrMarc.pptx
@@ -5,7 +5,7 @@
     <p:sldMasterId id="2147483648" r:id="rId1"/>
   </p:sldMasterIdLst>
   <p:notesMasterIdLst>
-    <p:notesMasterId r:id="rId25"/>
+    <p:notesMasterId r:id="rId26"/>
   </p:notesMasterIdLst>
   <p:sldIdLst>
     <p:sldId id="256" r:id="rId2"/>
@@ -30,7 +30,8 @@
     <p:sldId id="275" r:id="rId21"/>
     <p:sldId id="274" r:id="rId22"/>
     <p:sldId id="277" r:id="rId23"/>
-    <p:sldId id="278" r:id="rId24"/>
+    <p:sldId id="279" r:id="rId24"/>
+    <p:sldId id="278" r:id="rId25"/>
   </p:sldIdLst>
   <p:sldSz cx="9144000" cy="6858000" type="screen4x3"/>
   <p:notesSz cx="6858000" cy="9144000"/>
@@ -214,7 +215,7 @@
           <a:p>
             <a:fld id="{3B0E7819-CD1E-4708-9554-34F22524524B}" type="datetimeFigureOut">
               <a:rPr lang="en-US" smtClean="0"/>
-              <a:t>10/7/2016</a:t>
+              <a:t>10/9/2016</a:t>
             </a:fld>
             <a:endParaRPr lang="en-US"/>
           </a:p>
@@ -538,15 +539,7 @@
             </a:r>
             <a:r>
               <a:rPr lang="en-US" baseline="0" dirty="0" smtClean="0"/>
-              <a:t> Graham then of </a:t>
-            </a:r>
-            <a:r>
-              <a:rPr lang="en-US" baseline="0" dirty="0" smtClean="0"/>
-              <a:t>College of William </a:t>
-            </a:r>
-            <a:r>
-              <a:rPr lang="en-US" baseline="0" dirty="0" smtClean="0"/>
-              <a:t>and Mary,   </a:t>
+              <a:t> Graham then of College of William and Mary,   </a:t>
             </a:r>
           </a:p>
           <a:p>
@@ -572,11 +565,7 @@
           <a:p>
             <a:r>
               <a:rPr lang="en-US" baseline="0" dirty="0" smtClean="0"/>
-              <a:t>Me from the University of </a:t>
-            </a:r>
-            <a:r>
-              <a:rPr lang="en-US" baseline="0" dirty="0" smtClean="0"/>
-              <a:t>Virginia</a:t>
+              <a:t>Me from the University of Virginia</a:t>
             </a:r>
           </a:p>
           <a:p>
@@ -826,15 +815,7 @@
             </a:r>
             <a:r>
               <a:rPr lang="en-US" baseline="0" dirty="0" smtClean="0"/>
-              <a:t> Specification language  there still will be situations where what you need to do is </a:t>
-            </a:r>
-            <a:r>
-              <a:rPr lang="en-US" baseline="0" dirty="0" smtClean="0"/>
-              <a:t>too complex for a </a:t>
-            </a:r>
-            <a:r>
-              <a:rPr lang="en-US" baseline="0" dirty="0" smtClean="0"/>
-              <a:t>“simple index spec”  </a:t>
+              <a:t> Specification language  there still will be situations where what you need to do is too complex for a “simple index spec”  </a:t>
             </a:r>
           </a:p>
           <a:p>
@@ -1087,19 +1068,7 @@
             </a:r>
             <a:r>
               <a:rPr lang="en-US" baseline="0" dirty="0" smtClean="0"/>
-              <a:t> came up with new alternative to all of those </a:t>
-            </a:r>
-            <a:r>
-              <a:rPr lang="en-US" baseline="0" dirty="0" smtClean="0"/>
-              <a:t>– Dynamically </a:t>
-            </a:r>
-            <a:r>
-              <a:rPr lang="en-US" baseline="0" dirty="0" smtClean="0"/>
-              <a:t>Compiled Java </a:t>
-            </a:r>
-            <a:r>
-              <a:rPr lang="en-US" baseline="0" dirty="0" smtClean="0"/>
-              <a:t>Code</a:t>
+              <a:t> came up with new alternative to all of those – Dynamically Compiled Java Code</a:t>
             </a:r>
           </a:p>
           <a:p>
@@ -1108,13 +1077,29 @@
           <a:p>
             <a:r>
               <a:rPr lang="en-US" dirty="0" smtClean="0"/>
-              <a:t>Place java source file in a specific directory</a:t>
-            </a:r>
-          </a:p>
-          <a:p>
+              <a:t>Place </a:t>
+            </a:r>
             <a:r>
               <a:rPr lang="en-US" dirty="0" smtClean="0"/>
-              <a:t>Reference a method in an index specification</a:t>
+              <a:t>a Java </a:t>
+            </a:r>
+            <a:r>
+              <a:rPr lang="en-US" dirty="0" smtClean="0"/>
+              <a:t>source file in a specific directory</a:t>
+            </a:r>
+          </a:p>
+          <a:p>
+            <a:r>
+              <a:rPr lang="en-US" dirty="0" smtClean="0"/>
+              <a:t>Reference a method in </a:t>
+            </a:r>
+            <a:r>
+              <a:rPr lang="en-US" dirty="0" smtClean="0"/>
+              <a:t>that fie in an </a:t>
+            </a:r>
+            <a:r>
+              <a:rPr lang="en-US" dirty="0" smtClean="0"/>
+              <a:t>index specification</a:t>
             </a:r>
           </a:p>
           <a:p>
@@ -1166,6 +1151,10 @@
             </a:r>
           </a:p>
           <a:p>
+            <a:r>
+              <a:rPr lang="en-US" dirty="0" smtClean="0"/>
+              <a:t>Can be debugged in an IDE such as Eclipse</a:t>
+            </a:r>
             <a:endParaRPr lang="en-US" dirty="0"/>
           </a:p>
         </p:txBody>
@@ -1285,12 +1274,12 @@
               <a:t> </a:t>
             </a:r>
             <a:r>
-              <a:rPr lang="en-US" baseline="0" dirty="0" err="1" smtClean="0"/>
-              <a:t>writter</a:t>
-            </a:r>
-            <a:r>
               <a:rPr lang="en-US" baseline="0" dirty="0" smtClean="0"/>
-              <a:t> by Bill </a:t>
+              <a:t>written </a:t>
+            </a:r>
+            <a:r>
+              <a:rPr lang="en-US" baseline="0" dirty="0" smtClean="0"/>
+              <a:t>by Bill </a:t>
             </a:r>
             <a:r>
               <a:rPr lang="en-US" baseline="0" dirty="0" err="1" smtClean="0"/>
@@ -1444,11 +1433,7 @@
             </a:r>
             <a:r>
               <a:rPr lang="en-US" baseline="0" dirty="0" smtClean="0"/>
-              <a:t> </a:t>
-            </a:r>
-            <a:r>
-              <a:rPr lang="en-US" baseline="0" dirty="0" smtClean="0"/>
-              <a:t>since the program c</a:t>
+              <a:t> since the program c</a:t>
             </a:r>
             <a:r>
               <a:rPr lang="en-US" dirty="0" smtClean="0"/>
@@ -1505,23 +1490,7 @@
             </a:r>
             <a:r>
               <a:rPr lang="en-US" dirty="0" smtClean="0"/>
-              <a:t> </a:t>
-            </a:r>
-            <a:r>
-              <a:rPr lang="en-US" dirty="0" smtClean="0"/>
-              <a:t> required </a:t>
-            </a:r>
-            <a:r>
-              <a:rPr lang="en-US" dirty="0" smtClean="0"/>
-              <a:t>a release and perhaps </a:t>
-            </a:r>
-            <a:r>
-              <a:rPr lang="en-US" dirty="0" smtClean="0"/>
-              <a:t>required significant </a:t>
-            </a:r>
-            <a:r>
-              <a:rPr lang="en-US" dirty="0" smtClean="0"/>
-              <a:t>new code.</a:t>
+              <a:t>  required a release and perhaps required significant new code.</a:t>
             </a:r>
             <a:endParaRPr lang="en-US" baseline="0" dirty="0" smtClean="0"/>
           </a:p>
@@ -1657,24 +1626,21 @@
             </a:pPr>
             <a:r>
               <a:rPr lang="en-US" dirty="0" smtClean="0"/>
-              <a:t>To upgrade a required jar, delete it, copy in a new one. </a:t>
-            </a:r>
-          </a:p>
-          <a:p>
+              <a:t>To upgrade a required jar, delete it, copy in a new </a:t>
+            </a:r>
+            <a:r>
+              <a:rPr lang="en-US" dirty="0" smtClean="0"/>
+              <a:t>version.. </a:t>
+            </a:r>
             <a:endParaRPr lang="en-US" dirty="0" smtClean="0"/>
           </a:p>
           <a:p>
+            <a:endParaRPr lang="en-US" dirty="0" smtClean="0"/>
+          </a:p>
+          <a:p>
             <a:r>
               <a:rPr lang="en-US" dirty="0" smtClean="0"/>
-              <a:t>For using </a:t>
-            </a:r>
-            <a:r>
-              <a:rPr lang="en-US" dirty="0" smtClean="0"/>
-              <a:t>it with a </a:t>
-            </a:r>
-            <a:r>
-              <a:rPr lang="en-US" dirty="0" smtClean="0"/>
-              <a:t>newer version of </a:t>
+              <a:t>For using it with a newer version of </a:t>
             </a:r>
             <a:r>
               <a:rPr lang="en-US" dirty="0" err="1" smtClean="0"/>
@@ -1682,15 +1648,7 @@
             </a:r>
             <a:r>
               <a:rPr lang="en-US" dirty="0" smtClean="0"/>
-              <a:t>, you simply point it at a directory containing </a:t>
-            </a:r>
-            <a:r>
-              <a:rPr lang="en-US" dirty="0" smtClean="0"/>
-              <a:t>that </a:t>
-            </a:r>
-            <a:r>
-              <a:rPr lang="en-US" dirty="0" smtClean="0"/>
-              <a:t>newer versions </a:t>
+              <a:t>, you simply point it at a directory containing that newer versions </a:t>
             </a:r>
             <a:r>
               <a:rPr lang="en-US" dirty="0" err="1" smtClean="0"/>
@@ -1698,11 +1656,7 @@
             </a:r>
             <a:r>
               <a:rPr lang="en-US" dirty="0" smtClean="0"/>
-              <a:t> </a:t>
-            </a:r>
-            <a:r>
-              <a:rPr lang="en-US" dirty="0" smtClean="0"/>
-              <a:t>libraries.</a:t>
+              <a:t> libraries.</a:t>
             </a:r>
           </a:p>
           <a:p>
@@ -1876,15 +1830,7 @@
             </a:r>
             <a:r>
               <a:rPr lang="en-US" dirty="0" smtClean="0"/>
-              <a:t>,   </a:t>
-            </a:r>
-            <a:r>
-              <a:rPr lang="en-US" dirty="0" smtClean="0"/>
-              <a:t>multiple threads sending </a:t>
-            </a:r>
-            <a:r>
-              <a:rPr lang="en-US" dirty="0" smtClean="0"/>
-              <a:t>those </a:t>
+              <a:t>,   multiple threads sending those </a:t>
             </a:r>
             <a:r>
               <a:rPr lang="en-US" dirty="0" err="1" smtClean="0"/>
@@ -1918,11 +1864,11 @@
             </a:r>
             <a:r>
               <a:rPr lang="en-US" baseline="0" dirty="0" smtClean="0"/>
-              <a:t> threads </a:t>
+              <a:t> threads achieve a further speed-up by </a:t>
             </a:r>
             <a:r>
               <a:rPr lang="en-US" baseline="0" dirty="0" smtClean="0"/>
-              <a:t>achieve a further speed-up by gather </a:t>
+              <a:t>gathering </a:t>
             </a:r>
             <a:r>
               <a:rPr lang="en-US" baseline="0" dirty="0" smtClean="0"/>
@@ -1935,23 +1881,23 @@
           <a:p>
             <a:r>
               <a:rPr lang="en-US" baseline="0" dirty="0" smtClean="0"/>
-              <a:t>And for additional </a:t>
+              <a:t>And for additional speed-up, if you ensure that </a:t>
             </a:r>
             <a:r>
               <a:rPr lang="en-US" baseline="0" dirty="0" smtClean="0"/>
-              <a:t>speed-up</a:t>
+              <a:t>any </a:t>
             </a:r>
             <a:r>
               <a:rPr lang="en-US" baseline="0" dirty="0" smtClean="0"/>
-              <a:t>, if you ensure that your custom indexing methods are “thread safe” you can </a:t>
+              <a:t>custom indexing methods </a:t>
             </a:r>
             <a:r>
               <a:rPr lang="en-US" baseline="0" dirty="0" smtClean="0"/>
-              <a:t>start </a:t>
+              <a:t>you create are </a:t>
             </a:r>
             <a:r>
               <a:rPr lang="en-US" baseline="0" dirty="0" smtClean="0"/>
-              <a:t>multiple indexing threads to make the program that much faster.</a:t>
+              <a:t>“thread safe” you can start multiple indexing threads to make the program that much faster.</a:t>
             </a:r>
             <a:endParaRPr lang="en-US" dirty="0"/>
           </a:p>
@@ -2212,13 +2158,24 @@
             </a:r>
             <a:r>
               <a:rPr lang="en-US" baseline="0" dirty="0" smtClean="0"/>
-              <a:t> needed custom methods before, that now can be directly defined in the in the </a:t>
-            </a:r>
-            <a:r>
-              <a:rPr lang="en-US" baseline="0" smtClean="0"/>
-              <a:t>index specification file</a:t>
-            </a:r>
-            <a:endParaRPr lang="en-US" baseline="0" dirty="0" smtClean="0"/>
+              <a:t> </a:t>
+            </a:r>
+            <a:r>
+              <a:rPr lang="en-US" baseline="0" dirty="0" smtClean="0"/>
+              <a:t>previously needed </a:t>
+            </a:r>
+            <a:r>
+              <a:rPr lang="en-US" baseline="0" dirty="0" smtClean="0"/>
+              <a:t>custom </a:t>
+            </a:r>
+            <a:r>
+              <a:rPr lang="en-US" baseline="0" dirty="0" smtClean="0"/>
+              <a:t>methods,  </a:t>
+            </a:r>
+            <a:r>
+              <a:rPr lang="en-US" baseline="0" dirty="0" smtClean="0"/>
+              <a:t>that now can be directly defined in the in the index specification file</a:t>
+            </a:r>
           </a:p>
           <a:p>
             <a:endParaRPr lang="en-US" baseline="0" dirty="0" smtClean="0"/>
@@ -2543,15 +2500,7 @@
           <a:p>
             <a:r>
               <a:rPr lang="en-US" baseline="0" dirty="0" smtClean="0"/>
-              <a:t>And while incremental improvements have been </a:t>
-            </a:r>
-            <a:r>
-              <a:rPr lang="en-US" baseline="0" dirty="0" smtClean="0"/>
-              <a:t>made over the past several years, </a:t>
-            </a:r>
-            <a:r>
-              <a:rPr lang="en-US" baseline="0" dirty="0" smtClean="0"/>
-              <a:t>like adding support for </a:t>
+              <a:t>And while incremental improvements have been made over the past several years, like adding support for </a:t>
             </a:r>
             <a:r>
               <a:rPr lang="en-US" baseline="0" dirty="0" err="1" smtClean="0"/>
@@ -2567,15 +2516,7 @@
             </a:r>
             <a:r>
               <a:rPr lang="en-US" baseline="0" dirty="0" smtClean="0"/>
-              <a:t> it </a:t>
-            </a:r>
-            <a:r>
-              <a:rPr lang="en-US" baseline="0" dirty="0" smtClean="0"/>
-              <a:t>really </a:t>
-            </a:r>
-            <a:r>
-              <a:rPr lang="en-US" baseline="0" dirty="0" smtClean="0"/>
-              <a:t>hasn’t made </a:t>
+              <a:t> it really hasn’t made </a:t>
             </a:r>
             <a:r>
               <a:rPr lang="en-US" baseline="0" dirty="0" err="1" smtClean="0"/>
@@ -2608,15 +2549,7 @@
             </a:r>
             <a:r>
               <a:rPr lang="en-US" baseline="0" dirty="0" smtClean="0"/>
-              <a:t>, it has been hard to upgrade and therefore </a:t>
-            </a:r>
-            <a:r>
-              <a:rPr lang="en-US" baseline="0" dirty="0" smtClean="0"/>
-              <a:t>often </a:t>
-            </a:r>
-            <a:r>
-              <a:rPr lang="en-US" baseline="0" dirty="0" smtClean="0"/>
-              <a:t>slow to upgrade, which has made it a roadblock for projects relying on it.</a:t>
+              <a:t>, it has been hard to upgrade and therefore often slow to upgrade, which has made it a roadblock for projects relying on it.</a:t>
             </a:r>
             <a:endParaRPr lang="en-US" dirty="0"/>
           </a:p>
@@ -2913,6 +2846,176 @@
 </p:notes>
 </file>
 
+<file path=ppt/notesSlides/notesSlide22.xml><?xml version="1.0" encoding="utf-8"?>
+<p:notes xmlns:a="http://schemas.openxmlformats.org/drawingml/2006/main" xmlns:r="http://schemas.openxmlformats.org/officeDocument/2006/relationships" xmlns:p="http://schemas.openxmlformats.org/presentationml/2006/main">
+  <p:cSld>
+    <p:spTree>
+      <p:nvGrpSpPr>
+        <p:cNvPr id="1" name=""/>
+        <p:cNvGrpSpPr/>
+        <p:nvPr/>
+      </p:nvGrpSpPr>
+      <p:grpSpPr>
+        <a:xfrm>
+          <a:off x="0" y="0"/>
+          <a:ext cx="0" cy="0"/>
+          <a:chOff x="0" y="0"/>
+          <a:chExt cx="0" cy="0"/>
+        </a:xfrm>
+      </p:grpSpPr>
+      <p:sp>
+        <p:nvSpPr>
+          <p:cNvPr id="2" name="Slide Image Placeholder 1"/>
+          <p:cNvSpPr>
+            <a:spLocks noGrp="1" noRot="1" noChangeAspect="1"/>
+          </p:cNvSpPr>
+          <p:nvPr>
+            <p:ph type="sldImg"/>
+          </p:nvPr>
+        </p:nvSpPr>
+        <p:spPr/>
+      </p:sp>
+      <p:sp>
+        <p:nvSpPr>
+          <p:cNvPr id="3" name="Notes Placeholder 2"/>
+          <p:cNvSpPr>
+            <a:spLocks noGrp="1"/>
+          </p:cNvSpPr>
+          <p:nvPr>
+            <p:ph type="body" idx="1"/>
+          </p:nvPr>
+        </p:nvSpPr>
+        <p:spPr/>
+        <p:txBody>
+          <a:bodyPr/>
+          <a:lstStyle/>
+          <a:p>
+            <a:r>
+              <a:rPr lang="en-US" dirty="0" smtClean="0"/>
+              <a:t>I’ve</a:t>
+            </a:r>
+            <a:r>
+              <a:rPr lang="en-US" baseline="0" dirty="0" smtClean="0"/>
+              <a:t> had a few ideas for additional features that might be useful</a:t>
+            </a:r>
+          </a:p>
+          <a:p>
+            <a:endParaRPr lang="en-US" baseline="0" dirty="0" smtClean="0"/>
+          </a:p>
+          <a:p>
+            <a:pPr marL="0" marR="0" lvl="1" indent="0" algn="l" defTabSz="914400" rtl="0" eaLnBrk="1" fontAlgn="auto" latinLnBrk="0" hangingPunct="1">
+              <a:lnSpc>
+                <a:spcPct val="100000"/>
+              </a:lnSpc>
+              <a:spcBef>
+                <a:spcPts val="0"/>
+              </a:spcBef>
+              <a:spcAft>
+                <a:spcPts val="0"/>
+              </a:spcAft>
+              <a:buClrTx/>
+              <a:buSzTx/>
+              <a:buFontTx/>
+              <a:buNone/>
+              <a:tabLst/>
+              <a:defRPr/>
+            </a:pPr>
+            <a:r>
+              <a:rPr lang="en-US" baseline="0" dirty="0" smtClean="0"/>
+              <a:t>such as conditional blocks where </a:t>
+            </a:r>
+            <a:r>
+              <a:rPr lang="en-US" dirty="0" smtClean="0"/>
+              <a:t>a whole</a:t>
+            </a:r>
+            <a:r>
+              <a:rPr lang="en-US" baseline="0" dirty="0" smtClean="0"/>
+              <a:t> </a:t>
+            </a:r>
+            <a:r>
+              <a:rPr lang="en-US" dirty="0" smtClean="0"/>
+              <a:t>set of index specs</a:t>
+            </a:r>
+            <a:r>
+              <a:rPr lang="en-US" baseline="0" dirty="0" smtClean="0"/>
+              <a:t> </a:t>
+            </a:r>
+            <a:r>
+              <a:rPr lang="en-US" dirty="0" smtClean="0"/>
+              <a:t>are only processed if certain conditions are true</a:t>
+            </a:r>
+          </a:p>
+          <a:p>
+            <a:endParaRPr lang="en-US" dirty="0" smtClean="0"/>
+          </a:p>
+          <a:p>
+            <a:pPr marL="0" marR="0" indent="0" algn="l" defTabSz="914400" rtl="0" eaLnBrk="1" fontAlgn="auto" latinLnBrk="0" hangingPunct="1">
+              <a:lnSpc>
+                <a:spcPct val="100000"/>
+              </a:lnSpc>
+              <a:spcBef>
+                <a:spcPts val="0"/>
+              </a:spcBef>
+              <a:spcAft>
+                <a:spcPts val="0"/>
+              </a:spcAft>
+              <a:buClrTx/>
+              <a:buSzTx/>
+              <a:buFontTx/>
+              <a:buNone/>
+              <a:tabLst/>
+              <a:defRPr/>
+            </a:pPr>
+            <a:r>
+              <a:rPr lang="en-US" dirty="0" smtClean="0"/>
+              <a:t>or </a:t>
+            </a:r>
+            <a:r>
+              <a:rPr lang="en-US" dirty="0" smtClean="0"/>
+              <a:t>Referencing the results of one index spec in other index specs</a:t>
+            </a:r>
+          </a:p>
+          <a:p>
+            <a:endParaRPr lang="en-US" dirty="0"/>
+          </a:p>
+        </p:txBody>
+      </p:sp>
+      <p:sp>
+        <p:nvSpPr>
+          <p:cNvPr id="4" name="Slide Number Placeholder 3"/>
+          <p:cNvSpPr>
+            <a:spLocks noGrp="1"/>
+          </p:cNvSpPr>
+          <p:nvPr>
+            <p:ph type="sldNum" sz="quarter" idx="10"/>
+          </p:nvPr>
+        </p:nvSpPr>
+        <p:spPr/>
+        <p:txBody>
+          <a:bodyPr/>
+          <a:lstStyle/>
+          <a:p>
+            <a:fld id="{F487A769-375D-466F-B158-8230CF395F70}" type="slidenum">
+              <a:rPr lang="en-US" smtClean="0"/>
+              <a:t>23</a:t>
+            </a:fld>
+            <a:endParaRPr lang="en-US"/>
+          </a:p>
+        </p:txBody>
+      </p:sp>
+    </p:spTree>
+    <p:extLst>
+      <p:ext uri="{BB962C8B-B14F-4D97-AF65-F5344CB8AC3E}">
+        <p14:creationId xmlns:p14="http://schemas.microsoft.com/office/powerpoint/2010/main" val="826025852"/>
+      </p:ext>
+    </p:extLst>
+  </p:cSld>
+  <p:clrMapOvr>
+    <a:masterClrMapping/>
+  </p:clrMapOvr>
+</p:notes>
+</file>
+
 <file path=ppt/notesSlides/notesSlide3.xml><?xml version="1.0" encoding="utf-8"?>
 <p:notes xmlns:a="http://schemas.openxmlformats.org/drawingml/2006/main" xmlns:r="http://schemas.openxmlformats.org/officeDocument/2006/relationships" xmlns:p="http://schemas.openxmlformats.org/presentationml/2006/main">
   <p:cSld>
@@ -2976,11 +3079,7 @@
           <a:p>
             <a:r>
               <a:rPr lang="en-US" dirty="0" smtClean="0"/>
-              <a:t>But, back </a:t>
-            </a:r>
-            <a:r>
-              <a:rPr lang="en-US" dirty="0" smtClean="0"/>
-              <a:t>in February, before Code4Lib</a:t>
+              <a:t>But, back in February, before Code4Lib</a:t>
             </a:r>
             <a:r>
               <a:rPr lang="en-US" baseline="0" dirty="0" smtClean="0"/>
@@ -2992,11 +3091,7 @@
             </a:r>
             <a:r>
               <a:rPr lang="en-US" baseline="0" dirty="0" smtClean="0"/>
-              <a:t>, </a:t>
-            </a:r>
-            <a:r>
-              <a:rPr lang="en-US" baseline="0" dirty="0" smtClean="0"/>
-              <a:t>contacted </a:t>
+              <a:t>, contacted </a:t>
             </a:r>
             <a:r>
               <a:rPr lang="en-US" baseline="0" dirty="0" err="1" smtClean="0"/>
@@ -3006,7 +3101,6 @@
               <a:rPr lang="en-US" baseline="0" dirty="0" smtClean="0"/>
               <a:t>, who put Oliver in touch with me.  </a:t>
             </a:r>
-            <a:endParaRPr lang="en-US" baseline="0" dirty="0" smtClean="0"/>
           </a:p>
           <a:p>
             <a:r>
@@ -3021,19 +3115,14 @@
               <a:rPr lang="en-US" baseline="0" dirty="0" smtClean="0"/>
               <a:t>-based project for a German Library  </a:t>
             </a:r>
+          </a:p>
+          <a:p>
             <a:endParaRPr lang="en-US" baseline="0" dirty="0" smtClean="0"/>
           </a:p>
           <a:p>
-            <a:endParaRPr lang="en-US" baseline="0" dirty="0" smtClean="0"/>
-          </a:p>
-          <a:p>
             <a:r>
               <a:rPr lang="en-US" baseline="0" dirty="0" smtClean="0"/>
-              <a:t>And not </a:t>
-            </a:r>
-            <a:r>
-              <a:rPr lang="en-US" baseline="0" dirty="0" smtClean="0"/>
-              <a:t>only had interest in a new version, he had some specific ideas about how to make </a:t>
+              <a:t>And not only had interest in a new version, he had some specific ideas about how to make </a:t>
             </a:r>
             <a:r>
               <a:rPr lang="en-US" baseline="0" dirty="0" err="1" smtClean="0"/>
@@ -3041,15 +3130,7 @@
             </a:r>
             <a:r>
               <a:rPr lang="en-US" baseline="0" dirty="0" smtClean="0"/>
-              <a:t> </a:t>
-            </a:r>
-            <a:r>
-              <a:rPr lang="en-US" baseline="0" dirty="0" smtClean="0"/>
-              <a:t>easier to </a:t>
-            </a:r>
-            <a:r>
-              <a:rPr lang="en-US" baseline="0" dirty="0" smtClean="0"/>
-              <a:t>use and faster.</a:t>
+              <a:t> easier to use and faster.</a:t>
             </a:r>
           </a:p>
         </p:txBody>
@@ -3218,13 +3299,8 @@
           <a:p>
             <a:r>
               <a:rPr lang="en-US" baseline="0" dirty="0" smtClean="0"/>
-              <a:t>And  it should be </a:t>
-            </a:r>
-            <a:r>
-              <a:rPr lang="en-US" baseline="0" dirty="0" smtClean="0"/>
-              <a:t>faster.</a:t>
-            </a:r>
-            <a:endParaRPr lang="en-US" baseline="0" dirty="0" smtClean="0"/>
+              <a:t>And  it should be faster.</a:t>
+            </a:r>
           </a:p>
           <a:p>
             <a:endParaRPr lang="en-US" baseline="0" dirty="0" smtClean="0"/>
@@ -3362,7 +3438,6 @@
               <a:rPr lang="en-US" baseline="0" dirty="0" smtClean="0"/>
               <a:t>If you wanted do something only slightly more complex, like strip off trailing punctuation, </a:t>
             </a:r>
-            <a:endParaRPr lang="en-US" baseline="0" dirty="0" smtClean="0"/>
           </a:p>
           <a:p>
             <a:pPr marL="0" marR="0" indent="0" algn="l" defTabSz="914400" rtl="0" eaLnBrk="1" fontAlgn="auto" latinLnBrk="0" hangingPunct="1">
@@ -3384,13 +3459,8 @@
             </a:pPr>
             <a:r>
               <a:rPr lang="en-US" baseline="0" dirty="0" smtClean="0"/>
-              <a:t>or </a:t>
-            </a:r>
-            <a:r>
-              <a:rPr lang="en-US" baseline="0" dirty="0" smtClean="0"/>
-              <a:t>remove an initial “the” from a title </a:t>
-            </a:r>
-            <a:endParaRPr lang="en-US" baseline="0" dirty="0" smtClean="0"/>
+              <a:t>or remove an initial “the” from a title </a:t>
+            </a:r>
           </a:p>
           <a:p>
             <a:pPr marL="0" marR="0" indent="0" algn="l" defTabSz="914400" rtl="0" eaLnBrk="1" fontAlgn="auto" latinLnBrk="0" hangingPunct="1">
@@ -3412,11 +3482,7 @@
             </a:pPr>
             <a:r>
               <a:rPr lang="en-US" baseline="0" dirty="0" smtClean="0"/>
-              <a:t>or </a:t>
-            </a:r>
-            <a:r>
-              <a:rPr lang="en-US" baseline="0" dirty="0" smtClean="0"/>
-              <a:t>extract the title for items that are “Journals” you would need to call a custom method.</a:t>
+              <a:t>or extract the title for items that are “Journals” you would need to call a custom method.</a:t>
             </a:r>
           </a:p>
           <a:p>
@@ -3630,11 +3696,7 @@
           <a:p>
             <a:r>
               <a:rPr lang="en-US" dirty="0" smtClean="0"/>
-              <a:t>Using some of these new modifiers, Index specifications that </a:t>
-            </a:r>
-            <a:r>
-              <a:rPr lang="en-US" dirty="0" smtClean="0"/>
-              <a:t>used to require</a:t>
+              <a:t>Using some of these new modifiers, Index specifications that used to require</a:t>
             </a:r>
             <a:r>
               <a:rPr lang="en-US" baseline="0" dirty="0" smtClean="0"/>
@@ -3642,11 +3704,7 @@
             </a:r>
             <a:r>
               <a:rPr lang="en-US" dirty="0" smtClean="0"/>
-              <a:t>a </a:t>
-            </a:r>
-            <a:r>
-              <a:rPr lang="en-US" dirty="0" smtClean="0"/>
-              <a:t>custom method call</a:t>
+              <a:t>a custom method call</a:t>
             </a:r>
           </a:p>
           <a:p>
@@ -3754,11 +3812,7 @@
             </a:r>
             <a:r>
               <a:rPr lang="en-US" baseline="0" dirty="0" smtClean="0"/>
-              <a:t> language now supports conditional qualifiers</a:t>
-            </a:r>
-            <a:r>
-              <a:rPr lang="en-US" baseline="0" dirty="0" smtClean="0"/>
-              <a:t>.</a:t>
+              <a:t> language now supports conditional qualifiers.</a:t>
             </a:r>
           </a:p>
           <a:p>
@@ -3915,23 +3969,7 @@
           <a:p>
             <a:r>
               <a:rPr lang="en-US" baseline="0" dirty="0" smtClean="0"/>
-              <a:t>This example maps the </a:t>
-            </a:r>
-            <a:r>
-              <a:rPr lang="en-US" baseline="0" dirty="0" smtClean="0"/>
-              <a:t>three-letter code </a:t>
-            </a:r>
-            <a:r>
-              <a:rPr lang="en-US" baseline="0" dirty="0" smtClean="0"/>
-              <a:t>for a language </a:t>
-            </a:r>
-            <a:r>
-              <a:rPr lang="en-US" baseline="0" dirty="0" smtClean="0"/>
-              <a:t>to the </a:t>
-            </a:r>
-            <a:r>
-              <a:rPr lang="en-US" baseline="0" dirty="0" smtClean="0"/>
-              <a:t>full name of that language, and then appends “(dubbed in)”</a:t>
+              <a:t>This example maps the three-letter code for a language to the full name of that language, and then appends “(dubbed in)”</a:t>
             </a:r>
             <a:endParaRPr lang="en-US" dirty="0"/>
           </a:p>
@@ -4154,7 +4192,7 @@
           <a:p>
             <a:fld id="{8BE7C030-FF53-4C68-8C27-EC2636F01ABC}" type="datetimeFigureOut">
               <a:rPr lang="en-US" smtClean="0"/>
-              <a:t>10/7/2016</a:t>
+              <a:t>10/9/2016</a:t>
             </a:fld>
             <a:endParaRPr lang="en-US"/>
           </a:p>
@@ -4324,7 +4362,7 @@
           <a:p>
             <a:fld id="{8BE7C030-FF53-4C68-8C27-EC2636F01ABC}" type="datetimeFigureOut">
               <a:rPr lang="en-US" smtClean="0"/>
-              <a:t>10/7/2016</a:t>
+              <a:t>10/9/2016</a:t>
             </a:fld>
             <a:endParaRPr lang="en-US"/>
           </a:p>
@@ -4504,7 +4542,7 @@
           <a:p>
             <a:fld id="{8BE7C030-FF53-4C68-8C27-EC2636F01ABC}" type="datetimeFigureOut">
               <a:rPr lang="en-US" smtClean="0"/>
-              <a:t>10/7/2016</a:t>
+              <a:t>10/9/2016</a:t>
             </a:fld>
             <a:endParaRPr lang="en-US"/>
           </a:p>
@@ -4674,7 +4712,7 @@
           <a:p>
             <a:fld id="{8BE7C030-FF53-4C68-8C27-EC2636F01ABC}" type="datetimeFigureOut">
               <a:rPr lang="en-US" smtClean="0"/>
-              <a:t>10/7/2016</a:t>
+              <a:t>10/9/2016</a:t>
             </a:fld>
             <a:endParaRPr lang="en-US"/>
           </a:p>
@@ -4920,7 +4958,7 @@
           <a:p>
             <a:fld id="{8BE7C030-FF53-4C68-8C27-EC2636F01ABC}" type="datetimeFigureOut">
               <a:rPr lang="en-US" smtClean="0"/>
-              <a:t>10/7/2016</a:t>
+              <a:t>10/9/2016</a:t>
             </a:fld>
             <a:endParaRPr lang="en-US"/>
           </a:p>
@@ -5208,7 +5246,7 @@
           <a:p>
             <a:fld id="{8BE7C030-FF53-4C68-8C27-EC2636F01ABC}" type="datetimeFigureOut">
               <a:rPr lang="en-US" smtClean="0"/>
-              <a:t>10/7/2016</a:t>
+              <a:t>10/9/2016</a:t>
             </a:fld>
             <a:endParaRPr lang="en-US"/>
           </a:p>
@@ -5630,7 +5668,7 @@
           <a:p>
             <a:fld id="{8BE7C030-FF53-4C68-8C27-EC2636F01ABC}" type="datetimeFigureOut">
               <a:rPr lang="en-US" smtClean="0"/>
-              <a:t>10/7/2016</a:t>
+              <a:t>10/9/2016</a:t>
             </a:fld>
             <a:endParaRPr lang="en-US"/>
           </a:p>
@@ -5748,7 +5786,7 @@
           <a:p>
             <a:fld id="{8BE7C030-FF53-4C68-8C27-EC2636F01ABC}" type="datetimeFigureOut">
               <a:rPr lang="en-US" smtClean="0"/>
-              <a:t>10/7/2016</a:t>
+              <a:t>10/9/2016</a:t>
             </a:fld>
             <a:endParaRPr lang="en-US"/>
           </a:p>
@@ -5843,7 +5881,7 @@
           <a:p>
             <a:fld id="{8BE7C030-FF53-4C68-8C27-EC2636F01ABC}" type="datetimeFigureOut">
               <a:rPr lang="en-US" smtClean="0"/>
-              <a:t>10/7/2016</a:t>
+              <a:t>10/9/2016</a:t>
             </a:fld>
             <a:endParaRPr lang="en-US"/>
           </a:p>
@@ -6120,7 +6158,7 @@
           <a:p>
             <a:fld id="{8BE7C030-FF53-4C68-8C27-EC2636F01ABC}" type="datetimeFigureOut">
               <a:rPr lang="en-US" smtClean="0"/>
-              <a:t>10/7/2016</a:t>
+              <a:t>10/9/2016</a:t>
             </a:fld>
             <a:endParaRPr lang="en-US"/>
           </a:p>
@@ -6373,7 +6411,7 @@
           <a:p>
             <a:fld id="{8BE7C030-FF53-4C68-8C27-EC2636F01ABC}" type="datetimeFigureOut">
               <a:rPr lang="en-US" smtClean="0"/>
-              <a:t>10/7/2016</a:t>
+              <a:t>10/9/2016</a:t>
             </a:fld>
             <a:endParaRPr lang="en-US"/>
           </a:p>
@@ -6586,7 +6624,7 @@
           <a:p>
             <a:fld id="{8BE7C030-FF53-4C68-8C27-EC2636F01ABC}" type="datetimeFigureOut">
               <a:rPr lang="en-US" smtClean="0"/>
-              <a:t>10/7/2016</a:t>
+              <a:t>10/9/2016</a:t>
             </a:fld>
             <a:endParaRPr lang="en-US"/>
           </a:p>
@@ -7005,28 +7043,52 @@
           <a:lstStyle/>
           <a:p>
             <a:r>
-              <a:rPr lang="en-US" dirty="0" err="1" smtClean="0"/>
+              <a:rPr lang="en-US" dirty="0" err="1" smtClean="0">
+                <a:solidFill>
+                  <a:schemeClr val="tx1"/>
+                </a:solidFill>
+              </a:rPr>
               <a:t>VuFind</a:t>
             </a:r>
             <a:r>
-              <a:rPr lang="en-US" dirty="0" smtClean="0"/>
+              <a:rPr lang="en-US" dirty="0" smtClean="0">
+                <a:solidFill>
+                  <a:schemeClr val="tx1"/>
+                </a:solidFill>
+              </a:rPr>
               <a:t> Summit 2016</a:t>
             </a:r>
           </a:p>
           <a:p>
             <a:r>
-              <a:rPr lang="en-US" dirty="0" smtClean="0"/>
+              <a:rPr lang="en-US" dirty="0" smtClean="0">
+                <a:solidFill>
+                  <a:schemeClr val="tx1"/>
+                </a:solidFill>
+              </a:rPr>
               <a:t>Robert </a:t>
             </a:r>
             <a:r>
-              <a:rPr lang="en-US" dirty="0" err="1" smtClean="0"/>
+              <a:rPr lang="en-US" dirty="0" err="1" smtClean="0">
+                <a:solidFill>
+                  <a:schemeClr val="tx1"/>
+                </a:solidFill>
+              </a:rPr>
               <a:t>Haschart</a:t>
             </a:r>
-            <a:endParaRPr lang="en-US" dirty="0" smtClean="0"/>
-          </a:p>
-          <a:p>
-            <a:r>
-              <a:rPr lang="en-US" dirty="0" smtClean="0"/>
+            <a:endParaRPr lang="en-US" dirty="0" smtClean="0">
+              <a:solidFill>
+                <a:schemeClr val="tx1"/>
+              </a:solidFill>
+            </a:endParaRPr>
+          </a:p>
+          <a:p>
+            <a:r>
+              <a:rPr lang="en-US" dirty="0" smtClean="0">
+                <a:solidFill>
+                  <a:schemeClr val="tx1"/>
+                </a:solidFill>
+              </a:rPr>
               <a:t>University of Virginia</a:t>
             </a:r>
           </a:p>
@@ -7062,6 +7124,198 @@
           </a:prstGeom>
         </p:spPr>
       </p:pic>
+      <p:sp>
+        <p:nvSpPr>
+          <p:cNvPr id="8" name="Rectangle 7"/>
+          <p:cNvSpPr/>
+          <p:nvPr/>
+        </p:nvSpPr>
+        <p:spPr>
+          <a:xfrm>
+            <a:off x="0" y="0"/>
+            <a:ext cx="9144000" cy="228600"/>
+          </a:xfrm>
+          <a:prstGeom prst="rect">
+            <a:avLst/>
+          </a:prstGeom>
+          <a:solidFill>
+            <a:srgbClr val="3B5586"/>
+          </a:solidFill>
+          <a:ln>
+            <a:solidFill>
+              <a:srgbClr val="3B5586"/>
+            </a:solidFill>
+          </a:ln>
+        </p:spPr>
+        <p:style>
+          <a:lnRef idx="2">
+            <a:schemeClr val="accent1">
+              <a:shade val="50000"/>
+            </a:schemeClr>
+          </a:lnRef>
+          <a:fillRef idx="1">
+            <a:schemeClr val="accent1"/>
+          </a:fillRef>
+          <a:effectRef idx="0">
+            <a:schemeClr val="accent1"/>
+          </a:effectRef>
+          <a:fontRef idx="minor">
+            <a:schemeClr val="lt1"/>
+          </a:fontRef>
+        </p:style>
+        <p:txBody>
+          <a:bodyPr rtlCol="0" anchor="ctr"/>
+          <a:lstStyle/>
+          <a:p>
+            <a:pPr algn="ctr"/>
+            <a:endParaRPr lang="en-US"/>
+          </a:p>
+        </p:txBody>
+      </p:sp>
+      <p:sp>
+        <p:nvSpPr>
+          <p:cNvPr id="9" name="Rectangle 8"/>
+          <p:cNvSpPr/>
+          <p:nvPr/>
+        </p:nvSpPr>
+        <p:spPr>
+          <a:xfrm>
+            <a:off x="0" y="228600"/>
+            <a:ext cx="9144000" cy="76200"/>
+          </a:xfrm>
+          <a:prstGeom prst="rect">
+            <a:avLst/>
+          </a:prstGeom>
+          <a:solidFill>
+            <a:srgbClr val="FFA26B"/>
+          </a:solidFill>
+          <a:ln>
+            <a:solidFill>
+              <a:srgbClr val="FFA26B"/>
+            </a:solidFill>
+          </a:ln>
+        </p:spPr>
+        <p:style>
+          <a:lnRef idx="2">
+            <a:schemeClr val="accent1">
+              <a:shade val="50000"/>
+            </a:schemeClr>
+          </a:lnRef>
+          <a:fillRef idx="1">
+            <a:schemeClr val="accent1"/>
+          </a:fillRef>
+          <a:effectRef idx="0">
+            <a:schemeClr val="accent1"/>
+          </a:effectRef>
+          <a:fontRef idx="minor">
+            <a:schemeClr val="lt1"/>
+          </a:fontRef>
+        </p:style>
+        <p:txBody>
+          <a:bodyPr rtlCol="0" anchor="ctr"/>
+          <a:lstStyle/>
+          <a:p>
+            <a:pPr algn="ctr"/>
+            <a:endParaRPr lang="en-US"/>
+          </a:p>
+        </p:txBody>
+      </p:sp>
+      <p:sp>
+        <p:nvSpPr>
+          <p:cNvPr id="10" name="Rectangle 9"/>
+          <p:cNvSpPr/>
+          <p:nvPr/>
+        </p:nvSpPr>
+        <p:spPr>
+          <a:xfrm>
+            <a:off x="0" y="6564923"/>
+            <a:ext cx="9144000" cy="228600"/>
+          </a:xfrm>
+          <a:prstGeom prst="rect">
+            <a:avLst/>
+          </a:prstGeom>
+          <a:solidFill>
+            <a:srgbClr val="3B5586"/>
+          </a:solidFill>
+          <a:ln>
+            <a:solidFill>
+              <a:srgbClr val="3B5586"/>
+            </a:solidFill>
+          </a:ln>
+        </p:spPr>
+        <p:style>
+          <a:lnRef idx="2">
+            <a:schemeClr val="accent1">
+              <a:shade val="50000"/>
+            </a:schemeClr>
+          </a:lnRef>
+          <a:fillRef idx="1">
+            <a:schemeClr val="accent1"/>
+          </a:fillRef>
+          <a:effectRef idx="0">
+            <a:schemeClr val="accent1"/>
+          </a:effectRef>
+          <a:fontRef idx="minor">
+            <a:schemeClr val="lt1"/>
+          </a:fontRef>
+        </p:style>
+        <p:txBody>
+          <a:bodyPr rtlCol="0" anchor="ctr"/>
+          <a:lstStyle/>
+          <a:p>
+            <a:pPr algn="ctr"/>
+            <a:endParaRPr lang="en-US"/>
+          </a:p>
+        </p:txBody>
+      </p:sp>
+      <p:sp>
+        <p:nvSpPr>
+          <p:cNvPr id="11" name="Rectangle 10"/>
+          <p:cNvSpPr/>
+          <p:nvPr/>
+        </p:nvSpPr>
+        <p:spPr>
+          <a:xfrm>
+            <a:off x="0" y="6793523"/>
+            <a:ext cx="9144000" cy="76200"/>
+          </a:xfrm>
+          <a:prstGeom prst="rect">
+            <a:avLst/>
+          </a:prstGeom>
+          <a:solidFill>
+            <a:srgbClr val="FFA26B"/>
+          </a:solidFill>
+          <a:ln>
+            <a:solidFill>
+              <a:srgbClr val="FFA26B"/>
+            </a:solidFill>
+          </a:ln>
+        </p:spPr>
+        <p:style>
+          <a:lnRef idx="2">
+            <a:schemeClr val="accent1">
+              <a:shade val="50000"/>
+            </a:schemeClr>
+          </a:lnRef>
+          <a:fillRef idx="1">
+            <a:schemeClr val="accent1"/>
+          </a:fillRef>
+          <a:effectRef idx="0">
+            <a:schemeClr val="accent1"/>
+          </a:effectRef>
+          <a:fontRef idx="minor">
+            <a:schemeClr val="lt1"/>
+          </a:fontRef>
+        </p:style>
+        <p:txBody>
+          <a:bodyPr rtlCol="0" anchor="ctr"/>
+          <a:lstStyle/>
+          <a:p>
+            <a:pPr algn="ctr"/>
+            <a:endParaRPr lang="en-US"/>
+          </a:p>
+        </p:txBody>
+      </p:sp>
     </p:spTree>
     <p:extLst>
       <p:ext uri="{BB962C8B-B14F-4D97-AF65-F5344CB8AC3E}">
@@ -7322,6 +7576,198 @@
               <a:rPr lang="en-US" sz="2200" dirty="0"/>
               <a:t>("^(.*)$=&gt;$1 (dubbed in)")</a:t>
             </a:r>
+          </a:p>
+        </p:txBody>
+      </p:sp>
+      <p:sp>
+        <p:nvSpPr>
+          <p:cNvPr id="4" name="Rectangle 3"/>
+          <p:cNvSpPr/>
+          <p:nvPr/>
+        </p:nvSpPr>
+        <p:spPr>
+          <a:xfrm>
+            <a:off x="0" y="0"/>
+            <a:ext cx="9144000" cy="228600"/>
+          </a:xfrm>
+          <a:prstGeom prst="rect">
+            <a:avLst/>
+          </a:prstGeom>
+          <a:solidFill>
+            <a:srgbClr val="3B5586"/>
+          </a:solidFill>
+          <a:ln>
+            <a:solidFill>
+              <a:srgbClr val="3B5586"/>
+            </a:solidFill>
+          </a:ln>
+        </p:spPr>
+        <p:style>
+          <a:lnRef idx="2">
+            <a:schemeClr val="accent1">
+              <a:shade val="50000"/>
+            </a:schemeClr>
+          </a:lnRef>
+          <a:fillRef idx="1">
+            <a:schemeClr val="accent1"/>
+          </a:fillRef>
+          <a:effectRef idx="0">
+            <a:schemeClr val="accent1"/>
+          </a:effectRef>
+          <a:fontRef idx="minor">
+            <a:schemeClr val="lt1"/>
+          </a:fontRef>
+        </p:style>
+        <p:txBody>
+          <a:bodyPr rtlCol="0" anchor="ctr"/>
+          <a:lstStyle/>
+          <a:p>
+            <a:pPr algn="ctr"/>
+            <a:endParaRPr lang="en-US"/>
+          </a:p>
+        </p:txBody>
+      </p:sp>
+      <p:sp>
+        <p:nvSpPr>
+          <p:cNvPr id="5" name="Rectangle 4"/>
+          <p:cNvSpPr/>
+          <p:nvPr/>
+        </p:nvSpPr>
+        <p:spPr>
+          <a:xfrm>
+            <a:off x="0" y="228600"/>
+            <a:ext cx="9144000" cy="76200"/>
+          </a:xfrm>
+          <a:prstGeom prst="rect">
+            <a:avLst/>
+          </a:prstGeom>
+          <a:solidFill>
+            <a:srgbClr val="FFA26B"/>
+          </a:solidFill>
+          <a:ln>
+            <a:solidFill>
+              <a:srgbClr val="FFA26B"/>
+            </a:solidFill>
+          </a:ln>
+        </p:spPr>
+        <p:style>
+          <a:lnRef idx="2">
+            <a:schemeClr val="accent1">
+              <a:shade val="50000"/>
+            </a:schemeClr>
+          </a:lnRef>
+          <a:fillRef idx="1">
+            <a:schemeClr val="accent1"/>
+          </a:fillRef>
+          <a:effectRef idx="0">
+            <a:schemeClr val="accent1"/>
+          </a:effectRef>
+          <a:fontRef idx="minor">
+            <a:schemeClr val="lt1"/>
+          </a:fontRef>
+        </p:style>
+        <p:txBody>
+          <a:bodyPr rtlCol="0" anchor="ctr"/>
+          <a:lstStyle/>
+          <a:p>
+            <a:pPr algn="ctr"/>
+            <a:endParaRPr lang="en-US"/>
+          </a:p>
+        </p:txBody>
+      </p:sp>
+      <p:sp>
+        <p:nvSpPr>
+          <p:cNvPr id="6" name="Rectangle 5"/>
+          <p:cNvSpPr/>
+          <p:nvPr/>
+        </p:nvSpPr>
+        <p:spPr>
+          <a:xfrm>
+            <a:off x="0" y="6564923"/>
+            <a:ext cx="9144000" cy="228600"/>
+          </a:xfrm>
+          <a:prstGeom prst="rect">
+            <a:avLst/>
+          </a:prstGeom>
+          <a:solidFill>
+            <a:srgbClr val="3B5586"/>
+          </a:solidFill>
+          <a:ln>
+            <a:solidFill>
+              <a:srgbClr val="3B5586"/>
+            </a:solidFill>
+          </a:ln>
+        </p:spPr>
+        <p:style>
+          <a:lnRef idx="2">
+            <a:schemeClr val="accent1">
+              <a:shade val="50000"/>
+            </a:schemeClr>
+          </a:lnRef>
+          <a:fillRef idx="1">
+            <a:schemeClr val="accent1"/>
+          </a:fillRef>
+          <a:effectRef idx="0">
+            <a:schemeClr val="accent1"/>
+          </a:effectRef>
+          <a:fontRef idx="minor">
+            <a:schemeClr val="lt1"/>
+          </a:fontRef>
+        </p:style>
+        <p:txBody>
+          <a:bodyPr rtlCol="0" anchor="ctr"/>
+          <a:lstStyle/>
+          <a:p>
+            <a:pPr algn="ctr"/>
+            <a:endParaRPr lang="en-US"/>
+          </a:p>
+        </p:txBody>
+      </p:sp>
+      <p:sp>
+        <p:nvSpPr>
+          <p:cNvPr id="7" name="Rectangle 6"/>
+          <p:cNvSpPr/>
+          <p:nvPr/>
+        </p:nvSpPr>
+        <p:spPr>
+          <a:xfrm>
+            <a:off x="0" y="6793523"/>
+            <a:ext cx="9144000" cy="76200"/>
+          </a:xfrm>
+          <a:prstGeom prst="rect">
+            <a:avLst/>
+          </a:prstGeom>
+          <a:solidFill>
+            <a:srgbClr val="FFA26B"/>
+          </a:solidFill>
+          <a:ln>
+            <a:solidFill>
+              <a:srgbClr val="FFA26B"/>
+            </a:solidFill>
+          </a:ln>
+        </p:spPr>
+        <p:style>
+          <a:lnRef idx="2">
+            <a:schemeClr val="accent1">
+              <a:shade val="50000"/>
+            </a:schemeClr>
+          </a:lnRef>
+          <a:fillRef idx="1">
+            <a:schemeClr val="accent1"/>
+          </a:fillRef>
+          <a:effectRef idx="0">
+            <a:schemeClr val="accent1"/>
+          </a:effectRef>
+          <a:fontRef idx="minor">
+            <a:schemeClr val="lt1"/>
+          </a:fontRef>
+        </p:style>
+        <p:txBody>
+          <a:bodyPr rtlCol="0" anchor="ctr"/>
+          <a:lstStyle/>
+          <a:p>
+            <a:pPr algn="ctr"/>
+            <a:endParaRPr lang="en-US"/>
           </a:p>
         </p:txBody>
       </p:sp>
@@ -7589,7 +8035,12 @@
             <p:ph type="title"/>
           </p:nvPr>
         </p:nvSpPr>
-        <p:spPr/>
+        <p:spPr>
+          <a:xfrm>
+            <a:off x="457200" y="609600"/>
+            <a:ext cx="8229600" cy="1143000"/>
+          </a:xfrm>
+        </p:spPr>
         <p:txBody>
           <a:bodyPr>
             <a:normAutofit fontScale="90000"/>
@@ -7623,8 +8074,8 @@
         </p:nvSpPr>
         <p:spPr>
           <a:xfrm>
-            <a:off x="473365" y="3505200"/>
-            <a:ext cx="8229600" cy="2620963"/>
+            <a:off x="473365" y="3810000"/>
+            <a:ext cx="8229600" cy="2316163"/>
           </a:xfrm>
         </p:spPr>
         <p:txBody>
@@ -7767,7 +8218,7 @@
         </p:nvSpPr>
         <p:spPr>
           <a:xfrm>
-            <a:off x="533400" y="1600200"/>
+            <a:off x="533400" y="1828800"/>
             <a:ext cx="8001000" cy="1143000"/>
           </a:xfrm>
           <a:prstGeom prst="rect">
@@ -7826,8 +8277,8 @@
         </p:nvSpPr>
         <p:spPr>
           <a:xfrm>
-            <a:off x="533400" y="2971800"/>
-            <a:ext cx="6827740" cy="685800"/>
+            <a:off x="533400" y="3200400"/>
+            <a:ext cx="6827740" cy="609600"/>
           </a:xfrm>
           <a:prstGeom prst="rect">
             <a:avLst/>
@@ -7852,6 +8303,198 @@
           </a:p>
           <a:p>
             <a:endParaRPr lang="en-US" dirty="0"/>
+          </a:p>
+        </p:txBody>
+      </p:sp>
+      <p:sp>
+        <p:nvSpPr>
+          <p:cNvPr id="6" name="Rectangle 5"/>
+          <p:cNvSpPr/>
+          <p:nvPr/>
+        </p:nvSpPr>
+        <p:spPr>
+          <a:xfrm>
+            <a:off x="0" y="0"/>
+            <a:ext cx="9144000" cy="228600"/>
+          </a:xfrm>
+          <a:prstGeom prst="rect">
+            <a:avLst/>
+          </a:prstGeom>
+          <a:solidFill>
+            <a:srgbClr val="3B5586"/>
+          </a:solidFill>
+          <a:ln>
+            <a:solidFill>
+              <a:srgbClr val="3B5586"/>
+            </a:solidFill>
+          </a:ln>
+        </p:spPr>
+        <p:style>
+          <a:lnRef idx="2">
+            <a:schemeClr val="accent1">
+              <a:shade val="50000"/>
+            </a:schemeClr>
+          </a:lnRef>
+          <a:fillRef idx="1">
+            <a:schemeClr val="accent1"/>
+          </a:fillRef>
+          <a:effectRef idx="0">
+            <a:schemeClr val="accent1"/>
+          </a:effectRef>
+          <a:fontRef idx="minor">
+            <a:schemeClr val="lt1"/>
+          </a:fontRef>
+        </p:style>
+        <p:txBody>
+          <a:bodyPr rtlCol="0" anchor="ctr"/>
+          <a:lstStyle/>
+          <a:p>
+            <a:pPr algn="ctr"/>
+            <a:endParaRPr lang="en-US"/>
+          </a:p>
+        </p:txBody>
+      </p:sp>
+      <p:sp>
+        <p:nvSpPr>
+          <p:cNvPr id="7" name="Rectangle 6"/>
+          <p:cNvSpPr/>
+          <p:nvPr/>
+        </p:nvSpPr>
+        <p:spPr>
+          <a:xfrm>
+            <a:off x="0" y="228600"/>
+            <a:ext cx="9144000" cy="76200"/>
+          </a:xfrm>
+          <a:prstGeom prst="rect">
+            <a:avLst/>
+          </a:prstGeom>
+          <a:solidFill>
+            <a:srgbClr val="FFA26B"/>
+          </a:solidFill>
+          <a:ln>
+            <a:solidFill>
+              <a:srgbClr val="FFA26B"/>
+            </a:solidFill>
+          </a:ln>
+        </p:spPr>
+        <p:style>
+          <a:lnRef idx="2">
+            <a:schemeClr val="accent1">
+              <a:shade val="50000"/>
+            </a:schemeClr>
+          </a:lnRef>
+          <a:fillRef idx="1">
+            <a:schemeClr val="accent1"/>
+          </a:fillRef>
+          <a:effectRef idx="0">
+            <a:schemeClr val="accent1"/>
+          </a:effectRef>
+          <a:fontRef idx="minor">
+            <a:schemeClr val="lt1"/>
+          </a:fontRef>
+        </p:style>
+        <p:txBody>
+          <a:bodyPr rtlCol="0" anchor="ctr"/>
+          <a:lstStyle/>
+          <a:p>
+            <a:pPr algn="ctr"/>
+            <a:endParaRPr lang="en-US"/>
+          </a:p>
+        </p:txBody>
+      </p:sp>
+      <p:sp>
+        <p:nvSpPr>
+          <p:cNvPr id="8" name="Rectangle 7"/>
+          <p:cNvSpPr/>
+          <p:nvPr/>
+        </p:nvSpPr>
+        <p:spPr>
+          <a:xfrm>
+            <a:off x="0" y="6564923"/>
+            <a:ext cx="9144000" cy="228600"/>
+          </a:xfrm>
+          <a:prstGeom prst="rect">
+            <a:avLst/>
+          </a:prstGeom>
+          <a:solidFill>
+            <a:srgbClr val="3B5586"/>
+          </a:solidFill>
+          <a:ln>
+            <a:solidFill>
+              <a:srgbClr val="3B5586"/>
+            </a:solidFill>
+          </a:ln>
+        </p:spPr>
+        <p:style>
+          <a:lnRef idx="2">
+            <a:schemeClr val="accent1">
+              <a:shade val="50000"/>
+            </a:schemeClr>
+          </a:lnRef>
+          <a:fillRef idx="1">
+            <a:schemeClr val="accent1"/>
+          </a:fillRef>
+          <a:effectRef idx="0">
+            <a:schemeClr val="accent1"/>
+          </a:effectRef>
+          <a:fontRef idx="minor">
+            <a:schemeClr val="lt1"/>
+          </a:fontRef>
+        </p:style>
+        <p:txBody>
+          <a:bodyPr rtlCol="0" anchor="ctr"/>
+          <a:lstStyle/>
+          <a:p>
+            <a:pPr algn="ctr"/>
+            <a:endParaRPr lang="en-US"/>
+          </a:p>
+        </p:txBody>
+      </p:sp>
+      <p:sp>
+        <p:nvSpPr>
+          <p:cNvPr id="9" name="Rectangle 8"/>
+          <p:cNvSpPr/>
+          <p:nvPr/>
+        </p:nvSpPr>
+        <p:spPr>
+          <a:xfrm>
+            <a:off x="0" y="6793523"/>
+            <a:ext cx="9144000" cy="76200"/>
+          </a:xfrm>
+          <a:prstGeom prst="rect">
+            <a:avLst/>
+          </a:prstGeom>
+          <a:solidFill>
+            <a:srgbClr val="FFA26B"/>
+          </a:solidFill>
+          <a:ln>
+            <a:solidFill>
+              <a:srgbClr val="FFA26B"/>
+            </a:solidFill>
+          </a:ln>
+        </p:spPr>
+        <p:style>
+          <a:lnRef idx="2">
+            <a:schemeClr val="accent1">
+              <a:shade val="50000"/>
+            </a:schemeClr>
+          </a:lnRef>
+          <a:fillRef idx="1">
+            <a:schemeClr val="accent1"/>
+          </a:fillRef>
+          <a:effectRef idx="0">
+            <a:schemeClr val="accent1"/>
+          </a:effectRef>
+          <a:fontRef idx="minor">
+            <a:schemeClr val="lt1"/>
+          </a:fontRef>
+        </p:style>
+        <p:txBody>
+          <a:bodyPr rtlCol="0" anchor="ctr"/>
+          <a:lstStyle/>
+          <a:p>
+            <a:pPr algn="ctr"/>
+            <a:endParaRPr lang="en-US"/>
           </a:p>
         </p:txBody>
       </p:sp>
@@ -8309,12 +8952,16 @@
               <a:t>, </a:t>
             </a:r>
             <a:r>
-              <a:rPr lang="en-US" sz="2400" dirty="0" err="1"/>
-              <a:t>removeTrailingPunct</a:t>
+              <a:rPr lang="en-US" sz="2400" dirty="0" err="1" smtClean="0"/>
+              <a:t>getAllSearchableFields</a:t>
+            </a:r>
+            <a:r>
+              <a:rPr lang="en-US" sz="2400" dirty="0" smtClean="0"/>
+              <a:t>(100</a:t>
             </a:r>
             <a:r>
               <a:rPr lang="en-US" sz="2400" dirty="0"/>
-              <a:t>(245c</a:t>
+              <a:t>, 900</a:t>
             </a:r>
             <a:r>
               <a:rPr lang="en-US" sz="2400" dirty="0" smtClean="0"/>
@@ -8357,7 +9004,6 @@
               <a:rPr lang="en-US" sz="2400" dirty="0" smtClean="0"/>
               <a:t>	</a:t>
             </a:r>
-            <a:endParaRPr lang="en-US" sz="2400" dirty="0" smtClean="0"/>
           </a:p>
           <a:p>
             <a:r>
@@ -8405,11 +9051,7 @@
           <a:p>
             <a:r>
               <a:rPr lang="en-US" dirty="0" smtClean="0"/>
-              <a:t>Local </a:t>
-            </a:r>
-            <a:r>
-              <a:rPr lang="en-US" dirty="0" smtClean="0"/>
-              <a:t>Extensions of </a:t>
+              <a:t>Local Extensions of </a:t>
             </a:r>
             <a:r>
               <a:rPr lang="en-US" dirty="0" err="1" smtClean="0"/>
@@ -8450,7 +9092,7 @@
         </p:nvSpPr>
         <p:spPr>
           <a:xfrm>
-            <a:off x="5782139" y="2004646"/>
+            <a:off x="6477000" y="2004646"/>
             <a:ext cx="1685461" cy="461665"/>
           </a:xfrm>
           <a:prstGeom prst="rect">
@@ -8575,6 +9217,198 @@
               <a:t>-- still works</a:t>
             </a:r>
             <a:endParaRPr lang="en-US" dirty="0"/>
+          </a:p>
+        </p:txBody>
+      </p:sp>
+      <p:sp>
+        <p:nvSpPr>
+          <p:cNvPr id="8" name="Rectangle 7"/>
+          <p:cNvSpPr/>
+          <p:nvPr/>
+        </p:nvSpPr>
+        <p:spPr>
+          <a:xfrm>
+            <a:off x="0" y="0"/>
+            <a:ext cx="9144000" cy="228600"/>
+          </a:xfrm>
+          <a:prstGeom prst="rect">
+            <a:avLst/>
+          </a:prstGeom>
+          <a:solidFill>
+            <a:srgbClr val="3B5586"/>
+          </a:solidFill>
+          <a:ln>
+            <a:solidFill>
+              <a:srgbClr val="3B5586"/>
+            </a:solidFill>
+          </a:ln>
+        </p:spPr>
+        <p:style>
+          <a:lnRef idx="2">
+            <a:schemeClr val="accent1">
+              <a:shade val="50000"/>
+            </a:schemeClr>
+          </a:lnRef>
+          <a:fillRef idx="1">
+            <a:schemeClr val="accent1"/>
+          </a:fillRef>
+          <a:effectRef idx="0">
+            <a:schemeClr val="accent1"/>
+          </a:effectRef>
+          <a:fontRef idx="minor">
+            <a:schemeClr val="lt1"/>
+          </a:fontRef>
+        </p:style>
+        <p:txBody>
+          <a:bodyPr rtlCol="0" anchor="ctr"/>
+          <a:lstStyle/>
+          <a:p>
+            <a:pPr algn="ctr"/>
+            <a:endParaRPr lang="en-US"/>
+          </a:p>
+        </p:txBody>
+      </p:sp>
+      <p:sp>
+        <p:nvSpPr>
+          <p:cNvPr id="9" name="Rectangle 8"/>
+          <p:cNvSpPr/>
+          <p:nvPr/>
+        </p:nvSpPr>
+        <p:spPr>
+          <a:xfrm>
+            <a:off x="0" y="228600"/>
+            <a:ext cx="9144000" cy="76200"/>
+          </a:xfrm>
+          <a:prstGeom prst="rect">
+            <a:avLst/>
+          </a:prstGeom>
+          <a:solidFill>
+            <a:srgbClr val="FFA26B"/>
+          </a:solidFill>
+          <a:ln>
+            <a:solidFill>
+              <a:srgbClr val="FFA26B"/>
+            </a:solidFill>
+          </a:ln>
+        </p:spPr>
+        <p:style>
+          <a:lnRef idx="2">
+            <a:schemeClr val="accent1">
+              <a:shade val="50000"/>
+            </a:schemeClr>
+          </a:lnRef>
+          <a:fillRef idx="1">
+            <a:schemeClr val="accent1"/>
+          </a:fillRef>
+          <a:effectRef idx="0">
+            <a:schemeClr val="accent1"/>
+          </a:effectRef>
+          <a:fontRef idx="minor">
+            <a:schemeClr val="lt1"/>
+          </a:fontRef>
+        </p:style>
+        <p:txBody>
+          <a:bodyPr rtlCol="0" anchor="ctr"/>
+          <a:lstStyle/>
+          <a:p>
+            <a:pPr algn="ctr"/>
+            <a:endParaRPr lang="en-US"/>
+          </a:p>
+        </p:txBody>
+      </p:sp>
+      <p:sp>
+        <p:nvSpPr>
+          <p:cNvPr id="10" name="Rectangle 9"/>
+          <p:cNvSpPr/>
+          <p:nvPr/>
+        </p:nvSpPr>
+        <p:spPr>
+          <a:xfrm>
+            <a:off x="0" y="6564923"/>
+            <a:ext cx="9144000" cy="228600"/>
+          </a:xfrm>
+          <a:prstGeom prst="rect">
+            <a:avLst/>
+          </a:prstGeom>
+          <a:solidFill>
+            <a:srgbClr val="3B5586"/>
+          </a:solidFill>
+          <a:ln>
+            <a:solidFill>
+              <a:srgbClr val="3B5586"/>
+            </a:solidFill>
+          </a:ln>
+        </p:spPr>
+        <p:style>
+          <a:lnRef idx="2">
+            <a:schemeClr val="accent1">
+              <a:shade val="50000"/>
+            </a:schemeClr>
+          </a:lnRef>
+          <a:fillRef idx="1">
+            <a:schemeClr val="accent1"/>
+          </a:fillRef>
+          <a:effectRef idx="0">
+            <a:schemeClr val="accent1"/>
+          </a:effectRef>
+          <a:fontRef idx="minor">
+            <a:schemeClr val="lt1"/>
+          </a:fontRef>
+        </p:style>
+        <p:txBody>
+          <a:bodyPr rtlCol="0" anchor="ctr"/>
+          <a:lstStyle/>
+          <a:p>
+            <a:pPr algn="ctr"/>
+            <a:endParaRPr lang="en-US"/>
+          </a:p>
+        </p:txBody>
+      </p:sp>
+      <p:sp>
+        <p:nvSpPr>
+          <p:cNvPr id="11" name="Rectangle 10"/>
+          <p:cNvSpPr/>
+          <p:nvPr/>
+        </p:nvSpPr>
+        <p:spPr>
+          <a:xfrm>
+            <a:off x="0" y="6793523"/>
+            <a:ext cx="9144000" cy="76200"/>
+          </a:xfrm>
+          <a:prstGeom prst="rect">
+            <a:avLst/>
+          </a:prstGeom>
+          <a:solidFill>
+            <a:srgbClr val="FFA26B"/>
+          </a:solidFill>
+          <a:ln>
+            <a:solidFill>
+              <a:srgbClr val="FFA26B"/>
+            </a:solidFill>
+          </a:ln>
+        </p:spPr>
+        <p:style>
+          <a:lnRef idx="2">
+            <a:schemeClr val="accent1">
+              <a:shade val="50000"/>
+            </a:schemeClr>
+          </a:lnRef>
+          <a:fillRef idx="1">
+            <a:schemeClr val="accent1"/>
+          </a:fillRef>
+          <a:effectRef idx="0">
+            <a:schemeClr val="accent1"/>
+          </a:effectRef>
+          <a:fontRef idx="minor">
+            <a:schemeClr val="lt1"/>
+          </a:fontRef>
+        </p:style>
+        <p:txBody>
+          <a:bodyPr rtlCol="0" anchor="ctr"/>
+          <a:lstStyle/>
+          <a:p>
+            <a:pPr algn="ctr"/>
+            <a:endParaRPr lang="en-US"/>
           </a:p>
         </p:txBody>
       </p:sp>
@@ -8812,12 +9646,12 @@
         <p:spPr>
           <a:xfrm>
             <a:off x="457200" y="1371600"/>
-            <a:ext cx="8229600" cy="4754563"/>
+            <a:ext cx="8229600" cy="5029200"/>
           </a:xfrm>
         </p:spPr>
         <p:txBody>
           <a:bodyPr>
-            <a:normAutofit lnSpcReduction="10000"/>
+            <a:normAutofit fontScale="92500" lnSpcReduction="10000"/>
           </a:bodyPr>
           <a:lstStyle/>
           <a:p>
@@ -8835,7 +9669,15 @@
             <a:pPr lvl="1"/>
             <a:r>
               <a:rPr lang="en-US" dirty="0" smtClean="0"/>
-              <a:t>Place java source file </a:t>
+              <a:t>Place </a:t>
+            </a:r>
+            <a:r>
+              <a:rPr lang="en-US" dirty="0" smtClean="0"/>
+              <a:t>Java </a:t>
+            </a:r>
+            <a:r>
+              <a:rPr lang="en-US" dirty="0" smtClean="0"/>
+              <a:t>source file </a:t>
             </a:r>
             <a:r>
               <a:rPr lang="en-US" dirty="0"/>
@@ -8882,12 +9724,17 @@
             <a:endParaRPr lang="en-US" dirty="0" smtClean="0"/>
           </a:p>
           <a:p>
-            <a:endParaRPr lang="en-US" dirty="0"/>
+            <a:pPr lvl="1"/>
+            <a:endParaRPr lang="en-US" sz="2200" dirty="0" smtClean="0"/>
           </a:p>
           <a:p>
             <a:r>
               <a:rPr lang="en-US" dirty="0" smtClean="0"/>
-              <a:t>As easy as using </a:t>
+              <a:t>As </a:t>
+            </a:r>
+            <a:r>
+              <a:rPr lang="en-US" dirty="0" smtClean="0"/>
+              <a:t>easy as using </a:t>
             </a:r>
             <a:r>
               <a:rPr lang="en-US" dirty="0" err="1" smtClean="0"/>
@@ -8907,8 +9754,24 @@
           <a:p>
             <a:r>
               <a:rPr lang="en-US" dirty="0" smtClean="0"/>
-              <a:t>As fast as any other compiled Java code.</a:t>
-            </a:r>
+              <a:t>As fast as any other compiled Java code</a:t>
+            </a:r>
+            <a:r>
+              <a:rPr lang="en-US" dirty="0" smtClean="0"/>
+              <a:t>.</a:t>
+            </a:r>
+          </a:p>
+          <a:p>
+            <a:r>
+              <a:rPr lang="en-US" dirty="0" smtClean="0"/>
+              <a:t>Can be debugged in an IDE such as Eclipse.</a:t>
+            </a:r>
+          </a:p>
+          <a:p>
+            <a:pPr marL="0" indent="0">
+              <a:buNone/>
+            </a:pPr>
+            <a:endParaRPr lang="en-US" sz="2200" dirty="0" smtClean="0"/>
           </a:p>
           <a:p>
             <a:pPr marL="0" indent="0" algn="ctr">
@@ -8927,6 +9790,198 @@
               <a:t>!</a:t>
             </a:r>
             <a:endParaRPr lang="en-US" dirty="0"/>
+          </a:p>
+        </p:txBody>
+      </p:sp>
+      <p:sp>
+        <p:nvSpPr>
+          <p:cNvPr id="4" name="Rectangle 3"/>
+          <p:cNvSpPr/>
+          <p:nvPr/>
+        </p:nvSpPr>
+        <p:spPr>
+          <a:xfrm>
+            <a:off x="0" y="0"/>
+            <a:ext cx="9144000" cy="228600"/>
+          </a:xfrm>
+          <a:prstGeom prst="rect">
+            <a:avLst/>
+          </a:prstGeom>
+          <a:solidFill>
+            <a:srgbClr val="3B5586"/>
+          </a:solidFill>
+          <a:ln>
+            <a:solidFill>
+              <a:srgbClr val="3B5586"/>
+            </a:solidFill>
+          </a:ln>
+        </p:spPr>
+        <p:style>
+          <a:lnRef idx="2">
+            <a:schemeClr val="accent1">
+              <a:shade val="50000"/>
+            </a:schemeClr>
+          </a:lnRef>
+          <a:fillRef idx="1">
+            <a:schemeClr val="accent1"/>
+          </a:fillRef>
+          <a:effectRef idx="0">
+            <a:schemeClr val="accent1"/>
+          </a:effectRef>
+          <a:fontRef idx="minor">
+            <a:schemeClr val="lt1"/>
+          </a:fontRef>
+        </p:style>
+        <p:txBody>
+          <a:bodyPr rtlCol="0" anchor="ctr"/>
+          <a:lstStyle/>
+          <a:p>
+            <a:pPr algn="ctr"/>
+            <a:endParaRPr lang="en-US"/>
+          </a:p>
+        </p:txBody>
+      </p:sp>
+      <p:sp>
+        <p:nvSpPr>
+          <p:cNvPr id="5" name="Rectangle 4"/>
+          <p:cNvSpPr/>
+          <p:nvPr/>
+        </p:nvSpPr>
+        <p:spPr>
+          <a:xfrm>
+            <a:off x="0" y="228600"/>
+            <a:ext cx="9144000" cy="76200"/>
+          </a:xfrm>
+          <a:prstGeom prst="rect">
+            <a:avLst/>
+          </a:prstGeom>
+          <a:solidFill>
+            <a:srgbClr val="FFA26B"/>
+          </a:solidFill>
+          <a:ln>
+            <a:solidFill>
+              <a:srgbClr val="FFA26B"/>
+            </a:solidFill>
+          </a:ln>
+        </p:spPr>
+        <p:style>
+          <a:lnRef idx="2">
+            <a:schemeClr val="accent1">
+              <a:shade val="50000"/>
+            </a:schemeClr>
+          </a:lnRef>
+          <a:fillRef idx="1">
+            <a:schemeClr val="accent1"/>
+          </a:fillRef>
+          <a:effectRef idx="0">
+            <a:schemeClr val="accent1"/>
+          </a:effectRef>
+          <a:fontRef idx="minor">
+            <a:schemeClr val="lt1"/>
+          </a:fontRef>
+        </p:style>
+        <p:txBody>
+          <a:bodyPr rtlCol="0" anchor="ctr"/>
+          <a:lstStyle/>
+          <a:p>
+            <a:pPr algn="ctr"/>
+            <a:endParaRPr lang="en-US"/>
+          </a:p>
+        </p:txBody>
+      </p:sp>
+      <p:sp>
+        <p:nvSpPr>
+          <p:cNvPr id="6" name="Rectangle 5"/>
+          <p:cNvSpPr/>
+          <p:nvPr/>
+        </p:nvSpPr>
+        <p:spPr>
+          <a:xfrm>
+            <a:off x="0" y="6564923"/>
+            <a:ext cx="9144000" cy="228600"/>
+          </a:xfrm>
+          <a:prstGeom prst="rect">
+            <a:avLst/>
+          </a:prstGeom>
+          <a:solidFill>
+            <a:srgbClr val="3B5586"/>
+          </a:solidFill>
+          <a:ln>
+            <a:solidFill>
+              <a:srgbClr val="3B5586"/>
+            </a:solidFill>
+          </a:ln>
+        </p:spPr>
+        <p:style>
+          <a:lnRef idx="2">
+            <a:schemeClr val="accent1">
+              <a:shade val="50000"/>
+            </a:schemeClr>
+          </a:lnRef>
+          <a:fillRef idx="1">
+            <a:schemeClr val="accent1"/>
+          </a:fillRef>
+          <a:effectRef idx="0">
+            <a:schemeClr val="accent1"/>
+          </a:effectRef>
+          <a:fontRef idx="minor">
+            <a:schemeClr val="lt1"/>
+          </a:fontRef>
+        </p:style>
+        <p:txBody>
+          <a:bodyPr rtlCol="0" anchor="ctr"/>
+          <a:lstStyle/>
+          <a:p>
+            <a:pPr algn="ctr"/>
+            <a:endParaRPr lang="en-US"/>
+          </a:p>
+        </p:txBody>
+      </p:sp>
+      <p:sp>
+        <p:nvSpPr>
+          <p:cNvPr id="7" name="Rectangle 6"/>
+          <p:cNvSpPr/>
+          <p:nvPr/>
+        </p:nvSpPr>
+        <p:spPr>
+          <a:xfrm>
+            <a:off x="0" y="6793523"/>
+            <a:ext cx="9144000" cy="76200"/>
+          </a:xfrm>
+          <a:prstGeom prst="rect">
+            <a:avLst/>
+          </a:prstGeom>
+          <a:solidFill>
+            <a:srgbClr val="FFA26B"/>
+          </a:solidFill>
+          <a:ln>
+            <a:solidFill>
+              <a:srgbClr val="FFA26B"/>
+            </a:solidFill>
+          </a:ln>
+        </p:spPr>
+        <p:style>
+          <a:lnRef idx="2">
+            <a:schemeClr val="accent1">
+              <a:shade val="50000"/>
+            </a:schemeClr>
+          </a:lnRef>
+          <a:fillRef idx="1">
+            <a:schemeClr val="accent1"/>
+          </a:fillRef>
+          <a:effectRef idx="0">
+            <a:schemeClr val="accent1"/>
+          </a:effectRef>
+          <a:fontRef idx="minor">
+            <a:schemeClr val="lt1"/>
+          </a:fontRef>
+        </p:style>
+        <p:txBody>
+          <a:bodyPr rtlCol="0" anchor="ctr"/>
+          <a:lstStyle/>
+          <a:p>
+            <a:pPr algn="ctr"/>
+            <a:endParaRPr lang="en-US"/>
           </a:p>
         </p:txBody>
       </p:sp>
@@ -9200,33 +10255,15 @@
                                   </p:childTnLst>
                                 </p:cTn>
                               </p:par>
-                            </p:childTnLst>
-                          </p:cTn>
-                        </p:par>
-                      </p:childTnLst>
-                    </p:cTn>
-                  </p:par>
-                  <p:par>
-                    <p:cTn id="23" fill="hold">
-                      <p:stCondLst>
-                        <p:cond delay="indefinite"/>
-                      </p:stCondLst>
-                      <p:childTnLst>
-                        <p:par>
-                          <p:cTn id="24" fill="hold">
-                            <p:stCondLst>
-                              <p:cond delay="0"/>
-                            </p:stCondLst>
-                            <p:childTnLst>
                               <p:par>
-                                <p:cTn id="25" presetID="1" presetClass="entr" presetSubtype="0" fill="hold" grpId="0" nodeType="clickEffect">
+                                <p:cTn id="23" presetID="1" presetClass="entr" presetSubtype="0" fill="hold" grpId="0" nodeType="withEffect">
                                   <p:stCondLst>
                                     <p:cond delay="0"/>
                                   </p:stCondLst>
                                   <p:childTnLst>
                                     <p:set>
                                       <p:cBhvr>
-                                        <p:cTn id="26" dur="1" fill="hold">
+                                        <p:cTn id="24" dur="1" fill="hold">
                                           <p:stCondLst>
                                             <p:cond delay="0"/>
                                           </p:stCondLst>
@@ -9235,6 +10272,55 @@
                                           <p:spTgt spid="3">
                                             <p:txEl>
                                               <p:pRg st="8" end="8"/>
+                                            </p:txEl>
+                                          </p:spTgt>
+                                        </p:tgtEl>
+                                        <p:attrNameLst>
+                                          <p:attrName>style.visibility</p:attrName>
+                                        </p:attrNameLst>
+                                      </p:cBhvr>
+                                      <p:to>
+                                        <p:strVal val="visible"/>
+                                      </p:to>
+                                    </p:set>
+                                  </p:childTnLst>
+                                </p:cTn>
+                              </p:par>
+                            </p:childTnLst>
+                          </p:cTn>
+                        </p:par>
+                      </p:childTnLst>
+                    </p:cTn>
+                  </p:par>
+                  <p:par>
+                    <p:cTn id="25" fill="hold">
+                      <p:stCondLst>
+                        <p:cond delay="indefinite"/>
+                      </p:stCondLst>
+                      <p:childTnLst>
+                        <p:par>
+                          <p:cTn id="26" fill="hold">
+                            <p:stCondLst>
+                              <p:cond delay="0"/>
+                            </p:stCondLst>
+                            <p:childTnLst>
+                              <p:par>
+                                <p:cTn id="27" presetID="1" presetClass="entr" presetSubtype="0" fill="hold" grpId="0" nodeType="clickEffect">
+                                  <p:stCondLst>
+                                    <p:cond delay="0"/>
+                                  </p:stCondLst>
+                                  <p:childTnLst>
+                                    <p:set>
+                                      <p:cBhvr>
+                                        <p:cTn id="28" dur="1" fill="hold">
+                                          <p:stCondLst>
+                                            <p:cond delay="0"/>
+                                          </p:stCondLst>
+                                        </p:cTn>
+                                        <p:tgtEl>
+                                          <p:spTgt spid="3">
+                                            <p:txEl>
+                                              <p:pRg st="10" end="10"/>
                                             </p:txEl>
                                           </p:spTgt>
                                         </p:tgtEl>
@@ -9441,11 +10527,7 @@
             </a:r>
             <a:r>
               <a:rPr lang="en-US" sz="2000" dirty="0" smtClean="0"/>
-              <a:t>“</a:t>
-            </a:r>
-            <a:r>
-              <a:rPr lang="en-US" sz="2000" dirty="0" smtClean="0"/>
-              <a:t>0824057007 </a:t>
+              <a:t>“0824057007 </a:t>
             </a:r>
             <a:r>
               <a:rPr lang="en-US" sz="2000" dirty="0"/>
@@ -9569,6 +10651,198 @@
               <a:buNone/>
             </a:pPr>
             <a:endParaRPr lang="en-US" sz="2000" dirty="0"/>
+          </a:p>
+        </p:txBody>
+      </p:sp>
+      <p:sp>
+        <p:nvSpPr>
+          <p:cNvPr id="4" name="Rectangle 3"/>
+          <p:cNvSpPr/>
+          <p:nvPr/>
+        </p:nvSpPr>
+        <p:spPr>
+          <a:xfrm>
+            <a:off x="0" y="0"/>
+            <a:ext cx="9144000" cy="228600"/>
+          </a:xfrm>
+          <a:prstGeom prst="rect">
+            <a:avLst/>
+          </a:prstGeom>
+          <a:solidFill>
+            <a:srgbClr val="3B5586"/>
+          </a:solidFill>
+          <a:ln>
+            <a:solidFill>
+              <a:srgbClr val="3B5586"/>
+            </a:solidFill>
+          </a:ln>
+        </p:spPr>
+        <p:style>
+          <a:lnRef idx="2">
+            <a:schemeClr val="accent1">
+              <a:shade val="50000"/>
+            </a:schemeClr>
+          </a:lnRef>
+          <a:fillRef idx="1">
+            <a:schemeClr val="accent1"/>
+          </a:fillRef>
+          <a:effectRef idx="0">
+            <a:schemeClr val="accent1"/>
+          </a:effectRef>
+          <a:fontRef idx="minor">
+            <a:schemeClr val="lt1"/>
+          </a:fontRef>
+        </p:style>
+        <p:txBody>
+          <a:bodyPr rtlCol="0" anchor="ctr"/>
+          <a:lstStyle/>
+          <a:p>
+            <a:pPr algn="ctr"/>
+            <a:endParaRPr lang="en-US"/>
+          </a:p>
+        </p:txBody>
+      </p:sp>
+      <p:sp>
+        <p:nvSpPr>
+          <p:cNvPr id="5" name="Rectangle 4"/>
+          <p:cNvSpPr/>
+          <p:nvPr/>
+        </p:nvSpPr>
+        <p:spPr>
+          <a:xfrm>
+            <a:off x="0" y="228600"/>
+            <a:ext cx="9144000" cy="76200"/>
+          </a:xfrm>
+          <a:prstGeom prst="rect">
+            <a:avLst/>
+          </a:prstGeom>
+          <a:solidFill>
+            <a:srgbClr val="FFA26B"/>
+          </a:solidFill>
+          <a:ln>
+            <a:solidFill>
+              <a:srgbClr val="FFA26B"/>
+            </a:solidFill>
+          </a:ln>
+        </p:spPr>
+        <p:style>
+          <a:lnRef idx="2">
+            <a:schemeClr val="accent1">
+              <a:shade val="50000"/>
+            </a:schemeClr>
+          </a:lnRef>
+          <a:fillRef idx="1">
+            <a:schemeClr val="accent1"/>
+          </a:fillRef>
+          <a:effectRef idx="0">
+            <a:schemeClr val="accent1"/>
+          </a:effectRef>
+          <a:fontRef idx="minor">
+            <a:schemeClr val="lt1"/>
+          </a:fontRef>
+        </p:style>
+        <p:txBody>
+          <a:bodyPr rtlCol="0" anchor="ctr"/>
+          <a:lstStyle/>
+          <a:p>
+            <a:pPr algn="ctr"/>
+            <a:endParaRPr lang="en-US"/>
+          </a:p>
+        </p:txBody>
+      </p:sp>
+      <p:sp>
+        <p:nvSpPr>
+          <p:cNvPr id="6" name="Rectangle 5"/>
+          <p:cNvSpPr/>
+          <p:nvPr/>
+        </p:nvSpPr>
+        <p:spPr>
+          <a:xfrm>
+            <a:off x="0" y="6564923"/>
+            <a:ext cx="9144000" cy="228600"/>
+          </a:xfrm>
+          <a:prstGeom prst="rect">
+            <a:avLst/>
+          </a:prstGeom>
+          <a:solidFill>
+            <a:srgbClr val="3B5586"/>
+          </a:solidFill>
+          <a:ln>
+            <a:solidFill>
+              <a:srgbClr val="3B5586"/>
+            </a:solidFill>
+          </a:ln>
+        </p:spPr>
+        <p:style>
+          <a:lnRef idx="2">
+            <a:schemeClr val="accent1">
+              <a:shade val="50000"/>
+            </a:schemeClr>
+          </a:lnRef>
+          <a:fillRef idx="1">
+            <a:schemeClr val="accent1"/>
+          </a:fillRef>
+          <a:effectRef idx="0">
+            <a:schemeClr val="accent1"/>
+          </a:effectRef>
+          <a:fontRef idx="minor">
+            <a:schemeClr val="lt1"/>
+          </a:fontRef>
+        </p:style>
+        <p:txBody>
+          <a:bodyPr rtlCol="0" anchor="ctr"/>
+          <a:lstStyle/>
+          <a:p>
+            <a:pPr algn="ctr"/>
+            <a:endParaRPr lang="en-US"/>
+          </a:p>
+        </p:txBody>
+      </p:sp>
+      <p:sp>
+        <p:nvSpPr>
+          <p:cNvPr id="7" name="Rectangle 6"/>
+          <p:cNvSpPr/>
+          <p:nvPr/>
+        </p:nvSpPr>
+        <p:spPr>
+          <a:xfrm>
+            <a:off x="0" y="6793523"/>
+            <a:ext cx="9144000" cy="76200"/>
+          </a:xfrm>
+          <a:prstGeom prst="rect">
+            <a:avLst/>
+          </a:prstGeom>
+          <a:solidFill>
+            <a:srgbClr val="FFA26B"/>
+          </a:solidFill>
+          <a:ln>
+            <a:solidFill>
+              <a:srgbClr val="FFA26B"/>
+            </a:solidFill>
+          </a:ln>
+        </p:spPr>
+        <p:style>
+          <a:lnRef idx="2">
+            <a:schemeClr val="accent1">
+              <a:shade val="50000"/>
+            </a:schemeClr>
+          </a:lnRef>
+          <a:fillRef idx="1">
+            <a:schemeClr val="accent1"/>
+          </a:fillRef>
+          <a:effectRef idx="0">
+            <a:schemeClr val="accent1"/>
+          </a:effectRef>
+          <a:fontRef idx="minor">
+            <a:schemeClr val="lt1"/>
+          </a:fontRef>
+        </p:style>
+        <p:txBody>
+          <a:bodyPr rtlCol="0" anchor="ctr"/>
+          <a:lstStyle/>
+          <a:p>
+            <a:pPr algn="ctr"/>
+            <a:endParaRPr lang="en-US"/>
           </a:p>
         </p:txBody>
       </p:sp>
@@ -9931,6 +11205,198 @@
           </a:p>
         </p:txBody>
       </p:sp>
+      <p:sp>
+        <p:nvSpPr>
+          <p:cNvPr id="4" name="Rectangle 3"/>
+          <p:cNvSpPr/>
+          <p:nvPr/>
+        </p:nvSpPr>
+        <p:spPr>
+          <a:xfrm>
+            <a:off x="0" y="0"/>
+            <a:ext cx="9144000" cy="228600"/>
+          </a:xfrm>
+          <a:prstGeom prst="rect">
+            <a:avLst/>
+          </a:prstGeom>
+          <a:solidFill>
+            <a:srgbClr val="3B5586"/>
+          </a:solidFill>
+          <a:ln>
+            <a:solidFill>
+              <a:srgbClr val="3B5586"/>
+            </a:solidFill>
+          </a:ln>
+        </p:spPr>
+        <p:style>
+          <a:lnRef idx="2">
+            <a:schemeClr val="accent1">
+              <a:shade val="50000"/>
+            </a:schemeClr>
+          </a:lnRef>
+          <a:fillRef idx="1">
+            <a:schemeClr val="accent1"/>
+          </a:fillRef>
+          <a:effectRef idx="0">
+            <a:schemeClr val="accent1"/>
+          </a:effectRef>
+          <a:fontRef idx="minor">
+            <a:schemeClr val="lt1"/>
+          </a:fontRef>
+        </p:style>
+        <p:txBody>
+          <a:bodyPr rtlCol="0" anchor="ctr"/>
+          <a:lstStyle/>
+          <a:p>
+            <a:pPr algn="ctr"/>
+            <a:endParaRPr lang="en-US"/>
+          </a:p>
+        </p:txBody>
+      </p:sp>
+      <p:sp>
+        <p:nvSpPr>
+          <p:cNvPr id="5" name="Rectangle 4"/>
+          <p:cNvSpPr/>
+          <p:nvPr/>
+        </p:nvSpPr>
+        <p:spPr>
+          <a:xfrm>
+            <a:off x="0" y="228600"/>
+            <a:ext cx="9144000" cy="76200"/>
+          </a:xfrm>
+          <a:prstGeom prst="rect">
+            <a:avLst/>
+          </a:prstGeom>
+          <a:solidFill>
+            <a:srgbClr val="FFA26B"/>
+          </a:solidFill>
+          <a:ln>
+            <a:solidFill>
+              <a:srgbClr val="FFA26B"/>
+            </a:solidFill>
+          </a:ln>
+        </p:spPr>
+        <p:style>
+          <a:lnRef idx="2">
+            <a:schemeClr val="accent1">
+              <a:shade val="50000"/>
+            </a:schemeClr>
+          </a:lnRef>
+          <a:fillRef idx="1">
+            <a:schemeClr val="accent1"/>
+          </a:fillRef>
+          <a:effectRef idx="0">
+            <a:schemeClr val="accent1"/>
+          </a:effectRef>
+          <a:fontRef idx="minor">
+            <a:schemeClr val="lt1"/>
+          </a:fontRef>
+        </p:style>
+        <p:txBody>
+          <a:bodyPr rtlCol="0" anchor="ctr"/>
+          <a:lstStyle/>
+          <a:p>
+            <a:pPr algn="ctr"/>
+            <a:endParaRPr lang="en-US"/>
+          </a:p>
+        </p:txBody>
+      </p:sp>
+      <p:sp>
+        <p:nvSpPr>
+          <p:cNvPr id="6" name="Rectangle 5"/>
+          <p:cNvSpPr/>
+          <p:nvPr/>
+        </p:nvSpPr>
+        <p:spPr>
+          <a:xfrm>
+            <a:off x="0" y="6564923"/>
+            <a:ext cx="9144000" cy="228600"/>
+          </a:xfrm>
+          <a:prstGeom prst="rect">
+            <a:avLst/>
+          </a:prstGeom>
+          <a:solidFill>
+            <a:srgbClr val="3B5586"/>
+          </a:solidFill>
+          <a:ln>
+            <a:solidFill>
+              <a:srgbClr val="3B5586"/>
+            </a:solidFill>
+          </a:ln>
+        </p:spPr>
+        <p:style>
+          <a:lnRef idx="2">
+            <a:schemeClr val="accent1">
+              <a:shade val="50000"/>
+            </a:schemeClr>
+          </a:lnRef>
+          <a:fillRef idx="1">
+            <a:schemeClr val="accent1"/>
+          </a:fillRef>
+          <a:effectRef idx="0">
+            <a:schemeClr val="accent1"/>
+          </a:effectRef>
+          <a:fontRef idx="minor">
+            <a:schemeClr val="lt1"/>
+          </a:fontRef>
+        </p:style>
+        <p:txBody>
+          <a:bodyPr rtlCol="0" anchor="ctr"/>
+          <a:lstStyle/>
+          <a:p>
+            <a:pPr algn="ctr"/>
+            <a:endParaRPr lang="en-US"/>
+          </a:p>
+        </p:txBody>
+      </p:sp>
+      <p:sp>
+        <p:nvSpPr>
+          <p:cNvPr id="7" name="Rectangle 6"/>
+          <p:cNvSpPr/>
+          <p:nvPr/>
+        </p:nvSpPr>
+        <p:spPr>
+          <a:xfrm>
+            <a:off x="0" y="6793523"/>
+            <a:ext cx="9144000" cy="76200"/>
+          </a:xfrm>
+          <a:prstGeom prst="rect">
+            <a:avLst/>
+          </a:prstGeom>
+          <a:solidFill>
+            <a:srgbClr val="FFA26B"/>
+          </a:solidFill>
+          <a:ln>
+            <a:solidFill>
+              <a:srgbClr val="FFA26B"/>
+            </a:solidFill>
+          </a:ln>
+        </p:spPr>
+        <p:style>
+          <a:lnRef idx="2">
+            <a:schemeClr val="accent1">
+              <a:shade val="50000"/>
+            </a:schemeClr>
+          </a:lnRef>
+          <a:fillRef idx="1">
+            <a:schemeClr val="accent1"/>
+          </a:fillRef>
+          <a:effectRef idx="0">
+            <a:schemeClr val="accent1"/>
+          </a:effectRef>
+          <a:fontRef idx="minor">
+            <a:schemeClr val="lt1"/>
+          </a:fontRef>
+        </p:style>
+        <p:txBody>
+          <a:bodyPr rtlCol="0" anchor="ctr"/>
+          <a:lstStyle/>
+          <a:p>
+            <a:pPr algn="ctr"/>
+            <a:endParaRPr lang="en-US"/>
+          </a:p>
+        </p:txBody>
+      </p:sp>
     </p:spTree>
     <p:extLst>
       <p:ext uri="{BB962C8B-B14F-4D97-AF65-F5344CB8AC3E}">
@@ -10276,13 +11742,201 @@
             </a:r>
             <a:r>
               <a:rPr lang="en-US" dirty="0" smtClean="0"/>
-              <a:t> </a:t>
-            </a:r>
-            <a:r>
-              <a:rPr lang="en-US" dirty="0" smtClean="0"/>
-              <a:t>6.0</a:t>
+              <a:t> 6.0</a:t>
             </a:r>
             <a:endParaRPr lang="en-US" dirty="0"/>
+          </a:p>
+        </p:txBody>
+      </p:sp>
+      <p:sp>
+        <p:nvSpPr>
+          <p:cNvPr id="4" name="Rectangle 3"/>
+          <p:cNvSpPr/>
+          <p:nvPr/>
+        </p:nvSpPr>
+        <p:spPr>
+          <a:xfrm>
+            <a:off x="0" y="0"/>
+            <a:ext cx="9144000" cy="228600"/>
+          </a:xfrm>
+          <a:prstGeom prst="rect">
+            <a:avLst/>
+          </a:prstGeom>
+          <a:solidFill>
+            <a:srgbClr val="3B5586"/>
+          </a:solidFill>
+          <a:ln>
+            <a:solidFill>
+              <a:srgbClr val="3B5586"/>
+            </a:solidFill>
+          </a:ln>
+        </p:spPr>
+        <p:style>
+          <a:lnRef idx="2">
+            <a:schemeClr val="accent1">
+              <a:shade val="50000"/>
+            </a:schemeClr>
+          </a:lnRef>
+          <a:fillRef idx="1">
+            <a:schemeClr val="accent1"/>
+          </a:fillRef>
+          <a:effectRef idx="0">
+            <a:schemeClr val="accent1"/>
+          </a:effectRef>
+          <a:fontRef idx="minor">
+            <a:schemeClr val="lt1"/>
+          </a:fontRef>
+        </p:style>
+        <p:txBody>
+          <a:bodyPr rtlCol="0" anchor="ctr"/>
+          <a:lstStyle/>
+          <a:p>
+            <a:pPr algn="ctr"/>
+            <a:endParaRPr lang="en-US"/>
+          </a:p>
+        </p:txBody>
+      </p:sp>
+      <p:sp>
+        <p:nvSpPr>
+          <p:cNvPr id="5" name="Rectangle 4"/>
+          <p:cNvSpPr/>
+          <p:nvPr/>
+        </p:nvSpPr>
+        <p:spPr>
+          <a:xfrm>
+            <a:off x="0" y="228600"/>
+            <a:ext cx="9144000" cy="76200"/>
+          </a:xfrm>
+          <a:prstGeom prst="rect">
+            <a:avLst/>
+          </a:prstGeom>
+          <a:solidFill>
+            <a:srgbClr val="FFA26B"/>
+          </a:solidFill>
+          <a:ln>
+            <a:solidFill>
+              <a:srgbClr val="FFA26B"/>
+            </a:solidFill>
+          </a:ln>
+        </p:spPr>
+        <p:style>
+          <a:lnRef idx="2">
+            <a:schemeClr val="accent1">
+              <a:shade val="50000"/>
+            </a:schemeClr>
+          </a:lnRef>
+          <a:fillRef idx="1">
+            <a:schemeClr val="accent1"/>
+          </a:fillRef>
+          <a:effectRef idx="0">
+            <a:schemeClr val="accent1"/>
+          </a:effectRef>
+          <a:fontRef idx="minor">
+            <a:schemeClr val="lt1"/>
+          </a:fontRef>
+        </p:style>
+        <p:txBody>
+          <a:bodyPr rtlCol="0" anchor="ctr"/>
+          <a:lstStyle/>
+          <a:p>
+            <a:pPr algn="ctr"/>
+            <a:endParaRPr lang="en-US"/>
+          </a:p>
+        </p:txBody>
+      </p:sp>
+      <p:sp>
+        <p:nvSpPr>
+          <p:cNvPr id="6" name="Rectangle 5"/>
+          <p:cNvSpPr/>
+          <p:nvPr/>
+        </p:nvSpPr>
+        <p:spPr>
+          <a:xfrm>
+            <a:off x="0" y="6564923"/>
+            <a:ext cx="9144000" cy="228600"/>
+          </a:xfrm>
+          <a:prstGeom prst="rect">
+            <a:avLst/>
+          </a:prstGeom>
+          <a:solidFill>
+            <a:srgbClr val="3B5586"/>
+          </a:solidFill>
+          <a:ln>
+            <a:solidFill>
+              <a:srgbClr val="3B5586"/>
+            </a:solidFill>
+          </a:ln>
+        </p:spPr>
+        <p:style>
+          <a:lnRef idx="2">
+            <a:schemeClr val="accent1">
+              <a:shade val="50000"/>
+            </a:schemeClr>
+          </a:lnRef>
+          <a:fillRef idx="1">
+            <a:schemeClr val="accent1"/>
+          </a:fillRef>
+          <a:effectRef idx="0">
+            <a:schemeClr val="accent1"/>
+          </a:effectRef>
+          <a:fontRef idx="minor">
+            <a:schemeClr val="lt1"/>
+          </a:fontRef>
+        </p:style>
+        <p:txBody>
+          <a:bodyPr rtlCol="0" anchor="ctr"/>
+          <a:lstStyle/>
+          <a:p>
+            <a:pPr algn="ctr"/>
+            <a:endParaRPr lang="en-US"/>
+          </a:p>
+        </p:txBody>
+      </p:sp>
+      <p:sp>
+        <p:nvSpPr>
+          <p:cNvPr id="7" name="Rectangle 6"/>
+          <p:cNvSpPr/>
+          <p:nvPr/>
+        </p:nvSpPr>
+        <p:spPr>
+          <a:xfrm>
+            <a:off x="0" y="6793523"/>
+            <a:ext cx="9144000" cy="76200"/>
+          </a:xfrm>
+          <a:prstGeom prst="rect">
+            <a:avLst/>
+          </a:prstGeom>
+          <a:solidFill>
+            <a:srgbClr val="FFA26B"/>
+          </a:solidFill>
+          <a:ln>
+            <a:solidFill>
+              <a:srgbClr val="FFA26B"/>
+            </a:solidFill>
+          </a:ln>
+        </p:spPr>
+        <p:style>
+          <a:lnRef idx="2">
+            <a:schemeClr val="accent1">
+              <a:shade val="50000"/>
+            </a:schemeClr>
+          </a:lnRef>
+          <a:fillRef idx="1">
+            <a:schemeClr val="accent1"/>
+          </a:fillRef>
+          <a:effectRef idx="0">
+            <a:schemeClr val="accent1"/>
+          </a:effectRef>
+          <a:fontRef idx="minor">
+            <a:schemeClr val="lt1"/>
+          </a:fontRef>
+        </p:style>
+        <p:txBody>
+          <a:bodyPr rtlCol="0" anchor="ctr"/>
+          <a:lstStyle/>
+          <a:p>
+            <a:pPr algn="ctr"/>
+            <a:endParaRPr lang="en-US"/>
           </a:p>
         </p:txBody>
       </p:sp>
@@ -10602,6 +12256,198 @@
           </a:p>
           <a:p>
             <a:endParaRPr lang="en-US" dirty="0"/>
+          </a:p>
+        </p:txBody>
+      </p:sp>
+      <p:sp>
+        <p:nvSpPr>
+          <p:cNvPr id="4" name="Rectangle 3"/>
+          <p:cNvSpPr/>
+          <p:nvPr/>
+        </p:nvSpPr>
+        <p:spPr>
+          <a:xfrm>
+            <a:off x="0" y="0"/>
+            <a:ext cx="9144000" cy="228600"/>
+          </a:xfrm>
+          <a:prstGeom prst="rect">
+            <a:avLst/>
+          </a:prstGeom>
+          <a:solidFill>
+            <a:srgbClr val="3B5586"/>
+          </a:solidFill>
+          <a:ln>
+            <a:solidFill>
+              <a:srgbClr val="3B5586"/>
+            </a:solidFill>
+          </a:ln>
+        </p:spPr>
+        <p:style>
+          <a:lnRef idx="2">
+            <a:schemeClr val="accent1">
+              <a:shade val="50000"/>
+            </a:schemeClr>
+          </a:lnRef>
+          <a:fillRef idx="1">
+            <a:schemeClr val="accent1"/>
+          </a:fillRef>
+          <a:effectRef idx="0">
+            <a:schemeClr val="accent1"/>
+          </a:effectRef>
+          <a:fontRef idx="minor">
+            <a:schemeClr val="lt1"/>
+          </a:fontRef>
+        </p:style>
+        <p:txBody>
+          <a:bodyPr rtlCol="0" anchor="ctr"/>
+          <a:lstStyle/>
+          <a:p>
+            <a:pPr algn="ctr"/>
+            <a:endParaRPr lang="en-US"/>
+          </a:p>
+        </p:txBody>
+      </p:sp>
+      <p:sp>
+        <p:nvSpPr>
+          <p:cNvPr id="5" name="Rectangle 4"/>
+          <p:cNvSpPr/>
+          <p:nvPr/>
+        </p:nvSpPr>
+        <p:spPr>
+          <a:xfrm>
+            <a:off x="0" y="228600"/>
+            <a:ext cx="9144000" cy="76200"/>
+          </a:xfrm>
+          <a:prstGeom prst="rect">
+            <a:avLst/>
+          </a:prstGeom>
+          <a:solidFill>
+            <a:srgbClr val="FFA26B"/>
+          </a:solidFill>
+          <a:ln>
+            <a:solidFill>
+              <a:srgbClr val="FFA26B"/>
+            </a:solidFill>
+          </a:ln>
+        </p:spPr>
+        <p:style>
+          <a:lnRef idx="2">
+            <a:schemeClr val="accent1">
+              <a:shade val="50000"/>
+            </a:schemeClr>
+          </a:lnRef>
+          <a:fillRef idx="1">
+            <a:schemeClr val="accent1"/>
+          </a:fillRef>
+          <a:effectRef idx="0">
+            <a:schemeClr val="accent1"/>
+          </a:effectRef>
+          <a:fontRef idx="minor">
+            <a:schemeClr val="lt1"/>
+          </a:fontRef>
+        </p:style>
+        <p:txBody>
+          <a:bodyPr rtlCol="0" anchor="ctr"/>
+          <a:lstStyle/>
+          <a:p>
+            <a:pPr algn="ctr"/>
+            <a:endParaRPr lang="en-US"/>
+          </a:p>
+        </p:txBody>
+      </p:sp>
+      <p:sp>
+        <p:nvSpPr>
+          <p:cNvPr id="6" name="Rectangle 5"/>
+          <p:cNvSpPr/>
+          <p:nvPr/>
+        </p:nvSpPr>
+        <p:spPr>
+          <a:xfrm>
+            <a:off x="0" y="6564923"/>
+            <a:ext cx="9144000" cy="228600"/>
+          </a:xfrm>
+          <a:prstGeom prst="rect">
+            <a:avLst/>
+          </a:prstGeom>
+          <a:solidFill>
+            <a:srgbClr val="3B5586"/>
+          </a:solidFill>
+          <a:ln>
+            <a:solidFill>
+              <a:srgbClr val="3B5586"/>
+            </a:solidFill>
+          </a:ln>
+        </p:spPr>
+        <p:style>
+          <a:lnRef idx="2">
+            <a:schemeClr val="accent1">
+              <a:shade val="50000"/>
+            </a:schemeClr>
+          </a:lnRef>
+          <a:fillRef idx="1">
+            <a:schemeClr val="accent1"/>
+          </a:fillRef>
+          <a:effectRef idx="0">
+            <a:schemeClr val="accent1"/>
+          </a:effectRef>
+          <a:fontRef idx="minor">
+            <a:schemeClr val="lt1"/>
+          </a:fontRef>
+        </p:style>
+        <p:txBody>
+          <a:bodyPr rtlCol="0" anchor="ctr"/>
+          <a:lstStyle/>
+          <a:p>
+            <a:pPr algn="ctr"/>
+            <a:endParaRPr lang="en-US"/>
+          </a:p>
+        </p:txBody>
+      </p:sp>
+      <p:sp>
+        <p:nvSpPr>
+          <p:cNvPr id="7" name="Rectangle 6"/>
+          <p:cNvSpPr/>
+          <p:nvPr/>
+        </p:nvSpPr>
+        <p:spPr>
+          <a:xfrm>
+            <a:off x="0" y="6793523"/>
+            <a:ext cx="9144000" cy="76200"/>
+          </a:xfrm>
+          <a:prstGeom prst="rect">
+            <a:avLst/>
+          </a:prstGeom>
+          <a:solidFill>
+            <a:srgbClr val="FFA26B"/>
+          </a:solidFill>
+          <a:ln>
+            <a:solidFill>
+              <a:srgbClr val="FFA26B"/>
+            </a:solidFill>
+          </a:ln>
+        </p:spPr>
+        <p:style>
+          <a:lnRef idx="2">
+            <a:schemeClr val="accent1">
+              <a:shade val="50000"/>
+            </a:schemeClr>
+          </a:lnRef>
+          <a:fillRef idx="1">
+            <a:schemeClr val="accent1"/>
+          </a:fillRef>
+          <a:effectRef idx="0">
+            <a:schemeClr val="accent1"/>
+          </a:effectRef>
+          <a:fontRef idx="minor">
+            <a:schemeClr val="lt1"/>
+          </a:fontRef>
+        </p:style>
+        <p:txBody>
+          <a:bodyPr rtlCol="0" anchor="ctr"/>
+          <a:lstStyle/>
+          <a:p>
+            <a:pPr algn="ctr"/>
+            <a:endParaRPr lang="en-US"/>
           </a:p>
         </p:txBody>
       </p:sp>
@@ -10926,15 +12772,7 @@
             </a:pPr>
             <a:r>
               <a:rPr lang="en-US" dirty="0" smtClean="0"/>
-              <a:t>4,847,392 records in </a:t>
-            </a:r>
-            <a:r>
-              <a:rPr lang="en-US" dirty="0" smtClean="0"/>
-              <a:t>17 </a:t>
-            </a:r>
-            <a:r>
-              <a:rPr lang="en-US" dirty="0" smtClean="0"/>
-              <a:t>hours 36 minutes</a:t>
+              <a:t>4,847,392 records in 17 hours 36 minutes</a:t>
             </a:r>
           </a:p>
           <a:p>
@@ -10943,11 +12781,7 @@
             </a:pPr>
             <a:r>
               <a:rPr lang="en-US" dirty="0" smtClean="0"/>
-              <a:t>   (7</a:t>
-            </a:r>
-            <a:r>
-              <a:rPr lang="en-US" dirty="0" smtClean="0"/>
-              <a:t>6.6 recs/second)</a:t>
+              <a:t>   (76.6 recs/second)</a:t>
             </a:r>
             <a:endParaRPr lang="en-US" dirty="0"/>
           </a:p>
@@ -10969,15 +12803,7 @@
             </a:pPr>
             <a:r>
               <a:rPr lang="en-US" dirty="0" smtClean="0"/>
-              <a:t>5,141,401 records in 1 hour </a:t>
-            </a:r>
-            <a:r>
-              <a:rPr lang="en-US" dirty="0" smtClean="0"/>
-              <a:t>3 </a:t>
-            </a:r>
-            <a:r>
-              <a:rPr lang="en-US" dirty="0" smtClean="0"/>
-              <a:t>minutes</a:t>
+              <a:t>5,141,401 records in 1 hour 3 minutes</a:t>
             </a:r>
             <a:endParaRPr lang="en-US" dirty="0"/>
           </a:p>
@@ -11002,13 +12828,201 @@
             </a:pPr>
             <a:r>
               <a:rPr lang="en-US" dirty="0" smtClean="0"/>
-              <a:t>17.7 </a:t>
-            </a:r>
-            <a:r>
-              <a:rPr lang="en-US" dirty="0" smtClean="0"/>
-              <a:t>times faster</a:t>
+              <a:t>17.7 times faster</a:t>
             </a:r>
             <a:endParaRPr lang="en-US" dirty="0"/>
+          </a:p>
+        </p:txBody>
+      </p:sp>
+      <p:sp>
+        <p:nvSpPr>
+          <p:cNvPr id="4" name="Rectangle 3"/>
+          <p:cNvSpPr/>
+          <p:nvPr/>
+        </p:nvSpPr>
+        <p:spPr>
+          <a:xfrm>
+            <a:off x="0" y="0"/>
+            <a:ext cx="9144000" cy="228600"/>
+          </a:xfrm>
+          <a:prstGeom prst="rect">
+            <a:avLst/>
+          </a:prstGeom>
+          <a:solidFill>
+            <a:srgbClr val="3B5586"/>
+          </a:solidFill>
+          <a:ln>
+            <a:solidFill>
+              <a:srgbClr val="3B5586"/>
+            </a:solidFill>
+          </a:ln>
+        </p:spPr>
+        <p:style>
+          <a:lnRef idx="2">
+            <a:schemeClr val="accent1">
+              <a:shade val="50000"/>
+            </a:schemeClr>
+          </a:lnRef>
+          <a:fillRef idx="1">
+            <a:schemeClr val="accent1"/>
+          </a:fillRef>
+          <a:effectRef idx="0">
+            <a:schemeClr val="accent1"/>
+          </a:effectRef>
+          <a:fontRef idx="minor">
+            <a:schemeClr val="lt1"/>
+          </a:fontRef>
+        </p:style>
+        <p:txBody>
+          <a:bodyPr rtlCol="0" anchor="ctr"/>
+          <a:lstStyle/>
+          <a:p>
+            <a:pPr algn="ctr"/>
+            <a:endParaRPr lang="en-US"/>
+          </a:p>
+        </p:txBody>
+      </p:sp>
+      <p:sp>
+        <p:nvSpPr>
+          <p:cNvPr id="5" name="Rectangle 4"/>
+          <p:cNvSpPr/>
+          <p:nvPr/>
+        </p:nvSpPr>
+        <p:spPr>
+          <a:xfrm>
+            <a:off x="0" y="228600"/>
+            <a:ext cx="9144000" cy="76200"/>
+          </a:xfrm>
+          <a:prstGeom prst="rect">
+            <a:avLst/>
+          </a:prstGeom>
+          <a:solidFill>
+            <a:srgbClr val="FFA26B"/>
+          </a:solidFill>
+          <a:ln>
+            <a:solidFill>
+              <a:srgbClr val="FFA26B"/>
+            </a:solidFill>
+          </a:ln>
+        </p:spPr>
+        <p:style>
+          <a:lnRef idx="2">
+            <a:schemeClr val="accent1">
+              <a:shade val="50000"/>
+            </a:schemeClr>
+          </a:lnRef>
+          <a:fillRef idx="1">
+            <a:schemeClr val="accent1"/>
+          </a:fillRef>
+          <a:effectRef idx="0">
+            <a:schemeClr val="accent1"/>
+          </a:effectRef>
+          <a:fontRef idx="minor">
+            <a:schemeClr val="lt1"/>
+          </a:fontRef>
+        </p:style>
+        <p:txBody>
+          <a:bodyPr rtlCol="0" anchor="ctr"/>
+          <a:lstStyle/>
+          <a:p>
+            <a:pPr algn="ctr"/>
+            <a:endParaRPr lang="en-US"/>
+          </a:p>
+        </p:txBody>
+      </p:sp>
+      <p:sp>
+        <p:nvSpPr>
+          <p:cNvPr id="6" name="Rectangle 5"/>
+          <p:cNvSpPr/>
+          <p:nvPr/>
+        </p:nvSpPr>
+        <p:spPr>
+          <a:xfrm>
+            <a:off x="0" y="6564923"/>
+            <a:ext cx="9144000" cy="228600"/>
+          </a:xfrm>
+          <a:prstGeom prst="rect">
+            <a:avLst/>
+          </a:prstGeom>
+          <a:solidFill>
+            <a:srgbClr val="3B5586"/>
+          </a:solidFill>
+          <a:ln>
+            <a:solidFill>
+              <a:srgbClr val="3B5586"/>
+            </a:solidFill>
+          </a:ln>
+        </p:spPr>
+        <p:style>
+          <a:lnRef idx="2">
+            <a:schemeClr val="accent1">
+              <a:shade val="50000"/>
+            </a:schemeClr>
+          </a:lnRef>
+          <a:fillRef idx="1">
+            <a:schemeClr val="accent1"/>
+          </a:fillRef>
+          <a:effectRef idx="0">
+            <a:schemeClr val="accent1"/>
+          </a:effectRef>
+          <a:fontRef idx="minor">
+            <a:schemeClr val="lt1"/>
+          </a:fontRef>
+        </p:style>
+        <p:txBody>
+          <a:bodyPr rtlCol="0" anchor="ctr"/>
+          <a:lstStyle/>
+          <a:p>
+            <a:pPr algn="ctr"/>
+            <a:endParaRPr lang="en-US"/>
+          </a:p>
+        </p:txBody>
+      </p:sp>
+      <p:sp>
+        <p:nvSpPr>
+          <p:cNvPr id="7" name="Rectangle 6"/>
+          <p:cNvSpPr/>
+          <p:nvPr/>
+        </p:nvSpPr>
+        <p:spPr>
+          <a:xfrm>
+            <a:off x="0" y="6793523"/>
+            <a:ext cx="9144000" cy="76200"/>
+          </a:xfrm>
+          <a:prstGeom prst="rect">
+            <a:avLst/>
+          </a:prstGeom>
+          <a:solidFill>
+            <a:srgbClr val="FFA26B"/>
+          </a:solidFill>
+          <a:ln>
+            <a:solidFill>
+              <a:srgbClr val="FFA26B"/>
+            </a:solidFill>
+          </a:ln>
+        </p:spPr>
+        <p:style>
+          <a:lnRef idx="2">
+            <a:schemeClr val="accent1">
+              <a:shade val="50000"/>
+            </a:schemeClr>
+          </a:lnRef>
+          <a:fillRef idx="1">
+            <a:schemeClr val="accent1"/>
+          </a:fillRef>
+          <a:effectRef idx="0">
+            <a:schemeClr val="accent1"/>
+          </a:effectRef>
+          <a:fontRef idx="minor">
+            <a:schemeClr val="lt1"/>
+          </a:fontRef>
+        </p:style>
+        <p:txBody>
+          <a:bodyPr rtlCol="0" anchor="ctr"/>
+          <a:lstStyle/>
+          <a:p>
+            <a:pPr algn="ctr"/>
+            <a:endParaRPr lang="en-US"/>
           </a:p>
         </p:txBody>
       </p:sp>
@@ -11773,6 +13787,198 @@
           </a:p>
           <a:p>
             <a:endParaRPr lang="en-US" sz="1900" dirty="0"/>
+          </a:p>
+        </p:txBody>
+      </p:sp>
+      <p:sp>
+        <p:nvSpPr>
+          <p:cNvPr id="12" name="Rectangle 11"/>
+          <p:cNvSpPr/>
+          <p:nvPr/>
+        </p:nvSpPr>
+        <p:spPr>
+          <a:xfrm>
+            <a:off x="0" y="0"/>
+            <a:ext cx="9144000" cy="228600"/>
+          </a:xfrm>
+          <a:prstGeom prst="rect">
+            <a:avLst/>
+          </a:prstGeom>
+          <a:solidFill>
+            <a:srgbClr val="3B5586"/>
+          </a:solidFill>
+          <a:ln>
+            <a:solidFill>
+              <a:srgbClr val="3B5586"/>
+            </a:solidFill>
+          </a:ln>
+        </p:spPr>
+        <p:style>
+          <a:lnRef idx="2">
+            <a:schemeClr val="accent1">
+              <a:shade val="50000"/>
+            </a:schemeClr>
+          </a:lnRef>
+          <a:fillRef idx="1">
+            <a:schemeClr val="accent1"/>
+          </a:fillRef>
+          <a:effectRef idx="0">
+            <a:schemeClr val="accent1"/>
+          </a:effectRef>
+          <a:fontRef idx="minor">
+            <a:schemeClr val="lt1"/>
+          </a:fontRef>
+        </p:style>
+        <p:txBody>
+          <a:bodyPr rtlCol="0" anchor="ctr"/>
+          <a:lstStyle/>
+          <a:p>
+            <a:pPr algn="ctr"/>
+            <a:endParaRPr lang="en-US"/>
+          </a:p>
+        </p:txBody>
+      </p:sp>
+      <p:sp>
+        <p:nvSpPr>
+          <p:cNvPr id="13" name="Rectangle 12"/>
+          <p:cNvSpPr/>
+          <p:nvPr/>
+        </p:nvSpPr>
+        <p:spPr>
+          <a:xfrm>
+            <a:off x="0" y="228600"/>
+            <a:ext cx="9144000" cy="76200"/>
+          </a:xfrm>
+          <a:prstGeom prst="rect">
+            <a:avLst/>
+          </a:prstGeom>
+          <a:solidFill>
+            <a:srgbClr val="FFA26B"/>
+          </a:solidFill>
+          <a:ln>
+            <a:solidFill>
+              <a:srgbClr val="FFA26B"/>
+            </a:solidFill>
+          </a:ln>
+        </p:spPr>
+        <p:style>
+          <a:lnRef idx="2">
+            <a:schemeClr val="accent1">
+              <a:shade val="50000"/>
+            </a:schemeClr>
+          </a:lnRef>
+          <a:fillRef idx="1">
+            <a:schemeClr val="accent1"/>
+          </a:fillRef>
+          <a:effectRef idx="0">
+            <a:schemeClr val="accent1"/>
+          </a:effectRef>
+          <a:fontRef idx="minor">
+            <a:schemeClr val="lt1"/>
+          </a:fontRef>
+        </p:style>
+        <p:txBody>
+          <a:bodyPr rtlCol="0" anchor="ctr"/>
+          <a:lstStyle/>
+          <a:p>
+            <a:pPr algn="ctr"/>
+            <a:endParaRPr lang="en-US"/>
+          </a:p>
+        </p:txBody>
+      </p:sp>
+      <p:sp>
+        <p:nvSpPr>
+          <p:cNvPr id="14" name="Rectangle 13"/>
+          <p:cNvSpPr/>
+          <p:nvPr/>
+        </p:nvSpPr>
+        <p:spPr>
+          <a:xfrm>
+            <a:off x="0" y="6564923"/>
+            <a:ext cx="9144000" cy="228600"/>
+          </a:xfrm>
+          <a:prstGeom prst="rect">
+            <a:avLst/>
+          </a:prstGeom>
+          <a:solidFill>
+            <a:srgbClr val="3B5586"/>
+          </a:solidFill>
+          <a:ln>
+            <a:solidFill>
+              <a:srgbClr val="3B5586"/>
+            </a:solidFill>
+          </a:ln>
+        </p:spPr>
+        <p:style>
+          <a:lnRef idx="2">
+            <a:schemeClr val="accent1">
+              <a:shade val="50000"/>
+            </a:schemeClr>
+          </a:lnRef>
+          <a:fillRef idx="1">
+            <a:schemeClr val="accent1"/>
+          </a:fillRef>
+          <a:effectRef idx="0">
+            <a:schemeClr val="accent1"/>
+          </a:effectRef>
+          <a:fontRef idx="minor">
+            <a:schemeClr val="lt1"/>
+          </a:fontRef>
+        </p:style>
+        <p:txBody>
+          <a:bodyPr rtlCol="0" anchor="ctr"/>
+          <a:lstStyle/>
+          <a:p>
+            <a:pPr algn="ctr"/>
+            <a:endParaRPr lang="en-US"/>
+          </a:p>
+        </p:txBody>
+      </p:sp>
+      <p:sp>
+        <p:nvSpPr>
+          <p:cNvPr id="15" name="Rectangle 14"/>
+          <p:cNvSpPr/>
+          <p:nvPr/>
+        </p:nvSpPr>
+        <p:spPr>
+          <a:xfrm>
+            <a:off x="0" y="6793523"/>
+            <a:ext cx="9144000" cy="76200"/>
+          </a:xfrm>
+          <a:prstGeom prst="rect">
+            <a:avLst/>
+          </a:prstGeom>
+          <a:solidFill>
+            <a:srgbClr val="FFA26B"/>
+          </a:solidFill>
+          <a:ln>
+            <a:solidFill>
+              <a:srgbClr val="FFA26B"/>
+            </a:solidFill>
+          </a:ln>
+        </p:spPr>
+        <p:style>
+          <a:lnRef idx="2">
+            <a:schemeClr val="accent1">
+              <a:shade val="50000"/>
+            </a:schemeClr>
+          </a:lnRef>
+          <a:fillRef idx="1">
+            <a:schemeClr val="accent1"/>
+          </a:fillRef>
+          <a:effectRef idx="0">
+            <a:schemeClr val="accent1"/>
+          </a:effectRef>
+          <a:fontRef idx="minor">
+            <a:schemeClr val="lt1"/>
+          </a:fontRef>
+        </p:style>
+        <p:txBody>
+          <a:bodyPr rtlCol="0" anchor="ctr"/>
+          <a:lstStyle/>
+          <a:p>
+            <a:pPr algn="ctr"/>
+            <a:endParaRPr lang="en-US"/>
           </a:p>
         </p:txBody>
       </p:sp>
@@ -12572,13 +14778,201 @@
           <a:p>
             <a:r>
               <a:rPr lang="en-US" dirty="0" smtClean="0"/>
-              <a:t>Designed with Simple </a:t>
-            </a:r>
-            <a:r>
-              <a:rPr lang="en-US" dirty="0" smtClean="0"/>
-              <a:t>Index Specification, plus translation maps, plus Custom Index Methods</a:t>
+              <a:t>Designed with Simple Index Specification, plus translation maps, plus Custom Index Methods</a:t>
             </a:r>
             <a:endParaRPr lang="en-US" dirty="0"/>
+          </a:p>
+        </p:txBody>
+      </p:sp>
+      <p:sp>
+        <p:nvSpPr>
+          <p:cNvPr id="5" name="Rectangle 4"/>
+          <p:cNvSpPr/>
+          <p:nvPr/>
+        </p:nvSpPr>
+        <p:spPr>
+          <a:xfrm>
+            <a:off x="0" y="0"/>
+            <a:ext cx="9144000" cy="228600"/>
+          </a:xfrm>
+          <a:prstGeom prst="rect">
+            <a:avLst/>
+          </a:prstGeom>
+          <a:solidFill>
+            <a:srgbClr val="3B5586"/>
+          </a:solidFill>
+          <a:ln>
+            <a:solidFill>
+              <a:srgbClr val="3B5586"/>
+            </a:solidFill>
+          </a:ln>
+        </p:spPr>
+        <p:style>
+          <a:lnRef idx="2">
+            <a:schemeClr val="accent1">
+              <a:shade val="50000"/>
+            </a:schemeClr>
+          </a:lnRef>
+          <a:fillRef idx="1">
+            <a:schemeClr val="accent1"/>
+          </a:fillRef>
+          <a:effectRef idx="0">
+            <a:schemeClr val="accent1"/>
+          </a:effectRef>
+          <a:fontRef idx="minor">
+            <a:schemeClr val="lt1"/>
+          </a:fontRef>
+        </p:style>
+        <p:txBody>
+          <a:bodyPr rtlCol="0" anchor="ctr"/>
+          <a:lstStyle/>
+          <a:p>
+            <a:pPr algn="ctr"/>
+            <a:endParaRPr lang="en-US"/>
+          </a:p>
+        </p:txBody>
+      </p:sp>
+      <p:sp>
+        <p:nvSpPr>
+          <p:cNvPr id="6" name="Rectangle 5"/>
+          <p:cNvSpPr/>
+          <p:nvPr/>
+        </p:nvSpPr>
+        <p:spPr>
+          <a:xfrm>
+            <a:off x="0" y="228600"/>
+            <a:ext cx="9144000" cy="76200"/>
+          </a:xfrm>
+          <a:prstGeom prst="rect">
+            <a:avLst/>
+          </a:prstGeom>
+          <a:solidFill>
+            <a:srgbClr val="FFA26B"/>
+          </a:solidFill>
+          <a:ln>
+            <a:solidFill>
+              <a:srgbClr val="FFA26B"/>
+            </a:solidFill>
+          </a:ln>
+        </p:spPr>
+        <p:style>
+          <a:lnRef idx="2">
+            <a:schemeClr val="accent1">
+              <a:shade val="50000"/>
+            </a:schemeClr>
+          </a:lnRef>
+          <a:fillRef idx="1">
+            <a:schemeClr val="accent1"/>
+          </a:fillRef>
+          <a:effectRef idx="0">
+            <a:schemeClr val="accent1"/>
+          </a:effectRef>
+          <a:fontRef idx="minor">
+            <a:schemeClr val="lt1"/>
+          </a:fontRef>
+        </p:style>
+        <p:txBody>
+          <a:bodyPr rtlCol="0" anchor="ctr"/>
+          <a:lstStyle/>
+          <a:p>
+            <a:pPr algn="ctr"/>
+            <a:endParaRPr lang="en-US"/>
+          </a:p>
+        </p:txBody>
+      </p:sp>
+      <p:sp>
+        <p:nvSpPr>
+          <p:cNvPr id="7" name="Rectangle 6"/>
+          <p:cNvSpPr/>
+          <p:nvPr/>
+        </p:nvSpPr>
+        <p:spPr>
+          <a:xfrm>
+            <a:off x="0" y="6564923"/>
+            <a:ext cx="9144000" cy="228600"/>
+          </a:xfrm>
+          <a:prstGeom prst="rect">
+            <a:avLst/>
+          </a:prstGeom>
+          <a:solidFill>
+            <a:srgbClr val="3B5586"/>
+          </a:solidFill>
+          <a:ln>
+            <a:solidFill>
+              <a:srgbClr val="3B5586"/>
+            </a:solidFill>
+          </a:ln>
+        </p:spPr>
+        <p:style>
+          <a:lnRef idx="2">
+            <a:schemeClr val="accent1">
+              <a:shade val="50000"/>
+            </a:schemeClr>
+          </a:lnRef>
+          <a:fillRef idx="1">
+            <a:schemeClr val="accent1"/>
+          </a:fillRef>
+          <a:effectRef idx="0">
+            <a:schemeClr val="accent1"/>
+          </a:effectRef>
+          <a:fontRef idx="minor">
+            <a:schemeClr val="lt1"/>
+          </a:fontRef>
+        </p:style>
+        <p:txBody>
+          <a:bodyPr rtlCol="0" anchor="ctr"/>
+          <a:lstStyle/>
+          <a:p>
+            <a:pPr algn="ctr"/>
+            <a:endParaRPr lang="en-US"/>
+          </a:p>
+        </p:txBody>
+      </p:sp>
+      <p:sp>
+        <p:nvSpPr>
+          <p:cNvPr id="8" name="Rectangle 7"/>
+          <p:cNvSpPr/>
+          <p:nvPr/>
+        </p:nvSpPr>
+        <p:spPr>
+          <a:xfrm>
+            <a:off x="0" y="6793523"/>
+            <a:ext cx="9144000" cy="76200"/>
+          </a:xfrm>
+          <a:prstGeom prst="rect">
+            <a:avLst/>
+          </a:prstGeom>
+          <a:solidFill>
+            <a:srgbClr val="FFA26B"/>
+          </a:solidFill>
+          <a:ln>
+            <a:solidFill>
+              <a:srgbClr val="FFA26B"/>
+            </a:solidFill>
+          </a:ln>
+        </p:spPr>
+        <p:style>
+          <a:lnRef idx="2">
+            <a:schemeClr val="accent1">
+              <a:shade val="50000"/>
+            </a:schemeClr>
+          </a:lnRef>
+          <a:fillRef idx="1">
+            <a:schemeClr val="accent1"/>
+          </a:fillRef>
+          <a:effectRef idx="0">
+            <a:schemeClr val="accent1"/>
+          </a:effectRef>
+          <a:fontRef idx="minor">
+            <a:schemeClr val="lt1"/>
+          </a:fontRef>
+        </p:style>
+        <p:txBody>
+          <a:bodyPr rtlCol="0" anchor="ctr"/>
+          <a:lstStyle/>
+          <a:p>
+            <a:pPr algn="ctr"/>
+            <a:endParaRPr lang="en-US"/>
           </a:p>
         </p:txBody>
       </p:sp>
@@ -12727,11 +15121,7 @@
             </a:pPr>
             <a:r>
               <a:rPr lang="en-US" sz="2000" dirty="0" smtClean="0"/>
-              <a:t>008 </a:t>
-            </a:r>
-            <a:r>
-              <a:rPr lang="en-US" sz="2000" dirty="0" smtClean="0"/>
-              <a:t>831222q19801983dcu</a:t>
+              <a:t>008 831222q19801983dcu</a:t>
             </a:r>
             <a:r>
               <a:rPr lang="en-US" sz="2000" dirty="0" smtClean="0">
@@ -12975,6 +15365,198 @@
               <a:t>034</a:t>
             </a:r>
             <a:endParaRPr lang="en-US" dirty="0"/>
+          </a:p>
+        </p:txBody>
+      </p:sp>
+      <p:sp>
+        <p:nvSpPr>
+          <p:cNvPr id="9" name="Rectangle 8"/>
+          <p:cNvSpPr/>
+          <p:nvPr/>
+        </p:nvSpPr>
+        <p:spPr>
+          <a:xfrm>
+            <a:off x="0" y="0"/>
+            <a:ext cx="9144000" cy="228600"/>
+          </a:xfrm>
+          <a:prstGeom prst="rect">
+            <a:avLst/>
+          </a:prstGeom>
+          <a:solidFill>
+            <a:srgbClr val="3B5586"/>
+          </a:solidFill>
+          <a:ln>
+            <a:solidFill>
+              <a:srgbClr val="3B5586"/>
+            </a:solidFill>
+          </a:ln>
+        </p:spPr>
+        <p:style>
+          <a:lnRef idx="2">
+            <a:schemeClr val="accent1">
+              <a:shade val="50000"/>
+            </a:schemeClr>
+          </a:lnRef>
+          <a:fillRef idx="1">
+            <a:schemeClr val="accent1"/>
+          </a:fillRef>
+          <a:effectRef idx="0">
+            <a:schemeClr val="accent1"/>
+          </a:effectRef>
+          <a:fontRef idx="minor">
+            <a:schemeClr val="lt1"/>
+          </a:fontRef>
+        </p:style>
+        <p:txBody>
+          <a:bodyPr rtlCol="0" anchor="ctr"/>
+          <a:lstStyle/>
+          <a:p>
+            <a:pPr algn="ctr"/>
+            <a:endParaRPr lang="en-US"/>
+          </a:p>
+        </p:txBody>
+      </p:sp>
+      <p:sp>
+        <p:nvSpPr>
+          <p:cNvPr id="10" name="Rectangle 9"/>
+          <p:cNvSpPr/>
+          <p:nvPr/>
+        </p:nvSpPr>
+        <p:spPr>
+          <a:xfrm>
+            <a:off x="0" y="228600"/>
+            <a:ext cx="9144000" cy="76200"/>
+          </a:xfrm>
+          <a:prstGeom prst="rect">
+            <a:avLst/>
+          </a:prstGeom>
+          <a:solidFill>
+            <a:srgbClr val="FFA26B"/>
+          </a:solidFill>
+          <a:ln>
+            <a:solidFill>
+              <a:srgbClr val="FFA26B"/>
+            </a:solidFill>
+          </a:ln>
+        </p:spPr>
+        <p:style>
+          <a:lnRef idx="2">
+            <a:schemeClr val="accent1">
+              <a:shade val="50000"/>
+            </a:schemeClr>
+          </a:lnRef>
+          <a:fillRef idx="1">
+            <a:schemeClr val="accent1"/>
+          </a:fillRef>
+          <a:effectRef idx="0">
+            <a:schemeClr val="accent1"/>
+          </a:effectRef>
+          <a:fontRef idx="minor">
+            <a:schemeClr val="lt1"/>
+          </a:fontRef>
+        </p:style>
+        <p:txBody>
+          <a:bodyPr rtlCol="0" anchor="ctr"/>
+          <a:lstStyle/>
+          <a:p>
+            <a:pPr algn="ctr"/>
+            <a:endParaRPr lang="en-US"/>
+          </a:p>
+        </p:txBody>
+      </p:sp>
+      <p:sp>
+        <p:nvSpPr>
+          <p:cNvPr id="11" name="Rectangle 10"/>
+          <p:cNvSpPr/>
+          <p:nvPr/>
+        </p:nvSpPr>
+        <p:spPr>
+          <a:xfrm>
+            <a:off x="0" y="6564923"/>
+            <a:ext cx="9144000" cy="228600"/>
+          </a:xfrm>
+          <a:prstGeom prst="rect">
+            <a:avLst/>
+          </a:prstGeom>
+          <a:solidFill>
+            <a:srgbClr val="3B5586"/>
+          </a:solidFill>
+          <a:ln>
+            <a:solidFill>
+              <a:srgbClr val="3B5586"/>
+            </a:solidFill>
+          </a:ln>
+        </p:spPr>
+        <p:style>
+          <a:lnRef idx="2">
+            <a:schemeClr val="accent1">
+              <a:shade val="50000"/>
+            </a:schemeClr>
+          </a:lnRef>
+          <a:fillRef idx="1">
+            <a:schemeClr val="accent1"/>
+          </a:fillRef>
+          <a:effectRef idx="0">
+            <a:schemeClr val="accent1"/>
+          </a:effectRef>
+          <a:fontRef idx="minor">
+            <a:schemeClr val="lt1"/>
+          </a:fontRef>
+        </p:style>
+        <p:txBody>
+          <a:bodyPr rtlCol="0" anchor="ctr"/>
+          <a:lstStyle/>
+          <a:p>
+            <a:pPr algn="ctr"/>
+            <a:endParaRPr lang="en-US"/>
+          </a:p>
+        </p:txBody>
+      </p:sp>
+      <p:sp>
+        <p:nvSpPr>
+          <p:cNvPr id="12" name="Rectangle 11"/>
+          <p:cNvSpPr/>
+          <p:nvPr/>
+        </p:nvSpPr>
+        <p:spPr>
+          <a:xfrm>
+            <a:off x="0" y="6793523"/>
+            <a:ext cx="9144000" cy="76200"/>
+          </a:xfrm>
+          <a:prstGeom prst="rect">
+            <a:avLst/>
+          </a:prstGeom>
+          <a:solidFill>
+            <a:srgbClr val="FFA26B"/>
+          </a:solidFill>
+          <a:ln>
+            <a:solidFill>
+              <a:srgbClr val="FFA26B"/>
+            </a:solidFill>
+          </a:ln>
+        </p:spPr>
+        <p:style>
+          <a:lnRef idx="2">
+            <a:schemeClr val="accent1">
+              <a:shade val="50000"/>
+            </a:schemeClr>
+          </a:lnRef>
+          <a:fillRef idx="1">
+            <a:schemeClr val="accent1"/>
+          </a:fillRef>
+          <a:effectRef idx="0">
+            <a:schemeClr val="accent1"/>
+          </a:effectRef>
+          <a:fontRef idx="minor">
+            <a:schemeClr val="lt1"/>
+          </a:fontRef>
+        </p:style>
+        <p:txBody>
+          <a:bodyPr rtlCol="0" anchor="ctr"/>
+          <a:lstStyle/>
+          <a:p>
+            <a:pPr algn="ctr"/>
+            <a:endParaRPr lang="en-US"/>
           </a:p>
         </p:txBody>
       </p:sp>
@@ -13981,6 +16563,198 @@
           </a:p>
         </p:txBody>
       </p:sp>
+      <p:sp>
+        <p:nvSpPr>
+          <p:cNvPr id="4" name="Rectangle 3"/>
+          <p:cNvSpPr/>
+          <p:nvPr/>
+        </p:nvSpPr>
+        <p:spPr>
+          <a:xfrm>
+            <a:off x="0" y="0"/>
+            <a:ext cx="9144000" cy="228600"/>
+          </a:xfrm>
+          <a:prstGeom prst="rect">
+            <a:avLst/>
+          </a:prstGeom>
+          <a:solidFill>
+            <a:srgbClr val="3B5586"/>
+          </a:solidFill>
+          <a:ln>
+            <a:solidFill>
+              <a:srgbClr val="3B5586"/>
+            </a:solidFill>
+          </a:ln>
+        </p:spPr>
+        <p:style>
+          <a:lnRef idx="2">
+            <a:schemeClr val="accent1">
+              <a:shade val="50000"/>
+            </a:schemeClr>
+          </a:lnRef>
+          <a:fillRef idx="1">
+            <a:schemeClr val="accent1"/>
+          </a:fillRef>
+          <a:effectRef idx="0">
+            <a:schemeClr val="accent1"/>
+          </a:effectRef>
+          <a:fontRef idx="minor">
+            <a:schemeClr val="lt1"/>
+          </a:fontRef>
+        </p:style>
+        <p:txBody>
+          <a:bodyPr rtlCol="0" anchor="ctr"/>
+          <a:lstStyle/>
+          <a:p>
+            <a:pPr algn="ctr"/>
+            <a:endParaRPr lang="en-US"/>
+          </a:p>
+        </p:txBody>
+      </p:sp>
+      <p:sp>
+        <p:nvSpPr>
+          <p:cNvPr id="5" name="Rectangle 4"/>
+          <p:cNvSpPr/>
+          <p:nvPr/>
+        </p:nvSpPr>
+        <p:spPr>
+          <a:xfrm>
+            <a:off x="0" y="228600"/>
+            <a:ext cx="9144000" cy="76200"/>
+          </a:xfrm>
+          <a:prstGeom prst="rect">
+            <a:avLst/>
+          </a:prstGeom>
+          <a:solidFill>
+            <a:srgbClr val="FFA26B"/>
+          </a:solidFill>
+          <a:ln>
+            <a:solidFill>
+              <a:srgbClr val="FFA26B"/>
+            </a:solidFill>
+          </a:ln>
+        </p:spPr>
+        <p:style>
+          <a:lnRef idx="2">
+            <a:schemeClr val="accent1">
+              <a:shade val="50000"/>
+            </a:schemeClr>
+          </a:lnRef>
+          <a:fillRef idx="1">
+            <a:schemeClr val="accent1"/>
+          </a:fillRef>
+          <a:effectRef idx="0">
+            <a:schemeClr val="accent1"/>
+          </a:effectRef>
+          <a:fontRef idx="minor">
+            <a:schemeClr val="lt1"/>
+          </a:fontRef>
+        </p:style>
+        <p:txBody>
+          <a:bodyPr rtlCol="0" anchor="ctr"/>
+          <a:lstStyle/>
+          <a:p>
+            <a:pPr algn="ctr"/>
+            <a:endParaRPr lang="en-US"/>
+          </a:p>
+        </p:txBody>
+      </p:sp>
+      <p:sp>
+        <p:nvSpPr>
+          <p:cNvPr id="6" name="Rectangle 5"/>
+          <p:cNvSpPr/>
+          <p:nvPr/>
+        </p:nvSpPr>
+        <p:spPr>
+          <a:xfrm>
+            <a:off x="0" y="6564923"/>
+            <a:ext cx="9144000" cy="228600"/>
+          </a:xfrm>
+          <a:prstGeom prst="rect">
+            <a:avLst/>
+          </a:prstGeom>
+          <a:solidFill>
+            <a:srgbClr val="3B5586"/>
+          </a:solidFill>
+          <a:ln>
+            <a:solidFill>
+              <a:srgbClr val="3B5586"/>
+            </a:solidFill>
+          </a:ln>
+        </p:spPr>
+        <p:style>
+          <a:lnRef idx="2">
+            <a:schemeClr val="accent1">
+              <a:shade val="50000"/>
+            </a:schemeClr>
+          </a:lnRef>
+          <a:fillRef idx="1">
+            <a:schemeClr val="accent1"/>
+          </a:fillRef>
+          <a:effectRef idx="0">
+            <a:schemeClr val="accent1"/>
+          </a:effectRef>
+          <a:fontRef idx="minor">
+            <a:schemeClr val="lt1"/>
+          </a:fontRef>
+        </p:style>
+        <p:txBody>
+          <a:bodyPr rtlCol="0" anchor="ctr"/>
+          <a:lstStyle/>
+          <a:p>
+            <a:pPr algn="ctr"/>
+            <a:endParaRPr lang="en-US"/>
+          </a:p>
+        </p:txBody>
+      </p:sp>
+      <p:sp>
+        <p:nvSpPr>
+          <p:cNvPr id="7" name="Rectangle 6"/>
+          <p:cNvSpPr/>
+          <p:nvPr/>
+        </p:nvSpPr>
+        <p:spPr>
+          <a:xfrm>
+            <a:off x="0" y="6793523"/>
+            <a:ext cx="9144000" cy="76200"/>
+          </a:xfrm>
+          <a:prstGeom prst="rect">
+            <a:avLst/>
+          </a:prstGeom>
+          <a:solidFill>
+            <a:srgbClr val="FFA26B"/>
+          </a:solidFill>
+          <a:ln>
+            <a:solidFill>
+              <a:srgbClr val="FFA26B"/>
+            </a:solidFill>
+          </a:ln>
+        </p:spPr>
+        <p:style>
+          <a:lnRef idx="2">
+            <a:schemeClr val="accent1">
+              <a:shade val="50000"/>
+            </a:schemeClr>
+          </a:lnRef>
+          <a:fillRef idx="1">
+            <a:schemeClr val="accent1"/>
+          </a:fillRef>
+          <a:effectRef idx="0">
+            <a:schemeClr val="accent1"/>
+          </a:effectRef>
+          <a:fontRef idx="minor">
+            <a:schemeClr val="lt1"/>
+          </a:fontRef>
+        </p:style>
+        <p:txBody>
+          <a:bodyPr rtlCol="0" anchor="ctr"/>
+          <a:lstStyle/>
+          <a:p>
+            <a:pPr algn="ctr"/>
+            <a:endParaRPr lang="en-US"/>
+          </a:p>
+        </p:txBody>
+      </p:sp>
     </p:spTree>
     <p:extLst>
       <p:ext uri="{BB962C8B-B14F-4D97-AF65-F5344CB8AC3E}">
@@ -14141,7 +16915,7 @@
       </p:grpSpPr>
       <p:pic>
         <p:nvPicPr>
-          <p:cNvPr id="6" name="Content Placeholder 5"/>
+          <p:cNvPr id="8" name="Content Placeholder 7"/>
           <p:cNvPicPr>
             <a:picLocks noGrp="1" noChangeAspect="1"/>
           </p:cNvPicPr>
@@ -14163,11 +16937,203 @@
         </p:blipFill>
         <p:spPr>
           <a:xfrm>
-            <a:off x="609600" y="304800"/>
-            <a:ext cx="7924800" cy="6324600"/>
+            <a:off x="876758" y="381000"/>
+            <a:ext cx="7733842" cy="6172200"/>
           </a:xfrm>
         </p:spPr>
       </p:pic>
+      <p:sp>
+        <p:nvSpPr>
+          <p:cNvPr id="9" name="Rectangle 8"/>
+          <p:cNvSpPr/>
+          <p:nvPr/>
+        </p:nvSpPr>
+        <p:spPr>
+          <a:xfrm>
+            <a:off x="0" y="0"/>
+            <a:ext cx="9144000" cy="228600"/>
+          </a:xfrm>
+          <a:prstGeom prst="rect">
+            <a:avLst/>
+          </a:prstGeom>
+          <a:solidFill>
+            <a:srgbClr val="3B5586"/>
+          </a:solidFill>
+          <a:ln>
+            <a:solidFill>
+              <a:srgbClr val="3B5586"/>
+            </a:solidFill>
+          </a:ln>
+        </p:spPr>
+        <p:style>
+          <a:lnRef idx="2">
+            <a:schemeClr val="accent1">
+              <a:shade val="50000"/>
+            </a:schemeClr>
+          </a:lnRef>
+          <a:fillRef idx="1">
+            <a:schemeClr val="accent1"/>
+          </a:fillRef>
+          <a:effectRef idx="0">
+            <a:schemeClr val="accent1"/>
+          </a:effectRef>
+          <a:fontRef idx="minor">
+            <a:schemeClr val="lt1"/>
+          </a:fontRef>
+        </p:style>
+        <p:txBody>
+          <a:bodyPr rtlCol="0" anchor="ctr"/>
+          <a:lstStyle/>
+          <a:p>
+            <a:pPr algn="ctr"/>
+            <a:endParaRPr lang="en-US"/>
+          </a:p>
+        </p:txBody>
+      </p:sp>
+      <p:sp>
+        <p:nvSpPr>
+          <p:cNvPr id="10" name="Rectangle 9"/>
+          <p:cNvSpPr/>
+          <p:nvPr/>
+        </p:nvSpPr>
+        <p:spPr>
+          <a:xfrm>
+            <a:off x="0" y="228600"/>
+            <a:ext cx="9144000" cy="76200"/>
+          </a:xfrm>
+          <a:prstGeom prst="rect">
+            <a:avLst/>
+          </a:prstGeom>
+          <a:solidFill>
+            <a:srgbClr val="FFA26B"/>
+          </a:solidFill>
+          <a:ln>
+            <a:solidFill>
+              <a:srgbClr val="FFA26B"/>
+            </a:solidFill>
+          </a:ln>
+        </p:spPr>
+        <p:style>
+          <a:lnRef idx="2">
+            <a:schemeClr val="accent1">
+              <a:shade val="50000"/>
+            </a:schemeClr>
+          </a:lnRef>
+          <a:fillRef idx="1">
+            <a:schemeClr val="accent1"/>
+          </a:fillRef>
+          <a:effectRef idx="0">
+            <a:schemeClr val="accent1"/>
+          </a:effectRef>
+          <a:fontRef idx="minor">
+            <a:schemeClr val="lt1"/>
+          </a:fontRef>
+        </p:style>
+        <p:txBody>
+          <a:bodyPr rtlCol="0" anchor="ctr"/>
+          <a:lstStyle/>
+          <a:p>
+            <a:pPr algn="ctr"/>
+            <a:endParaRPr lang="en-US"/>
+          </a:p>
+        </p:txBody>
+      </p:sp>
+      <p:sp>
+        <p:nvSpPr>
+          <p:cNvPr id="11" name="Rectangle 10"/>
+          <p:cNvSpPr/>
+          <p:nvPr/>
+        </p:nvSpPr>
+        <p:spPr>
+          <a:xfrm>
+            <a:off x="0" y="6564923"/>
+            <a:ext cx="9144000" cy="228600"/>
+          </a:xfrm>
+          <a:prstGeom prst="rect">
+            <a:avLst/>
+          </a:prstGeom>
+          <a:solidFill>
+            <a:srgbClr val="3B5586"/>
+          </a:solidFill>
+          <a:ln>
+            <a:solidFill>
+              <a:srgbClr val="3B5586"/>
+            </a:solidFill>
+          </a:ln>
+        </p:spPr>
+        <p:style>
+          <a:lnRef idx="2">
+            <a:schemeClr val="accent1">
+              <a:shade val="50000"/>
+            </a:schemeClr>
+          </a:lnRef>
+          <a:fillRef idx="1">
+            <a:schemeClr val="accent1"/>
+          </a:fillRef>
+          <a:effectRef idx="0">
+            <a:schemeClr val="accent1"/>
+          </a:effectRef>
+          <a:fontRef idx="minor">
+            <a:schemeClr val="lt1"/>
+          </a:fontRef>
+        </p:style>
+        <p:txBody>
+          <a:bodyPr rtlCol="0" anchor="ctr"/>
+          <a:lstStyle/>
+          <a:p>
+            <a:pPr algn="ctr"/>
+            <a:endParaRPr lang="en-US"/>
+          </a:p>
+        </p:txBody>
+      </p:sp>
+      <p:sp>
+        <p:nvSpPr>
+          <p:cNvPr id="12" name="Rectangle 11"/>
+          <p:cNvSpPr/>
+          <p:nvPr/>
+        </p:nvSpPr>
+        <p:spPr>
+          <a:xfrm>
+            <a:off x="0" y="6793523"/>
+            <a:ext cx="9144000" cy="76200"/>
+          </a:xfrm>
+          <a:prstGeom prst="rect">
+            <a:avLst/>
+          </a:prstGeom>
+          <a:solidFill>
+            <a:srgbClr val="FFA26B"/>
+          </a:solidFill>
+          <a:ln>
+            <a:solidFill>
+              <a:srgbClr val="FFA26B"/>
+            </a:solidFill>
+          </a:ln>
+        </p:spPr>
+        <p:style>
+          <a:lnRef idx="2">
+            <a:schemeClr val="accent1">
+              <a:shade val="50000"/>
+            </a:schemeClr>
+          </a:lnRef>
+          <a:fillRef idx="1">
+            <a:schemeClr val="accent1"/>
+          </a:fillRef>
+          <a:effectRef idx="0">
+            <a:schemeClr val="accent1"/>
+          </a:effectRef>
+          <a:fontRef idx="minor">
+            <a:schemeClr val="lt1"/>
+          </a:fontRef>
+        </p:style>
+        <p:txBody>
+          <a:bodyPr rtlCol="0" anchor="ctr"/>
+          <a:lstStyle/>
+          <a:p>
+            <a:pPr algn="ctr"/>
+            <a:endParaRPr lang="en-US"/>
+          </a:p>
+        </p:txBody>
+      </p:sp>
     </p:spTree>
     <p:extLst>
       <p:ext uri="{BB962C8B-B14F-4D97-AF65-F5344CB8AC3E}">
@@ -14222,7 +17188,7 @@
           <a:p>
             <a:r>
               <a:rPr lang="en-US" dirty="0" smtClean="0"/>
-              <a:t>Questions</a:t>
+              <a:t>Possible Additional Features</a:t>
             </a:r>
             <a:endParaRPr lang="en-US" dirty="0"/>
           </a:p>
@@ -14245,6 +17211,343 @@
           <a:p>
             <a:r>
               <a:rPr lang="en-US" dirty="0" smtClean="0"/>
+              <a:t>Conditional Blocks </a:t>
+            </a:r>
+          </a:p>
+          <a:p>
+            <a:pPr lvl="1">
+              <a:buFont typeface="Arial" pitchFamily="34" charset="0"/>
+              <a:buChar char="•"/>
+            </a:pPr>
+            <a:r>
+              <a:rPr lang="en-US" dirty="0" smtClean="0"/>
+              <a:t>a set of index specs that are only processed if certain conditions are true</a:t>
+            </a:r>
+          </a:p>
+          <a:p>
+            <a:r>
+              <a:rPr lang="en-US" dirty="0" smtClean="0"/>
+              <a:t>Referencing other index specs</a:t>
+            </a:r>
+          </a:p>
+          <a:p>
+            <a:pPr marL="457200" lvl="1" indent="0">
+              <a:buNone/>
+            </a:pPr>
+            <a:r>
+              <a:rPr lang="en-US" dirty="0" err="1" smtClean="0"/>
+              <a:t>publication_dates</a:t>
+            </a:r>
+            <a:r>
+              <a:rPr lang="en-US" dirty="0" smtClean="0"/>
+              <a:t> = custom, </a:t>
+            </a:r>
+            <a:r>
+              <a:rPr lang="en-US" dirty="0" err="1" smtClean="0"/>
+              <a:t>getAllDates</a:t>
+            </a:r>
+            <a:r>
+              <a:rPr lang="en-US" dirty="0" smtClean="0"/>
+              <a:t>()</a:t>
+            </a:r>
+          </a:p>
+          <a:p>
+            <a:pPr marL="457200" lvl="1" indent="0">
+              <a:buNone/>
+            </a:pPr>
+            <a:r>
+              <a:rPr lang="en-US" dirty="0" err="1" smtClean="0"/>
+              <a:t>sortable_date</a:t>
+            </a:r>
+            <a:r>
+              <a:rPr lang="en-US" dirty="0" smtClean="0"/>
+              <a:t> = ${</a:t>
+            </a:r>
+            <a:r>
+              <a:rPr lang="en-US" dirty="0" err="1" smtClean="0"/>
+              <a:t>publication_dates</a:t>
+            </a:r>
+            <a:r>
+              <a:rPr lang="en-US" dirty="0" smtClean="0"/>
+              <a:t>}, first</a:t>
+            </a:r>
+          </a:p>
+        </p:txBody>
+      </p:sp>
+      <p:sp>
+        <p:nvSpPr>
+          <p:cNvPr id="4" name="Rectangle 3"/>
+          <p:cNvSpPr/>
+          <p:nvPr/>
+        </p:nvSpPr>
+        <p:spPr>
+          <a:xfrm>
+            <a:off x="0" y="0"/>
+            <a:ext cx="9144000" cy="228600"/>
+          </a:xfrm>
+          <a:prstGeom prst="rect">
+            <a:avLst/>
+          </a:prstGeom>
+          <a:solidFill>
+            <a:srgbClr val="3B5586"/>
+          </a:solidFill>
+          <a:ln>
+            <a:solidFill>
+              <a:srgbClr val="3B5586"/>
+            </a:solidFill>
+          </a:ln>
+        </p:spPr>
+        <p:style>
+          <a:lnRef idx="2">
+            <a:schemeClr val="accent1">
+              <a:shade val="50000"/>
+            </a:schemeClr>
+          </a:lnRef>
+          <a:fillRef idx="1">
+            <a:schemeClr val="accent1"/>
+          </a:fillRef>
+          <a:effectRef idx="0">
+            <a:schemeClr val="accent1"/>
+          </a:effectRef>
+          <a:fontRef idx="minor">
+            <a:schemeClr val="lt1"/>
+          </a:fontRef>
+        </p:style>
+        <p:txBody>
+          <a:bodyPr rtlCol="0" anchor="ctr"/>
+          <a:lstStyle/>
+          <a:p>
+            <a:pPr algn="ctr"/>
+            <a:endParaRPr lang="en-US"/>
+          </a:p>
+        </p:txBody>
+      </p:sp>
+      <p:sp>
+        <p:nvSpPr>
+          <p:cNvPr id="5" name="Rectangle 4"/>
+          <p:cNvSpPr/>
+          <p:nvPr/>
+        </p:nvSpPr>
+        <p:spPr>
+          <a:xfrm>
+            <a:off x="0" y="228600"/>
+            <a:ext cx="9144000" cy="76200"/>
+          </a:xfrm>
+          <a:prstGeom prst="rect">
+            <a:avLst/>
+          </a:prstGeom>
+          <a:solidFill>
+            <a:srgbClr val="FFA26B"/>
+          </a:solidFill>
+          <a:ln>
+            <a:solidFill>
+              <a:srgbClr val="FFA26B"/>
+            </a:solidFill>
+          </a:ln>
+        </p:spPr>
+        <p:style>
+          <a:lnRef idx="2">
+            <a:schemeClr val="accent1">
+              <a:shade val="50000"/>
+            </a:schemeClr>
+          </a:lnRef>
+          <a:fillRef idx="1">
+            <a:schemeClr val="accent1"/>
+          </a:fillRef>
+          <a:effectRef idx="0">
+            <a:schemeClr val="accent1"/>
+          </a:effectRef>
+          <a:fontRef idx="minor">
+            <a:schemeClr val="lt1"/>
+          </a:fontRef>
+        </p:style>
+        <p:txBody>
+          <a:bodyPr rtlCol="0" anchor="ctr"/>
+          <a:lstStyle/>
+          <a:p>
+            <a:pPr algn="ctr"/>
+            <a:endParaRPr lang="en-US"/>
+          </a:p>
+        </p:txBody>
+      </p:sp>
+      <p:sp>
+        <p:nvSpPr>
+          <p:cNvPr id="6" name="Rectangle 5"/>
+          <p:cNvSpPr/>
+          <p:nvPr/>
+        </p:nvSpPr>
+        <p:spPr>
+          <a:xfrm>
+            <a:off x="0" y="6564923"/>
+            <a:ext cx="9144000" cy="228600"/>
+          </a:xfrm>
+          <a:prstGeom prst="rect">
+            <a:avLst/>
+          </a:prstGeom>
+          <a:solidFill>
+            <a:srgbClr val="3B5586"/>
+          </a:solidFill>
+          <a:ln>
+            <a:solidFill>
+              <a:srgbClr val="3B5586"/>
+            </a:solidFill>
+          </a:ln>
+        </p:spPr>
+        <p:style>
+          <a:lnRef idx="2">
+            <a:schemeClr val="accent1">
+              <a:shade val="50000"/>
+            </a:schemeClr>
+          </a:lnRef>
+          <a:fillRef idx="1">
+            <a:schemeClr val="accent1"/>
+          </a:fillRef>
+          <a:effectRef idx="0">
+            <a:schemeClr val="accent1"/>
+          </a:effectRef>
+          <a:fontRef idx="minor">
+            <a:schemeClr val="lt1"/>
+          </a:fontRef>
+        </p:style>
+        <p:txBody>
+          <a:bodyPr rtlCol="0" anchor="ctr"/>
+          <a:lstStyle/>
+          <a:p>
+            <a:pPr algn="ctr"/>
+            <a:endParaRPr lang="en-US"/>
+          </a:p>
+        </p:txBody>
+      </p:sp>
+      <p:sp>
+        <p:nvSpPr>
+          <p:cNvPr id="7" name="Rectangle 6"/>
+          <p:cNvSpPr/>
+          <p:nvPr/>
+        </p:nvSpPr>
+        <p:spPr>
+          <a:xfrm>
+            <a:off x="0" y="6793523"/>
+            <a:ext cx="9144000" cy="76200"/>
+          </a:xfrm>
+          <a:prstGeom prst="rect">
+            <a:avLst/>
+          </a:prstGeom>
+          <a:solidFill>
+            <a:srgbClr val="FFA26B"/>
+          </a:solidFill>
+          <a:ln>
+            <a:solidFill>
+              <a:srgbClr val="FFA26B"/>
+            </a:solidFill>
+          </a:ln>
+        </p:spPr>
+        <p:style>
+          <a:lnRef idx="2">
+            <a:schemeClr val="accent1">
+              <a:shade val="50000"/>
+            </a:schemeClr>
+          </a:lnRef>
+          <a:fillRef idx="1">
+            <a:schemeClr val="accent1"/>
+          </a:fillRef>
+          <a:effectRef idx="0">
+            <a:schemeClr val="accent1"/>
+          </a:effectRef>
+          <a:fontRef idx="minor">
+            <a:schemeClr val="lt1"/>
+          </a:fontRef>
+        </p:style>
+        <p:txBody>
+          <a:bodyPr rtlCol="0" anchor="ctr"/>
+          <a:lstStyle/>
+          <a:p>
+            <a:pPr algn="ctr"/>
+            <a:endParaRPr lang="en-US"/>
+          </a:p>
+        </p:txBody>
+      </p:sp>
+    </p:spTree>
+    <p:extLst>
+      <p:ext uri="{BB962C8B-B14F-4D97-AF65-F5344CB8AC3E}">
+        <p14:creationId xmlns:p14="http://schemas.microsoft.com/office/powerpoint/2010/main" val="4101396615"/>
+      </p:ext>
+    </p:extLst>
+  </p:cSld>
+  <p:clrMapOvr>
+    <a:masterClrMapping/>
+  </p:clrMapOvr>
+  <p:timing>
+    <p:tnLst>
+      <p:par>
+        <p:cTn id="1" dur="indefinite" restart="never" nodeType="tmRoot"/>
+      </p:par>
+    </p:tnLst>
+  </p:timing>
+</p:sld>
+</file>
+
+<file path=ppt/slides/slide24.xml><?xml version="1.0" encoding="utf-8"?>
+<p:sld xmlns:a="http://schemas.openxmlformats.org/drawingml/2006/main" xmlns:r="http://schemas.openxmlformats.org/officeDocument/2006/relationships" xmlns:p="http://schemas.openxmlformats.org/presentationml/2006/main">
+  <p:cSld>
+    <p:spTree>
+      <p:nvGrpSpPr>
+        <p:cNvPr id="1" name=""/>
+        <p:cNvGrpSpPr/>
+        <p:nvPr/>
+      </p:nvGrpSpPr>
+      <p:grpSpPr>
+        <a:xfrm>
+          <a:off x="0" y="0"/>
+          <a:ext cx="0" cy="0"/>
+          <a:chOff x="0" y="0"/>
+          <a:chExt cx="0" cy="0"/>
+        </a:xfrm>
+      </p:grpSpPr>
+      <p:sp>
+        <p:nvSpPr>
+          <p:cNvPr id="2" name="Title 1"/>
+          <p:cNvSpPr>
+            <a:spLocks noGrp="1"/>
+          </p:cNvSpPr>
+          <p:nvPr>
+            <p:ph type="title"/>
+          </p:nvPr>
+        </p:nvSpPr>
+        <p:spPr/>
+        <p:txBody>
+          <a:bodyPr/>
+          <a:lstStyle/>
+          <a:p>
+            <a:r>
+              <a:rPr lang="en-US" dirty="0" smtClean="0"/>
+              <a:t>Questions</a:t>
+            </a:r>
+            <a:endParaRPr lang="en-US" dirty="0"/>
+          </a:p>
+        </p:txBody>
+      </p:sp>
+      <p:sp>
+        <p:nvSpPr>
+          <p:cNvPr id="3" name="Content Placeholder 2"/>
+          <p:cNvSpPr>
+            <a:spLocks noGrp="1"/>
+          </p:cNvSpPr>
+          <p:nvPr>
+            <p:ph idx="1"/>
+          </p:nvPr>
+        </p:nvSpPr>
+        <p:spPr>
+          <a:xfrm>
+            <a:off x="457200" y="1600201"/>
+            <a:ext cx="8229600" cy="3733800"/>
+          </a:xfrm>
+        </p:spPr>
+        <p:txBody>
+          <a:bodyPr/>
+          <a:lstStyle/>
+          <a:p>
+            <a:r>
+              <a:rPr lang="en-US" dirty="0" smtClean="0"/>
               <a:t>Thanks to </a:t>
             </a:r>
             <a:r>
@@ -14263,6 +17566,258 @@
             </a:r>
           </a:p>
           <a:p>
+            <a:endParaRPr lang="en-US" dirty="0"/>
+          </a:p>
+        </p:txBody>
+      </p:sp>
+      <p:sp>
+        <p:nvSpPr>
+          <p:cNvPr id="4" name="Rectangle 3"/>
+          <p:cNvSpPr/>
+          <p:nvPr/>
+        </p:nvSpPr>
+        <p:spPr>
+          <a:xfrm>
+            <a:off x="0" y="0"/>
+            <a:ext cx="9144000" cy="228600"/>
+          </a:xfrm>
+          <a:prstGeom prst="rect">
+            <a:avLst/>
+          </a:prstGeom>
+          <a:solidFill>
+            <a:srgbClr val="3B5586"/>
+          </a:solidFill>
+          <a:ln>
+            <a:solidFill>
+              <a:srgbClr val="3B5586"/>
+            </a:solidFill>
+          </a:ln>
+        </p:spPr>
+        <p:style>
+          <a:lnRef idx="2">
+            <a:schemeClr val="accent1">
+              <a:shade val="50000"/>
+            </a:schemeClr>
+          </a:lnRef>
+          <a:fillRef idx="1">
+            <a:schemeClr val="accent1"/>
+          </a:fillRef>
+          <a:effectRef idx="0">
+            <a:schemeClr val="accent1"/>
+          </a:effectRef>
+          <a:fontRef idx="minor">
+            <a:schemeClr val="lt1"/>
+          </a:fontRef>
+        </p:style>
+        <p:txBody>
+          <a:bodyPr rtlCol="0" anchor="ctr"/>
+          <a:lstStyle/>
+          <a:p>
+            <a:pPr algn="ctr"/>
+            <a:endParaRPr lang="en-US"/>
+          </a:p>
+        </p:txBody>
+      </p:sp>
+      <p:sp>
+        <p:nvSpPr>
+          <p:cNvPr id="5" name="Rectangle 4"/>
+          <p:cNvSpPr/>
+          <p:nvPr/>
+        </p:nvSpPr>
+        <p:spPr>
+          <a:xfrm>
+            <a:off x="0" y="228600"/>
+            <a:ext cx="9144000" cy="76200"/>
+          </a:xfrm>
+          <a:prstGeom prst="rect">
+            <a:avLst/>
+          </a:prstGeom>
+          <a:solidFill>
+            <a:srgbClr val="FFA26B"/>
+          </a:solidFill>
+          <a:ln>
+            <a:solidFill>
+              <a:srgbClr val="FFA26B"/>
+            </a:solidFill>
+          </a:ln>
+        </p:spPr>
+        <p:style>
+          <a:lnRef idx="2">
+            <a:schemeClr val="accent1">
+              <a:shade val="50000"/>
+            </a:schemeClr>
+          </a:lnRef>
+          <a:fillRef idx="1">
+            <a:schemeClr val="accent1"/>
+          </a:fillRef>
+          <a:effectRef idx="0">
+            <a:schemeClr val="accent1"/>
+          </a:effectRef>
+          <a:fontRef idx="minor">
+            <a:schemeClr val="lt1"/>
+          </a:fontRef>
+        </p:style>
+        <p:txBody>
+          <a:bodyPr rtlCol="0" anchor="ctr"/>
+          <a:lstStyle/>
+          <a:p>
+            <a:pPr algn="ctr"/>
+            <a:endParaRPr lang="en-US"/>
+          </a:p>
+        </p:txBody>
+      </p:sp>
+      <p:sp>
+        <p:nvSpPr>
+          <p:cNvPr id="6" name="Rectangle 5"/>
+          <p:cNvSpPr/>
+          <p:nvPr/>
+        </p:nvSpPr>
+        <p:spPr>
+          <a:xfrm>
+            <a:off x="0" y="6564923"/>
+            <a:ext cx="9144000" cy="228600"/>
+          </a:xfrm>
+          <a:prstGeom prst="rect">
+            <a:avLst/>
+          </a:prstGeom>
+          <a:solidFill>
+            <a:srgbClr val="3B5586"/>
+          </a:solidFill>
+          <a:ln>
+            <a:solidFill>
+              <a:srgbClr val="3B5586"/>
+            </a:solidFill>
+          </a:ln>
+        </p:spPr>
+        <p:style>
+          <a:lnRef idx="2">
+            <a:schemeClr val="accent1">
+              <a:shade val="50000"/>
+            </a:schemeClr>
+          </a:lnRef>
+          <a:fillRef idx="1">
+            <a:schemeClr val="accent1"/>
+          </a:fillRef>
+          <a:effectRef idx="0">
+            <a:schemeClr val="accent1"/>
+          </a:effectRef>
+          <a:fontRef idx="minor">
+            <a:schemeClr val="lt1"/>
+          </a:fontRef>
+        </p:style>
+        <p:txBody>
+          <a:bodyPr rtlCol="0" anchor="ctr"/>
+          <a:lstStyle/>
+          <a:p>
+            <a:pPr algn="ctr"/>
+            <a:endParaRPr lang="en-US"/>
+          </a:p>
+        </p:txBody>
+      </p:sp>
+      <p:sp>
+        <p:nvSpPr>
+          <p:cNvPr id="7" name="Rectangle 6"/>
+          <p:cNvSpPr/>
+          <p:nvPr/>
+        </p:nvSpPr>
+        <p:spPr>
+          <a:xfrm>
+            <a:off x="0" y="6793523"/>
+            <a:ext cx="9144000" cy="76200"/>
+          </a:xfrm>
+          <a:prstGeom prst="rect">
+            <a:avLst/>
+          </a:prstGeom>
+          <a:solidFill>
+            <a:srgbClr val="FFA26B"/>
+          </a:solidFill>
+          <a:ln>
+            <a:solidFill>
+              <a:srgbClr val="FFA26B"/>
+            </a:solidFill>
+          </a:ln>
+        </p:spPr>
+        <p:style>
+          <a:lnRef idx="2">
+            <a:schemeClr val="accent1">
+              <a:shade val="50000"/>
+            </a:schemeClr>
+          </a:lnRef>
+          <a:fillRef idx="1">
+            <a:schemeClr val="accent1"/>
+          </a:fillRef>
+          <a:effectRef idx="0">
+            <a:schemeClr val="accent1"/>
+          </a:effectRef>
+          <a:fontRef idx="minor">
+            <a:schemeClr val="lt1"/>
+          </a:fontRef>
+        </p:style>
+        <p:txBody>
+          <a:bodyPr rtlCol="0" anchor="ctr"/>
+          <a:lstStyle/>
+          <a:p>
+            <a:pPr algn="ctr"/>
+            <a:endParaRPr lang="en-US"/>
+          </a:p>
+        </p:txBody>
+      </p:sp>
+      <p:pic>
+        <p:nvPicPr>
+          <p:cNvPr id="8" name="Picture 7"/>
+          <p:cNvPicPr>
+            <a:picLocks noChangeAspect="1"/>
+          </p:cNvPicPr>
+          <p:nvPr/>
+        </p:nvPicPr>
+        <p:blipFill>
+          <a:blip r:embed="rId2" cstate="print">
+            <a:extLst>
+              <a:ext uri="{28A0092B-C50C-407E-A947-70E740481C1C}">
+                <a14:useLocalDpi xmlns:a14="http://schemas.microsoft.com/office/drawing/2010/main" val="0"/>
+              </a:ext>
+            </a:extLst>
+          </a:blip>
+          <a:stretch>
+            <a:fillRect/>
+          </a:stretch>
+        </p:blipFill>
+        <p:spPr>
+          <a:xfrm>
+            <a:off x="5862" y="5867338"/>
+            <a:ext cx="2488542" cy="559922"/>
+          </a:xfrm>
+          <a:prstGeom prst="rect">
+            <a:avLst/>
+          </a:prstGeom>
+        </p:spPr>
+      </p:pic>
+      <p:sp>
+        <p:nvSpPr>
+          <p:cNvPr id="9" name="TextBox 8"/>
+          <p:cNvSpPr txBox="1"/>
+          <p:nvPr/>
+        </p:nvSpPr>
+        <p:spPr>
+          <a:xfrm>
+            <a:off x="2479431" y="6072499"/>
+            <a:ext cx="6664569" cy="369332"/>
+          </a:xfrm>
+          <a:prstGeom prst="rect">
+            <a:avLst/>
+          </a:prstGeom>
+          <a:noFill/>
+        </p:spPr>
+        <p:txBody>
+          <a:bodyPr wrap="square" rtlCol="0">
+            <a:spAutoFit/>
+          </a:bodyPr>
+          <a:lstStyle/>
+          <a:p>
+            <a:r>
+              <a:rPr lang="en-US" dirty="0" smtClean="0"/>
+              <a:t>*Not affiliated with Maryland Area Regional Commuter Rail System</a:t>
+            </a:r>
             <a:endParaRPr lang="en-US" dirty="0"/>
           </a:p>
         </p:txBody>
@@ -14415,6 +17970,198 @@
           </a:p>
         </p:txBody>
       </p:sp>
+      <p:sp>
+        <p:nvSpPr>
+          <p:cNvPr id="4" name="Rectangle 3"/>
+          <p:cNvSpPr/>
+          <p:nvPr/>
+        </p:nvSpPr>
+        <p:spPr>
+          <a:xfrm>
+            <a:off x="0" y="0"/>
+            <a:ext cx="9144000" cy="228600"/>
+          </a:xfrm>
+          <a:prstGeom prst="rect">
+            <a:avLst/>
+          </a:prstGeom>
+          <a:solidFill>
+            <a:srgbClr val="3B5586"/>
+          </a:solidFill>
+          <a:ln>
+            <a:solidFill>
+              <a:srgbClr val="3B5586"/>
+            </a:solidFill>
+          </a:ln>
+        </p:spPr>
+        <p:style>
+          <a:lnRef idx="2">
+            <a:schemeClr val="accent1">
+              <a:shade val="50000"/>
+            </a:schemeClr>
+          </a:lnRef>
+          <a:fillRef idx="1">
+            <a:schemeClr val="accent1"/>
+          </a:fillRef>
+          <a:effectRef idx="0">
+            <a:schemeClr val="accent1"/>
+          </a:effectRef>
+          <a:fontRef idx="minor">
+            <a:schemeClr val="lt1"/>
+          </a:fontRef>
+        </p:style>
+        <p:txBody>
+          <a:bodyPr rtlCol="0" anchor="ctr"/>
+          <a:lstStyle/>
+          <a:p>
+            <a:pPr algn="ctr"/>
+            <a:endParaRPr lang="en-US"/>
+          </a:p>
+        </p:txBody>
+      </p:sp>
+      <p:sp>
+        <p:nvSpPr>
+          <p:cNvPr id="5" name="Rectangle 4"/>
+          <p:cNvSpPr/>
+          <p:nvPr/>
+        </p:nvSpPr>
+        <p:spPr>
+          <a:xfrm>
+            <a:off x="0" y="228600"/>
+            <a:ext cx="9144000" cy="76200"/>
+          </a:xfrm>
+          <a:prstGeom prst="rect">
+            <a:avLst/>
+          </a:prstGeom>
+          <a:solidFill>
+            <a:srgbClr val="FFA26B"/>
+          </a:solidFill>
+          <a:ln>
+            <a:solidFill>
+              <a:srgbClr val="FFA26B"/>
+            </a:solidFill>
+          </a:ln>
+        </p:spPr>
+        <p:style>
+          <a:lnRef idx="2">
+            <a:schemeClr val="accent1">
+              <a:shade val="50000"/>
+            </a:schemeClr>
+          </a:lnRef>
+          <a:fillRef idx="1">
+            <a:schemeClr val="accent1"/>
+          </a:fillRef>
+          <a:effectRef idx="0">
+            <a:schemeClr val="accent1"/>
+          </a:effectRef>
+          <a:fontRef idx="minor">
+            <a:schemeClr val="lt1"/>
+          </a:fontRef>
+        </p:style>
+        <p:txBody>
+          <a:bodyPr rtlCol="0" anchor="ctr"/>
+          <a:lstStyle/>
+          <a:p>
+            <a:pPr algn="ctr"/>
+            <a:endParaRPr lang="en-US"/>
+          </a:p>
+        </p:txBody>
+      </p:sp>
+      <p:sp>
+        <p:nvSpPr>
+          <p:cNvPr id="6" name="Rectangle 5"/>
+          <p:cNvSpPr/>
+          <p:nvPr/>
+        </p:nvSpPr>
+        <p:spPr>
+          <a:xfrm>
+            <a:off x="0" y="6564923"/>
+            <a:ext cx="9144000" cy="228600"/>
+          </a:xfrm>
+          <a:prstGeom prst="rect">
+            <a:avLst/>
+          </a:prstGeom>
+          <a:solidFill>
+            <a:srgbClr val="3B5586"/>
+          </a:solidFill>
+          <a:ln>
+            <a:solidFill>
+              <a:srgbClr val="3B5586"/>
+            </a:solidFill>
+          </a:ln>
+        </p:spPr>
+        <p:style>
+          <a:lnRef idx="2">
+            <a:schemeClr val="accent1">
+              <a:shade val="50000"/>
+            </a:schemeClr>
+          </a:lnRef>
+          <a:fillRef idx="1">
+            <a:schemeClr val="accent1"/>
+          </a:fillRef>
+          <a:effectRef idx="0">
+            <a:schemeClr val="accent1"/>
+          </a:effectRef>
+          <a:fontRef idx="minor">
+            <a:schemeClr val="lt1"/>
+          </a:fontRef>
+        </p:style>
+        <p:txBody>
+          <a:bodyPr rtlCol="0" anchor="ctr"/>
+          <a:lstStyle/>
+          <a:p>
+            <a:pPr algn="ctr"/>
+            <a:endParaRPr lang="en-US"/>
+          </a:p>
+        </p:txBody>
+      </p:sp>
+      <p:sp>
+        <p:nvSpPr>
+          <p:cNvPr id="7" name="Rectangle 6"/>
+          <p:cNvSpPr/>
+          <p:nvPr/>
+        </p:nvSpPr>
+        <p:spPr>
+          <a:xfrm>
+            <a:off x="0" y="6793523"/>
+            <a:ext cx="9144000" cy="76200"/>
+          </a:xfrm>
+          <a:prstGeom prst="rect">
+            <a:avLst/>
+          </a:prstGeom>
+          <a:solidFill>
+            <a:srgbClr val="FFA26B"/>
+          </a:solidFill>
+          <a:ln>
+            <a:solidFill>
+              <a:srgbClr val="FFA26B"/>
+            </a:solidFill>
+          </a:ln>
+        </p:spPr>
+        <p:style>
+          <a:lnRef idx="2">
+            <a:schemeClr val="accent1">
+              <a:shade val="50000"/>
+            </a:schemeClr>
+          </a:lnRef>
+          <a:fillRef idx="1">
+            <a:schemeClr val="accent1"/>
+          </a:fillRef>
+          <a:effectRef idx="0">
+            <a:schemeClr val="accent1"/>
+          </a:effectRef>
+          <a:fontRef idx="minor">
+            <a:schemeClr val="lt1"/>
+          </a:fontRef>
+        </p:style>
+        <p:txBody>
+          <a:bodyPr rtlCol="0" anchor="ctr"/>
+          <a:lstStyle/>
+          <a:p>
+            <a:pPr algn="ctr"/>
+            <a:endParaRPr lang="en-US"/>
+          </a:p>
+        </p:txBody>
+      </p:sp>
     </p:spTree>
     <p:extLst>
       <p:ext uri="{BB962C8B-B14F-4D97-AF65-F5344CB8AC3E}">
@@ -14538,6 +18285,198 @@
               <a:t>Plus an “alternative” way of adding custom methods.</a:t>
             </a:r>
             <a:endParaRPr lang="en-US" dirty="0"/>
+          </a:p>
+        </p:txBody>
+      </p:sp>
+      <p:sp>
+        <p:nvSpPr>
+          <p:cNvPr id="4" name="Rectangle 3"/>
+          <p:cNvSpPr/>
+          <p:nvPr/>
+        </p:nvSpPr>
+        <p:spPr>
+          <a:xfrm>
+            <a:off x="0" y="0"/>
+            <a:ext cx="9144000" cy="228600"/>
+          </a:xfrm>
+          <a:prstGeom prst="rect">
+            <a:avLst/>
+          </a:prstGeom>
+          <a:solidFill>
+            <a:srgbClr val="3B5586"/>
+          </a:solidFill>
+          <a:ln>
+            <a:solidFill>
+              <a:srgbClr val="3B5586"/>
+            </a:solidFill>
+          </a:ln>
+        </p:spPr>
+        <p:style>
+          <a:lnRef idx="2">
+            <a:schemeClr val="accent1">
+              <a:shade val="50000"/>
+            </a:schemeClr>
+          </a:lnRef>
+          <a:fillRef idx="1">
+            <a:schemeClr val="accent1"/>
+          </a:fillRef>
+          <a:effectRef idx="0">
+            <a:schemeClr val="accent1"/>
+          </a:effectRef>
+          <a:fontRef idx="minor">
+            <a:schemeClr val="lt1"/>
+          </a:fontRef>
+        </p:style>
+        <p:txBody>
+          <a:bodyPr rtlCol="0" anchor="ctr"/>
+          <a:lstStyle/>
+          <a:p>
+            <a:pPr algn="ctr"/>
+            <a:endParaRPr lang="en-US"/>
+          </a:p>
+        </p:txBody>
+      </p:sp>
+      <p:sp>
+        <p:nvSpPr>
+          <p:cNvPr id="5" name="Rectangle 4"/>
+          <p:cNvSpPr/>
+          <p:nvPr/>
+        </p:nvSpPr>
+        <p:spPr>
+          <a:xfrm>
+            <a:off x="0" y="228600"/>
+            <a:ext cx="9144000" cy="76200"/>
+          </a:xfrm>
+          <a:prstGeom prst="rect">
+            <a:avLst/>
+          </a:prstGeom>
+          <a:solidFill>
+            <a:srgbClr val="FFA26B"/>
+          </a:solidFill>
+          <a:ln>
+            <a:solidFill>
+              <a:srgbClr val="FFA26B"/>
+            </a:solidFill>
+          </a:ln>
+        </p:spPr>
+        <p:style>
+          <a:lnRef idx="2">
+            <a:schemeClr val="accent1">
+              <a:shade val="50000"/>
+            </a:schemeClr>
+          </a:lnRef>
+          <a:fillRef idx="1">
+            <a:schemeClr val="accent1"/>
+          </a:fillRef>
+          <a:effectRef idx="0">
+            <a:schemeClr val="accent1"/>
+          </a:effectRef>
+          <a:fontRef idx="minor">
+            <a:schemeClr val="lt1"/>
+          </a:fontRef>
+        </p:style>
+        <p:txBody>
+          <a:bodyPr rtlCol="0" anchor="ctr"/>
+          <a:lstStyle/>
+          <a:p>
+            <a:pPr algn="ctr"/>
+            <a:endParaRPr lang="en-US"/>
+          </a:p>
+        </p:txBody>
+      </p:sp>
+      <p:sp>
+        <p:nvSpPr>
+          <p:cNvPr id="6" name="Rectangle 5"/>
+          <p:cNvSpPr/>
+          <p:nvPr/>
+        </p:nvSpPr>
+        <p:spPr>
+          <a:xfrm>
+            <a:off x="0" y="6564923"/>
+            <a:ext cx="9144000" cy="228600"/>
+          </a:xfrm>
+          <a:prstGeom prst="rect">
+            <a:avLst/>
+          </a:prstGeom>
+          <a:solidFill>
+            <a:srgbClr val="3B5586"/>
+          </a:solidFill>
+          <a:ln>
+            <a:solidFill>
+              <a:srgbClr val="3B5586"/>
+            </a:solidFill>
+          </a:ln>
+        </p:spPr>
+        <p:style>
+          <a:lnRef idx="2">
+            <a:schemeClr val="accent1">
+              <a:shade val="50000"/>
+            </a:schemeClr>
+          </a:lnRef>
+          <a:fillRef idx="1">
+            <a:schemeClr val="accent1"/>
+          </a:fillRef>
+          <a:effectRef idx="0">
+            <a:schemeClr val="accent1"/>
+          </a:effectRef>
+          <a:fontRef idx="minor">
+            <a:schemeClr val="lt1"/>
+          </a:fontRef>
+        </p:style>
+        <p:txBody>
+          <a:bodyPr rtlCol="0" anchor="ctr"/>
+          <a:lstStyle/>
+          <a:p>
+            <a:pPr algn="ctr"/>
+            <a:endParaRPr lang="en-US"/>
+          </a:p>
+        </p:txBody>
+      </p:sp>
+      <p:sp>
+        <p:nvSpPr>
+          <p:cNvPr id="7" name="Rectangle 6"/>
+          <p:cNvSpPr/>
+          <p:nvPr/>
+        </p:nvSpPr>
+        <p:spPr>
+          <a:xfrm>
+            <a:off x="0" y="6793523"/>
+            <a:ext cx="9144000" cy="76200"/>
+          </a:xfrm>
+          <a:prstGeom prst="rect">
+            <a:avLst/>
+          </a:prstGeom>
+          <a:solidFill>
+            <a:srgbClr val="FFA26B"/>
+          </a:solidFill>
+          <a:ln>
+            <a:solidFill>
+              <a:srgbClr val="FFA26B"/>
+            </a:solidFill>
+          </a:ln>
+        </p:spPr>
+        <p:style>
+          <a:lnRef idx="2">
+            <a:schemeClr val="accent1">
+              <a:shade val="50000"/>
+            </a:schemeClr>
+          </a:lnRef>
+          <a:fillRef idx="1">
+            <a:schemeClr val="accent1"/>
+          </a:fillRef>
+          <a:effectRef idx="0">
+            <a:schemeClr val="accent1"/>
+          </a:effectRef>
+          <a:fontRef idx="minor">
+            <a:schemeClr val="lt1"/>
+          </a:fontRef>
+        </p:style>
+        <p:txBody>
+          <a:bodyPr rtlCol="0" anchor="ctr"/>
+          <a:lstStyle/>
+          <a:p>
+            <a:pPr algn="ctr"/>
+            <a:endParaRPr lang="en-US"/>
           </a:p>
         </p:txBody>
       </p:sp>
@@ -14817,6 +18756,198 @@
           </a:p>
         </p:txBody>
       </p:sp>
+      <p:sp>
+        <p:nvSpPr>
+          <p:cNvPr id="4" name="Rectangle 3"/>
+          <p:cNvSpPr/>
+          <p:nvPr/>
+        </p:nvSpPr>
+        <p:spPr>
+          <a:xfrm>
+            <a:off x="0" y="0"/>
+            <a:ext cx="9144000" cy="228600"/>
+          </a:xfrm>
+          <a:prstGeom prst="rect">
+            <a:avLst/>
+          </a:prstGeom>
+          <a:solidFill>
+            <a:srgbClr val="3B5586"/>
+          </a:solidFill>
+          <a:ln>
+            <a:solidFill>
+              <a:srgbClr val="3B5586"/>
+            </a:solidFill>
+          </a:ln>
+        </p:spPr>
+        <p:style>
+          <a:lnRef idx="2">
+            <a:schemeClr val="accent1">
+              <a:shade val="50000"/>
+            </a:schemeClr>
+          </a:lnRef>
+          <a:fillRef idx="1">
+            <a:schemeClr val="accent1"/>
+          </a:fillRef>
+          <a:effectRef idx="0">
+            <a:schemeClr val="accent1"/>
+          </a:effectRef>
+          <a:fontRef idx="minor">
+            <a:schemeClr val="lt1"/>
+          </a:fontRef>
+        </p:style>
+        <p:txBody>
+          <a:bodyPr rtlCol="0" anchor="ctr"/>
+          <a:lstStyle/>
+          <a:p>
+            <a:pPr algn="ctr"/>
+            <a:endParaRPr lang="en-US"/>
+          </a:p>
+        </p:txBody>
+      </p:sp>
+      <p:sp>
+        <p:nvSpPr>
+          <p:cNvPr id="5" name="Rectangle 4"/>
+          <p:cNvSpPr/>
+          <p:nvPr/>
+        </p:nvSpPr>
+        <p:spPr>
+          <a:xfrm>
+            <a:off x="0" y="228600"/>
+            <a:ext cx="9144000" cy="76200"/>
+          </a:xfrm>
+          <a:prstGeom prst="rect">
+            <a:avLst/>
+          </a:prstGeom>
+          <a:solidFill>
+            <a:srgbClr val="FFA26B"/>
+          </a:solidFill>
+          <a:ln>
+            <a:solidFill>
+              <a:srgbClr val="FFA26B"/>
+            </a:solidFill>
+          </a:ln>
+        </p:spPr>
+        <p:style>
+          <a:lnRef idx="2">
+            <a:schemeClr val="accent1">
+              <a:shade val="50000"/>
+            </a:schemeClr>
+          </a:lnRef>
+          <a:fillRef idx="1">
+            <a:schemeClr val="accent1"/>
+          </a:fillRef>
+          <a:effectRef idx="0">
+            <a:schemeClr val="accent1"/>
+          </a:effectRef>
+          <a:fontRef idx="minor">
+            <a:schemeClr val="lt1"/>
+          </a:fontRef>
+        </p:style>
+        <p:txBody>
+          <a:bodyPr rtlCol="0" anchor="ctr"/>
+          <a:lstStyle/>
+          <a:p>
+            <a:pPr algn="ctr"/>
+            <a:endParaRPr lang="en-US"/>
+          </a:p>
+        </p:txBody>
+      </p:sp>
+      <p:sp>
+        <p:nvSpPr>
+          <p:cNvPr id="6" name="Rectangle 5"/>
+          <p:cNvSpPr/>
+          <p:nvPr/>
+        </p:nvSpPr>
+        <p:spPr>
+          <a:xfrm>
+            <a:off x="0" y="6564923"/>
+            <a:ext cx="9144000" cy="228600"/>
+          </a:xfrm>
+          <a:prstGeom prst="rect">
+            <a:avLst/>
+          </a:prstGeom>
+          <a:solidFill>
+            <a:srgbClr val="3B5586"/>
+          </a:solidFill>
+          <a:ln>
+            <a:solidFill>
+              <a:srgbClr val="3B5586"/>
+            </a:solidFill>
+          </a:ln>
+        </p:spPr>
+        <p:style>
+          <a:lnRef idx="2">
+            <a:schemeClr val="accent1">
+              <a:shade val="50000"/>
+            </a:schemeClr>
+          </a:lnRef>
+          <a:fillRef idx="1">
+            <a:schemeClr val="accent1"/>
+          </a:fillRef>
+          <a:effectRef idx="0">
+            <a:schemeClr val="accent1"/>
+          </a:effectRef>
+          <a:fontRef idx="minor">
+            <a:schemeClr val="lt1"/>
+          </a:fontRef>
+        </p:style>
+        <p:txBody>
+          <a:bodyPr rtlCol="0" anchor="ctr"/>
+          <a:lstStyle/>
+          <a:p>
+            <a:pPr algn="ctr"/>
+            <a:endParaRPr lang="en-US"/>
+          </a:p>
+        </p:txBody>
+      </p:sp>
+      <p:sp>
+        <p:nvSpPr>
+          <p:cNvPr id="7" name="Rectangle 6"/>
+          <p:cNvSpPr/>
+          <p:nvPr/>
+        </p:nvSpPr>
+        <p:spPr>
+          <a:xfrm>
+            <a:off x="0" y="6793523"/>
+            <a:ext cx="9144000" cy="76200"/>
+          </a:xfrm>
+          <a:prstGeom prst="rect">
+            <a:avLst/>
+          </a:prstGeom>
+          <a:solidFill>
+            <a:srgbClr val="FFA26B"/>
+          </a:solidFill>
+          <a:ln>
+            <a:solidFill>
+              <a:srgbClr val="FFA26B"/>
+            </a:solidFill>
+          </a:ln>
+        </p:spPr>
+        <p:style>
+          <a:lnRef idx="2">
+            <a:schemeClr val="accent1">
+              <a:shade val="50000"/>
+            </a:schemeClr>
+          </a:lnRef>
+          <a:fillRef idx="1">
+            <a:schemeClr val="accent1"/>
+          </a:fillRef>
+          <a:effectRef idx="0">
+            <a:schemeClr val="accent1"/>
+          </a:effectRef>
+          <a:fontRef idx="minor">
+            <a:schemeClr val="lt1"/>
+          </a:fontRef>
+        </p:style>
+        <p:txBody>
+          <a:bodyPr rtlCol="0" anchor="ctr"/>
+          <a:lstStyle/>
+          <a:p>
+            <a:pPr algn="ctr"/>
+            <a:endParaRPr lang="en-US"/>
+          </a:p>
+        </p:txBody>
+      </p:sp>
     </p:spTree>
     <p:extLst>
       <p:ext uri="{BB962C8B-B14F-4D97-AF65-F5344CB8AC3E}">
@@ -15045,6 +19176,198 @@
               <a:rPr lang="en-US" sz="2400" dirty="0"/>
               <a:t>(245a:LNK245a)</a:t>
             </a:r>
+          </a:p>
+        </p:txBody>
+      </p:sp>
+      <p:sp>
+        <p:nvSpPr>
+          <p:cNvPr id="4" name="Rectangle 3"/>
+          <p:cNvSpPr/>
+          <p:nvPr/>
+        </p:nvSpPr>
+        <p:spPr>
+          <a:xfrm>
+            <a:off x="0" y="0"/>
+            <a:ext cx="9144000" cy="228600"/>
+          </a:xfrm>
+          <a:prstGeom prst="rect">
+            <a:avLst/>
+          </a:prstGeom>
+          <a:solidFill>
+            <a:srgbClr val="3B5586"/>
+          </a:solidFill>
+          <a:ln>
+            <a:solidFill>
+              <a:srgbClr val="3B5586"/>
+            </a:solidFill>
+          </a:ln>
+        </p:spPr>
+        <p:style>
+          <a:lnRef idx="2">
+            <a:schemeClr val="accent1">
+              <a:shade val="50000"/>
+            </a:schemeClr>
+          </a:lnRef>
+          <a:fillRef idx="1">
+            <a:schemeClr val="accent1"/>
+          </a:fillRef>
+          <a:effectRef idx="0">
+            <a:schemeClr val="accent1"/>
+          </a:effectRef>
+          <a:fontRef idx="minor">
+            <a:schemeClr val="lt1"/>
+          </a:fontRef>
+        </p:style>
+        <p:txBody>
+          <a:bodyPr rtlCol="0" anchor="ctr"/>
+          <a:lstStyle/>
+          <a:p>
+            <a:pPr algn="ctr"/>
+            <a:endParaRPr lang="en-US"/>
+          </a:p>
+        </p:txBody>
+      </p:sp>
+      <p:sp>
+        <p:nvSpPr>
+          <p:cNvPr id="5" name="Rectangle 4"/>
+          <p:cNvSpPr/>
+          <p:nvPr/>
+        </p:nvSpPr>
+        <p:spPr>
+          <a:xfrm>
+            <a:off x="0" y="228600"/>
+            <a:ext cx="9144000" cy="76200"/>
+          </a:xfrm>
+          <a:prstGeom prst="rect">
+            <a:avLst/>
+          </a:prstGeom>
+          <a:solidFill>
+            <a:srgbClr val="FFA26B"/>
+          </a:solidFill>
+          <a:ln>
+            <a:solidFill>
+              <a:srgbClr val="FFA26B"/>
+            </a:solidFill>
+          </a:ln>
+        </p:spPr>
+        <p:style>
+          <a:lnRef idx="2">
+            <a:schemeClr val="accent1">
+              <a:shade val="50000"/>
+            </a:schemeClr>
+          </a:lnRef>
+          <a:fillRef idx="1">
+            <a:schemeClr val="accent1"/>
+          </a:fillRef>
+          <a:effectRef idx="0">
+            <a:schemeClr val="accent1"/>
+          </a:effectRef>
+          <a:fontRef idx="minor">
+            <a:schemeClr val="lt1"/>
+          </a:fontRef>
+        </p:style>
+        <p:txBody>
+          <a:bodyPr rtlCol="0" anchor="ctr"/>
+          <a:lstStyle/>
+          <a:p>
+            <a:pPr algn="ctr"/>
+            <a:endParaRPr lang="en-US"/>
+          </a:p>
+        </p:txBody>
+      </p:sp>
+      <p:sp>
+        <p:nvSpPr>
+          <p:cNvPr id="6" name="Rectangle 5"/>
+          <p:cNvSpPr/>
+          <p:nvPr/>
+        </p:nvSpPr>
+        <p:spPr>
+          <a:xfrm>
+            <a:off x="0" y="6564923"/>
+            <a:ext cx="9144000" cy="228600"/>
+          </a:xfrm>
+          <a:prstGeom prst="rect">
+            <a:avLst/>
+          </a:prstGeom>
+          <a:solidFill>
+            <a:srgbClr val="3B5586"/>
+          </a:solidFill>
+          <a:ln>
+            <a:solidFill>
+              <a:srgbClr val="3B5586"/>
+            </a:solidFill>
+          </a:ln>
+        </p:spPr>
+        <p:style>
+          <a:lnRef idx="2">
+            <a:schemeClr val="accent1">
+              <a:shade val="50000"/>
+            </a:schemeClr>
+          </a:lnRef>
+          <a:fillRef idx="1">
+            <a:schemeClr val="accent1"/>
+          </a:fillRef>
+          <a:effectRef idx="0">
+            <a:schemeClr val="accent1"/>
+          </a:effectRef>
+          <a:fontRef idx="minor">
+            <a:schemeClr val="lt1"/>
+          </a:fontRef>
+        </p:style>
+        <p:txBody>
+          <a:bodyPr rtlCol="0" anchor="ctr"/>
+          <a:lstStyle/>
+          <a:p>
+            <a:pPr algn="ctr"/>
+            <a:endParaRPr lang="en-US"/>
+          </a:p>
+        </p:txBody>
+      </p:sp>
+      <p:sp>
+        <p:nvSpPr>
+          <p:cNvPr id="7" name="Rectangle 6"/>
+          <p:cNvSpPr/>
+          <p:nvPr/>
+        </p:nvSpPr>
+        <p:spPr>
+          <a:xfrm>
+            <a:off x="0" y="6793523"/>
+            <a:ext cx="9144000" cy="76200"/>
+          </a:xfrm>
+          <a:prstGeom prst="rect">
+            <a:avLst/>
+          </a:prstGeom>
+          <a:solidFill>
+            <a:srgbClr val="FFA26B"/>
+          </a:solidFill>
+          <a:ln>
+            <a:solidFill>
+              <a:srgbClr val="FFA26B"/>
+            </a:solidFill>
+          </a:ln>
+        </p:spPr>
+        <p:style>
+          <a:lnRef idx="2">
+            <a:schemeClr val="accent1">
+              <a:shade val="50000"/>
+            </a:schemeClr>
+          </a:lnRef>
+          <a:fillRef idx="1">
+            <a:schemeClr val="accent1"/>
+          </a:fillRef>
+          <a:effectRef idx="0">
+            <a:schemeClr val="accent1"/>
+          </a:effectRef>
+          <a:fontRef idx="minor">
+            <a:schemeClr val="lt1"/>
+          </a:fontRef>
+        </p:style>
+        <p:txBody>
+          <a:bodyPr rtlCol="0" anchor="ctr"/>
+          <a:lstStyle/>
+          <a:p>
+            <a:pPr algn="ctr"/>
+            <a:endParaRPr lang="en-US"/>
           </a:p>
         </p:txBody>
       </p:sp>
@@ -15625,6 +19948,198 @@
           </a:p>
           <a:p>
             <a:endParaRPr lang="en-US" dirty="0"/>
+          </a:p>
+        </p:txBody>
+      </p:sp>
+      <p:sp>
+        <p:nvSpPr>
+          <p:cNvPr id="6" name="Rectangle 5"/>
+          <p:cNvSpPr/>
+          <p:nvPr/>
+        </p:nvSpPr>
+        <p:spPr>
+          <a:xfrm>
+            <a:off x="0" y="0"/>
+            <a:ext cx="9144000" cy="228600"/>
+          </a:xfrm>
+          <a:prstGeom prst="rect">
+            <a:avLst/>
+          </a:prstGeom>
+          <a:solidFill>
+            <a:srgbClr val="3B5586"/>
+          </a:solidFill>
+          <a:ln>
+            <a:solidFill>
+              <a:srgbClr val="3B5586"/>
+            </a:solidFill>
+          </a:ln>
+        </p:spPr>
+        <p:style>
+          <a:lnRef idx="2">
+            <a:schemeClr val="accent1">
+              <a:shade val="50000"/>
+            </a:schemeClr>
+          </a:lnRef>
+          <a:fillRef idx="1">
+            <a:schemeClr val="accent1"/>
+          </a:fillRef>
+          <a:effectRef idx="0">
+            <a:schemeClr val="accent1"/>
+          </a:effectRef>
+          <a:fontRef idx="minor">
+            <a:schemeClr val="lt1"/>
+          </a:fontRef>
+        </p:style>
+        <p:txBody>
+          <a:bodyPr rtlCol="0" anchor="ctr"/>
+          <a:lstStyle/>
+          <a:p>
+            <a:pPr algn="ctr"/>
+            <a:endParaRPr lang="en-US"/>
+          </a:p>
+        </p:txBody>
+      </p:sp>
+      <p:sp>
+        <p:nvSpPr>
+          <p:cNvPr id="7" name="Rectangle 6"/>
+          <p:cNvSpPr/>
+          <p:nvPr/>
+        </p:nvSpPr>
+        <p:spPr>
+          <a:xfrm>
+            <a:off x="0" y="228600"/>
+            <a:ext cx="9144000" cy="76200"/>
+          </a:xfrm>
+          <a:prstGeom prst="rect">
+            <a:avLst/>
+          </a:prstGeom>
+          <a:solidFill>
+            <a:srgbClr val="FFA26B"/>
+          </a:solidFill>
+          <a:ln>
+            <a:solidFill>
+              <a:srgbClr val="FFA26B"/>
+            </a:solidFill>
+          </a:ln>
+        </p:spPr>
+        <p:style>
+          <a:lnRef idx="2">
+            <a:schemeClr val="accent1">
+              <a:shade val="50000"/>
+            </a:schemeClr>
+          </a:lnRef>
+          <a:fillRef idx="1">
+            <a:schemeClr val="accent1"/>
+          </a:fillRef>
+          <a:effectRef idx="0">
+            <a:schemeClr val="accent1"/>
+          </a:effectRef>
+          <a:fontRef idx="minor">
+            <a:schemeClr val="lt1"/>
+          </a:fontRef>
+        </p:style>
+        <p:txBody>
+          <a:bodyPr rtlCol="0" anchor="ctr"/>
+          <a:lstStyle/>
+          <a:p>
+            <a:pPr algn="ctr"/>
+            <a:endParaRPr lang="en-US"/>
+          </a:p>
+        </p:txBody>
+      </p:sp>
+      <p:sp>
+        <p:nvSpPr>
+          <p:cNvPr id="8" name="Rectangle 7"/>
+          <p:cNvSpPr/>
+          <p:nvPr/>
+        </p:nvSpPr>
+        <p:spPr>
+          <a:xfrm>
+            <a:off x="0" y="6564923"/>
+            <a:ext cx="9144000" cy="228600"/>
+          </a:xfrm>
+          <a:prstGeom prst="rect">
+            <a:avLst/>
+          </a:prstGeom>
+          <a:solidFill>
+            <a:srgbClr val="3B5586"/>
+          </a:solidFill>
+          <a:ln>
+            <a:solidFill>
+              <a:srgbClr val="3B5586"/>
+            </a:solidFill>
+          </a:ln>
+        </p:spPr>
+        <p:style>
+          <a:lnRef idx="2">
+            <a:schemeClr val="accent1">
+              <a:shade val="50000"/>
+            </a:schemeClr>
+          </a:lnRef>
+          <a:fillRef idx="1">
+            <a:schemeClr val="accent1"/>
+          </a:fillRef>
+          <a:effectRef idx="0">
+            <a:schemeClr val="accent1"/>
+          </a:effectRef>
+          <a:fontRef idx="minor">
+            <a:schemeClr val="lt1"/>
+          </a:fontRef>
+        </p:style>
+        <p:txBody>
+          <a:bodyPr rtlCol="0" anchor="ctr"/>
+          <a:lstStyle/>
+          <a:p>
+            <a:pPr algn="ctr"/>
+            <a:endParaRPr lang="en-US"/>
+          </a:p>
+        </p:txBody>
+      </p:sp>
+      <p:sp>
+        <p:nvSpPr>
+          <p:cNvPr id="9" name="Rectangle 8"/>
+          <p:cNvSpPr/>
+          <p:nvPr/>
+        </p:nvSpPr>
+        <p:spPr>
+          <a:xfrm>
+            <a:off x="0" y="6793523"/>
+            <a:ext cx="9144000" cy="76200"/>
+          </a:xfrm>
+          <a:prstGeom prst="rect">
+            <a:avLst/>
+          </a:prstGeom>
+          <a:solidFill>
+            <a:srgbClr val="FFA26B"/>
+          </a:solidFill>
+          <a:ln>
+            <a:solidFill>
+              <a:srgbClr val="FFA26B"/>
+            </a:solidFill>
+          </a:ln>
+        </p:spPr>
+        <p:style>
+          <a:lnRef idx="2">
+            <a:schemeClr val="accent1">
+              <a:shade val="50000"/>
+            </a:schemeClr>
+          </a:lnRef>
+          <a:fillRef idx="1">
+            <a:schemeClr val="accent1"/>
+          </a:fillRef>
+          <a:effectRef idx="0">
+            <a:schemeClr val="accent1"/>
+          </a:effectRef>
+          <a:fontRef idx="minor">
+            <a:schemeClr val="lt1"/>
+          </a:fontRef>
+        </p:style>
+        <p:txBody>
+          <a:bodyPr rtlCol="0" anchor="ctr"/>
+          <a:lstStyle/>
+          <a:p>
+            <a:pPr algn="ctr"/>
+            <a:endParaRPr lang="en-US"/>
           </a:p>
         </p:txBody>
       </p:sp>
@@ -16483,6 +20998,198 @@
           </a:p>
         </p:txBody>
       </p:sp>
+      <p:sp>
+        <p:nvSpPr>
+          <p:cNvPr id="5" name="Rectangle 4"/>
+          <p:cNvSpPr/>
+          <p:nvPr/>
+        </p:nvSpPr>
+        <p:spPr>
+          <a:xfrm>
+            <a:off x="0" y="0"/>
+            <a:ext cx="9144000" cy="228600"/>
+          </a:xfrm>
+          <a:prstGeom prst="rect">
+            <a:avLst/>
+          </a:prstGeom>
+          <a:solidFill>
+            <a:srgbClr val="3B5586"/>
+          </a:solidFill>
+          <a:ln>
+            <a:solidFill>
+              <a:srgbClr val="3B5586"/>
+            </a:solidFill>
+          </a:ln>
+        </p:spPr>
+        <p:style>
+          <a:lnRef idx="2">
+            <a:schemeClr val="accent1">
+              <a:shade val="50000"/>
+            </a:schemeClr>
+          </a:lnRef>
+          <a:fillRef idx="1">
+            <a:schemeClr val="accent1"/>
+          </a:fillRef>
+          <a:effectRef idx="0">
+            <a:schemeClr val="accent1"/>
+          </a:effectRef>
+          <a:fontRef idx="minor">
+            <a:schemeClr val="lt1"/>
+          </a:fontRef>
+        </p:style>
+        <p:txBody>
+          <a:bodyPr rtlCol="0" anchor="ctr"/>
+          <a:lstStyle/>
+          <a:p>
+            <a:pPr algn="ctr"/>
+            <a:endParaRPr lang="en-US"/>
+          </a:p>
+        </p:txBody>
+      </p:sp>
+      <p:sp>
+        <p:nvSpPr>
+          <p:cNvPr id="6" name="Rectangle 5"/>
+          <p:cNvSpPr/>
+          <p:nvPr/>
+        </p:nvSpPr>
+        <p:spPr>
+          <a:xfrm>
+            <a:off x="0" y="228600"/>
+            <a:ext cx="9144000" cy="76200"/>
+          </a:xfrm>
+          <a:prstGeom prst="rect">
+            <a:avLst/>
+          </a:prstGeom>
+          <a:solidFill>
+            <a:srgbClr val="FFA26B"/>
+          </a:solidFill>
+          <a:ln>
+            <a:solidFill>
+              <a:srgbClr val="FFA26B"/>
+            </a:solidFill>
+          </a:ln>
+        </p:spPr>
+        <p:style>
+          <a:lnRef idx="2">
+            <a:schemeClr val="accent1">
+              <a:shade val="50000"/>
+            </a:schemeClr>
+          </a:lnRef>
+          <a:fillRef idx="1">
+            <a:schemeClr val="accent1"/>
+          </a:fillRef>
+          <a:effectRef idx="0">
+            <a:schemeClr val="accent1"/>
+          </a:effectRef>
+          <a:fontRef idx="minor">
+            <a:schemeClr val="lt1"/>
+          </a:fontRef>
+        </p:style>
+        <p:txBody>
+          <a:bodyPr rtlCol="0" anchor="ctr"/>
+          <a:lstStyle/>
+          <a:p>
+            <a:pPr algn="ctr"/>
+            <a:endParaRPr lang="en-US"/>
+          </a:p>
+        </p:txBody>
+      </p:sp>
+      <p:sp>
+        <p:nvSpPr>
+          <p:cNvPr id="7" name="Rectangle 6"/>
+          <p:cNvSpPr/>
+          <p:nvPr/>
+        </p:nvSpPr>
+        <p:spPr>
+          <a:xfrm>
+            <a:off x="0" y="6564923"/>
+            <a:ext cx="9144000" cy="228600"/>
+          </a:xfrm>
+          <a:prstGeom prst="rect">
+            <a:avLst/>
+          </a:prstGeom>
+          <a:solidFill>
+            <a:srgbClr val="3B5586"/>
+          </a:solidFill>
+          <a:ln>
+            <a:solidFill>
+              <a:srgbClr val="3B5586"/>
+            </a:solidFill>
+          </a:ln>
+        </p:spPr>
+        <p:style>
+          <a:lnRef idx="2">
+            <a:schemeClr val="accent1">
+              <a:shade val="50000"/>
+            </a:schemeClr>
+          </a:lnRef>
+          <a:fillRef idx="1">
+            <a:schemeClr val="accent1"/>
+          </a:fillRef>
+          <a:effectRef idx="0">
+            <a:schemeClr val="accent1"/>
+          </a:effectRef>
+          <a:fontRef idx="minor">
+            <a:schemeClr val="lt1"/>
+          </a:fontRef>
+        </p:style>
+        <p:txBody>
+          <a:bodyPr rtlCol="0" anchor="ctr"/>
+          <a:lstStyle/>
+          <a:p>
+            <a:pPr algn="ctr"/>
+            <a:endParaRPr lang="en-US"/>
+          </a:p>
+        </p:txBody>
+      </p:sp>
+      <p:sp>
+        <p:nvSpPr>
+          <p:cNvPr id="8" name="Rectangle 7"/>
+          <p:cNvSpPr/>
+          <p:nvPr/>
+        </p:nvSpPr>
+        <p:spPr>
+          <a:xfrm>
+            <a:off x="0" y="6793523"/>
+            <a:ext cx="9144000" cy="76200"/>
+          </a:xfrm>
+          <a:prstGeom prst="rect">
+            <a:avLst/>
+          </a:prstGeom>
+          <a:solidFill>
+            <a:srgbClr val="FFA26B"/>
+          </a:solidFill>
+          <a:ln>
+            <a:solidFill>
+              <a:srgbClr val="FFA26B"/>
+            </a:solidFill>
+          </a:ln>
+        </p:spPr>
+        <p:style>
+          <a:lnRef idx="2">
+            <a:schemeClr val="accent1">
+              <a:shade val="50000"/>
+            </a:schemeClr>
+          </a:lnRef>
+          <a:fillRef idx="1">
+            <a:schemeClr val="accent1"/>
+          </a:fillRef>
+          <a:effectRef idx="0">
+            <a:schemeClr val="accent1"/>
+          </a:effectRef>
+          <a:fontRef idx="minor">
+            <a:schemeClr val="lt1"/>
+          </a:fontRef>
+        </p:style>
+        <p:txBody>
+          <a:bodyPr rtlCol="0" anchor="ctr"/>
+          <a:lstStyle/>
+          <a:p>
+            <a:pPr algn="ctr"/>
+            <a:endParaRPr lang="en-US"/>
+          </a:p>
+        </p:txBody>
+      </p:sp>
     </p:spTree>
     <p:extLst>
       <p:ext uri="{BB962C8B-B14F-4D97-AF65-F5344CB8AC3E}">
@@ -16883,6 +21590,198 @@
               <a:rPr lang="en-US" sz="2200" dirty="0"/>
               <a:t>"))</a:t>
             </a:r>
+          </a:p>
+        </p:txBody>
+      </p:sp>
+      <p:sp>
+        <p:nvSpPr>
+          <p:cNvPr id="4" name="Rectangle 3"/>
+          <p:cNvSpPr/>
+          <p:nvPr/>
+        </p:nvSpPr>
+        <p:spPr>
+          <a:xfrm>
+            <a:off x="0" y="0"/>
+            <a:ext cx="9144000" cy="228600"/>
+          </a:xfrm>
+          <a:prstGeom prst="rect">
+            <a:avLst/>
+          </a:prstGeom>
+          <a:solidFill>
+            <a:srgbClr val="3B5586"/>
+          </a:solidFill>
+          <a:ln>
+            <a:solidFill>
+              <a:srgbClr val="3B5586"/>
+            </a:solidFill>
+          </a:ln>
+        </p:spPr>
+        <p:style>
+          <a:lnRef idx="2">
+            <a:schemeClr val="accent1">
+              <a:shade val="50000"/>
+            </a:schemeClr>
+          </a:lnRef>
+          <a:fillRef idx="1">
+            <a:schemeClr val="accent1"/>
+          </a:fillRef>
+          <a:effectRef idx="0">
+            <a:schemeClr val="accent1"/>
+          </a:effectRef>
+          <a:fontRef idx="minor">
+            <a:schemeClr val="lt1"/>
+          </a:fontRef>
+        </p:style>
+        <p:txBody>
+          <a:bodyPr rtlCol="0" anchor="ctr"/>
+          <a:lstStyle/>
+          <a:p>
+            <a:pPr algn="ctr"/>
+            <a:endParaRPr lang="en-US"/>
+          </a:p>
+        </p:txBody>
+      </p:sp>
+      <p:sp>
+        <p:nvSpPr>
+          <p:cNvPr id="5" name="Rectangle 4"/>
+          <p:cNvSpPr/>
+          <p:nvPr/>
+        </p:nvSpPr>
+        <p:spPr>
+          <a:xfrm>
+            <a:off x="0" y="228600"/>
+            <a:ext cx="9144000" cy="76200"/>
+          </a:xfrm>
+          <a:prstGeom prst="rect">
+            <a:avLst/>
+          </a:prstGeom>
+          <a:solidFill>
+            <a:srgbClr val="FFA26B"/>
+          </a:solidFill>
+          <a:ln>
+            <a:solidFill>
+              <a:srgbClr val="FFA26B"/>
+            </a:solidFill>
+          </a:ln>
+        </p:spPr>
+        <p:style>
+          <a:lnRef idx="2">
+            <a:schemeClr val="accent1">
+              <a:shade val="50000"/>
+            </a:schemeClr>
+          </a:lnRef>
+          <a:fillRef idx="1">
+            <a:schemeClr val="accent1"/>
+          </a:fillRef>
+          <a:effectRef idx="0">
+            <a:schemeClr val="accent1"/>
+          </a:effectRef>
+          <a:fontRef idx="minor">
+            <a:schemeClr val="lt1"/>
+          </a:fontRef>
+        </p:style>
+        <p:txBody>
+          <a:bodyPr rtlCol="0" anchor="ctr"/>
+          <a:lstStyle/>
+          <a:p>
+            <a:pPr algn="ctr"/>
+            <a:endParaRPr lang="en-US"/>
+          </a:p>
+        </p:txBody>
+      </p:sp>
+      <p:sp>
+        <p:nvSpPr>
+          <p:cNvPr id="6" name="Rectangle 5"/>
+          <p:cNvSpPr/>
+          <p:nvPr/>
+        </p:nvSpPr>
+        <p:spPr>
+          <a:xfrm>
+            <a:off x="0" y="6564923"/>
+            <a:ext cx="9144000" cy="228600"/>
+          </a:xfrm>
+          <a:prstGeom prst="rect">
+            <a:avLst/>
+          </a:prstGeom>
+          <a:solidFill>
+            <a:srgbClr val="3B5586"/>
+          </a:solidFill>
+          <a:ln>
+            <a:solidFill>
+              <a:srgbClr val="3B5586"/>
+            </a:solidFill>
+          </a:ln>
+        </p:spPr>
+        <p:style>
+          <a:lnRef idx="2">
+            <a:schemeClr val="accent1">
+              <a:shade val="50000"/>
+            </a:schemeClr>
+          </a:lnRef>
+          <a:fillRef idx="1">
+            <a:schemeClr val="accent1"/>
+          </a:fillRef>
+          <a:effectRef idx="0">
+            <a:schemeClr val="accent1"/>
+          </a:effectRef>
+          <a:fontRef idx="minor">
+            <a:schemeClr val="lt1"/>
+          </a:fontRef>
+        </p:style>
+        <p:txBody>
+          <a:bodyPr rtlCol="0" anchor="ctr"/>
+          <a:lstStyle/>
+          <a:p>
+            <a:pPr algn="ctr"/>
+            <a:endParaRPr lang="en-US"/>
+          </a:p>
+        </p:txBody>
+      </p:sp>
+      <p:sp>
+        <p:nvSpPr>
+          <p:cNvPr id="7" name="Rectangle 6"/>
+          <p:cNvSpPr/>
+          <p:nvPr/>
+        </p:nvSpPr>
+        <p:spPr>
+          <a:xfrm>
+            <a:off x="0" y="6793523"/>
+            <a:ext cx="9144000" cy="76200"/>
+          </a:xfrm>
+          <a:prstGeom prst="rect">
+            <a:avLst/>
+          </a:prstGeom>
+          <a:solidFill>
+            <a:srgbClr val="FFA26B"/>
+          </a:solidFill>
+          <a:ln>
+            <a:solidFill>
+              <a:srgbClr val="FFA26B"/>
+            </a:solidFill>
+          </a:ln>
+        </p:spPr>
+        <p:style>
+          <a:lnRef idx="2">
+            <a:schemeClr val="accent1">
+              <a:shade val="50000"/>
+            </a:schemeClr>
+          </a:lnRef>
+          <a:fillRef idx="1">
+            <a:schemeClr val="accent1"/>
+          </a:fillRef>
+          <a:effectRef idx="0">
+            <a:schemeClr val="accent1"/>
+          </a:effectRef>
+          <a:fontRef idx="minor">
+            <a:schemeClr val="lt1"/>
+          </a:fontRef>
+        </p:style>
+        <p:txBody>
+          <a:bodyPr rtlCol="0" anchor="ctr"/>
+          <a:lstStyle/>
+          <a:p>
+            <a:pPr algn="ctr"/>
+            <a:endParaRPr lang="en-US"/>
           </a:p>
         </p:txBody>
       </p:sp>

--- a/New Release of SolrMarc.pptx
+++ b/New Release of SolrMarc.pptx
@@ -17832,13 +17832,266 @@
   <p:clrMapOvr>
     <a:masterClrMapping/>
   </p:clrMapOvr>
-  <p:timing>
-    <p:tnLst>
-      <p:par>
-        <p:cTn id="1" dur="indefinite" restart="never" nodeType="tmRoot"/>
-      </p:par>
-    </p:tnLst>
-  </p:timing>
+  <mc:AlternateContent xmlns:mc="http://schemas.openxmlformats.org/markup-compatibility/2006">
+    <mc:Choice xmlns:p14="http://schemas.microsoft.com/office/powerpoint/2010/main" Requires="p14">
+      <p:timing>
+        <p:tnLst>
+          <p:par>
+            <p:cTn id="1" dur="indefinite" restart="never" nodeType="tmRoot">
+              <p:childTnLst>
+                <p:seq concurrent="1" nextAc="seek">
+                  <p:cTn id="2" dur="indefinite" nodeType="mainSeq">
+                    <p:childTnLst>
+                      <p:par>
+                        <p:cTn id="3" fill="hold">
+                          <p:stCondLst>
+                            <p:cond delay="indefinite"/>
+                          </p:stCondLst>
+                          <p:childTnLst>
+                            <p:par>
+                              <p:cTn id="4" fill="hold">
+                                <p:stCondLst>
+                                  <p:cond delay="0"/>
+                                </p:stCondLst>
+                                <p:childTnLst>
+                                  <p:par>
+                                    <p:cTn id="5" presetID="2" presetClass="entr" presetSubtype="2" fill="hold" grpId="0" nodeType="clickEffect" p14:presetBounceEnd="8000">
+                                      <p:stCondLst>
+                                        <p:cond delay="0"/>
+                                      </p:stCondLst>
+                                      <p:iterate type="wd">
+                                        <p:tmPct val="15000"/>
+                                      </p:iterate>
+                                      <p:childTnLst>
+                                        <p:set>
+                                          <p:cBhvr>
+                                            <p:cTn id="6" dur="1" fill="hold">
+                                              <p:stCondLst>
+                                                <p:cond delay="0"/>
+                                              </p:stCondLst>
+                                            </p:cTn>
+                                            <p:tgtEl>
+                                              <p:spTgt spid="9"/>
+                                            </p:tgtEl>
+                                            <p:attrNameLst>
+                                              <p:attrName>style.visibility</p:attrName>
+                                            </p:attrNameLst>
+                                          </p:cBhvr>
+                                          <p:to>
+                                            <p:strVal val="visible"/>
+                                          </p:to>
+                                        </p:set>
+                                        <p:anim calcmode="lin" valueType="num" p14:bounceEnd="8000">
+                                          <p:cBhvr additive="base">
+                                            <p:cTn id="7" dur="4000" fill="hold"/>
+                                            <p:tgtEl>
+                                              <p:spTgt spid="9"/>
+                                            </p:tgtEl>
+                                            <p:attrNameLst>
+                                              <p:attrName>ppt_x</p:attrName>
+                                            </p:attrNameLst>
+                                          </p:cBhvr>
+                                          <p:tavLst>
+                                            <p:tav tm="0">
+                                              <p:val>
+                                                <p:strVal val="1+#ppt_w/2"/>
+                                              </p:val>
+                                            </p:tav>
+                                            <p:tav tm="100000">
+                                              <p:val>
+                                                <p:strVal val="#ppt_x"/>
+                                              </p:val>
+                                            </p:tav>
+                                          </p:tavLst>
+                                        </p:anim>
+                                        <p:anim calcmode="lin" valueType="num" p14:bounceEnd="8000">
+                                          <p:cBhvr additive="base">
+                                            <p:cTn id="8" dur="4000" fill="hold"/>
+                                            <p:tgtEl>
+                                              <p:spTgt spid="9"/>
+                                            </p:tgtEl>
+                                            <p:attrNameLst>
+                                              <p:attrName>ppt_y</p:attrName>
+                                            </p:attrNameLst>
+                                          </p:cBhvr>
+                                          <p:tavLst>
+                                            <p:tav tm="0">
+                                              <p:val>
+                                                <p:strVal val="#ppt_y"/>
+                                              </p:val>
+                                            </p:tav>
+                                            <p:tav tm="100000">
+                                              <p:val>
+                                                <p:strVal val="#ppt_y"/>
+                                              </p:val>
+                                            </p:tav>
+                                          </p:tavLst>
+                                        </p:anim>
+                                      </p:childTnLst>
+                                    </p:cTn>
+                                  </p:par>
+                                </p:childTnLst>
+                              </p:cTn>
+                            </p:par>
+                          </p:childTnLst>
+                        </p:cTn>
+                      </p:par>
+                    </p:childTnLst>
+                  </p:cTn>
+                  <p:prevCondLst>
+                    <p:cond evt="onPrev" delay="0">
+                      <p:tgtEl>
+                        <p:sldTgt/>
+                      </p:tgtEl>
+                    </p:cond>
+                  </p:prevCondLst>
+                  <p:nextCondLst>
+                    <p:cond evt="onNext" delay="0">
+                      <p:tgtEl>
+                        <p:sldTgt/>
+                      </p:tgtEl>
+                    </p:cond>
+                  </p:nextCondLst>
+                </p:seq>
+              </p:childTnLst>
+            </p:cTn>
+          </p:par>
+        </p:tnLst>
+        <p:bldLst>
+          <p:bldP spid="9" grpId="0"/>
+        </p:bldLst>
+      </p:timing>
+    </mc:Choice>
+    <mc:Fallback>
+      <p:timing>
+        <p:tnLst>
+          <p:par>
+            <p:cTn id="1" dur="indefinite" restart="never" nodeType="tmRoot">
+              <p:childTnLst>
+                <p:seq concurrent="1" nextAc="seek">
+                  <p:cTn id="2" dur="indefinite" nodeType="mainSeq">
+                    <p:childTnLst>
+                      <p:par>
+                        <p:cTn id="3" fill="hold">
+                          <p:stCondLst>
+                            <p:cond delay="indefinite"/>
+                          </p:stCondLst>
+                          <p:childTnLst>
+                            <p:par>
+                              <p:cTn id="4" fill="hold">
+                                <p:stCondLst>
+                                  <p:cond delay="0"/>
+                                </p:stCondLst>
+                                <p:childTnLst>
+                                  <p:par>
+                                    <p:cTn id="5" presetID="2" presetClass="entr" presetSubtype="2" fill="hold" grpId="0" nodeType="clickEffect">
+                                      <p:stCondLst>
+                                        <p:cond delay="0"/>
+                                      </p:stCondLst>
+                                      <p:iterate type="wd">
+                                        <p:tmPct val="15000"/>
+                                      </p:iterate>
+                                      <p:childTnLst>
+                                        <p:set>
+                                          <p:cBhvr>
+                                            <p:cTn id="6" dur="1" fill="hold">
+                                              <p:stCondLst>
+                                                <p:cond delay="0"/>
+                                              </p:stCondLst>
+                                            </p:cTn>
+                                            <p:tgtEl>
+                                              <p:spTgt spid="9"/>
+                                            </p:tgtEl>
+                                            <p:attrNameLst>
+                                              <p:attrName>style.visibility</p:attrName>
+                                            </p:attrNameLst>
+                                          </p:cBhvr>
+                                          <p:to>
+                                            <p:strVal val="visible"/>
+                                          </p:to>
+                                        </p:set>
+                                        <p:anim calcmode="lin" valueType="num">
+                                          <p:cBhvr additive="base">
+                                            <p:cTn id="7" dur="4000" fill="hold"/>
+                                            <p:tgtEl>
+                                              <p:spTgt spid="9"/>
+                                            </p:tgtEl>
+                                            <p:attrNameLst>
+                                              <p:attrName>ppt_x</p:attrName>
+                                            </p:attrNameLst>
+                                          </p:cBhvr>
+                                          <p:tavLst>
+                                            <p:tav tm="0">
+                                              <p:val>
+                                                <p:strVal val="1+#ppt_w/2"/>
+                                              </p:val>
+                                            </p:tav>
+                                            <p:tav tm="100000">
+                                              <p:val>
+                                                <p:strVal val="#ppt_x"/>
+                                              </p:val>
+                                            </p:tav>
+                                          </p:tavLst>
+                                        </p:anim>
+                                        <p:anim calcmode="lin" valueType="num">
+                                          <p:cBhvr additive="base">
+                                            <p:cTn id="8" dur="4000" fill="hold"/>
+                                            <p:tgtEl>
+                                              <p:spTgt spid="9"/>
+                                            </p:tgtEl>
+                                            <p:attrNameLst>
+                                              <p:attrName>ppt_y</p:attrName>
+                                            </p:attrNameLst>
+                                          </p:cBhvr>
+                                          <p:tavLst>
+                                            <p:tav tm="0">
+                                              <p:val>
+                                                <p:strVal val="#ppt_y"/>
+                                              </p:val>
+                                            </p:tav>
+                                            <p:tav tm="100000">
+                                              <p:val>
+                                                <p:strVal val="#ppt_y"/>
+                                              </p:val>
+                                            </p:tav>
+                                          </p:tavLst>
+                                        </p:anim>
+                                      </p:childTnLst>
+                                    </p:cTn>
+                                  </p:par>
+                                </p:childTnLst>
+                              </p:cTn>
+                            </p:par>
+                          </p:childTnLst>
+                        </p:cTn>
+                      </p:par>
+                    </p:childTnLst>
+                  </p:cTn>
+                  <p:prevCondLst>
+                    <p:cond evt="onPrev" delay="0">
+                      <p:tgtEl>
+                        <p:sldTgt/>
+                      </p:tgtEl>
+                    </p:cond>
+                  </p:prevCondLst>
+                  <p:nextCondLst>
+                    <p:cond evt="onNext" delay="0">
+                      <p:tgtEl>
+                        <p:sldTgt/>
+                      </p:tgtEl>
+                    </p:cond>
+                  </p:nextCondLst>
+                </p:seq>
+              </p:childTnLst>
+            </p:cTn>
+          </p:par>
+        </p:tnLst>
+        <p:bldLst>
+          <p:bldP spid="9" grpId="0"/>
+        </p:bldLst>
+      </p:timing>
+    </mc:Fallback>
+  </mc:AlternateContent>
 </p:sld>
 </file>
 
